--- a/Helbich - Optická vlákna.pptx
+++ b/Helbich - Optická vlákna.pptx
@@ -8,23 +8,20 @@
     <p:sldId id="256" r:id="rId2"/>
     <p:sldId id="261" r:id="rId3"/>
     <p:sldId id="262" r:id="rId4"/>
-    <p:sldId id="263" r:id="rId5"/>
-    <p:sldId id="264" r:id="rId6"/>
-    <p:sldId id="265" r:id="rId7"/>
-    <p:sldId id="266" r:id="rId8"/>
-    <p:sldId id="267" r:id="rId9"/>
-    <p:sldId id="268" r:id="rId10"/>
-    <p:sldId id="269" r:id="rId11"/>
-    <p:sldId id="270" r:id="rId12"/>
-    <p:sldId id="271" r:id="rId13"/>
-    <p:sldId id="272" r:id="rId14"/>
-    <p:sldId id="273" r:id="rId15"/>
-    <p:sldId id="274" r:id="rId16"/>
-    <p:sldId id="275" r:id="rId17"/>
-    <p:sldId id="257" r:id="rId18"/>
-    <p:sldId id="258" r:id="rId19"/>
-    <p:sldId id="259" r:id="rId20"/>
-    <p:sldId id="260" r:id="rId21"/>
+    <p:sldId id="276" r:id="rId5"/>
+    <p:sldId id="277" r:id="rId6"/>
+    <p:sldId id="263" r:id="rId7"/>
+    <p:sldId id="278" r:id="rId8"/>
+    <p:sldId id="279" r:id="rId9"/>
+    <p:sldId id="264" r:id="rId10"/>
+    <p:sldId id="265" r:id="rId11"/>
+    <p:sldId id="267" r:id="rId12"/>
+    <p:sldId id="280" r:id="rId13"/>
+    <p:sldId id="281" r:id="rId14"/>
+    <p:sldId id="282" r:id="rId15"/>
+    <p:sldId id="283" r:id="rId16"/>
+    <p:sldId id="259" r:id="rId17"/>
+    <p:sldId id="260" r:id="rId18"/>
   </p:sldIdLst>
   <p:sldSz cx="12192000" cy="6858000"/>
   <p:notesSz cx="6858000" cy="9144000"/>
@@ -125,7 +122,7 @@
   </p:defaultTextStyle>
   <p:extLst>
     <p:ext uri="{EFAFB233-063F-42B5-8137-9DF3F51BA10A}">
-      <p15:sldGuideLst xmlns:p15="http://schemas.microsoft.com/office/powerpoint/2012/main"/>
+      <p15:sldGuideLst xmlns:p15="http://schemas.microsoft.com/office/powerpoint/2012/main" xmlns=""/>
     </p:ext>
   </p:extLst>
 </p:presentation>
@@ -135,9 +132,2513 @@
 <p1510:revInfo xmlns:a="http://schemas.openxmlformats.org/drawingml/2006/main" xmlns:r="http://schemas.openxmlformats.org/officeDocument/2006/relationships" xmlns:p1510="http://schemas.microsoft.com/office/powerpoint/2015/10/main">
   <p1510:revLst>
     <p1510:client id="{048C61F5-A9BF-4DF8-B4CD-F2C82399C8D3}" v="115" dt="2023-01-17T18:20:36.377"/>
+    <p1510:client id="{10A3925D-AE67-55AC-205E-4E8BED9CF1E0}" v="114" dt="2023-01-18T20:36:48.195"/>
+    <p1510:client id="{17E19422-6C9B-4956-AAA7-7D381BD93E5A}" v="2" dt="2023-01-19T12:14:35.080"/>
+    <p1510:client id="{3A14A424-BBFF-4793-86E5-C6B7CE8A8276}" v="654" dt="2023-01-19T17:41:05.625"/>
     <p1510:client id="{63A5E986-8A06-CDF5-0027-97C1A992A025}" v="52" dt="2023-01-17T19:47:22.055"/>
+    <p1510:client id="{77DDC102-E4E0-45EE-8927-F52A426E623A}" v="3" dt="2023-01-19T11:54:03.474"/>
+    <p1510:client id="{9AB0C883-EFBE-8AE1-AC93-9ACF9BD21354}" v="423" dt="2023-01-18T20:00:10.776"/>
   </p1510:revLst>
 </p1510:revInfo>
+</file>
+
+<file path=ppt/diagrams/colors1.xml><?xml version="1.0" encoding="utf-8"?>
+<dgm:colorsDef xmlns:dgm="http://schemas.openxmlformats.org/drawingml/2006/diagram" xmlns:a="http://schemas.openxmlformats.org/drawingml/2006/main" uniqueId="urn:microsoft.com/office/officeart/2005/8/colors/colorful5">
+  <dgm:title val=""/>
+  <dgm:desc val=""/>
+  <dgm:catLst>
+    <dgm:cat type="colorful" pri="10500"/>
+  </dgm:catLst>
+  <dgm:styleLbl name="node0">
+    <dgm:fillClrLst meth="repeat">
+      <a:schemeClr val="accent4"/>
+    </dgm:fillClrLst>
+    <dgm:linClrLst meth="repeat">
+      <a:schemeClr val="lt1"/>
+    </dgm:linClrLst>
+    <dgm:effectClrLst/>
+    <dgm:txLinClrLst/>
+    <dgm:txFillClrLst/>
+    <dgm:txEffectClrLst/>
+  </dgm:styleLbl>
+  <dgm:styleLbl name="node1">
+    <dgm:fillClrLst>
+      <a:schemeClr val="accent5"/>
+      <a:schemeClr val="accent6"/>
+    </dgm:fillClrLst>
+    <dgm:linClrLst meth="repeat">
+      <a:schemeClr val="lt1"/>
+    </dgm:linClrLst>
+    <dgm:effectClrLst/>
+    <dgm:txLinClrLst/>
+    <dgm:txFillClrLst/>
+    <dgm:txEffectClrLst/>
+  </dgm:styleLbl>
+  <dgm:styleLbl name="alignNode1">
+    <dgm:fillClrLst>
+      <a:schemeClr val="accent5"/>
+      <a:schemeClr val="accent6"/>
+    </dgm:fillClrLst>
+    <dgm:linClrLst>
+      <a:schemeClr val="accent5"/>
+      <a:schemeClr val="accent6"/>
+    </dgm:linClrLst>
+    <dgm:effectClrLst/>
+    <dgm:txLinClrLst/>
+    <dgm:txFillClrLst/>
+    <dgm:txEffectClrLst/>
+  </dgm:styleLbl>
+  <dgm:styleLbl name="lnNode1">
+    <dgm:fillClrLst>
+      <a:schemeClr val="accent5"/>
+      <a:schemeClr val="accent6"/>
+    </dgm:fillClrLst>
+    <dgm:linClrLst meth="repeat">
+      <a:schemeClr val="lt1"/>
+    </dgm:linClrLst>
+    <dgm:effectClrLst/>
+    <dgm:txLinClrLst/>
+    <dgm:txFillClrLst/>
+    <dgm:txEffectClrLst/>
+  </dgm:styleLbl>
+  <dgm:styleLbl name="vennNode1">
+    <dgm:fillClrLst>
+      <a:schemeClr val="accent5">
+        <a:alpha val="50000"/>
+      </a:schemeClr>
+      <a:schemeClr val="accent6">
+        <a:alpha val="50000"/>
+      </a:schemeClr>
+    </dgm:fillClrLst>
+    <dgm:linClrLst meth="repeat">
+      <a:schemeClr val="lt1"/>
+    </dgm:linClrLst>
+    <dgm:effectClrLst/>
+    <dgm:txLinClrLst/>
+    <dgm:txFillClrLst/>
+    <dgm:txEffectClrLst/>
+  </dgm:styleLbl>
+  <dgm:styleLbl name="node2">
+    <dgm:fillClrLst>
+      <a:schemeClr val="accent6"/>
+    </dgm:fillClrLst>
+    <dgm:linClrLst meth="repeat">
+      <a:schemeClr val="lt1"/>
+    </dgm:linClrLst>
+    <dgm:effectClrLst/>
+    <dgm:txLinClrLst/>
+    <dgm:txFillClrLst/>
+    <dgm:txEffectClrLst/>
+  </dgm:styleLbl>
+  <dgm:styleLbl name="node3">
+    <dgm:fillClrLst>
+      <a:schemeClr val="accent1"/>
+    </dgm:fillClrLst>
+    <dgm:linClrLst meth="repeat">
+      <a:schemeClr val="lt1"/>
+    </dgm:linClrLst>
+    <dgm:effectClrLst/>
+    <dgm:txLinClrLst/>
+    <dgm:txFillClrLst/>
+    <dgm:txEffectClrLst/>
+  </dgm:styleLbl>
+  <dgm:styleLbl name="node4">
+    <dgm:fillClrLst>
+      <a:schemeClr val="accent2"/>
+    </dgm:fillClrLst>
+    <dgm:linClrLst meth="repeat">
+      <a:schemeClr val="lt1"/>
+    </dgm:linClrLst>
+    <dgm:effectClrLst/>
+    <dgm:txLinClrLst/>
+    <dgm:txFillClrLst/>
+    <dgm:txEffectClrLst/>
+  </dgm:styleLbl>
+  <dgm:styleLbl name="fgImgPlace1">
+    <dgm:fillClrLst>
+      <a:schemeClr val="accent5">
+        <a:tint val="50000"/>
+      </a:schemeClr>
+      <a:schemeClr val="accent6">
+        <a:tint val="50000"/>
+      </a:schemeClr>
+    </dgm:fillClrLst>
+    <dgm:linClrLst meth="repeat">
+      <a:schemeClr val="lt1"/>
+    </dgm:linClrLst>
+    <dgm:effectClrLst/>
+    <dgm:txLinClrLst/>
+    <dgm:txFillClrLst meth="repeat">
+      <a:schemeClr val="lt1"/>
+    </dgm:txFillClrLst>
+    <dgm:txEffectClrLst/>
+  </dgm:styleLbl>
+  <dgm:styleLbl name="alignImgPlace1">
+    <dgm:fillClrLst>
+      <a:schemeClr val="accent5">
+        <a:tint val="50000"/>
+      </a:schemeClr>
+      <a:schemeClr val="accent6">
+        <a:tint val="20000"/>
+      </a:schemeClr>
+    </dgm:fillClrLst>
+    <dgm:linClrLst meth="repeat">
+      <a:schemeClr val="lt1"/>
+    </dgm:linClrLst>
+    <dgm:effectClrLst/>
+    <dgm:txLinClrLst/>
+    <dgm:txFillClrLst meth="repeat">
+      <a:schemeClr val="lt1"/>
+    </dgm:txFillClrLst>
+    <dgm:txEffectClrLst/>
+  </dgm:styleLbl>
+  <dgm:styleLbl name="bgImgPlace1">
+    <dgm:fillClrLst>
+      <a:schemeClr val="accent5">
+        <a:tint val="50000"/>
+      </a:schemeClr>
+      <a:schemeClr val="accent6">
+        <a:tint val="20000"/>
+      </a:schemeClr>
+    </dgm:fillClrLst>
+    <dgm:linClrLst meth="repeat">
+      <a:schemeClr val="lt1"/>
+    </dgm:linClrLst>
+    <dgm:effectClrLst/>
+    <dgm:txLinClrLst/>
+    <dgm:txFillClrLst meth="repeat">
+      <a:schemeClr val="lt1"/>
+    </dgm:txFillClrLst>
+    <dgm:txEffectClrLst/>
+  </dgm:styleLbl>
+  <dgm:styleLbl name="sibTrans2D1">
+    <dgm:fillClrLst>
+      <a:schemeClr val="accent5"/>
+      <a:schemeClr val="accent6"/>
+    </dgm:fillClrLst>
+    <dgm:linClrLst meth="repeat">
+      <a:schemeClr val="lt1"/>
+    </dgm:linClrLst>
+    <dgm:effectClrLst/>
+    <dgm:txLinClrLst/>
+    <dgm:txFillClrLst/>
+    <dgm:txEffectClrLst/>
+  </dgm:styleLbl>
+  <dgm:styleLbl name="fgSibTrans2D1">
+    <dgm:fillClrLst>
+      <a:schemeClr val="accent5"/>
+      <a:schemeClr val="accent6"/>
+    </dgm:fillClrLst>
+    <dgm:linClrLst meth="repeat">
+      <a:schemeClr val="lt1"/>
+    </dgm:linClrLst>
+    <dgm:effectClrLst/>
+    <dgm:txLinClrLst/>
+    <dgm:txFillClrLst meth="repeat">
+      <a:schemeClr val="lt1"/>
+    </dgm:txFillClrLst>
+    <dgm:txEffectClrLst/>
+  </dgm:styleLbl>
+  <dgm:styleLbl name="bgSibTrans2D1">
+    <dgm:fillClrLst>
+      <a:schemeClr val="accent5"/>
+      <a:schemeClr val="accent6"/>
+    </dgm:fillClrLst>
+    <dgm:linClrLst meth="repeat">
+      <a:schemeClr val="lt1"/>
+    </dgm:linClrLst>
+    <dgm:effectClrLst/>
+    <dgm:txLinClrLst/>
+    <dgm:txFillClrLst meth="repeat">
+      <a:schemeClr val="lt1"/>
+    </dgm:txFillClrLst>
+    <dgm:txEffectClrLst/>
+  </dgm:styleLbl>
+  <dgm:styleLbl name="sibTrans1D1">
+    <dgm:fillClrLst/>
+    <dgm:linClrLst>
+      <a:schemeClr val="accent5"/>
+      <a:schemeClr val="accent6"/>
+    </dgm:linClrLst>
+    <dgm:effectClrLst/>
+    <dgm:txLinClrLst/>
+    <dgm:txFillClrLst meth="repeat">
+      <a:schemeClr val="tx1"/>
+    </dgm:txFillClrLst>
+    <dgm:txEffectClrLst/>
+  </dgm:styleLbl>
+  <dgm:styleLbl name="callout">
+    <dgm:fillClrLst meth="repeat">
+      <a:schemeClr val="accent5"/>
+    </dgm:fillClrLst>
+    <dgm:linClrLst meth="repeat">
+      <a:schemeClr val="accent5">
+        <a:tint val="50000"/>
+      </a:schemeClr>
+    </dgm:linClrLst>
+    <dgm:effectClrLst/>
+    <dgm:txLinClrLst/>
+    <dgm:txFillClrLst meth="repeat">
+      <a:schemeClr val="tx1"/>
+    </dgm:txFillClrLst>
+    <dgm:txEffectClrLst/>
+  </dgm:styleLbl>
+  <dgm:styleLbl name="asst0">
+    <dgm:fillClrLst meth="repeat">
+      <a:schemeClr val="accent5"/>
+    </dgm:fillClrLst>
+    <dgm:linClrLst meth="repeat">
+      <a:schemeClr val="lt1">
+        <a:shade val="80000"/>
+      </a:schemeClr>
+    </dgm:linClrLst>
+    <dgm:effectClrLst/>
+    <dgm:txLinClrLst/>
+    <dgm:txFillClrLst/>
+    <dgm:txEffectClrLst/>
+  </dgm:styleLbl>
+  <dgm:styleLbl name="asst1">
+    <dgm:fillClrLst meth="repeat">
+      <a:schemeClr val="accent6"/>
+    </dgm:fillClrLst>
+    <dgm:linClrLst meth="repeat">
+      <a:schemeClr val="lt1">
+        <a:shade val="80000"/>
+      </a:schemeClr>
+    </dgm:linClrLst>
+    <dgm:effectClrLst/>
+    <dgm:txLinClrLst/>
+    <dgm:txFillClrLst/>
+    <dgm:txEffectClrLst/>
+  </dgm:styleLbl>
+  <dgm:styleLbl name="asst2">
+    <dgm:fillClrLst>
+      <a:schemeClr val="accent1"/>
+    </dgm:fillClrLst>
+    <dgm:linClrLst meth="repeat">
+      <a:schemeClr val="lt1"/>
+    </dgm:linClrLst>
+    <dgm:effectClrLst/>
+    <dgm:txLinClrLst/>
+    <dgm:txFillClrLst/>
+    <dgm:txEffectClrLst/>
+  </dgm:styleLbl>
+  <dgm:styleLbl name="asst3">
+    <dgm:fillClrLst>
+      <a:schemeClr val="accent2"/>
+    </dgm:fillClrLst>
+    <dgm:linClrLst meth="repeat">
+      <a:schemeClr val="lt1"/>
+    </dgm:linClrLst>
+    <dgm:effectClrLst/>
+    <dgm:txLinClrLst/>
+    <dgm:txFillClrLst/>
+    <dgm:txEffectClrLst/>
+  </dgm:styleLbl>
+  <dgm:styleLbl name="asst4">
+    <dgm:fillClrLst>
+      <a:schemeClr val="accent3"/>
+    </dgm:fillClrLst>
+    <dgm:linClrLst meth="repeat">
+      <a:schemeClr val="lt1"/>
+    </dgm:linClrLst>
+    <dgm:effectClrLst/>
+    <dgm:txLinClrLst/>
+    <dgm:txFillClrLst/>
+    <dgm:txEffectClrLst/>
+  </dgm:styleLbl>
+  <dgm:styleLbl name="parChTrans2D1">
+    <dgm:fillClrLst meth="repeat">
+      <a:schemeClr val="accent5"/>
+    </dgm:fillClrLst>
+    <dgm:linClrLst meth="repeat">
+      <a:schemeClr val="lt1"/>
+    </dgm:linClrLst>
+    <dgm:effectClrLst/>
+    <dgm:txLinClrLst/>
+    <dgm:txFillClrLst meth="repeat">
+      <a:schemeClr val="lt1"/>
+    </dgm:txFillClrLst>
+    <dgm:txEffectClrLst/>
+  </dgm:styleLbl>
+  <dgm:styleLbl name="parChTrans2D2">
+    <dgm:fillClrLst meth="repeat">
+      <a:schemeClr val="accent6"/>
+    </dgm:fillClrLst>
+    <dgm:linClrLst meth="repeat">
+      <a:schemeClr val="lt1"/>
+    </dgm:linClrLst>
+    <dgm:effectClrLst/>
+    <dgm:txLinClrLst/>
+    <dgm:txFillClrLst/>
+    <dgm:txEffectClrLst/>
+  </dgm:styleLbl>
+  <dgm:styleLbl name="parChTrans2D3">
+    <dgm:fillClrLst meth="repeat">
+      <a:schemeClr val="accent6"/>
+    </dgm:fillClrLst>
+    <dgm:linClrLst meth="repeat">
+      <a:schemeClr val="lt1"/>
+    </dgm:linClrLst>
+    <dgm:effectClrLst/>
+    <dgm:txLinClrLst/>
+    <dgm:txFillClrLst/>
+    <dgm:txEffectClrLst/>
+  </dgm:styleLbl>
+  <dgm:styleLbl name="parChTrans2D4">
+    <dgm:fillClrLst meth="repeat">
+      <a:schemeClr val="accent1"/>
+    </dgm:fillClrLst>
+    <dgm:linClrLst meth="repeat">
+      <a:schemeClr val="lt1"/>
+    </dgm:linClrLst>
+    <dgm:effectClrLst/>
+    <dgm:txLinClrLst/>
+    <dgm:txFillClrLst meth="repeat">
+      <a:schemeClr val="lt1"/>
+    </dgm:txFillClrLst>
+    <dgm:txEffectClrLst/>
+  </dgm:styleLbl>
+  <dgm:styleLbl name="parChTrans1D1">
+    <dgm:fillClrLst meth="repeat">
+      <a:schemeClr val="accent5"/>
+    </dgm:fillClrLst>
+    <dgm:linClrLst meth="repeat">
+      <a:schemeClr val="accent5"/>
+    </dgm:linClrLst>
+    <dgm:effectClrLst/>
+    <dgm:txLinClrLst/>
+    <dgm:txFillClrLst meth="repeat">
+      <a:schemeClr val="tx1"/>
+    </dgm:txFillClrLst>
+    <dgm:txEffectClrLst/>
+  </dgm:styleLbl>
+  <dgm:styleLbl name="parChTrans1D2">
+    <dgm:fillClrLst meth="repeat">
+      <a:schemeClr val="accent6">
+        <a:tint val="90000"/>
+      </a:schemeClr>
+    </dgm:fillClrLst>
+    <dgm:linClrLst meth="repeat">
+      <a:schemeClr val="accent6"/>
+    </dgm:linClrLst>
+    <dgm:effectClrLst/>
+    <dgm:txLinClrLst/>
+    <dgm:txFillClrLst meth="repeat">
+      <a:schemeClr val="tx1"/>
+    </dgm:txFillClrLst>
+    <dgm:txEffectClrLst/>
+  </dgm:styleLbl>
+  <dgm:styleLbl name="parChTrans1D3">
+    <dgm:fillClrLst meth="repeat">
+      <a:schemeClr val="accent6">
+        <a:tint val="70000"/>
+      </a:schemeClr>
+    </dgm:fillClrLst>
+    <dgm:linClrLst meth="repeat">
+      <a:schemeClr val="accent1"/>
+    </dgm:linClrLst>
+    <dgm:effectClrLst/>
+    <dgm:txLinClrLst/>
+    <dgm:txFillClrLst meth="repeat">
+      <a:schemeClr val="tx1"/>
+    </dgm:txFillClrLst>
+    <dgm:txEffectClrLst/>
+  </dgm:styleLbl>
+  <dgm:styleLbl name="parChTrans1D4">
+    <dgm:fillClrLst meth="repeat">
+      <a:schemeClr val="accent6">
+        <a:tint val="50000"/>
+      </a:schemeClr>
+    </dgm:fillClrLst>
+    <dgm:linClrLst meth="repeat">
+      <a:schemeClr val="accent2"/>
+    </dgm:linClrLst>
+    <dgm:effectClrLst/>
+    <dgm:txLinClrLst/>
+    <dgm:txFillClrLst meth="repeat">
+      <a:schemeClr val="tx1"/>
+    </dgm:txFillClrLst>
+    <dgm:txEffectClrLst/>
+  </dgm:styleLbl>
+  <dgm:styleLbl name="fgAcc1">
+    <dgm:fillClrLst meth="repeat">
+      <a:schemeClr val="lt1">
+        <a:alpha val="90000"/>
+      </a:schemeClr>
+    </dgm:fillClrLst>
+    <dgm:linClrLst>
+      <a:schemeClr val="accent5"/>
+      <a:schemeClr val="accent6"/>
+    </dgm:linClrLst>
+    <dgm:effectClrLst/>
+    <dgm:txLinClrLst/>
+    <dgm:txFillClrLst meth="repeat">
+      <a:schemeClr val="dk1"/>
+    </dgm:txFillClrLst>
+    <dgm:txEffectClrLst/>
+  </dgm:styleLbl>
+  <dgm:styleLbl name="conFgAcc1">
+    <dgm:fillClrLst meth="repeat">
+      <a:schemeClr val="lt1">
+        <a:alpha val="90000"/>
+      </a:schemeClr>
+    </dgm:fillClrLst>
+    <dgm:linClrLst>
+      <a:schemeClr val="accent5"/>
+      <a:schemeClr val="accent6"/>
+    </dgm:linClrLst>
+    <dgm:effectClrLst/>
+    <dgm:txLinClrLst/>
+    <dgm:txFillClrLst meth="repeat">
+      <a:schemeClr val="dk1"/>
+    </dgm:txFillClrLst>
+    <dgm:txEffectClrLst/>
+  </dgm:styleLbl>
+  <dgm:styleLbl name="alignAcc1">
+    <dgm:fillClrLst meth="repeat">
+      <a:schemeClr val="lt1">
+        <a:alpha val="90000"/>
+      </a:schemeClr>
+    </dgm:fillClrLst>
+    <dgm:linClrLst>
+      <a:schemeClr val="accent5"/>
+      <a:schemeClr val="accent6"/>
+    </dgm:linClrLst>
+    <dgm:effectClrLst/>
+    <dgm:txLinClrLst/>
+    <dgm:txFillClrLst meth="repeat">
+      <a:schemeClr val="dk1"/>
+    </dgm:txFillClrLst>
+    <dgm:txEffectClrLst/>
+  </dgm:styleLbl>
+  <dgm:styleLbl name="trAlignAcc1">
+    <dgm:fillClrLst meth="repeat">
+      <a:schemeClr val="lt1">
+        <a:alpha val="40000"/>
+      </a:schemeClr>
+    </dgm:fillClrLst>
+    <dgm:linClrLst meth="repeat">
+      <a:schemeClr val="accent5"/>
+    </dgm:linClrLst>
+    <dgm:effectClrLst/>
+    <dgm:txLinClrLst/>
+    <dgm:txFillClrLst meth="repeat">
+      <a:schemeClr val="dk1"/>
+    </dgm:txFillClrLst>
+    <dgm:txEffectClrLst/>
+  </dgm:styleLbl>
+  <dgm:styleLbl name="bgAcc1">
+    <dgm:fillClrLst meth="repeat">
+      <a:schemeClr val="lt1">
+        <a:alpha val="90000"/>
+      </a:schemeClr>
+    </dgm:fillClrLst>
+    <dgm:linClrLst>
+      <a:schemeClr val="accent5"/>
+      <a:schemeClr val="accent6"/>
+    </dgm:linClrLst>
+    <dgm:effectClrLst/>
+    <dgm:txLinClrLst/>
+    <dgm:txFillClrLst meth="repeat">
+      <a:schemeClr val="dk1"/>
+    </dgm:txFillClrLst>
+    <dgm:txEffectClrLst/>
+  </dgm:styleLbl>
+  <dgm:styleLbl name="solidFgAcc1">
+    <dgm:fillClrLst meth="repeat">
+      <a:schemeClr val="lt1"/>
+    </dgm:fillClrLst>
+    <dgm:linClrLst>
+      <a:schemeClr val="accent5"/>
+      <a:schemeClr val="accent6"/>
+    </dgm:linClrLst>
+    <dgm:effectClrLst/>
+    <dgm:txLinClrLst/>
+    <dgm:txFillClrLst meth="repeat">
+      <a:schemeClr val="dk1"/>
+    </dgm:txFillClrLst>
+    <dgm:txEffectClrLst/>
+  </dgm:styleLbl>
+  <dgm:styleLbl name="solidAlignAcc1">
+    <dgm:fillClrLst meth="repeat">
+      <a:schemeClr val="lt1"/>
+    </dgm:fillClrLst>
+    <dgm:linClrLst>
+      <a:schemeClr val="accent5"/>
+      <a:schemeClr val="accent6"/>
+    </dgm:linClrLst>
+    <dgm:effectClrLst/>
+    <dgm:txLinClrLst/>
+    <dgm:txFillClrLst meth="repeat">
+      <a:schemeClr val="dk1"/>
+    </dgm:txFillClrLst>
+    <dgm:txEffectClrLst/>
+  </dgm:styleLbl>
+  <dgm:styleLbl name="solidBgAcc1">
+    <dgm:fillClrLst meth="repeat">
+      <a:schemeClr val="lt1"/>
+    </dgm:fillClrLst>
+    <dgm:linClrLst>
+      <a:schemeClr val="accent5"/>
+      <a:schemeClr val="accent6"/>
+    </dgm:linClrLst>
+    <dgm:effectClrLst/>
+    <dgm:txLinClrLst/>
+    <dgm:txFillClrLst meth="repeat">
+      <a:schemeClr val="dk1"/>
+    </dgm:txFillClrLst>
+    <dgm:txEffectClrLst/>
+  </dgm:styleLbl>
+  <dgm:styleLbl name="fgAccFollowNode1">
+    <dgm:fillClrLst>
+      <a:schemeClr val="accent5">
+        <a:tint val="40000"/>
+        <a:alpha val="90000"/>
+      </a:schemeClr>
+      <a:schemeClr val="accent6">
+        <a:tint val="40000"/>
+        <a:alpha val="90000"/>
+      </a:schemeClr>
+    </dgm:fillClrLst>
+    <dgm:linClrLst>
+      <a:schemeClr val="accent5">
+        <a:tint val="40000"/>
+        <a:alpha val="90000"/>
+      </a:schemeClr>
+      <a:schemeClr val="accent5">
+        <a:tint val="40000"/>
+        <a:alpha val="90000"/>
+      </a:schemeClr>
+    </dgm:linClrLst>
+    <dgm:effectClrLst/>
+    <dgm:txLinClrLst/>
+    <dgm:txFillClrLst meth="repeat">
+      <a:schemeClr val="dk1"/>
+    </dgm:txFillClrLst>
+    <dgm:txEffectClrLst/>
+  </dgm:styleLbl>
+  <dgm:styleLbl name="alignAccFollowNode1">
+    <dgm:fillClrLst>
+      <a:schemeClr val="accent5">
+        <a:tint val="40000"/>
+        <a:alpha val="90000"/>
+      </a:schemeClr>
+      <a:schemeClr val="accent6">
+        <a:tint val="40000"/>
+        <a:alpha val="90000"/>
+      </a:schemeClr>
+    </dgm:fillClrLst>
+    <dgm:linClrLst>
+      <a:schemeClr val="accent5">
+        <a:tint val="40000"/>
+        <a:alpha val="90000"/>
+      </a:schemeClr>
+      <a:schemeClr val="accent6">
+        <a:tint val="40000"/>
+        <a:alpha val="90000"/>
+      </a:schemeClr>
+    </dgm:linClrLst>
+    <dgm:effectClrLst/>
+    <dgm:txLinClrLst/>
+    <dgm:txFillClrLst meth="repeat">
+      <a:schemeClr val="dk1"/>
+    </dgm:txFillClrLst>
+    <dgm:txEffectClrLst/>
+  </dgm:styleLbl>
+  <dgm:styleLbl name="bgAccFollowNode1">
+    <dgm:fillClrLst>
+      <a:schemeClr val="accent5">
+        <a:tint val="40000"/>
+        <a:alpha val="90000"/>
+      </a:schemeClr>
+      <a:schemeClr val="accent6">
+        <a:tint val="40000"/>
+        <a:alpha val="90000"/>
+      </a:schemeClr>
+    </dgm:fillClrLst>
+    <dgm:linClrLst>
+      <a:schemeClr val="accent5">
+        <a:tint val="40000"/>
+        <a:alpha val="90000"/>
+      </a:schemeClr>
+      <a:schemeClr val="accent6">
+        <a:tint val="40000"/>
+        <a:alpha val="90000"/>
+      </a:schemeClr>
+    </dgm:linClrLst>
+    <dgm:effectClrLst/>
+    <dgm:txLinClrLst/>
+    <dgm:txFillClrLst meth="repeat">
+      <a:schemeClr val="dk1"/>
+    </dgm:txFillClrLst>
+    <dgm:txEffectClrLst/>
+  </dgm:styleLbl>
+  <dgm:styleLbl name="fgAcc0">
+    <dgm:fillClrLst meth="repeat">
+      <a:schemeClr val="lt1">
+        <a:alpha val="90000"/>
+      </a:schemeClr>
+    </dgm:fillClrLst>
+    <dgm:linClrLst>
+      <a:schemeClr val="accent4"/>
+    </dgm:linClrLst>
+    <dgm:effectClrLst/>
+    <dgm:txLinClrLst/>
+    <dgm:txFillClrLst meth="repeat">
+      <a:schemeClr val="dk1"/>
+    </dgm:txFillClrLst>
+    <dgm:txEffectClrLst/>
+  </dgm:styleLbl>
+  <dgm:styleLbl name="fgAcc2">
+    <dgm:fillClrLst meth="repeat">
+      <a:schemeClr val="lt1">
+        <a:alpha val="90000"/>
+      </a:schemeClr>
+    </dgm:fillClrLst>
+    <dgm:linClrLst>
+      <a:schemeClr val="accent6"/>
+    </dgm:linClrLst>
+    <dgm:effectClrLst/>
+    <dgm:txLinClrLst/>
+    <dgm:txFillClrLst meth="repeat">
+      <a:schemeClr val="dk1"/>
+    </dgm:txFillClrLst>
+    <dgm:txEffectClrLst/>
+  </dgm:styleLbl>
+  <dgm:styleLbl name="fgAcc3">
+    <dgm:fillClrLst meth="repeat">
+      <a:schemeClr val="lt1">
+        <a:alpha val="90000"/>
+      </a:schemeClr>
+    </dgm:fillClrLst>
+    <dgm:linClrLst>
+      <a:schemeClr val="accent1"/>
+    </dgm:linClrLst>
+    <dgm:effectClrLst/>
+    <dgm:txLinClrLst/>
+    <dgm:txFillClrLst meth="repeat">
+      <a:schemeClr val="dk1"/>
+    </dgm:txFillClrLst>
+    <dgm:txEffectClrLst/>
+  </dgm:styleLbl>
+  <dgm:styleLbl name="fgAcc4">
+    <dgm:fillClrLst meth="repeat">
+      <a:schemeClr val="lt1">
+        <a:alpha val="90000"/>
+      </a:schemeClr>
+    </dgm:fillClrLst>
+    <dgm:linClrLst>
+      <a:schemeClr val="accent2"/>
+    </dgm:linClrLst>
+    <dgm:effectClrLst/>
+    <dgm:txLinClrLst/>
+    <dgm:txFillClrLst meth="repeat">
+      <a:schemeClr val="dk1"/>
+    </dgm:txFillClrLst>
+    <dgm:txEffectClrLst/>
+  </dgm:styleLbl>
+  <dgm:styleLbl name="bgShp">
+    <dgm:fillClrLst meth="repeat">
+      <a:schemeClr val="accent5">
+        <a:tint val="40000"/>
+      </a:schemeClr>
+    </dgm:fillClrLst>
+    <dgm:linClrLst meth="repeat">
+      <a:schemeClr val="dk1"/>
+    </dgm:linClrLst>
+    <dgm:effectClrLst/>
+    <dgm:txLinClrLst/>
+    <dgm:txFillClrLst meth="repeat">
+      <a:schemeClr val="dk1"/>
+    </dgm:txFillClrLst>
+    <dgm:txEffectClrLst/>
+  </dgm:styleLbl>
+  <dgm:styleLbl name="dkBgShp">
+    <dgm:fillClrLst meth="repeat">
+      <a:schemeClr val="accent5">
+        <a:shade val="90000"/>
+      </a:schemeClr>
+    </dgm:fillClrLst>
+    <dgm:linClrLst meth="repeat">
+      <a:schemeClr val="dk1"/>
+    </dgm:linClrLst>
+    <dgm:effectClrLst/>
+    <dgm:txLinClrLst/>
+    <dgm:txFillClrLst meth="repeat">
+      <a:schemeClr val="lt1"/>
+    </dgm:txFillClrLst>
+    <dgm:txEffectClrLst/>
+  </dgm:styleLbl>
+  <dgm:styleLbl name="trBgShp">
+    <dgm:fillClrLst meth="repeat">
+      <a:schemeClr val="accent5">
+        <a:tint val="50000"/>
+        <a:alpha val="40000"/>
+      </a:schemeClr>
+    </dgm:fillClrLst>
+    <dgm:linClrLst meth="repeat">
+      <a:schemeClr val="accent5"/>
+    </dgm:linClrLst>
+    <dgm:effectClrLst/>
+    <dgm:txLinClrLst/>
+    <dgm:txFillClrLst meth="repeat">
+      <a:schemeClr val="lt1"/>
+    </dgm:txFillClrLst>
+    <dgm:txEffectClrLst/>
+  </dgm:styleLbl>
+  <dgm:styleLbl name="fgShp">
+    <dgm:fillClrLst meth="repeat">
+      <a:schemeClr val="accent5">
+        <a:tint val="40000"/>
+      </a:schemeClr>
+    </dgm:fillClrLst>
+    <dgm:linClrLst meth="repeat">
+      <a:schemeClr val="lt1"/>
+    </dgm:linClrLst>
+    <dgm:effectClrLst/>
+    <dgm:txLinClrLst/>
+    <dgm:txFillClrLst meth="repeat">
+      <a:schemeClr val="dk1"/>
+    </dgm:txFillClrLst>
+    <dgm:txEffectClrLst/>
+  </dgm:styleLbl>
+  <dgm:styleLbl name="revTx">
+    <dgm:fillClrLst meth="repeat">
+      <a:schemeClr val="lt1">
+        <a:alpha val="0"/>
+      </a:schemeClr>
+    </dgm:fillClrLst>
+    <dgm:linClrLst meth="repeat">
+      <a:schemeClr val="dk1">
+        <a:alpha val="0"/>
+      </a:schemeClr>
+    </dgm:linClrLst>
+    <dgm:effectClrLst/>
+    <dgm:txLinClrLst/>
+    <dgm:txFillClrLst meth="repeat">
+      <a:schemeClr val="tx1"/>
+    </dgm:txFillClrLst>
+    <dgm:txEffectClrLst/>
+  </dgm:styleLbl>
+</dgm:colorsDef>
+</file>
+
+<file path=ppt/diagrams/data1.xml><?xml version="1.0" encoding="utf-8"?>
+<dgm:dataModel xmlns:dgm="http://schemas.openxmlformats.org/drawingml/2006/diagram" xmlns:a="http://schemas.openxmlformats.org/drawingml/2006/main">
+  <dgm:ptLst>
+    <dgm:pt modelId="{F59537D6-4128-4B6A-9F5D-6F881D89C81B}" type="doc">
+      <dgm:prSet loTypeId="urn:microsoft.com/office/officeart/2005/8/layout/vList2" loCatId="list" qsTypeId="urn:microsoft.com/office/officeart/2005/8/quickstyle/simple1" qsCatId="simple" csTypeId="urn:microsoft.com/office/officeart/2005/8/colors/colorful5" csCatId="colorful" phldr="1"/>
+      <dgm:spPr/>
+      <dgm:t>
+        <a:bodyPr/>
+        <a:lstStyle/>
+        <a:p>
+          <a:endParaRPr lang="en-US"/>
+        </a:p>
+      </dgm:t>
+    </dgm:pt>
+    <dgm:pt modelId="{F7F6F8DE-D41F-4DF0-ABCE-58602757AFEA}">
+      <dgm:prSet/>
+      <dgm:spPr/>
+      <dgm:t>
+        <a:bodyPr/>
+        <a:lstStyle/>
+        <a:p>
+          <a:r>
+            <a:rPr lang="cs-CZ" dirty="0">
+              <a:hlinkClick xmlns:r="http://schemas.openxmlformats.org/officeDocument/2006/relationships" r:id="rId1" action="ppaction://hlinksldjump"/>
+            </a:rPr>
+            <a:t>Základní informace k optickým vláknům 3-8 snímek</a:t>
+          </a:r>
+          <a:endParaRPr lang="en-US" dirty="0"/>
+        </a:p>
+      </dgm:t>
+    </dgm:pt>
+    <dgm:pt modelId="{59B7BC49-2BB2-45CE-AC82-147D43129A64}" type="parTrans" cxnId="{102BAA99-B452-4403-8589-80E4D54383F4}">
+      <dgm:prSet/>
+      <dgm:spPr/>
+      <dgm:t>
+        <a:bodyPr/>
+        <a:lstStyle/>
+        <a:p>
+          <a:endParaRPr lang="en-US"/>
+        </a:p>
+      </dgm:t>
+    </dgm:pt>
+    <dgm:pt modelId="{7FFB3A32-1C24-42E5-B61E-940D0B31A959}" type="sibTrans" cxnId="{102BAA99-B452-4403-8589-80E4D54383F4}">
+      <dgm:prSet/>
+      <dgm:spPr/>
+      <dgm:t>
+        <a:bodyPr/>
+        <a:lstStyle/>
+        <a:p>
+          <a:endParaRPr lang="en-US"/>
+        </a:p>
+      </dgm:t>
+    </dgm:pt>
+    <dgm:pt modelId="{EBE96A0E-2FC4-422B-B610-825200D79043}">
+      <dgm:prSet/>
+      <dgm:spPr/>
+      <dgm:t>
+        <a:bodyPr/>
+        <a:lstStyle/>
+        <a:p>
+          <a:r>
+            <a:rPr lang="cs-CZ" dirty="0">
+              <a:hlinkClick xmlns:r="http://schemas.openxmlformats.org/officeDocument/2006/relationships" r:id="rId2" action="ppaction://hlinksldjump"/>
+            </a:rPr>
+            <a:t>Jejich princip a použití </a:t>
+          </a:r>
+          <a:r>
+            <a:rPr lang="cs-CZ" dirty="0" smtClean="0">
+              <a:hlinkClick xmlns:r="http://schemas.openxmlformats.org/officeDocument/2006/relationships" r:id="rId2" action="ppaction://hlinksldjump"/>
+            </a:rPr>
+            <a:t>9-12 snímek</a:t>
+          </a:r>
+          <a:endParaRPr lang="en-US" dirty="0"/>
+        </a:p>
+      </dgm:t>
+    </dgm:pt>
+    <dgm:pt modelId="{5C8D9EFA-7BC3-4F4A-ADFC-62F64B236C0D}" type="parTrans" cxnId="{8024B933-FD59-4E56-8869-DDF57FB89B2A}">
+      <dgm:prSet/>
+      <dgm:spPr/>
+      <dgm:t>
+        <a:bodyPr/>
+        <a:lstStyle/>
+        <a:p>
+          <a:endParaRPr lang="en-US"/>
+        </a:p>
+      </dgm:t>
+    </dgm:pt>
+    <dgm:pt modelId="{8FED5B4A-FE0C-424F-95FD-F2578B043D79}" type="sibTrans" cxnId="{8024B933-FD59-4E56-8869-DDF57FB89B2A}">
+      <dgm:prSet/>
+      <dgm:spPr/>
+      <dgm:t>
+        <a:bodyPr/>
+        <a:lstStyle/>
+        <a:p>
+          <a:endParaRPr lang="en-US"/>
+        </a:p>
+      </dgm:t>
+    </dgm:pt>
+    <dgm:pt modelId="{100B8CF5-9E2D-4E21-8A1E-CBDCF62AB782}">
+      <dgm:prSet/>
+      <dgm:spPr/>
+      <dgm:t>
+        <a:bodyPr/>
+        <a:lstStyle/>
+        <a:p>
+          <a:r>
+            <a:rPr lang="cs-CZ" dirty="0">
+              <a:hlinkClick xmlns:r="http://schemas.openxmlformats.org/officeDocument/2006/relationships" r:id="rId3" action="ppaction://hlinksldjump"/>
+            </a:rPr>
+            <a:t>Svařování a </a:t>
+          </a:r>
+          <a:r>
+            <a:rPr lang="cs-CZ" dirty="0" err="1" smtClean="0">
+              <a:hlinkClick xmlns:r="http://schemas.openxmlformats.org/officeDocument/2006/relationships" r:id="rId3" action="ppaction://hlinksldjump"/>
+            </a:rPr>
+            <a:t>konektorování</a:t>
+          </a:r>
+          <a:r>
+            <a:rPr lang="cs-CZ" dirty="0" smtClean="0">
+              <a:hlinkClick xmlns:r="http://schemas.openxmlformats.org/officeDocument/2006/relationships" r:id="rId3" action="ppaction://hlinksldjump"/>
+            </a:rPr>
+            <a:t> 13-15 snímek</a:t>
+          </a:r>
+          <a:endParaRPr lang="en-US" dirty="0"/>
+        </a:p>
+      </dgm:t>
+    </dgm:pt>
+    <dgm:pt modelId="{361CF6E7-5324-40B3-8AEC-DDA314D8754A}" type="parTrans" cxnId="{4F46C97F-FC90-4CFC-B5E3-7CA60AB148B7}">
+      <dgm:prSet/>
+      <dgm:spPr/>
+      <dgm:t>
+        <a:bodyPr/>
+        <a:lstStyle/>
+        <a:p>
+          <a:endParaRPr lang="en-US"/>
+        </a:p>
+      </dgm:t>
+    </dgm:pt>
+    <dgm:pt modelId="{7D6FF2DE-E4EA-4F4B-A16D-BC6F00811C45}" type="sibTrans" cxnId="{4F46C97F-FC90-4CFC-B5E3-7CA60AB148B7}">
+      <dgm:prSet/>
+      <dgm:spPr/>
+      <dgm:t>
+        <a:bodyPr/>
+        <a:lstStyle/>
+        <a:p>
+          <a:endParaRPr lang="en-US"/>
+        </a:p>
+      </dgm:t>
+    </dgm:pt>
+    <dgm:pt modelId="{4C2FC7F1-FD19-4984-A282-322FD962D62A}" type="pres">
+      <dgm:prSet presAssocID="{F59537D6-4128-4B6A-9F5D-6F881D89C81B}" presName="linear" presStyleCnt="0">
+        <dgm:presLayoutVars>
+          <dgm:animLvl val="lvl"/>
+          <dgm:resizeHandles val="exact"/>
+        </dgm:presLayoutVars>
+      </dgm:prSet>
+      <dgm:spPr/>
+      <dgm:t>
+        <a:bodyPr/>
+        <a:lstStyle/>
+        <a:p>
+          <a:endParaRPr lang="cs-CZ"/>
+        </a:p>
+      </dgm:t>
+    </dgm:pt>
+    <dgm:pt modelId="{D8E198E6-8C79-4AFE-B960-AD6DFD7BFFCA}" type="pres">
+      <dgm:prSet presAssocID="{F7F6F8DE-D41F-4DF0-ABCE-58602757AFEA}" presName="parentText" presStyleLbl="node1" presStyleIdx="0" presStyleCnt="3">
+        <dgm:presLayoutVars>
+          <dgm:chMax val="0"/>
+          <dgm:bulletEnabled val="1"/>
+        </dgm:presLayoutVars>
+      </dgm:prSet>
+      <dgm:spPr/>
+      <dgm:t>
+        <a:bodyPr/>
+        <a:lstStyle/>
+        <a:p>
+          <a:endParaRPr lang="cs-CZ"/>
+        </a:p>
+      </dgm:t>
+    </dgm:pt>
+    <dgm:pt modelId="{5A3768BC-2E99-4F35-BFE7-88B5ABB21ECE}" type="pres">
+      <dgm:prSet presAssocID="{7FFB3A32-1C24-42E5-B61E-940D0B31A959}" presName="spacer" presStyleCnt="0"/>
+      <dgm:spPr/>
+    </dgm:pt>
+    <dgm:pt modelId="{C075BD67-B652-4F67-9ACD-42DCA3C0D580}" type="pres">
+      <dgm:prSet presAssocID="{EBE96A0E-2FC4-422B-B610-825200D79043}" presName="parentText" presStyleLbl="node1" presStyleIdx="1" presStyleCnt="3" custLinFactY="4202" custLinFactNeighborX="-1053" custLinFactNeighborY="100000">
+        <dgm:presLayoutVars>
+          <dgm:chMax val="0"/>
+          <dgm:bulletEnabled val="1"/>
+        </dgm:presLayoutVars>
+      </dgm:prSet>
+      <dgm:spPr/>
+      <dgm:t>
+        <a:bodyPr/>
+        <a:lstStyle/>
+        <a:p>
+          <a:endParaRPr lang="cs-CZ"/>
+        </a:p>
+      </dgm:t>
+    </dgm:pt>
+    <dgm:pt modelId="{87B24D63-A64C-41D5-A148-E59A17ADBFC0}" type="pres">
+      <dgm:prSet presAssocID="{8FED5B4A-FE0C-424F-95FD-F2578B043D79}" presName="spacer" presStyleCnt="0"/>
+      <dgm:spPr/>
+    </dgm:pt>
+    <dgm:pt modelId="{8F7916B5-0155-4469-8BB3-CED3B55E99AA}" type="pres">
+      <dgm:prSet presAssocID="{100B8CF5-9E2D-4E21-8A1E-CBDCF62AB782}" presName="parentText" presStyleLbl="node1" presStyleIdx="2" presStyleCnt="3">
+        <dgm:presLayoutVars>
+          <dgm:chMax val="0"/>
+          <dgm:bulletEnabled val="1"/>
+        </dgm:presLayoutVars>
+      </dgm:prSet>
+      <dgm:spPr/>
+      <dgm:t>
+        <a:bodyPr/>
+        <a:lstStyle/>
+        <a:p>
+          <a:endParaRPr lang="cs-CZ"/>
+        </a:p>
+      </dgm:t>
+    </dgm:pt>
+  </dgm:ptLst>
+  <dgm:cxnLst>
+    <dgm:cxn modelId="{31FCC6ED-5CAD-4274-9C44-797033CA1754}" type="presOf" srcId="{100B8CF5-9E2D-4E21-8A1E-CBDCF62AB782}" destId="{8F7916B5-0155-4469-8BB3-CED3B55E99AA}" srcOrd="0" destOrd="0" presId="urn:microsoft.com/office/officeart/2005/8/layout/vList2"/>
+    <dgm:cxn modelId="{102BAA99-B452-4403-8589-80E4D54383F4}" srcId="{F59537D6-4128-4B6A-9F5D-6F881D89C81B}" destId="{F7F6F8DE-D41F-4DF0-ABCE-58602757AFEA}" srcOrd="0" destOrd="0" parTransId="{59B7BC49-2BB2-45CE-AC82-147D43129A64}" sibTransId="{7FFB3A32-1C24-42E5-B61E-940D0B31A959}"/>
+    <dgm:cxn modelId="{8024B933-FD59-4E56-8869-DDF57FB89B2A}" srcId="{F59537D6-4128-4B6A-9F5D-6F881D89C81B}" destId="{EBE96A0E-2FC4-422B-B610-825200D79043}" srcOrd="1" destOrd="0" parTransId="{5C8D9EFA-7BC3-4F4A-ADFC-62F64B236C0D}" sibTransId="{8FED5B4A-FE0C-424F-95FD-F2578B043D79}"/>
+    <dgm:cxn modelId="{863F1049-8257-46C1-81D2-051328D33B78}" type="presOf" srcId="{F7F6F8DE-D41F-4DF0-ABCE-58602757AFEA}" destId="{D8E198E6-8C79-4AFE-B960-AD6DFD7BFFCA}" srcOrd="0" destOrd="0" presId="urn:microsoft.com/office/officeart/2005/8/layout/vList2"/>
+    <dgm:cxn modelId="{4F46C97F-FC90-4CFC-B5E3-7CA60AB148B7}" srcId="{F59537D6-4128-4B6A-9F5D-6F881D89C81B}" destId="{100B8CF5-9E2D-4E21-8A1E-CBDCF62AB782}" srcOrd="2" destOrd="0" parTransId="{361CF6E7-5324-40B3-8AEC-DDA314D8754A}" sibTransId="{7D6FF2DE-E4EA-4F4B-A16D-BC6F00811C45}"/>
+    <dgm:cxn modelId="{CD0120E4-784F-40C1-8265-6D0BE2F66F27}" type="presOf" srcId="{EBE96A0E-2FC4-422B-B610-825200D79043}" destId="{C075BD67-B652-4F67-9ACD-42DCA3C0D580}" srcOrd="0" destOrd="0" presId="urn:microsoft.com/office/officeart/2005/8/layout/vList2"/>
+    <dgm:cxn modelId="{21B0CC63-C4EC-415B-A504-0BEEDEB70FD5}" type="presOf" srcId="{F59537D6-4128-4B6A-9F5D-6F881D89C81B}" destId="{4C2FC7F1-FD19-4984-A282-322FD962D62A}" srcOrd="0" destOrd="0" presId="urn:microsoft.com/office/officeart/2005/8/layout/vList2"/>
+    <dgm:cxn modelId="{F462DA73-C4F4-4DD2-9F48-4E2837EE0E6F}" type="presParOf" srcId="{4C2FC7F1-FD19-4984-A282-322FD962D62A}" destId="{D8E198E6-8C79-4AFE-B960-AD6DFD7BFFCA}" srcOrd="0" destOrd="0" presId="urn:microsoft.com/office/officeart/2005/8/layout/vList2"/>
+    <dgm:cxn modelId="{BD6BDC59-5F94-4940-9C32-3442F486BF24}" type="presParOf" srcId="{4C2FC7F1-FD19-4984-A282-322FD962D62A}" destId="{5A3768BC-2E99-4F35-BFE7-88B5ABB21ECE}" srcOrd="1" destOrd="0" presId="urn:microsoft.com/office/officeart/2005/8/layout/vList2"/>
+    <dgm:cxn modelId="{27385A8B-D518-432C-AA61-D03332DC865A}" type="presParOf" srcId="{4C2FC7F1-FD19-4984-A282-322FD962D62A}" destId="{C075BD67-B652-4F67-9ACD-42DCA3C0D580}" srcOrd="2" destOrd="0" presId="urn:microsoft.com/office/officeart/2005/8/layout/vList2"/>
+    <dgm:cxn modelId="{6594A2C7-91D0-4025-850F-8B9D515A4E28}" type="presParOf" srcId="{4C2FC7F1-FD19-4984-A282-322FD962D62A}" destId="{87B24D63-A64C-41D5-A148-E59A17ADBFC0}" srcOrd="3" destOrd="0" presId="urn:microsoft.com/office/officeart/2005/8/layout/vList2"/>
+    <dgm:cxn modelId="{CC09493A-C69E-4561-8391-5BD3136B8384}" type="presParOf" srcId="{4C2FC7F1-FD19-4984-A282-322FD962D62A}" destId="{8F7916B5-0155-4469-8BB3-CED3B55E99AA}" srcOrd="4" destOrd="0" presId="urn:microsoft.com/office/officeart/2005/8/layout/vList2"/>
+  </dgm:cxnLst>
+  <dgm:bg/>
+  <dgm:whole/>
+  <dgm:extLst>
+    <a:ext uri="http://schemas.microsoft.com/office/drawing/2008/diagram">
+      <dsp:dataModelExt xmlns:dsp="http://schemas.microsoft.com/office/drawing/2008/diagram" relId="rId6" minVer="http://schemas.openxmlformats.org/drawingml/2006/diagram"/>
+    </a:ext>
+  </dgm:extLst>
+</dgm:dataModel>
+</file>
+
+<file path=ppt/diagrams/drawing1.xml><?xml version="1.0" encoding="utf-8"?>
+<dsp:drawing xmlns:dgm="http://schemas.openxmlformats.org/drawingml/2006/diagram" xmlns:dsp="http://schemas.microsoft.com/office/drawing/2008/diagram" xmlns:a="http://schemas.openxmlformats.org/drawingml/2006/main">
+  <dsp:spTree>
+    <dsp:nvGrpSpPr>
+      <dsp:cNvPr id="0" name=""/>
+      <dsp:cNvGrpSpPr/>
+    </dsp:nvGrpSpPr>
+    <dsp:grpSpPr/>
+    <dsp:sp modelId="{D8E198E6-8C79-4AFE-B960-AD6DFD7BFFCA}">
+      <dsp:nvSpPr>
+        <dsp:cNvPr id="0" name=""/>
+        <dsp:cNvSpPr/>
+      </dsp:nvSpPr>
+      <dsp:spPr>
+        <a:xfrm>
+          <a:off x="0" y="31721"/>
+          <a:ext cx="6858000" cy="1428570"/>
+        </a:xfrm>
+        <a:prstGeom prst="roundRect">
+          <a:avLst/>
+        </a:prstGeom>
+        <a:solidFill>
+          <a:schemeClr val="accent5">
+            <a:hueOff val="0"/>
+            <a:satOff val="0"/>
+            <a:lumOff val="0"/>
+            <a:alphaOff val="0"/>
+          </a:schemeClr>
+        </a:solidFill>
+        <a:ln w="12700" cap="flat" cmpd="sng" algn="ctr">
+          <a:solidFill>
+            <a:schemeClr val="lt1">
+              <a:hueOff val="0"/>
+              <a:satOff val="0"/>
+              <a:lumOff val="0"/>
+              <a:alphaOff val="0"/>
+            </a:schemeClr>
+          </a:solidFill>
+          <a:prstDash val="solid"/>
+          <a:miter lim="800000"/>
+        </a:ln>
+        <a:effectLst/>
+      </dsp:spPr>
+      <dsp:style>
+        <a:lnRef idx="2">
+          <a:scrgbClr r="0" g="0" b="0"/>
+        </a:lnRef>
+        <a:fillRef idx="1">
+          <a:scrgbClr r="0" g="0" b="0"/>
+        </a:fillRef>
+        <a:effectRef idx="0">
+          <a:scrgbClr r="0" g="0" b="0"/>
+        </a:effectRef>
+        <a:fontRef idx="minor">
+          <a:schemeClr val="lt1"/>
+        </a:fontRef>
+      </dsp:style>
+      <dsp:txBody>
+        <a:bodyPr spcFirstLastPara="0" vert="horz" wrap="square" lIns="140970" tIns="140970" rIns="140970" bIns="140970" numCol="1" spcCol="1270" anchor="ctr" anchorCtr="0">
+          <a:noAutofit/>
+        </a:bodyPr>
+        <a:lstStyle/>
+        <a:p>
+          <a:pPr lvl="0" algn="l" defTabSz="1644650">
+            <a:lnSpc>
+              <a:spcPct val="90000"/>
+            </a:lnSpc>
+            <a:spcBef>
+              <a:spcPct val="0"/>
+            </a:spcBef>
+            <a:spcAft>
+              <a:spcPct val="35000"/>
+            </a:spcAft>
+          </a:pPr>
+          <a:r>
+            <a:rPr lang="cs-CZ" sz="3700" kern="1200" dirty="0">
+              <a:hlinkClick xmlns:r="http://schemas.openxmlformats.org/officeDocument/2006/relationships" r:id="" action="ppaction://hlinksldjump"/>
+            </a:rPr>
+            <a:t>Základní informace k optickým vláknům 3-8 snímek</a:t>
+          </a:r>
+          <a:endParaRPr lang="en-US" sz="3700" kern="1200" dirty="0"/>
+        </a:p>
+      </dsp:txBody>
+      <dsp:txXfrm>
+        <a:off x="69737" y="101458"/>
+        <a:ext cx="6718526" cy="1289096"/>
+      </dsp:txXfrm>
+    </dsp:sp>
+    <dsp:sp modelId="{C075BD67-B652-4F67-9ACD-42DCA3C0D580}">
+      <dsp:nvSpPr>
+        <dsp:cNvPr id="0" name=""/>
+        <dsp:cNvSpPr/>
+      </dsp:nvSpPr>
+      <dsp:spPr>
+        <a:xfrm>
+          <a:off x="0" y="1733440"/>
+          <a:ext cx="6858000" cy="1428570"/>
+        </a:xfrm>
+        <a:prstGeom prst="roundRect">
+          <a:avLst/>
+        </a:prstGeom>
+        <a:solidFill>
+          <a:schemeClr val="accent5">
+            <a:hueOff val="-40260"/>
+            <a:satOff val="-8"/>
+            <a:lumOff val="-10000"/>
+            <a:alphaOff val="0"/>
+          </a:schemeClr>
+        </a:solidFill>
+        <a:ln w="12700" cap="flat" cmpd="sng" algn="ctr">
+          <a:solidFill>
+            <a:schemeClr val="lt1">
+              <a:hueOff val="0"/>
+              <a:satOff val="0"/>
+              <a:lumOff val="0"/>
+              <a:alphaOff val="0"/>
+            </a:schemeClr>
+          </a:solidFill>
+          <a:prstDash val="solid"/>
+          <a:miter lim="800000"/>
+        </a:ln>
+        <a:effectLst/>
+      </dsp:spPr>
+      <dsp:style>
+        <a:lnRef idx="2">
+          <a:scrgbClr r="0" g="0" b="0"/>
+        </a:lnRef>
+        <a:fillRef idx="1">
+          <a:scrgbClr r="0" g="0" b="0"/>
+        </a:fillRef>
+        <a:effectRef idx="0">
+          <a:scrgbClr r="0" g="0" b="0"/>
+        </a:effectRef>
+        <a:fontRef idx="minor">
+          <a:schemeClr val="lt1"/>
+        </a:fontRef>
+      </dsp:style>
+      <dsp:txBody>
+        <a:bodyPr spcFirstLastPara="0" vert="horz" wrap="square" lIns="140970" tIns="140970" rIns="140970" bIns="140970" numCol="1" spcCol="1270" anchor="ctr" anchorCtr="0">
+          <a:noAutofit/>
+        </a:bodyPr>
+        <a:lstStyle/>
+        <a:p>
+          <a:pPr lvl="0" algn="l" defTabSz="1644650">
+            <a:lnSpc>
+              <a:spcPct val="90000"/>
+            </a:lnSpc>
+            <a:spcBef>
+              <a:spcPct val="0"/>
+            </a:spcBef>
+            <a:spcAft>
+              <a:spcPct val="35000"/>
+            </a:spcAft>
+          </a:pPr>
+          <a:r>
+            <a:rPr lang="cs-CZ" sz="3700" kern="1200" dirty="0">
+              <a:hlinkClick xmlns:r="http://schemas.openxmlformats.org/officeDocument/2006/relationships" r:id="" action="ppaction://hlinksldjump"/>
+            </a:rPr>
+            <a:t>Jejich princip a použití </a:t>
+          </a:r>
+          <a:r>
+            <a:rPr lang="cs-CZ" sz="3700" kern="1200" dirty="0" smtClean="0">
+              <a:hlinkClick xmlns:r="http://schemas.openxmlformats.org/officeDocument/2006/relationships" r:id="" action="ppaction://hlinksldjump"/>
+            </a:rPr>
+            <a:t>9-12 snímek</a:t>
+          </a:r>
+          <a:endParaRPr lang="en-US" sz="3700" kern="1200" dirty="0"/>
+        </a:p>
+      </dsp:txBody>
+      <dsp:txXfrm>
+        <a:off x="69737" y="1803177"/>
+        <a:ext cx="6718526" cy="1289096"/>
+      </dsp:txXfrm>
+    </dsp:sp>
+    <dsp:sp modelId="{8F7916B5-0155-4469-8BB3-CED3B55E99AA}">
+      <dsp:nvSpPr>
+        <dsp:cNvPr id="0" name=""/>
+        <dsp:cNvSpPr/>
+      </dsp:nvSpPr>
+      <dsp:spPr>
+        <a:xfrm>
+          <a:off x="0" y="3101982"/>
+          <a:ext cx="6858000" cy="1428570"/>
+        </a:xfrm>
+        <a:prstGeom prst="roundRect">
+          <a:avLst/>
+        </a:prstGeom>
+        <a:solidFill>
+          <a:schemeClr val="accent5">
+            <a:hueOff val="-80521"/>
+            <a:satOff val="-17"/>
+            <a:lumOff val="-19999"/>
+            <a:alphaOff val="0"/>
+          </a:schemeClr>
+        </a:solidFill>
+        <a:ln w="12700" cap="flat" cmpd="sng" algn="ctr">
+          <a:solidFill>
+            <a:schemeClr val="lt1">
+              <a:hueOff val="0"/>
+              <a:satOff val="0"/>
+              <a:lumOff val="0"/>
+              <a:alphaOff val="0"/>
+            </a:schemeClr>
+          </a:solidFill>
+          <a:prstDash val="solid"/>
+          <a:miter lim="800000"/>
+        </a:ln>
+        <a:effectLst/>
+      </dsp:spPr>
+      <dsp:style>
+        <a:lnRef idx="2">
+          <a:scrgbClr r="0" g="0" b="0"/>
+        </a:lnRef>
+        <a:fillRef idx="1">
+          <a:scrgbClr r="0" g="0" b="0"/>
+        </a:fillRef>
+        <a:effectRef idx="0">
+          <a:scrgbClr r="0" g="0" b="0"/>
+        </a:effectRef>
+        <a:fontRef idx="minor">
+          <a:schemeClr val="lt1"/>
+        </a:fontRef>
+      </dsp:style>
+      <dsp:txBody>
+        <a:bodyPr spcFirstLastPara="0" vert="horz" wrap="square" lIns="140970" tIns="140970" rIns="140970" bIns="140970" numCol="1" spcCol="1270" anchor="ctr" anchorCtr="0">
+          <a:noAutofit/>
+        </a:bodyPr>
+        <a:lstStyle/>
+        <a:p>
+          <a:pPr lvl="0" algn="l" defTabSz="1644650">
+            <a:lnSpc>
+              <a:spcPct val="90000"/>
+            </a:lnSpc>
+            <a:spcBef>
+              <a:spcPct val="0"/>
+            </a:spcBef>
+            <a:spcAft>
+              <a:spcPct val="35000"/>
+            </a:spcAft>
+          </a:pPr>
+          <a:r>
+            <a:rPr lang="cs-CZ" sz="3700" kern="1200" dirty="0">
+              <a:hlinkClick xmlns:r="http://schemas.openxmlformats.org/officeDocument/2006/relationships" r:id="" action="ppaction://hlinksldjump"/>
+            </a:rPr>
+            <a:t>Svařování a </a:t>
+          </a:r>
+          <a:r>
+            <a:rPr lang="cs-CZ" sz="3700" kern="1200" dirty="0" err="1" smtClean="0">
+              <a:hlinkClick xmlns:r="http://schemas.openxmlformats.org/officeDocument/2006/relationships" r:id="" action="ppaction://hlinksldjump"/>
+            </a:rPr>
+            <a:t>konektorování</a:t>
+          </a:r>
+          <a:r>
+            <a:rPr lang="cs-CZ" sz="3700" kern="1200" dirty="0" smtClean="0">
+              <a:hlinkClick xmlns:r="http://schemas.openxmlformats.org/officeDocument/2006/relationships" r:id="" action="ppaction://hlinksldjump"/>
+            </a:rPr>
+            <a:t> 13-15 snímek</a:t>
+          </a:r>
+          <a:endParaRPr lang="en-US" sz="3700" kern="1200" dirty="0"/>
+        </a:p>
+      </dsp:txBody>
+      <dsp:txXfrm>
+        <a:off x="69737" y="3171719"/>
+        <a:ext cx="6718526" cy="1289096"/>
+      </dsp:txXfrm>
+    </dsp:sp>
+  </dsp:spTree>
+</dsp:drawing>
+</file>
+
+<file path=ppt/diagrams/layout1.xml><?xml version="1.0" encoding="utf-8"?>
+<dgm:layoutDef xmlns:dgm="http://schemas.openxmlformats.org/drawingml/2006/diagram" xmlns:a="http://schemas.openxmlformats.org/drawingml/2006/main" uniqueId="urn:microsoft.com/office/officeart/2005/8/layout/vList2">
+  <dgm:title val=""/>
+  <dgm:desc val=""/>
+  <dgm:catLst>
+    <dgm:cat type="list" pri="3000"/>
+    <dgm:cat type="convert" pri="1000"/>
+  </dgm:catLst>
+  <dgm:sampData>
+    <dgm:dataModel>
+      <dgm:ptLst>
+        <dgm:pt modelId="0" type="doc"/>
+        <dgm:pt modelId="1">
+          <dgm:prSet phldr="1"/>
+        </dgm:pt>
+        <dgm:pt modelId="11">
+          <dgm:prSet phldr="1"/>
+        </dgm:pt>
+        <dgm:pt modelId="2">
+          <dgm:prSet phldr="1"/>
+        </dgm:pt>
+        <dgm:pt modelId="21">
+          <dgm:prSet phldr="1"/>
+        </dgm:pt>
+      </dgm:ptLst>
+      <dgm:cxnLst>
+        <dgm:cxn modelId="4" srcId="0" destId="1" srcOrd="0" destOrd="0"/>
+        <dgm:cxn modelId="5" srcId="0" destId="2" srcOrd="1" destOrd="0"/>
+        <dgm:cxn modelId="12" srcId="1" destId="11" srcOrd="0" destOrd="0"/>
+        <dgm:cxn modelId="23" srcId="2" destId="21" srcOrd="0" destOrd="0"/>
+      </dgm:cxnLst>
+      <dgm:bg/>
+      <dgm:whole/>
+    </dgm:dataModel>
+  </dgm:sampData>
+  <dgm:styleData>
+    <dgm:dataModel>
+      <dgm:ptLst>
+        <dgm:pt modelId="0" type="doc"/>
+        <dgm:pt modelId="1"/>
+        <dgm:pt modelId="2"/>
+      </dgm:ptLst>
+      <dgm:cxnLst>
+        <dgm:cxn modelId="3" srcId="0" destId="1" srcOrd="0" destOrd="0"/>
+        <dgm:cxn modelId="4" srcId="0" destId="2" srcOrd="1" destOrd="0"/>
+      </dgm:cxnLst>
+      <dgm:bg/>
+      <dgm:whole/>
+    </dgm:dataModel>
+  </dgm:styleData>
+  <dgm:clrData>
+    <dgm:dataModel>
+      <dgm:ptLst>
+        <dgm:pt modelId="0" type="doc"/>
+        <dgm:pt modelId="1"/>
+        <dgm:pt modelId="2"/>
+        <dgm:pt modelId="3"/>
+        <dgm:pt modelId="4"/>
+      </dgm:ptLst>
+      <dgm:cxnLst>
+        <dgm:cxn modelId="5" srcId="0" destId="1" srcOrd="0" destOrd="0"/>
+        <dgm:cxn modelId="6" srcId="0" destId="2" srcOrd="1" destOrd="0"/>
+        <dgm:cxn modelId="7" srcId="0" destId="3" srcOrd="2" destOrd="0"/>
+        <dgm:cxn modelId="8" srcId="0" destId="4" srcOrd="3" destOrd="0"/>
+      </dgm:cxnLst>
+      <dgm:bg/>
+      <dgm:whole/>
+    </dgm:dataModel>
+  </dgm:clrData>
+  <dgm:layoutNode name="linear">
+    <dgm:varLst>
+      <dgm:animLvl val="lvl"/>
+      <dgm:resizeHandles val="exact"/>
+    </dgm:varLst>
+    <dgm:alg type="lin">
+      <dgm:param type="linDir" val="fromT"/>
+      <dgm:param type="vertAlign" val="mid"/>
+    </dgm:alg>
+    <dgm:shape xmlns:r="http://schemas.openxmlformats.org/officeDocument/2006/relationships" r:blip="">
+      <dgm:adjLst/>
+    </dgm:shape>
+    <dgm:presOf/>
+    <dgm:constrLst>
+      <dgm:constr type="w" for="ch" forName="parentText" refType="w"/>
+      <dgm:constr type="h" for="ch" forName="parentText" refType="primFontSz" refFor="ch" refForName="parentText" fact="0.52"/>
+      <dgm:constr type="w" for="ch" forName="childText" refType="w"/>
+      <dgm:constr type="h" for="ch" forName="childText" refType="primFontSz" refFor="ch" refForName="parentText" fact="0.46"/>
+      <dgm:constr type="h" for="ch" forName="parentText" op="equ"/>
+      <dgm:constr type="primFontSz" for="ch" forName="parentText" op="equ" val="65"/>
+      <dgm:constr type="primFontSz" for="ch" forName="childText" refType="primFontSz" refFor="ch" refForName="parentText" op="equ"/>
+      <dgm:constr type="h" for="ch" forName="spacer" refType="primFontSz" refFor="ch" refForName="parentText" fact="0.08"/>
+    </dgm:constrLst>
+    <dgm:ruleLst>
+      <dgm:rule type="primFontSz" for="ch" forName="parentText" val="5" fact="NaN" max="NaN"/>
+    </dgm:ruleLst>
+    <dgm:forEach name="Name0" axis="ch" ptType="node">
+      <dgm:layoutNode name="parentText" styleLbl="node1">
+        <dgm:varLst>
+          <dgm:chMax val="0"/>
+          <dgm:bulletEnabled val="1"/>
+        </dgm:varLst>
+        <dgm:alg type="tx">
+          <dgm:param type="parTxLTRAlign" val="l"/>
+          <dgm:param type="parTxRTLAlign" val="r"/>
+        </dgm:alg>
+        <dgm:shape xmlns:r="http://schemas.openxmlformats.org/officeDocument/2006/relationships" type="roundRect" r:blip="">
+          <dgm:adjLst/>
+        </dgm:shape>
+        <dgm:presOf axis="self"/>
+        <dgm:constrLst>
+          <dgm:constr type="tMarg" refType="primFontSz" fact="0.3"/>
+          <dgm:constr type="bMarg" refType="primFontSz" fact="0.3"/>
+          <dgm:constr type="lMarg" refType="primFontSz" fact="0.3"/>
+          <dgm:constr type="rMarg" refType="primFontSz" fact="0.3"/>
+        </dgm:constrLst>
+        <dgm:ruleLst>
+          <dgm:rule type="h" val="INF" fact="NaN" max="NaN"/>
+        </dgm:ruleLst>
+      </dgm:layoutNode>
+      <dgm:choose name="Name1">
+        <dgm:if name="Name2" axis="ch" ptType="node" func="cnt" op="gte" val="1">
+          <dgm:layoutNode name="childText" styleLbl="revTx">
+            <dgm:varLst>
+              <dgm:bulletEnabled val="1"/>
+            </dgm:varLst>
+            <dgm:alg type="tx">
+              <dgm:param type="stBulletLvl" val="1"/>
+              <dgm:param type="lnSpAfChP" val="20"/>
+            </dgm:alg>
+            <dgm:shape xmlns:r="http://schemas.openxmlformats.org/officeDocument/2006/relationships" type="rect" r:blip="">
+              <dgm:adjLst/>
+            </dgm:shape>
+            <dgm:presOf axis="des" ptType="node"/>
+            <dgm:constrLst>
+              <dgm:constr type="tMarg" refType="primFontSz" fact="0.1"/>
+              <dgm:constr type="bMarg" refType="primFontSz" fact="0.1"/>
+              <dgm:constr type="lMarg" refType="w" fact="0.09"/>
+            </dgm:constrLst>
+            <dgm:ruleLst>
+              <dgm:rule type="h" val="INF" fact="NaN" max="NaN"/>
+            </dgm:ruleLst>
+          </dgm:layoutNode>
+        </dgm:if>
+        <dgm:else name="Name3">
+          <dgm:choose name="Name4">
+            <dgm:if name="Name5" axis="par ch" ptType="doc node" func="cnt" op="gte" val="2">
+              <dgm:forEach name="Name6" axis="followSib" ptType="sibTrans" cnt="1">
+                <dgm:layoutNode name="spacer">
+                  <dgm:alg type="sp"/>
+                  <dgm:shape xmlns:r="http://schemas.openxmlformats.org/officeDocument/2006/relationships" r:blip="">
+                    <dgm:adjLst/>
+                  </dgm:shape>
+                  <dgm:presOf/>
+                  <dgm:constrLst/>
+                  <dgm:ruleLst/>
+                </dgm:layoutNode>
+              </dgm:forEach>
+            </dgm:if>
+            <dgm:else name="Name7"/>
+          </dgm:choose>
+        </dgm:else>
+      </dgm:choose>
+    </dgm:forEach>
+  </dgm:layoutNode>
+</dgm:layoutDef>
+</file>
+
+<file path=ppt/diagrams/quickStyle1.xml><?xml version="1.0" encoding="utf-8"?>
+<dgm:styleDef xmlns:dgm="http://schemas.openxmlformats.org/drawingml/2006/diagram" xmlns:a="http://schemas.openxmlformats.org/drawingml/2006/main" uniqueId="urn:microsoft.com/office/officeart/2005/8/quickstyle/simple1">
+  <dgm:title val=""/>
+  <dgm:desc val=""/>
+  <dgm:catLst>
+    <dgm:cat type="simple" pri="10100"/>
+  </dgm:catLst>
+  <dgm:scene3d>
+    <a:camera prst="orthographicFront"/>
+    <a:lightRig rig="threePt" dir="t"/>
+  </dgm:scene3d>
+  <dgm:styleLbl name="node0">
+    <dgm:scene3d>
+      <a:camera prst="orthographicFront"/>
+      <a:lightRig rig="threePt" dir="t"/>
+    </dgm:scene3d>
+    <dgm:sp3d/>
+    <dgm:txPr/>
+    <dgm:style>
+      <a:lnRef idx="2">
+        <a:scrgbClr r="0" g="0" b="0"/>
+      </a:lnRef>
+      <a:fillRef idx="1">
+        <a:scrgbClr r="0" g="0" b="0"/>
+      </a:fillRef>
+      <a:effectRef idx="0">
+        <a:scrgbClr r="0" g="0" b="0"/>
+      </a:effectRef>
+      <a:fontRef idx="minor">
+        <a:schemeClr val="lt1"/>
+      </a:fontRef>
+    </dgm:style>
+  </dgm:styleLbl>
+  <dgm:styleLbl name="lnNode1">
+    <dgm:scene3d>
+      <a:camera prst="orthographicFront"/>
+      <a:lightRig rig="threePt" dir="t"/>
+    </dgm:scene3d>
+    <dgm:sp3d/>
+    <dgm:txPr/>
+    <dgm:style>
+      <a:lnRef idx="2">
+        <a:scrgbClr r="0" g="0" b="0"/>
+      </a:lnRef>
+      <a:fillRef idx="1">
+        <a:scrgbClr r="0" g="0" b="0"/>
+      </a:fillRef>
+      <a:effectRef idx="0">
+        <a:scrgbClr r="0" g="0" b="0"/>
+      </a:effectRef>
+      <a:fontRef idx="minor">
+        <a:schemeClr val="lt1"/>
+      </a:fontRef>
+    </dgm:style>
+  </dgm:styleLbl>
+  <dgm:styleLbl name="vennNode1">
+    <dgm:scene3d>
+      <a:camera prst="orthographicFront"/>
+      <a:lightRig rig="threePt" dir="t"/>
+    </dgm:scene3d>
+    <dgm:sp3d/>
+    <dgm:txPr/>
+    <dgm:style>
+      <a:lnRef idx="2">
+        <a:scrgbClr r="0" g="0" b="0"/>
+      </a:lnRef>
+      <a:fillRef idx="1">
+        <a:scrgbClr r="0" g="0" b="0"/>
+      </a:fillRef>
+      <a:effectRef idx="0">
+        <a:scrgbClr r="0" g="0" b="0"/>
+      </a:effectRef>
+      <a:fontRef idx="minor">
+        <a:schemeClr val="tx1"/>
+      </a:fontRef>
+    </dgm:style>
+  </dgm:styleLbl>
+  <dgm:styleLbl name="alignNode1">
+    <dgm:scene3d>
+      <a:camera prst="orthographicFront"/>
+      <a:lightRig rig="threePt" dir="t"/>
+    </dgm:scene3d>
+    <dgm:sp3d/>
+    <dgm:txPr/>
+    <dgm:style>
+      <a:lnRef idx="2">
+        <a:scrgbClr r="0" g="0" b="0"/>
+      </a:lnRef>
+      <a:fillRef idx="1">
+        <a:scrgbClr r="0" g="0" b="0"/>
+      </a:fillRef>
+      <a:effectRef idx="0">
+        <a:scrgbClr r="0" g="0" b="0"/>
+      </a:effectRef>
+      <a:fontRef idx="minor">
+        <a:schemeClr val="lt1"/>
+      </a:fontRef>
+    </dgm:style>
+  </dgm:styleLbl>
+  <dgm:styleLbl name="node1">
+    <dgm:scene3d>
+      <a:camera prst="orthographicFront"/>
+      <a:lightRig rig="threePt" dir="t"/>
+    </dgm:scene3d>
+    <dgm:sp3d/>
+    <dgm:txPr/>
+    <dgm:style>
+      <a:lnRef idx="2">
+        <a:scrgbClr r="0" g="0" b="0"/>
+      </a:lnRef>
+      <a:fillRef idx="1">
+        <a:scrgbClr r="0" g="0" b="0"/>
+      </a:fillRef>
+      <a:effectRef idx="0">
+        <a:scrgbClr r="0" g="0" b="0"/>
+      </a:effectRef>
+      <a:fontRef idx="minor">
+        <a:schemeClr val="lt1"/>
+      </a:fontRef>
+    </dgm:style>
+  </dgm:styleLbl>
+  <dgm:styleLbl name="node2">
+    <dgm:scene3d>
+      <a:camera prst="orthographicFront"/>
+      <a:lightRig rig="threePt" dir="t"/>
+    </dgm:scene3d>
+    <dgm:sp3d/>
+    <dgm:txPr/>
+    <dgm:style>
+      <a:lnRef idx="2">
+        <a:scrgbClr r="0" g="0" b="0"/>
+      </a:lnRef>
+      <a:fillRef idx="1">
+        <a:scrgbClr r="0" g="0" b="0"/>
+      </a:fillRef>
+      <a:effectRef idx="0">
+        <a:scrgbClr r="0" g="0" b="0"/>
+      </a:effectRef>
+      <a:fontRef idx="minor">
+        <a:schemeClr val="lt1"/>
+      </a:fontRef>
+    </dgm:style>
+  </dgm:styleLbl>
+  <dgm:styleLbl name="node3">
+    <dgm:scene3d>
+      <a:camera prst="orthographicFront"/>
+      <a:lightRig rig="threePt" dir="t"/>
+    </dgm:scene3d>
+    <dgm:sp3d/>
+    <dgm:txPr/>
+    <dgm:style>
+      <a:lnRef idx="2">
+        <a:scrgbClr r="0" g="0" b="0"/>
+      </a:lnRef>
+      <a:fillRef idx="1">
+        <a:scrgbClr r="0" g="0" b="0"/>
+      </a:fillRef>
+      <a:effectRef idx="0">
+        <a:scrgbClr r="0" g="0" b="0"/>
+      </a:effectRef>
+      <a:fontRef idx="minor">
+        <a:schemeClr val="lt1"/>
+      </a:fontRef>
+    </dgm:style>
+  </dgm:styleLbl>
+  <dgm:styleLbl name="node4">
+    <dgm:scene3d>
+      <a:camera prst="orthographicFront"/>
+      <a:lightRig rig="threePt" dir="t"/>
+    </dgm:scene3d>
+    <dgm:sp3d/>
+    <dgm:txPr/>
+    <dgm:style>
+      <a:lnRef idx="2">
+        <a:scrgbClr r="0" g="0" b="0"/>
+      </a:lnRef>
+      <a:fillRef idx="1">
+        <a:scrgbClr r="0" g="0" b="0"/>
+      </a:fillRef>
+      <a:effectRef idx="0">
+        <a:scrgbClr r="0" g="0" b="0"/>
+      </a:effectRef>
+      <a:fontRef idx="minor">
+        <a:schemeClr val="lt1"/>
+      </a:fontRef>
+    </dgm:style>
+  </dgm:styleLbl>
+  <dgm:styleLbl name="fgImgPlace1">
+    <dgm:scene3d>
+      <a:camera prst="orthographicFront"/>
+      <a:lightRig rig="threePt" dir="t"/>
+    </dgm:scene3d>
+    <dgm:sp3d/>
+    <dgm:txPr/>
+    <dgm:style>
+      <a:lnRef idx="2">
+        <a:scrgbClr r="0" g="0" b="0"/>
+      </a:lnRef>
+      <a:fillRef idx="1">
+        <a:scrgbClr r="0" g="0" b="0"/>
+      </a:fillRef>
+      <a:effectRef idx="0">
+        <a:scrgbClr r="0" g="0" b="0"/>
+      </a:effectRef>
+      <a:fontRef idx="minor"/>
+    </dgm:style>
+  </dgm:styleLbl>
+  <dgm:styleLbl name="alignImgPlace1">
+    <dgm:scene3d>
+      <a:camera prst="orthographicFront"/>
+      <a:lightRig rig="threePt" dir="t"/>
+    </dgm:scene3d>
+    <dgm:sp3d/>
+    <dgm:txPr/>
+    <dgm:style>
+      <a:lnRef idx="2">
+        <a:scrgbClr r="0" g="0" b="0"/>
+      </a:lnRef>
+      <a:fillRef idx="1">
+        <a:scrgbClr r="0" g="0" b="0"/>
+      </a:fillRef>
+      <a:effectRef idx="0">
+        <a:scrgbClr r="0" g="0" b="0"/>
+      </a:effectRef>
+      <a:fontRef idx="minor"/>
+    </dgm:style>
+  </dgm:styleLbl>
+  <dgm:styleLbl name="bgImgPlace1">
+    <dgm:scene3d>
+      <a:camera prst="orthographicFront"/>
+      <a:lightRig rig="threePt" dir="t"/>
+    </dgm:scene3d>
+    <dgm:sp3d/>
+    <dgm:txPr/>
+    <dgm:style>
+      <a:lnRef idx="2">
+        <a:scrgbClr r="0" g="0" b="0"/>
+      </a:lnRef>
+      <a:fillRef idx="1">
+        <a:scrgbClr r="0" g="0" b="0"/>
+      </a:fillRef>
+      <a:effectRef idx="0">
+        <a:scrgbClr r="0" g="0" b="0"/>
+      </a:effectRef>
+      <a:fontRef idx="minor"/>
+    </dgm:style>
+  </dgm:styleLbl>
+  <dgm:styleLbl name="sibTrans2D1">
+    <dgm:scene3d>
+      <a:camera prst="orthographicFront"/>
+      <a:lightRig rig="threePt" dir="t"/>
+    </dgm:scene3d>
+    <dgm:sp3d/>
+    <dgm:txPr/>
+    <dgm:style>
+      <a:lnRef idx="0">
+        <a:scrgbClr r="0" g="0" b="0"/>
+      </a:lnRef>
+      <a:fillRef idx="1">
+        <a:scrgbClr r="0" g="0" b="0"/>
+      </a:fillRef>
+      <a:effectRef idx="0">
+        <a:scrgbClr r="0" g="0" b="0"/>
+      </a:effectRef>
+      <a:fontRef idx="minor">
+        <a:schemeClr val="lt1"/>
+      </a:fontRef>
+    </dgm:style>
+  </dgm:styleLbl>
+  <dgm:styleLbl name="fgSibTrans2D1">
+    <dgm:scene3d>
+      <a:camera prst="orthographicFront"/>
+      <a:lightRig rig="threePt" dir="t"/>
+    </dgm:scene3d>
+    <dgm:sp3d/>
+    <dgm:txPr/>
+    <dgm:style>
+      <a:lnRef idx="0">
+        <a:scrgbClr r="0" g="0" b="0"/>
+      </a:lnRef>
+      <a:fillRef idx="1">
+        <a:scrgbClr r="0" g="0" b="0"/>
+      </a:fillRef>
+      <a:effectRef idx="0">
+        <a:scrgbClr r="0" g="0" b="0"/>
+      </a:effectRef>
+      <a:fontRef idx="minor">
+        <a:schemeClr val="lt1"/>
+      </a:fontRef>
+    </dgm:style>
+  </dgm:styleLbl>
+  <dgm:styleLbl name="bgSibTrans2D1">
+    <dgm:scene3d>
+      <a:camera prst="orthographicFront"/>
+      <a:lightRig rig="threePt" dir="t"/>
+    </dgm:scene3d>
+    <dgm:sp3d/>
+    <dgm:txPr/>
+    <dgm:style>
+      <a:lnRef idx="0">
+        <a:scrgbClr r="0" g="0" b="0"/>
+      </a:lnRef>
+      <a:fillRef idx="1">
+        <a:scrgbClr r="0" g="0" b="0"/>
+      </a:fillRef>
+      <a:effectRef idx="0">
+        <a:scrgbClr r="0" g="0" b="0"/>
+      </a:effectRef>
+      <a:fontRef idx="minor">
+        <a:schemeClr val="lt1"/>
+      </a:fontRef>
+    </dgm:style>
+  </dgm:styleLbl>
+  <dgm:styleLbl name="sibTrans1D1">
+    <dgm:scene3d>
+      <a:camera prst="orthographicFront"/>
+      <a:lightRig rig="threePt" dir="t"/>
+    </dgm:scene3d>
+    <dgm:sp3d/>
+    <dgm:txPr/>
+    <dgm:style>
+      <a:lnRef idx="1">
+        <a:scrgbClr r="0" g="0" b="0"/>
+      </a:lnRef>
+      <a:fillRef idx="0">
+        <a:scrgbClr r="0" g="0" b="0"/>
+      </a:fillRef>
+      <a:effectRef idx="0">
+        <a:scrgbClr r="0" g="0" b="0"/>
+      </a:effectRef>
+      <a:fontRef idx="minor"/>
+    </dgm:style>
+  </dgm:styleLbl>
+  <dgm:styleLbl name="callout">
+    <dgm:scene3d>
+      <a:camera prst="orthographicFront"/>
+      <a:lightRig rig="threePt" dir="t"/>
+    </dgm:scene3d>
+    <dgm:sp3d/>
+    <dgm:txPr/>
+    <dgm:style>
+      <a:lnRef idx="2">
+        <a:scrgbClr r="0" g="0" b="0"/>
+      </a:lnRef>
+      <a:fillRef idx="1">
+        <a:scrgbClr r="0" g="0" b="0"/>
+      </a:fillRef>
+      <a:effectRef idx="0">
+        <a:scrgbClr r="0" g="0" b="0"/>
+      </a:effectRef>
+      <a:fontRef idx="minor"/>
+    </dgm:style>
+  </dgm:styleLbl>
+  <dgm:styleLbl name="asst0">
+    <dgm:scene3d>
+      <a:camera prst="orthographicFront"/>
+      <a:lightRig rig="threePt" dir="t"/>
+    </dgm:scene3d>
+    <dgm:sp3d/>
+    <dgm:txPr/>
+    <dgm:style>
+      <a:lnRef idx="2">
+        <a:scrgbClr r="0" g="0" b="0"/>
+      </a:lnRef>
+      <a:fillRef idx="1">
+        <a:scrgbClr r="0" g="0" b="0"/>
+      </a:fillRef>
+      <a:effectRef idx="0">
+        <a:scrgbClr r="0" g="0" b="0"/>
+      </a:effectRef>
+      <a:fontRef idx="minor">
+        <a:schemeClr val="lt1"/>
+      </a:fontRef>
+    </dgm:style>
+  </dgm:styleLbl>
+  <dgm:styleLbl name="asst1">
+    <dgm:scene3d>
+      <a:camera prst="orthographicFront"/>
+      <a:lightRig rig="threePt" dir="t"/>
+    </dgm:scene3d>
+    <dgm:sp3d/>
+    <dgm:txPr/>
+    <dgm:style>
+      <a:lnRef idx="2">
+        <a:scrgbClr r="0" g="0" b="0"/>
+      </a:lnRef>
+      <a:fillRef idx="1">
+        <a:scrgbClr r="0" g="0" b="0"/>
+      </a:fillRef>
+      <a:effectRef idx="0">
+        <a:scrgbClr r="0" g="0" b="0"/>
+      </a:effectRef>
+      <a:fontRef idx="minor">
+        <a:schemeClr val="lt1"/>
+      </a:fontRef>
+    </dgm:style>
+  </dgm:styleLbl>
+  <dgm:styleLbl name="asst2">
+    <dgm:scene3d>
+      <a:camera prst="orthographicFront"/>
+      <a:lightRig rig="threePt" dir="t"/>
+    </dgm:scene3d>
+    <dgm:sp3d/>
+    <dgm:txPr/>
+    <dgm:style>
+      <a:lnRef idx="2">
+        <a:scrgbClr r="0" g="0" b="0"/>
+      </a:lnRef>
+      <a:fillRef idx="1">
+        <a:scrgbClr r="0" g="0" b="0"/>
+      </a:fillRef>
+      <a:effectRef idx="0">
+        <a:scrgbClr r="0" g="0" b="0"/>
+      </a:effectRef>
+      <a:fontRef idx="minor">
+        <a:schemeClr val="lt1"/>
+      </a:fontRef>
+    </dgm:style>
+  </dgm:styleLbl>
+  <dgm:styleLbl name="asst3">
+    <dgm:scene3d>
+      <a:camera prst="orthographicFront"/>
+      <a:lightRig rig="threePt" dir="t"/>
+    </dgm:scene3d>
+    <dgm:sp3d/>
+    <dgm:txPr/>
+    <dgm:style>
+      <a:lnRef idx="2">
+        <a:scrgbClr r="0" g="0" b="0"/>
+      </a:lnRef>
+      <a:fillRef idx="1">
+        <a:scrgbClr r="0" g="0" b="0"/>
+      </a:fillRef>
+      <a:effectRef idx="0">
+        <a:scrgbClr r="0" g="0" b="0"/>
+      </a:effectRef>
+      <a:fontRef idx="minor">
+        <a:schemeClr val="lt1"/>
+      </a:fontRef>
+    </dgm:style>
+  </dgm:styleLbl>
+  <dgm:styleLbl name="asst4">
+    <dgm:scene3d>
+      <a:camera prst="orthographicFront"/>
+      <a:lightRig rig="threePt" dir="t"/>
+    </dgm:scene3d>
+    <dgm:sp3d/>
+    <dgm:txPr/>
+    <dgm:style>
+      <a:lnRef idx="2">
+        <a:scrgbClr r="0" g="0" b="0"/>
+      </a:lnRef>
+      <a:fillRef idx="1">
+        <a:scrgbClr r="0" g="0" b="0"/>
+      </a:fillRef>
+      <a:effectRef idx="0">
+        <a:scrgbClr r="0" g="0" b="0"/>
+      </a:effectRef>
+      <a:fontRef idx="minor">
+        <a:schemeClr val="lt1"/>
+      </a:fontRef>
+    </dgm:style>
+  </dgm:styleLbl>
+  <dgm:styleLbl name="parChTrans2D1">
+    <dgm:scene3d>
+      <a:camera prst="orthographicFront"/>
+      <a:lightRig rig="threePt" dir="t"/>
+    </dgm:scene3d>
+    <dgm:sp3d/>
+    <dgm:txPr/>
+    <dgm:style>
+      <a:lnRef idx="2">
+        <a:scrgbClr r="0" g="0" b="0"/>
+      </a:lnRef>
+      <a:fillRef idx="1">
+        <a:scrgbClr r="0" g="0" b="0"/>
+      </a:fillRef>
+      <a:effectRef idx="0">
+        <a:scrgbClr r="0" g="0" b="0"/>
+      </a:effectRef>
+      <a:fontRef idx="minor">
+        <a:schemeClr val="lt1"/>
+      </a:fontRef>
+    </dgm:style>
+  </dgm:styleLbl>
+  <dgm:styleLbl name="parChTrans2D2">
+    <dgm:scene3d>
+      <a:camera prst="orthographicFront"/>
+      <a:lightRig rig="threePt" dir="t"/>
+    </dgm:scene3d>
+    <dgm:sp3d/>
+    <dgm:txPr/>
+    <dgm:style>
+      <a:lnRef idx="2">
+        <a:scrgbClr r="0" g="0" b="0"/>
+      </a:lnRef>
+      <a:fillRef idx="1">
+        <a:scrgbClr r="0" g="0" b="0"/>
+      </a:fillRef>
+      <a:effectRef idx="0">
+        <a:scrgbClr r="0" g="0" b="0"/>
+      </a:effectRef>
+      <a:fontRef idx="minor">
+        <a:schemeClr val="lt1"/>
+      </a:fontRef>
+    </dgm:style>
+  </dgm:styleLbl>
+  <dgm:styleLbl name="parChTrans2D3">
+    <dgm:scene3d>
+      <a:camera prst="orthographicFront"/>
+      <a:lightRig rig="threePt" dir="t"/>
+    </dgm:scene3d>
+    <dgm:sp3d/>
+    <dgm:txPr/>
+    <dgm:style>
+      <a:lnRef idx="2">
+        <a:scrgbClr r="0" g="0" b="0"/>
+      </a:lnRef>
+      <a:fillRef idx="1">
+        <a:scrgbClr r="0" g="0" b="0"/>
+      </a:fillRef>
+      <a:effectRef idx="0">
+        <a:scrgbClr r="0" g="0" b="0"/>
+      </a:effectRef>
+      <a:fontRef idx="minor">
+        <a:schemeClr val="lt1"/>
+      </a:fontRef>
+    </dgm:style>
+  </dgm:styleLbl>
+  <dgm:styleLbl name="parChTrans2D4">
+    <dgm:scene3d>
+      <a:camera prst="orthographicFront"/>
+      <a:lightRig rig="threePt" dir="t"/>
+    </dgm:scene3d>
+    <dgm:sp3d/>
+    <dgm:txPr/>
+    <dgm:style>
+      <a:lnRef idx="2">
+        <a:scrgbClr r="0" g="0" b="0"/>
+      </a:lnRef>
+      <a:fillRef idx="1">
+        <a:scrgbClr r="0" g="0" b="0"/>
+      </a:fillRef>
+      <a:effectRef idx="0">
+        <a:scrgbClr r="0" g="0" b="0"/>
+      </a:effectRef>
+      <a:fontRef idx="minor">
+        <a:schemeClr val="lt1"/>
+      </a:fontRef>
+    </dgm:style>
+  </dgm:styleLbl>
+  <dgm:styleLbl name="parChTrans1D1">
+    <dgm:scene3d>
+      <a:camera prst="orthographicFront"/>
+      <a:lightRig rig="threePt" dir="t"/>
+    </dgm:scene3d>
+    <dgm:sp3d/>
+    <dgm:txPr/>
+    <dgm:style>
+      <a:lnRef idx="2">
+        <a:scrgbClr r="0" g="0" b="0"/>
+      </a:lnRef>
+      <a:fillRef idx="0">
+        <a:scrgbClr r="0" g="0" b="0"/>
+      </a:fillRef>
+      <a:effectRef idx="0">
+        <a:scrgbClr r="0" g="0" b="0"/>
+      </a:effectRef>
+      <a:fontRef idx="minor"/>
+    </dgm:style>
+  </dgm:styleLbl>
+  <dgm:styleLbl name="parChTrans1D2">
+    <dgm:scene3d>
+      <a:camera prst="orthographicFront"/>
+      <a:lightRig rig="threePt" dir="t"/>
+    </dgm:scene3d>
+    <dgm:sp3d/>
+    <dgm:txPr/>
+    <dgm:style>
+      <a:lnRef idx="2">
+        <a:scrgbClr r="0" g="0" b="0"/>
+      </a:lnRef>
+      <a:fillRef idx="0">
+        <a:scrgbClr r="0" g="0" b="0"/>
+      </a:fillRef>
+      <a:effectRef idx="0">
+        <a:scrgbClr r="0" g="0" b="0"/>
+      </a:effectRef>
+      <a:fontRef idx="minor"/>
+    </dgm:style>
+  </dgm:styleLbl>
+  <dgm:styleLbl name="parChTrans1D3">
+    <dgm:scene3d>
+      <a:camera prst="orthographicFront"/>
+      <a:lightRig rig="threePt" dir="t"/>
+    </dgm:scene3d>
+    <dgm:sp3d/>
+    <dgm:txPr/>
+    <dgm:style>
+      <a:lnRef idx="2">
+        <a:scrgbClr r="0" g="0" b="0"/>
+      </a:lnRef>
+      <a:fillRef idx="0">
+        <a:scrgbClr r="0" g="0" b="0"/>
+      </a:fillRef>
+      <a:effectRef idx="0">
+        <a:scrgbClr r="0" g="0" b="0"/>
+      </a:effectRef>
+      <a:fontRef idx="minor"/>
+    </dgm:style>
+  </dgm:styleLbl>
+  <dgm:styleLbl name="parChTrans1D4">
+    <dgm:scene3d>
+      <a:camera prst="orthographicFront"/>
+      <a:lightRig rig="threePt" dir="t"/>
+    </dgm:scene3d>
+    <dgm:sp3d/>
+    <dgm:txPr/>
+    <dgm:style>
+      <a:lnRef idx="2">
+        <a:scrgbClr r="0" g="0" b="0"/>
+      </a:lnRef>
+      <a:fillRef idx="0">
+        <a:scrgbClr r="0" g="0" b="0"/>
+      </a:fillRef>
+      <a:effectRef idx="0">
+        <a:scrgbClr r="0" g="0" b="0"/>
+      </a:effectRef>
+      <a:fontRef idx="minor"/>
+    </dgm:style>
+  </dgm:styleLbl>
+  <dgm:styleLbl name="fgAcc1">
+    <dgm:scene3d>
+      <a:camera prst="orthographicFront"/>
+      <a:lightRig rig="threePt" dir="t"/>
+    </dgm:scene3d>
+    <dgm:sp3d/>
+    <dgm:txPr/>
+    <dgm:style>
+      <a:lnRef idx="2">
+        <a:scrgbClr r="0" g="0" b="0"/>
+      </a:lnRef>
+      <a:fillRef idx="1">
+        <a:scrgbClr r="0" g="0" b="0"/>
+      </a:fillRef>
+      <a:effectRef idx="0">
+        <a:scrgbClr r="0" g="0" b="0"/>
+      </a:effectRef>
+      <a:fontRef idx="minor"/>
+    </dgm:style>
+  </dgm:styleLbl>
+  <dgm:styleLbl name="conFgAcc1">
+    <dgm:scene3d>
+      <a:camera prst="orthographicFront"/>
+      <a:lightRig rig="threePt" dir="t"/>
+    </dgm:scene3d>
+    <dgm:sp3d/>
+    <dgm:txPr/>
+    <dgm:style>
+      <a:lnRef idx="2">
+        <a:scrgbClr r="0" g="0" b="0"/>
+      </a:lnRef>
+      <a:fillRef idx="1">
+        <a:scrgbClr r="0" g="0" b="0"/>
+      </a:fillRef>
+      <a:effectRef idx="0">
+        <a:scrgbClr r="0" g="0" b="0"/>
+      </a:effectRef>
+      <a:fontRef idx="minor"/>
+    </dgm:style>
+  </dgm:styleLbl>
+  <dgm:styleLbl name="alignAcc1">
+    <dgm:scene3d>
+      <a:camera prst="orthographicFront"/>
+      <a:lightRig rig="threePt" dir="t"/>
+    </dgm:scene3d>
+    <dgm:sp3d/>
+    <dgm:txPr/>
+    <dgm:style>
+      <a:lnRef idx="2">
+        <a:scrgbClr r="0" g="0" b="0"/>
+      </a:lnRef>
+      <a:fillRef idx="1">
+        <a:scrgbClr r="0" g="0" b="0"/>
+      </a:fillRef>
+      <a:effectRef idx="0">
+        <a:scrgbClr r="0" g="0" b="0"/>
+      </a:effectRef>
+      <a:fontRef idx="minor"/>
+    </dgm:style>
+  </dgm:styleLbl>
+  <dgm:styleLbl name="trAlignAcc1">
+    <dgm:scene3d>
+      <a:camera prst="orthographicFront"/>
+      <a:lightRig rig="threePt" dir="t"/>
+    </dgm:scene3d>
+    <dgm:sp3d/>
+    <dgm:txPr/>
+    <dgm:style>
+      <a:lnRef idx="1">
+        <a:scrgbClr r="0" g="0" b="0"/>
+      </a:lnRef>
+      <a:fillRef idx="1">
+        <a:scrgbClr r="0" g="0" b="0"/>
+      </a:fillRef>
+      <a:effectRef idx="0">
+        <a:scrgbClr r="0" g="0" b="0"/>
+      </a:effectRef>
+      <a:fontRef idx="minor"/>
+    </dgm:style>
+  </dgm:styleLbl>
+  <dgm:styleLbl name="bgAcc1">
+    <dgm:scene3d>
+      <a:camera prst="orthographicFront"/>
+      <a:lightRig rig="threePt" dir="t"/>
+    </dgm:scene3d>
+    <dgm:sp3d/>
+    <dgm:txPr/>
+    <dgm:style>
+      <a:lnRef idx="2">
+        <a:scrgbClr r="0" g="0" b="0"/>
+      </a:lnRef>
+      <a:fillRef idx="1">
+        <a:scrgbClr r="0" g="0" b="0"/>
+      </a:fillRef>
+      <a:effectRef idx="0">
+        <a:scrgbClr r="0" g="0" b="0"/>
+      </a:effectRef>
+      <a:fontRef idx="minor"/>
+    </dgm:style>
+  </dgm:styleLbl>
+  <dgm:styleLbl name="solidFgAcc1">
+    <dgm:scene3d>
+      <a:camera prst="orthographicFront"/>
+      <a:lightRig rig="threePt" dir="t"/>
+    </dgm:scene3d>
+    <dgm:sp3d/>
+    <dgm:txPr/>
+    <dgm:style>
+      <a:lnRef idx="2">
+        <a:scrgbClr r="0" g="0" b="0"/>
+      </a:lnRef>
+      <a:fillRef idx="1">
+        <a:scrgbClr r="0" g="0" b="0"/>
+      </a:fillRef>
+      <a:effectRef idx="0">
+        <a:scrgbClr r="0" g="0" b="0"/>
+      </a:effectRef>
+      <a:fontRef idx="minor"/>
+    </dgm:style>
+  </dgm:styleLbl>
+  <dgm:styleLbl name="solidAlignAcc1">
+    <dgm:scene3d>
+      <a:camera prst="orthographicFront"/>
+      <a:lightRig rig="threePt" dir="t"/>
+    </dgm:scene3d>
+    <dgm:sp3d/>
+    <dgm:txPr/>
+    <dgm:style>
+      <a:lnRef idx="2">
+        <a:scrgbClr r="0" g="0" b="0"/>
+      </a:lnRef>
+      <a:fillRef idx="1">
+        <a:scrgbClr r="0" g="0" b="0"/>
+      </a:fillRef>
+      <a:effectRef idx="0">
+        <a:scrgbClr r="0" g="0" b="0"/>
+      </a:effectRef>
+      <a:fontRef idx="minor"/>
+    </dgm:style>
+  </dgm:styleLbl>
+  <dgm:styleLbl name="solidBgAcc1">
+    <dgm:scene3d>
+      <a:camera prst="orthographicFront"/>
+      <a:lightRig rig="threePt" dir="t"/>
+    </dgm:scene3d>
+    <dgm:sp3d/>
+    <dgm:txPr/>
+    <dgm:style>
+      <a:lnRef idx="2">
+        <a:scrgbClr r="0" g="0" b="0"/>
+      </a:lnRef>
+      <a:fillRef idx="1">
+        <a:scrgbClr r="0" g="0" b="0"/>
+      </a:fillRef>
+      <a:effectRef idx="0">
+        <a:scrgbClr r="0" g="0" b="0"/>
+      </a:effectRef>
+      <a:fontRef idx="minor"/>
+    </dgm:style>
+  </dgm:styleLbl>
+  <dgm:styleLbl name="fgAccFollowNode1">
+    <dgm:scene3d>
+      <a:camera prst="orthographicFront"/>
+      <a:lightRig rig="threePt" dir="t"/>
+    </dgm:scene3d>
+    <dgm:sp3d/>
+    <dgm:txPr/>
+    <dgm:style>
+      <a:lnRef idx="2">
+        <a:scrgbClr r="0" g="0" b="0"/>
+      </a:lnRef>
+      <a:fillRef idx="1">
+        <a:scrgbClr r="0" g="0" b="0"/>
+      </a:fillRef>
+      <a:effectRef idx="0">
+        <a:scrgbClr r="0" g="0" b="0"/>
+      </a:effectRef>
+      <a:fontRef idx="minor"/>
+    </dgm:style>
+  </dgm:styleLbl>
+  <dgm:styleLbl name="alignAccFollowNode1">
+    <dgm:scene3d>
+      <a:camera prst="orthographicFront"/>
+      <a:lightRig rig="threePt" dir="t"/>
+    </dgm:scene3d>
+    <dgm:sp3d/>
+    <dgm:txPr/>
+    <dgm:style>
+      <a:lnRef idx="2">
+        <a:scrgbClr r="0" g="0" b="0"/>
+      </a:lnRef>
+      <a:fillRef idx="1">
+        <a:scrgbClr r="0" g="0" b="0"/>
+      </a:fillRef>
+      <a:effectRef idx="0">
+        <a:scrgbClr r="0" g="0" b="0"/>
+      </a:effectRef>
+      <a:fontRef idx="minor"/>
+    </dgm:style>
+  </dgm:styleLbl>
+  <dgm:styleLbl name="bgAccFollowNode1">
+    <dgm:scene3d>
+      <a:camera prst="orthographicFront"/>
+      <a:lightRig rig="threePt" dir="t"/>
+    </dgm:scene3d>
+    <dgm:sp3d/>
+    <dgm:txPr/>
+    <dgm:style>
+      <a:lnRef idx="2">
+        <a:scrgbClr r="0" g="0" b="0"/>
+      </a:lnRef>
+      <a:fillRef idx="1">
+        <a:scrgbClr r="0" g="0" b="0"/>
+      </a:fillRef>
+      <a:effectRef idx="0">
+        <a:scrgbClr r="0" g="0" b="0"/>
+      </a:effectRef>
+      <a:fontRef idx="minor"/>
+    </dgm:style>
+  </dgm:styleLbl>
+  <dgm:styleLbl name="fgAcc0">
+    <dgm:scene3d>
+      <a:camera prst="orthographicFront"/>
+      <a:lightRig rig="threePt" dir="t"/>
+    </dgm:scene3d>
+    <dgm:sp3d/>
+    <dgm:txPr/>
+    <dgm:style>
+      <a:lnRef idx="2">
+        <a:scrgbClr r="0" g="0" b="0"/>
+      </a:lnRef>
+      <a:fillRef idx="1">
+        <a:scrgbClr r="0" g="0" b="0"/>
+      </a:fillRef>
+      <a:effectRef idx="0">
+        <a:scrgbClr r="0" g="0" b="0"/>
+      </a:effectRef>
+      <a:fontRef idx="minor"/>
+    </dgm:style>
+  </dgm:styleLbl>
+  <dgm:styleLbl name="fgAcc2">
+    <dgm:scene3d>
+      <a:camera prst="orthographicFront"/>
+      <a:lightRig rig="threePt" dir="t"/>
+    </dgm:scene3d>
+    <dgm:sp3d/>
+    <dgm:txPr/>
+    <dgm:style>
+      <a:lnRef idx="2">
+        <a:scrgbClr r="0" g="0" b="0"/>
+      </a:lnRef>
+      <a:fillRef idx="1">
+        <a:scrgbClr r="0" g="0" b="0"/>
+      </a:fillRef>
+      <a:effectRef idx="0">
+        <a:scrgbClr r="0" g="0" b="0"/>
+      </a:effectRef>
+      <a:fontRef idx="minor"/>
+    </dgm:style>
+  </dgm:styleLbl>
+  <dgm:styleLbl name="fgAcc3">
+    <dgm:scene3d>
+      <a:camera prst="orthographicFront"/>
+      <a:lightRig rig="threePt" dir="t"/>
+    </dgm:scene3d>
+    <dgm:sp3d/>
+    <dgm:txPr/>
+    <dgm:style>
+      <a:lnRef idx="2">
+        <a:scrgbClr r="0" g="0" b="0"/>
+      </a:lnRef>
+      <a:fillRef idx="1">
+        <a:scrgbClr r="0" g="0" b="0"/>
+      </a:fillRef>
+      <a:effectRef idx="0">
+        <a:scrgbClr r="0" g="0" b="0"/>
+      </a:effectRef>
+      <a:fontRef idx="minor"/>
+    </dgm:style>
+  </dgm:styleLbl>
+  <dgm:styleLbl name="fgAcc4">
+    <dgm:scene3d>
+      <a:camera prst="orthographicFront"/>
+      <a:lightRig rig="threePt" dir="t"/>
+    </dgm:scene3d>
+    <dgm:sp3d/>
+    <dgm:txPr/>
+    <dgm:style>
+      <a:lnRef idx="2">
+        <a:scrgbClr r="0" g="0" b="0"/>
+      </a:lnRef>
+      <a:fillRef idx="1">
+        <a:scrgbClr r="0" g="0" b="0"/>
+      </a:fillRef>
+      <a:effectRef idx="0">
+        <a:scrgbClr r="0" g="0" b="0"/>
+      </a:effectRef>
+      <a:fontRef idx="minor"/>
+    </dgm:style>
+  </dgm:styleLbl>
+  <dgm:styleLbl name="bgShp">
+    <dgm:scene3d>
+      <a:camera prst="orthographicFront"/>
+      <a:lightRig rig="threePt" dir="t"/>
+    </dgm:scene3d>
+    <dgm:sp3d/>
+    <dgm:txPr/>
+    <dgm:style>
+      <a:lnRef idx="0">
+        <a:scrgbClr r="0" g="0" b="0"/>
+      </a:lnRef>
+      <a:fillRef idx="1">
+        <a:scrgbClr r="0" g="0" b="0"/>
+      </a:fillRef>
+      <a:effectRef idx="0">
+        <a:scrgbClr r="0" g="0" b="0"/>
+      </a:effectRef>
+      <a:fontRef idx="minor"/>
+    </dgm:style>
+  </dgm:styleLbl>
+  <dgm:styleLbl name="dkBgShp">
+    <dgm:scene3d>
+      <a:camera prst="orthographicFront"/>
+      <a:lightRig rig="threePt" dir="t"/>
+    </dgm:scene3d>
+    <dgm:sp3d/>
+    <dgm:txPr/>
+    <dgm:style>
+      <a:lnRef idx="0">
+        <a:scrgbClr r="0" g="0" b="0"/>
+      </a:lnRef>
+      <a:fillRef idx="1">
+        <a:scrgbClr r="0" g="0" b="0"/>
+      </a:fillRef>
+      <a:effectRef idx="0">
+        <a:scrgbClr r="0" g="0" b="0"/>
+      </a:effectRef>
+      <a:fontRef idx="minor"/>
+    </dgm:style>
+  </dgm:styleLbl>
+  <dgm:styleLbl name="trBgShp">
+    <dgm:scene3d>
+      <a:camera prst="orthographicFront"/>
+      <a:lightRig rig="threePt" dir="t"/>
+    </dgm:scene3d>
+    <dgm:sp3d/>
+    <dgm:txPr/>
+    <dgm:style>
+      <a:lnRef idx="0">
+        <a:scrgbClr r="0" g="0" b="0"/>
+      </a:lnRef>
+      <a:fillRef idx="1">
+        <a:scrgbClr r="0" g="0" b="0"/>
+      </a:fillRef>
+      <a:effectRef idx="0">
+        <a:scrgbClr r="0" g="0" b="0"/>
+      </a:effectRef>
+      <a:fontRef idx="minor"/>
+    </dgm:style>
+  </dgm:styleLbl>
+  <dgm:styleLbl name="fgShp">
+    <dgm:scene3d>
+      <a:camera prst="orthographicFront"/>
+      <a:lightRig rig="threePt" dir="t"/>
+    </dgm:scene3d>
+    <dgm:sp3d/>
+    <dgm:txPr/>
+    <dgm:style>
+      <a:lnRef idx="2">
+        <a:scrgbClr r="0" g="0" b="0"/>
+      </a:lnRef>
+      <a:fillRef idx="1">
+        <a:scrgbClr r="0" g="0" b="0"/>
+      </a:fillRef>
+      <a:effectRef idx="0">
+        <a:scrgbClr r="0" g="0" b="0"/>
+      </a:effectRef>
+      <a:fontRef idx="minor"/>
+    </dgm:style>
+  </dgm:styleLbl>
+  <dgm:styleLbl name="revTx">
+    <dgm:scene3d>
+      <a:camera prst="orthographicFront"/>
+      <a:lightRig rig="threePt" dir="t"/>
+    </dgm:scene3d>
+    <dgm:sp3d/>
+    <dgm:txPr/>
+    <dgm:style>
+      <a:lnRef idx="0">
+        <a:scrgbClr r="0" g="0" b="0"/>
+      </a:lnRef>
+      <a:fillRef idx="0">
+        <a:scrgbClr r="0" g="0" b="0"/>
+      </a:fillRef>
+      <a:effectRef idx="0">
+        <a:scrgbClr r="0" g="0" b="0"/>
+      </a:effectRef>
+      <a:fontRef idx="minor"/>
+    </dgm:style>
+  </dgm:styleLbl>
+</dgm:styleDef>
 </file>
 
 <file path=ppt/slideLayouts/slideLayout1.xml><?xml version="1.0" encoding="utf-8"?>
@@ -162,7 +2663,7 @@
           <p:cNvPr id="2" name="Title 1">
             <a:extLst>
               <a:ext uri="{FF2B5EF4-FFF2-40B4-BE49-F238E27FC236}">
-                <a16:creationId xmlns:a16="http://schemas.microsoft.com/office/drawing/2014/main" id="{078DD129-A8C2-419E-B641-6CC90F50732D}"/>
+                <a16:creationId xmlns:a16="http://schemas.microsoft.com/office/drawing/2014/main" xmlns="" id="{078DD129-A8C2-419E-B641-6CC90F50732D}"/>
               </a:ext>
             </a:extLst>
           </p:cNvPr>
@@ -199,7 +2700,7 @@
           <p:cNvPr id="3" name="Subtitle 2">
             <a:extLst>
               <a:ext uri="{FF2B5EF4-FFF2-40B4-BE49-F238E27FC236}">
-                <a16:creationId xmlns:a16="http://schemas.microsoft.com/office/drawing/2014/main" id="{D1B33C04-8A23-4499-A6EF-1D190F0FB38E}"/>
+                <a16:creationId xmlns:a16="http://schemas.microsoft.com/office/drawing/2014/main" xmlns="" id="{D1B33C04-8A23-4499-A6EF-1D190F0FB38E}"/>
               </a:ext>
             </a:extLst>
           </p:cNvPr>
@@ -269,7 +2770,7 @@
           <p:cNvPr id="4" name="Date Placeholder 3">
             <a:extLst>
               <a:ext uri="{FF2B5EF4-FFF2-40B4-BE49-F238E27FC236}">
-                <a16:creationId xmlns:a16="http://schemas.microsoft.com/office/drawing/2014/main" id="{BEFA99FB-5674-4BC5-949F-8D45EC167511}"/>
+                <a16:creationId xmlns:a16="http://schemas.microsoft.com/office/drawing/2014/main" xmlns="" id="{BEFA99FB-5674-4BC5-949F-8D45EC167511}"/>
               </a:ext>
             </a:extLst>
           </p:cNvPr>
@@ -287,7 +2788,7 @@
           <a:p>
             <a:fld id="{76969C88-B244-455D-A017-012B25B1ACDD}" type="datetimeFigureOut">
               <a:rPr lang="en-US" smtClean="0"/>
-              <a:t>1/17/2023</a:t>
+              <a:t>1/19/2023</a:t>
             </a:fld>
             <a:endParaRPr lang="en-US"/>
           </a:p>
@@ -298,7 +2799,7 @@
           <p:cNvPr id="5" name="Footer Placeholder 4">
             <a:extLst>
               <a:ext uri="{FF2B5EF4-FFF2-40B4-BE49-F238E27FC236}">
-                <a16:creationId xmlns:a16="http://schemas.microsoft.com/office/drawing/2014/main" id="{0763CF93-DD67-4FE2-8083-864693FE8E7B}"/>
+                <a16:creationId xmlns:a16="http://schemas.microsoft.com/office/drawing/2014/main" xmlns="" id="{0763CF93-DD67-4FE2-8083-864693FE8E7B}"/>
               </a:ext>
             </a:extLst>
           </p:cNvPr>
@@ -323,7 +2824,7 @@
           <p:cNvPr id="6" name="Slide Number Placeholder 5">
             <a:extLst>
               <a:ext uri="{FF2B5EF4-FFF2-40B4-BE49-F238E27FC236}">
-                <a16:creationId xmlns:a16="http://schemas.microsoft.com/office/drawing/2014/main" id="{2F05E934-32B6-44B1-9622-67F30BDA3F3A}"/>
+                <a16:creationId xmlns:a16="http://schemas.microsoft.com/office/drawing/2014/main" xmlns="" id="{2F05E934-32B6-44B1-9622-67F30BDA3F3A}"/>
               </a:ext>
             </a:extLst>
           </p:cNvPr>
@@ -382,7 +2883,7 @@
           <p:cNvPr id="2" name="Title 1">
             <a:extLst>
               <a:ext uri="{FF2B5EF4-FFF2-40B4-BE49-F238E27FC236}">
-                <a16:creationId xmlns:a16="http://schemas.microsoft.com/office/drawing/2014/main" id="{22BA5B09-FC60-445F-8A12-79869BEC60B7}"/>
+                <a16:creationId xmlns:a16="http://schemas.microsoft.com/office/drawing/2014/main" xmlns="" id="{22BA5B09-FC60-445F-8A12-79869BEC60B7}"/>
               </a:ext>
             </a:extLst>
           </p:cNvPr>
@@ -410,7 +2911,7 @@
           <p:cNvPr id="3" name="Vertical Text Placeholder 2">
             <a:extLst>
               <a:ext uri="{FF2B5EF4-FFF2-40B4-BE49-F238E27FC236}">
-                <a16:creationId xmlns:a16="http://schemas.microsoft.com/office/drawing/2014/main" id="{E0A219F7-87F2-409F-BB0B-8FE9270C982C}"/>
+                <a16:creationId xmlns:a16="http://schemas.microsoft.com/office/drawing/2014/main" xmlns="" id="{E0A219F7-87F2-409F-BB0B-8FE9270C982C}"/>
               </a:ext>
             </a:extLst>
           </p:cNvPr>
@@ -467,7 +2968,7 @@
           <p:cNvPr id="4" name="Date Placeholder 3">
             <a:extLst>
               <a:ext uri="{FF2B5EF4-FFF2-40B4-BE49-F238E27FC236}">
-                <a16:creationId xmlns:a16="http://schemas.microsoft.com/office/drawing/2014/main" id="{CCAC2BB8-59E0-4EB2-B3BE-59D8641EE133}"/>
+                <a16:creationId xmlns:a16="http://schemas.microsoft.com/office/drawing/2014/main" xmlns="" id="{CCAC2BB8-59E0-4EB2-B3BE-59D8641EE133}"/>
               </a:ext>
             </a:extLst>
           </p:cNvPr>
@@ -485,7 +2986,7 @@
           <a:p>
             <a:fld id="{76969C88-B244-455D-A017-012B25B1ACDD}" type="datetimeFigureOut">
               <a:rPr lang="en-US" smtClean="0"/>
-              <a:t>1/17/2023</a:t>
+              <a:t>1/19/2023</a:t>
             </a:fld>
             <a:endParaRPr lang="en-US"/>
           </a:p>
@@ -496,7 +2997,7 @@
           <p:cNvPr id="5" name="Footer Placeholder 4">
             <a:extLst>
               <a:ext uri="{FF2B5EF4-FFF2-40B4-BE49-F238E27FC236}">
-                <a16:creationId xmlns:a16="http://schemas.microsoft.com/office/drawing/2014/main" id="{2D56984E-C0DE-461B-8011-8FC31B0EE948}"/>
+                <a16:creationId xmlns:a16="http://schemas.microsoft.com/office/drawing/2014/main" xmlns="" id="{2D56984E-C0DE-461B-8011-8FC31B0EE948}"/>
               </a:ext>
             </a:extLst>
           </p:cNvPr>
@@ -521,7 +3022,7 @@
           <p:cNvPr id="6" name="Slide Number Placeholder 5">
             <a:extLst>
               <a:ext uri="{FF2B5EF4-FFF2-40B4-BE49-F238E27FC236}">
-                <a16:creationId xmlns:a16="http://schemas.microsoft.com/office/drawing/2014/main" id="{57FE7C03-68D3-445E-A5A2-8A935CFC977E}"/>
+                <a16:creationId xmlns:a16="http://schemas.microsoft.com/office/drawing/2014/main" xmlns="" id="{57FE7C03-68D3-445E-A5A2-8A935CFC977E}"/>
               </a:ext>
             </a:extLst>
           </p:cNvPr>
@@ -580,7 +3081,7 @@
           <p:cNvPr id="2" name="Vertical Title 1">
             <a:extLst>
               <a:ext uri="{FF2B5EF4-FFF2-40B4-BE49-F238E27FC236}">
-                <a16:creationId xmlns:a16="http://schemas.microsoft.com/office/drawing/2014/main" id="{3B21F0D7-112D-48B1-B32B-170B1AA2B51E}"/>
+                <a16:creationId xmlns:a16="http://schemas.microsoft.com/office/drawing/2014/main" xmlns="" id="{3B21F0D7-112D-48B1-B32B-170B1AA2B51E}"/>
               </a:ext>
             </a:extLst>
           </p:cNvPr>
@@ -613,7 +3114,7 @@
           <p:cNvPr id="3" name="Vertical Text Placeholder 2">
             <a:extLst>
               <a:ext uri="{FF2B5EF4-FFF2-40B4-BE49-F238E27FC236}">
-                <a16:creationId xmlns:a16="http://schemas.microsoft.com/office/drawing/2014/main" id="{4B27A7C1-8E5B-41DA-9802-F242D382B66B}"/>
+                <a16:creationId xmlns:a16="http://schemas.microsoft.com/office/drawing/2014/main" xmlns="" id="{4B27A7C1-8E5B-41DA-9802-F242D382B66B}"/>
               </a:ext>
             </a:extLst>
           </p:cNvPr>
@@ -675,7 +3176,7 @@
           <p:cNvPr id="4" name="Date Placeholder 3">
             <a:extLst>
               <a:ext uri="{FF2B5EF4-FFF2-40B4-BE49-F238E27FC236}">
-                <a16:creationId xmlns:a16="http://schemas.microsoft.com/office/drawing/2014/main" id="{4A961CC7-F5B1-464A-8127-60645FB21081}"/>
+                <a16:creationId xmlns:a16="http://schemas.microsoft.com/office/drawing/2014/main" xmlns="" id="{4A961CC7-F5B1-464A-8127-60645FB21081}"/>
               </a:ext>
             </a:extLst>
           </p:cNvPr>
@@ -693,7 +3194,7 @@
           <a:p>
             <a:fld id="{76969C88-B244-455D-A017-012B25B1ACDD}" type="datetimeFigureOut">
               <a:rPr lang="en-US" smtClean="0"/>
-              <a:t>1/17/2023</a:t>
+              <a:t>1/19/2023</a:t>
             </a:fld>
             <a:endParaRPr lang="en-US"/>
           </a:p>
@@ -704,7 +3205,7 @@
           <p:cNvPr id="5" name="Footer Placeholder 4">
             <a:extLst>
               <a:ext uri="{FF2B5EF4-FFF2-40B4-BE49-F238E27FC236}">
-                <a16:creationId xmlns:a16="http://schemas.microsoft.com/office/drawing/2014/main" id="{53B94302-B381-4F37-A9FF-5CC5519175A6}"/>
+                <a16:creationId xmlns:a16="http://schemas.microsoft.com/office/drawing/2014/main" xmlns="" id="{53B94302-B381-4F37-A9FF-5CC5519175A6}"/>
               </a:ext>
             </a:extLst>
           </p:cNvPr>
@@ -729,7 +3230,7 @@
           <p:cNvPr id="6" name="Slide Number Placeholder 5">
             <a:extLst>
               <a:ext uri="{FF2B5EF4-FFF2-40B4-BE49-F238E27FC236}">
-                <a16:creationId xmlns:a16="http://schemas.microsoft.com/office/drawing/2014/main" id="{FE707151-541F-4104-B989-83A9DCA6E616}"/>
+                <a16:creationId xmlns:a16="http://schemas.microsoft.com/office/drawing/2014/main" xmlns="" id="{FE707151-541F-4104-B989-83A9DCA6E616}"/>
               </a:ext>
             </a:extLst>
           </p:cNvPr>
@@ -788,7 +3289,7 @@
           <p:cNvPr id="2" name="Title 1">
             <a:extLst>
               <a:ext uri="{FF2B5EF4-FFF2-40B4-BE49-F238E27FC236}">
-                <a16:creationId xmlns:a16="http://schemas.microsoft.com/office/drawing/2014/main" id="{066AF011-A499-4054-89BF-A4800A68F60B}"/>
+                <a16:creationId xmlns:a16="http://schemas.microsoft.com/office/drawing/2014/main" xmlns="" id="{066AF011-A499-4054-89BF-A4800A68F60B}"/>
               </a:ext>
             </a:extLst>
           </p:cNvPr>
@@ -817,7 +3318,7 @@
           <p:cNvPr id="3" name="Content Placeholder 2">
             <a:extLst>
               <a:ext uri="{FF2B5EF4-FFF2-40B4-BE49-F238E27FC236}">
-                <a16:creationId xmlns:a16="http://schemas.microsoft.com/office/drawing/2014/main" id="{066FB6E8-D956-45B5-9B4A-9D31DF466BED}"/>
+                <a16:creationId xmlns:a16="http://schemas.microsoft.com/office/drawing/2014/main" xmlns="" id="{066FB6E8-D956-45B5-9B4A-9D31DF466BED}"/>
               </a:ext>
             </a:extLst>
           </p:cNvPr>
@@ -874,7 +3375,7 @@
           <p:cNvPr id="4" name="Date Placeholder 3">
             <a:extLst>
               <a:ext uri="{FF2B5EF4-FFF2-40B4-BE49-F238E27FC236}">
-                <a16:creationId xmlns:a16="http://schemas.microsoft.com/office/drawing/2014/main" id="{BECDB9DB-9E62-4292-915C-1DD4134740DB}"/>
+                <a16:creationId xmlns:a16="http://schemas.microsoft.com/office/drawing/2014/main" xmlns="" id="{BECDB9DB-9E62-4292-915C-1DD4134740DB}"/>
               </a:ext>
             </a:extLst>
           </p:cNvPr>
@@ -892,7 +3393,7 @@
           <a:p>
             <a:fld id="{76969C88-B244-455D-A017-012B25B1ACDD}" type="datetimeFigureOut">
               <a:rPr lang="en-US" smtClean="0"/>
-              <a:t>1/17/2023</a:t>
+              <a:t>1/19/2023</a:t>
             </a:fld>
             <a:endParaRPr lang="en-US"/>
           </a:p>
@@ -903,7 +3404,7 @@
           <p:cNvPr id="5" name="Footer Placeholder 4">
             <a:extLst>
               <a:ext uri="{FF2B5EF4-FFF2-40B4-BE49-F238E27FC236}">
-                <a16:creationId xmlns:a16="http://schemas.microsoft.com/office/drawing/2014/main" id="{2BD462F1-BC30-4172-8353-363123A1DB4E}"/>
+                <a16:creationId xmlns:a16="http://schemas.microsoft.com/office/drawing/2014/main" xmlns="" id="{2BD462F1-BC30-4172-8353-363123A1DB4E}"/>
               </a:ext>
             </a:extLst>
           </p:cNvPr>
@@ -928,7 +3429,7 @@
           <p:cNvPr id="6" name="Slide Number Placeholder 5">
             <a:extLst>
               <a:ext uri="{FF2B5EF4-FFF2-40B4-BE49-F238E27FC236}">
-                <a16:creationId xmlns:a16="http://schemas.microsoft.com/office/drawing/2014/main" id="{BC92EE8A-96DF-4D7D-B434-778324756D04}"/>
+                <a16:creationId xmlns:a16="http://schemas.microsoft.com/office/drawing/2014/main" xmlns="" id="{BC92EE8A-96DF-4D7D-B434-778324756D04}"/>
               </a:ext>
             </a:extLst>
           </p:cNvPr>
@@ -987,7 +3488,7 @@
           <p:cNvPr id="2" name="Title 1">
             <a:extLst>
               <a:ext uri="{FF2B5EF4-FFF2-40B4-BE49-F238E27FC236}">
-                <a16:creationId xmlns:a16="http://schemas.microsoft.com/office/drawing/2014/main" id="{9328453A-F2B4-4EDB-B8FA-150267BC1A9A}"/>
+                <a16:creationId xmlns:a16="http://schemas.microsoft.com/office/drawing/2014/main" xmlns="" id="{9328453A-F2B4-4EDB-B8FA-150267BC1A9A}"/>
               </a:ext>
             </a:extLst>
           </p:cNvPr>
@@ -1024,7 +3525,7 @@
           <p:cNvPr id="3" name="Text Placeholder 2">
             <a:extLst>
               <a:ext uri="{FF2B5EF4-FFF2-40B4-BE49-F238E27FC236}">
-                <a16:creationId xmlns:a16="http://schemas.microsoft.com/office/drawing/2014/main" id="{24C46C51-ADF1-48FC-A4D9-38C369E78304}"/>
+                <a16:creationId xmlns:a16="http://schemas.microsoft.com/office/drawing/2014/main" xmlns="" id="{24C46C51-ADF1-48FC-A4D9-38C369E78304}"/>
               </a:ext>
             </a:extLst>
           </p:cNvPr>
@@ -1149,7 +3650,7 @@
           <p:cNvPr id="4" name="Date Placeholder 3">
             <a:extLst>
               <a:ext uri="{FF2B5EF4-FFF2-40B4-BE49-F238E27FC236}">
-                <a16:creationId xmlns:a16="http://schemas.microsoft.com/office/drawing/2014/main" id="{BEC43B56-4DC7-490B-AEFD-55ED1ECFF82E}"/>
+                <a16:creationId xmlns:a16="http://schemas.microsoft.com/office/drawing/2014/main" xmlns="" id="{BEC43B56-4DC7-490B-AEFD-55ED1ECFF82E}"/>
               </a:ext>
             </a:extLst>
           </p:cNvPr>
@@ -1167,7 +3668,7 @@
           <a:p>
             <a:fld id="{76969C88-B244-455D-A017-012B25B1ACDD}" type="datetimeFigureOut">
               <a:rPr lang="en-US" smtClean="0"/>
-              <a:t>1/17/2023</a:t>
+              <a:t>1/19/2023</a:t>
             </a:fld>
             <a:endParaRPr lang="en-US"/>
           </a:p>
@@ -1178,7 +3679,7 @@
           <p:cNvPr id="5" name="Footer Placeholder 4">
             <a:extLst>
               <a:ext uri="{FF2B5EF4-FFF2-40B4-BE49-F238E27FC236}">
-                <a16:creationId xmlns:a16="http://schemas.microsoft.com/office/drawing/2014/main" id="{454738F8-C4B2-41D8-B627-A6DDB24B2D57}"/>
+                <a16:creationId xmlns:a16="http://schemas.microsoft.com/office/drawing/2014/main" xmlns="" id="{454738F8-C4B2-41D8-B627-A6DDB24B2D57}"/>
               </a:ext>
             </a:extLst>
           </p:cNvPr>
@@ -1203,7 +3704,7 @@
           <p:cNvPr id="6" name="Slide Number Placeholder 5">
             <a:extLst>
               <a:ext uri="{FF2B5EF4-FFF2-40B4-BE49-F238E27FC236}">
-                <a16:creationId xmlns:a16="http://schemas.microsoft.com/office/drawing/2014/main" id="{C4F43D49-23F8-4C4B-9C30-EDC030EE6F7E}"/>
+                <a16:creationId xmlns:a16="http://schemas.microsoft.com/office/drawing/2014/main" xmlns="" id="{C4F43D49-23F8-4C4B-9C30-EDC030EE6F7E}"/>
               </a:ext>
             </a:extLst>
           </p:cNvPr>
@@ -1262,7 +3763,7 @@
           <p:cNvPr id="2" name="Title 1">
             <a:extLst>
               <a:ext uri="{FF2B5EF4-FFF2-40B4-BE49-F238E27FC236}">
-                <a16:creationId xmlns:a16="http://schemas.microsoft.com/office/drawing/2014/main" id="{12E5556D-6916-42E6-8820-8A0D328A502B}"/>
+                <a16:creationId xmlns:a16="http://schemas.microsoft.com/office/drawing/2014/main" xmlns="" id="{12E5556D-6916-42E6-8820-8A0D328A502B}"/>
               </a:ext>
             </a:extLst>
           </p:cNvPr>
@@ -1290,7 +3791,7 @@
           <p:cNvPr id="3" name="Content Placeholder 2">
             <a:extLst>
               <a:ext uri="{FF2B5EF4-FFF2-40B4-BE49-F238E27FC236}">
-                <a16:creationId xmlns:a16="http://schemas.microsoft.com/office/drawing/2014/main" id="{062747A5-C962-477F-89AA-A32385D57996}"/>
+                <a16:creationId xmlns:a16="http://schemas.microsoft.com/office/drawing/2014/main" xmlns="" id="{062747A5-C962-477F-89AA-A32385D57996}"/>
               </a:ext>
             </a:extLst>
           </p:cNvPr>
@@ -1352,7 +3853,7 @@
           <p:cNvPr id="4" name="Content Placeholder 3">
             <a:extLst>
               <a:ext uri="{FF2B5EF4-FFF2-40B4-BE49-F238E27FC236}">
-                <a16:creationId xmlns:a16="http://schemas.microsoft.com/office/drawing/2014/main" id="{0CD08312-30FC-44D8-B2A9-B5CAAD9F066F}"/>
+                <a16:creationId xmlns:a16="http://schemas.microsoft.com/office/drawing/2014/main" xmlns="" id="{0CD08312-30FC-44D8-B2A9-B5CAAD9F066F}"/>
               </a:ext>
             </a:extLst>
           </p:cNvPr>
@@ -1414,7 +3915,7 @@
           <p:cNvPr id="5" name="Date Placeholder 4">
             <a:extLst>
               <a:ext uri="{FF2B5EF4-FFF2-40B4-BE49-F238E27FC236}">
-                <a16:creationId xmlns:a16="http://schemas.microsoft.com/office/drawing/2014/main" id="{DBED84EB-AF90-4F19-A376-0FE5E50F9EA5}"/>
+                <a16:creationId xmlns:a16="http://schemas.microsoft.com/office/drawing/2014/main" xmlns="" id="{DBED84EB-AF90-4F19-A376-0FE5E50F9EA5}"/>
               </a:ext>
             </a:extLst>
           </p:cNvPr>
@@ -1432,7 +3933,7 @@
           <a:p>
             <a:fld id="{76969C88-B244-455D-A017-012B25B1ACDD}" type="datetimeFigureOut">
               <a:rPr lang="en-US" smtClean="0"/>
-              <a:t>1/17/2023</a:t>
+              <a:t>1/19/2023</a:t>
             </a:fld>
             <a:endParaRPr lang="en-US"/>
           </a:p>
@@ -1443,7 +3944,7 @@
           <p:cNvPr id="6" name="Footer Placeholder 5">
             <a:extLst>
               <a:ext uri="{FF2B5EF4-FFF2-40B4-BE49-F238E27FC236}">
-                <a16:creationId xmlns:a16="http://schemas.microsoft.com/office/drawing/2014/main" id="{7B838ED0-2789-41E4-A36E-83F92CA2E84B}"/>
+                <a16:creationId xmlns:a16="http://schemas.microsoft.com/office/drawing/2014/main" xmlns="" id="{7B838ED0-2789-41E4-A36E-83F92CA2E84B}"/>
               </a:ext>
             </a:extLst>
           </p:cNvPr>
@@ -1468,7 +3969,7 @@
           <p:cNvPr id="7" name="Slide Number Placeholder 6">
             <a:extLst>
               <a:ext uri="{FF2B5EF4-FFF2-40B4-BE49-F238E27FC236}">
-                <a16:creationId xmlns:a16="http://schemas.microsoft.com/office/drawing/2014/main" id="{37221A83-6D60-45F0-9173-5F6D2438BC36}"/>
+                <a16:creationId xmlns:a16="http://schemas.microsoft.com/office/drawing/2014/main" xmlns="" id="{37221A83-6D60-45F0-9173-5F6D2438BC36}"/>
               </a:ext>
             </a:extLst>
           </p:cNvPr>
@@ -1527,7 +4028,7 @@
           <p:cNvPr id="2" name="Title 1">
             <a:extLst>
               <a:ext uri="{FF2B5EF4-FFF2-40B4-BE49-F238E27FC236}">
-                <a16:creationId xmlns:a16="http://schemas.microsoft.com/office/drawing/2014/main" id="{8A4FFAE2-03F4-4A94-86C4-9305B237CA89}"/>
+                <a16:creationId xmlns:a16="http://schemas.microsoft.com/office/drawing/2014/main" xmlns="" id="{8A4FFAE2-03F4-4A94-86C4-9305B237CA89}"/>
               </a:ext>
             </a:extLst>
           </p:cNvPr>
@@ -1560,7 +4061,7 @@
           <p:cNvPr id="3" name="Text Placeholder 2">
             <a:extLst>
               <a:ext uri="{FF2B5EF4-FFF2-40B4-BE49-F238E27FC236}">
-                <a16:creationId xmlns:a16="http://schemas.microsoft.com/office/drawing/2014/main" id="{75BAC5A5-E184-46B6-8AB5-C8E132D3624B}"/>
+                <a16:creationId xmlns:a16="http://schemas.microsoft.com/office/drawing/2014/main" xmlns="" id="{75BAC5A5-E184-46B6-8AB5-C8E132D3624B}"/>
               </a:ext>
             </a:extLst>
           </p:cNvPr>
@@ -1631,7 +4132,7 @@
           <p:cNvPr id="4" name="Content Placeholder 3">
             <a:extLst>
               <a:ext uri="{FF2B5EF4-FFF2-40B4-BE49-F238E27FC236}">
-                <a16:creationId xmlns:a16="http://schemas.microsoft.com/office/drawing/2014/main" id="{8FDCFE87-5D80-45CB-9D13-DFC9AFCEC7F9}"/>
+                <a16:creationId xmlns:a16="http://schemas.microsoft.com/office/drawing/2014/main" xmlns="" id="{8FDCFE87-5D80-45CB-9D13-DFC9AFCEC7F9}"/>
               </a:ext>
             </a:extLst>
           </p:cNvPr>
@@ -1693,7 +4194,7 @@
           <p:cNvPr id="5" name="Text Placeholder 4">
             <a:extLst>
               <a:ext uri="{FF2B5EF4-FFF2-40B4-BE49-F238E27FC236}">
-                <a16:creationId xmlns:a16="http://schemas.microsoft.com/office/drawing/2014/main" id="{DAAC1E5A-8423-4749-8EDA-E13425F69658}"/>
+                <a16:creationId xmlns:a16="http://schemas.microsoft.com/office/drawing/2014/main" xmlns="" id="{DAAC1E5A-8423-4749-8EDA-E13425F69658}"/>
               </a:ext>
             </a:extLst>
           </p:cNvPr>
@@ -1764,7 +4265,7 @@
           <p:cNvPr id="6" name="Content Placeholder 5">
             <a:extLst>
               <a:ext uri="{FF2B5EF4-FFF2-40B4-BE49-F238E27FC236}">
-                <a16:creationId xmlns:a16="http://schemas.microsoft.com/office/drawing/2014/main" id="{DA832AAA-4BB8-4A3D-9C79-516F82F8001D}"/>
+                <a16:creationId xmlns:a16="http://schemas.microsoft.com/office/drawing/2014/main" xmlns="" id="{DA832AAA-4BB8-4A3D-9C79-516F82F8001D}"/>
               </a:ext>
             </a:extLst>
           </p:cNvPr>
@@ -1826,7 +4327,7 @@
           <p:cNvPr id="7" name="Date Placeholder 6">
             <a:extLst>
               <a:ext uri="{FF2B5EF4-FFF2-40B4-BE49-F238E27FC236}">
-                <a16:creationId xmlns:a16="http://schemas.microsoft.com/office/drawing/2014/main" id="{E80BEC63-51D3-4C70-B804-BE9EF765AD21}"/>
+                <a16:creationId xmlns:a16="http://schemas.microsoft.com/office/drawing/2014/main" xmlns="" id="{E80BEC63-51D3-4C70-B804-BE9EF765AD21}"/>
               </a:ext>
             </a:extLst>
           </p:cNvPr>
@@ -1844,7 +4345,7 @@
           <a:p>
             <a:fld id="{76969C88-B244-455D-A017-012B25B1ACDD}" type="datetimeFigureOut">
               <a:rPr lang="en-US" smtClean="0"/>
-              <a:t>1/17/2023</a:t>
+              <a:t>1/19/2023</a:t>
             </a:fld>
             <a:endParaRPr lang="en-US"/>
           </a:p>
@@ -1855,7 +4356,7 @@
           <p:cNvPr id="8" name="Footer Placeholder 7">
             <a:extLst>
               <a:ext uri="{FF2B5EF4-FFF2-40B4-BE49-F238E27FC236}">
-                <a16:creationId xmlns:a16="http://schemas.microsoft.com/office/drawing/2014/main" id="{735CA295-8563-402F-92C3-1F20C977C177}"/>
+                <a16:creationId xmlns:a16="http://schemas.microsoft.com/office/drawing/2014/main" xmlns="" id="{735CA295-8563-402F-92C3-1F20C977C177}"/>
               </a:ext>
             </a:extLst>
           </p:cNvPr>
@@ -1880,7 +4381,7 @@
           <p:cNvPr id="9" name="Slide Number Placeholder 8">
             <a:extLst>
               <a:ext uri="{FF2B5EF4-FFF2-40B4-BE49-F238E27FC236}">
-                <a16:creationId xmlns:a16="http://schemas.microsoft.com/office/drawing/2014/main" id="{5EFA5918-109D-4342-84C0-9774A52C9E78}"/>
+                <a16:creationId xmlns:a16="http://schemas.microsoft.com/office/drawing/2014/main" xmlns="" id="{5EFA5918-109D-4342-84C0-9774A52C9E78}"/>
               </a:ext>
             </a:extLst>
           </p:cNvPr>
@@ -1939,7 +4440,7 @@
           <p:cNvPr id="2" name="Title 1">
             <a:extLst>
               <a:ext uri="{FF2B5EF4-FFF2-40B4-BE49-F238E27FC236}">
-                <a16:creationId xmlns:a16="http://schemas.microsoft.com/office/drawing/2014/main" id="{A5EF2662-CBD1-4498-9B6E-2961F5EF1BFB}"/>
+                <a16:creationId xmlns:a16="http://schemas.microsoft.com/office/drawing/2014/main" xmlns="" id="{A5EF2662-CBD1-4498-9B6E-2961F5EF1BFB}"/>
               </a:ext>
             </a:extLst>
           </p:cNvPr>
@@ -1967,7 +4468,7 @@
           <p:cNvPr id="3" name="Date Placeholder 2">
             <a:extLst>
               <a:ext uri="{FF2B5EF4-FFF2-40B4-BE49-F238E27FC236}">
-                <a16:creationId xmlns:a16="http://schemas.microsoft.com/office/drawing/2014/main" id="{9FF739AE-8101-4C18-8CF3-911BDF3978A8}"/>
+                <a16:creationId xmlns:a16="http://schemas.microsoft.com/office/drawing/2014/main" xmlns="" id="{9FF739AE-8101-4C18-8CF3-911BDF3978A8}"/>
               </a:ext>
             </a:extLst>
           </p:cNvPr>
@@ -1985,7 +4486,7 @@
           <a:p>
             <a:fld id="{76969C88-B244-455D-A017-012B25B1ACDD}" type="datetimeFigureOut">
               <a:rPr lang="en-US" smtClean="0"/>
-              <a:t>1/17/2023</a:t>
+              <a:t>1/19/2023</a:t>
             </a:fld>
             <a:endParaRPr lang="en-US"/>
           </a:p>
@@ -1996,7 +4497,7 @@
           <p:cNvPr id="4" name="Footer Placeholder 3">
             <a:extLst>
               <a:ext uri="{FF2B5EF4-FFF2-40B4-BE49-F238E27FC236}">
-                <a16:creationId xmlns:a16="http://schemas.microsoft.com/office/drawing/2014/main" id="{66EB1C88-D181-449C-9BE1-E85068C1883C}"/>
+                <a16:creationId xmlns:a16="http://schemas.microsoft.com/office/drawing/2014/main" xmlns="" id="{66EB1C88-D181-449C-9BE1-E85068C1883C}"/>
               </a:ext>
             </a:extLst>
           </p:cNvPr>
@@ -2021,7 +4522,7 @@
           <p:cNvPr id="5" name="Slide Number Placeholder 4">
             <a:extLst>
               <a:ext uri="{FF2B5EF4-FFF2-40B4-BE49-F238E27FC236}">
-                <a16:creationId xmlns:a16="http://schemas.microsoft.com/office/drawing/2014/main" id="{EB38A2C9-E93B-4F0A-A021-9E3AEBC3FA88}"/>
+                <a16:creationId xmlns:a16="http://schemas.microsoft.com/office/drawing/2014/main" xmlns="" id="{EB38A2C9-E93B-4F0A-A021-9E3AEBC3FA88}"/>
               </a:ext>
             </a:extLst>
           </p:cNvPr>
@@ -2080,7 +4581,7 @@
           <p:cNvPr id="2" name="Date Placeholder 1">
             <a:extLst>
               <a:ext uri="{FF2B5EF4-FFF2-40B4-BE49-F238E27FC236}">
-                <a16:creationId xmlns:a16="http://schemas.microsoft.com/office/drawing/2014/main" id="{F00AE8D9-9B42-438E-ADA6-CCFE45788460}"/>
+                <a16:creationId xmlns:a16="http://schemas.microsoft.com/office/drawing/2014/main" xmlns="" id="{F00AE8D9-9B42-438E-ADA6-CCFE45788460}"/>
               </a:ext>
             </a:extLst>
           </p:cNvPr>
@@ -2098,7 +4599,7 @@
           <a:p>
             <a:fld id="{76969C88-B244-455D-A017-012B25B1ACDD}" type="datetimeFigureOut">
               <a:rPr lang="en-US" smtClean="0"/>
-              <a:t>1/17/2023</a:t>
+              <a:t>1/19/2023</a:t>
             </a:fld>
             <a:endParaRPr lang="en-US"/>
           </a:p>
@@ -2109,7 +4610,7 @@
           <p:cNvPr id="3" name="Footer Placeholder 2">
             <a:extLst>
               <a:ext uri="{FF2B5EF4-FFF2-40B4-BE49-F238E27FC236}">
-                <a16:creationId xmlns:a16="http://schemas.microsoft.com/office/drawing/2014/main" id="{C4F792B9-A8AF-4E13-8A25-741E89691EFA}"/>
+                <a16:creationId xmlns:a16="http://schemas.microsoft.com/office/drawing/2014/main" xmlns="" id="{C4F792B9-A8AF-4E13-8A25-741E89691EFA}"/>
               </a:ext>
             </a:extLst>
           </p:cNvPr>
@@ -2134,7 +4635,7 @@
           <p:cNvPr id="4" name="Slide Number Placeholder 3">
             <a:extLst>
               <a:ext uri="{FF2B5EF4-FFF2-40B4-BE49-F238E27FC236}">
-                <a16:creationId xmlns:a16="http://schemas.microsoft.com/office/drawing/2014/main" id="{533A2CF6-DBC5-4491-B213-B3CD09D3130C}"/>
+                <a16:creationId xmlns:a16="http://schemas.microsoft.com/office/drawing/2014/main" xmlns="" id="{533A2CF6-DBC5-4491-B213-B3CD09D3130C}"/>
               </a:ext>
             </a:extLst>
           </p:cNvPr>
@@ -2193,7 +4694,7 @@
           <p:cNvPr id="2" name="Title 1">
             <a:extLst>
               <a:ext uri="{FF2B5EF4-FFF2-40B4-BE49-F238E27FC236}">
-                <a16:creationId xmlns:a16="http://schemas.microsoft.com/office/drawing/2014/main" id="{89727076-58C8-494C-B6B1-DC86F62DDC24}"/>
+                <a16:creationId xmlns:a16="http://schemas.microsoft.com/office/drawing/2014/main" xmlns="" id="{89727076-58C8-494C-B6B1-DC86F62DDC24}"/>
               </a:ext>
             </a:extLst>
           </p:cNvPr>
@@ -2231,7 +4732,7 @@
           <p:cNvPr id="3" name="Content Placeholder 2">
             <a:extLst>
               <a:ext uri="{FF2B5EF4-FFF2-40B4-BE49-F238E27FC236}">
-                <a16:creationId xmlns:a16="http://schemas.microsoft.com/office/drawing/2014/main" id="{49F29E36-0340-452F-8D0A-1BC3F3A388CF}"/>
+                <a16:creationId xmlns:a16="http://schemas.microsoft.com/office/drawing/2014/main" xmlns="" id="{49F29E36-0340-452F-8D0A-1BC3F3A388CF}"/>
               </a:ext>
             </a:extLst>
           </p:cNvPr>
@@ -2321,7 +4822,7 @@
           <p:cNvPr id="4" name="Text Placeholder 3">
             <a:extLst>
               <a:ext uri="{FF2B5EF4-FFF2-40B4-BE49-F238E27FC236}">
-                <a16:creationId xmlns:a16="http://schemas.microsoft.com/office/drawing/2014/main" id="{4A051C2E-E587-45E8-BDB1-DFF2F2791BF6}"/>
+                <a16:creationId xmlns:a16="http://schemas.microsoft.com/office/drawing/2014/main" xmlns="" id="{4A051C2E-E587-45E8-BDB1-DFF2F2791BF6}"/>
               </a:ext>
             </a:extLst>
           </p:cNvPr>
@@ -2392,7 +4893,7 @@
           <p:cNvPr id="5" name="Date Placeholder 4">
             <a:extLst>
               <a:ext uri="{FF2B5EF4-FFF2-40B4-BE49-F238E27FC236}">
-                <a16:creationId xmlns:a16="http://schemas.microsoft.com/office/drawing/2014/main" id="{7821D993-DEDD-470E-B48B-CB053A55A119}"/>
+                <a16:creationId xmlns:a16="http://schemas.microsoft.com/office/drawing/2014/main" xmlns="" id="{7821D993-DEDD-470E-B48B-CB053A55A119}"/>
               </a:ext>
             </a:extLst>
           </p:cNvPr>
@@ -2410,7 +4911,7 @@
           <a:p>
             <a:fld id="{76969C88-B244-455D-A017-012B25B1ACDD}" type="datetimeFigureOut">
               <a:rPr lang="en-US" smtClean="0"/>
-              <a:t>1/17/2023</a:t>
+              <a:t>1/19/2023</a:t>
             </a:fld>
             <a:endParaRPr lang="en-US"/>
           </a:p>
@@ -2421,7 +4922,7 @@
           <p:cNvPr id="6" name="Footer Placeholder 5">
             <a:extLst>
               <a:ext uri="{FF2B5EF4-FFF2-40B4-BE49-F238E27FC236}">
-                <a16:creationId xmlns:a16="http://schemas.microsoft.com/office/drawing/2014/main" id="{67926C64-7401-4CA4-859F-74472AF869C6}"/>
+                <a16:creationId xmlns:a16="http://schemas.microsoft.com/office/drawing/2014/main" xmlns="" id="{67926C64-7401-4CA4-859F-74472AF869C6}"/>
               </a:ext>
             </a:extLst>
           </p:cNvPr>
@@ -2446,7 +4947,7 @@
           <p:cNvPr id="7" name="Slide Number Placeholder 6">
             <a:extLst>
               <a:ext uri="{FF2B5EF4-FFF2-40B4-BE49-F238E27FC236}">
-                <a16:creationId xmlns:a16="http://schemas.microsoft.com/office/drawing/2014/main" id="{F0108F41-F1F6-431C-9B45-8A447F188CB8}"/>
+                <a16:creationId xmlns:a16="http://schemas.microsoft.com/office/drawing/2014/main" xmlns="" id="{F0108F41-F1F6-431C-9B45-8A447F188CB8}"/>
               </a:ext>
             </a:extLst>
           </p:cNvPr>
@@ -2505,7 +5006,7 @@
           <p:cNvPr id="2" name="Title 1">
             <a:extLst>
               <a:ext uri="{FF2B5EF4-FFF2-40B4-BE49-F238E27FC236}">
-                <a16:creationId xmlns:a16="http://schemas.microsoft.com/office/drawing/2014/main" id="{2BE104FB-422C-4023-9381-EB12F1582D44}"/>
+                <a16:creationId xmlns:a16="http://schemas.microsoft.com/office/drawing/2014/main" xmlns="" id="{2BE104FB-422C-4023-9381-EB12F1582D44}"/>
               </a:ext>
             </a:extLst>
           </p:cNvPr>
@@ -2542,7 +5043,7 @@
           <p:cNvPr id="3" name="Picture Placeholder 2">
             <a:extLst>
               <a:ext uri="{FF2B5EF4-FFF2-40B4-BE49-F238E27FC236}">
-                <a16:creationId xmlns:a16="http://schemas.microsoft.com/office/drawing/2014/main" id="{14DBA3AA-DE44-4B1F-91D1-09F67B89B941}"/>
+                <a16:creationId xmlns:a16="http://schemas.microsoft.com/office/drawing/2014/main" xmlns="" id="{14DBA3AA-DE44-4B1F-91D1-09F67B89B941}"/>
               </a:ext>
             </a:extLst>
           </p:cNvPr>
@@ -2612,7 +5113,7 @@
           <p:cNvPr id="4" name="Text Placeholder 3">
             <a:extLst>
               <a:ext uri="{FF2B5EF4-FFF2-40B4-BE49-F238E27FC236}">
-                <a16:creationId xmlns:a16="http://schemas.microsoft.com/office/drawing/2014/main" id="{4A27B131-5117-4106-80DB-2AB208C4C953}"/>
+                <a16:creationId xmlns:a16="http://schemas.microsoft.com/office/drawing/2014/main" xmlns="" id="{4A27B131-5117-4106-80DB-2AB208C4C953}"/>
               </a:ext>
             </a:extLst>
           </p:cNvPr>
@@ -2683,7 +5184,7 @@
           <p:cNvPr id="5" name="Date Placeholder 4">
             <a:extLst>
               <a:ext uri="{FF2B5EF4-FFF2-40B4-BE49-F238E27FC236}">
-                <a16:creationId xmlns:a16="http://schemas.microsoft.com/office/drawing/2014/main" id="{1C13918A-7F23-4C72-8E80-591324A3046C}"/>
+                <a16:creationId xmlns:a16="http://schemas.microsoft.com/office/drawing/2014/main" xmlns="" id="{1C13918A-7F23-4C72-8E80-591324A3046C}"/>
               </a:ext>
             </a:extLst>
           </p:cNvPr>
@@ -2701,7 +5202,7 @@
           <a:p>
             <a:fld id="{76969C88-B244-455D-A017-012B25B1ACDD}" type="datetimeFigureOut">
               <a:rPr lang="en-US" smtClean="0"/>
-              <a:t>1/17/2023</a:t>
+              <a:t>1/19/2023</a:t>
             </a:fld>
             <a:endParaRPr lang="en-US"/>
           </a:p>
@@ -2712,7 +5213,7 @@
           <p:cNvPr id="6" name="Footer Placeholder 5">
             <a:extLst>
               <a:ext uri="{FF2B5EF4-FFF2-40B4-BE49-F238E27FC236}">
-                <a16:creationId xmlns:a16="http://schemas.microsoft.com/office/drawing/2014/main" id="{181071C8-76FE-4B83-8317-BD53C7C844C2}"/>
+                <a16:creationId xmlns:a16="http://schemas.microsoft.com/office/drawing/2014/main" xmlns="" id="{181071C8-76FE-4B83-8317-BD53C7C844C2}"/>
               </a:ext>
             </a:extLst>
           </p:cNvPr>
@@ -2737,7 +5238,7 @@
           <p:cNvPr id="7" name="Slide Number Placeholder 6">
             <a:extLst>
               <a:ext uri="{FF2B5EF4-FFF2-40B4-BE49-F238E27FC236}">
-                <a16:creationId xmlns:a16="http://schemas.microsoft.com/office/drawing/2014/main" id="{3623681A-6F29-48FC-9409-319ED3E96635}"/>
+                <a16:creationId xmlns:a16="http://schemas.microsoft.com/office/drawing/2014/main" xmlns="" id="{3623681A-6F29-48FC-9409-319ED3E96635}"/>
               </a:ext>
             </a:extLst>
           </p:cNvPr>
@@ -2804,7 +5305,7 @@
           <p:cNvPr id="8" name="Freeform: Shape 7">
             <a:extLst>
               <a:ext uri="{FF2B5EF4-FFF2-40B4-BE49-F238E27FC236}">
-                <a16:creationId xmlns:a16="http://schemas.microsoft.com/office/drawing/2014/main" id="{A6EF5A53-0A64-4CA5-B9C7-1CB97CB5CF1C}"/>
+                <a16:creationId xmlns:a16="http://schemas.microsoft.com/office/drawing/2014/main" xmlns="" id="{A6EF5A53-0A64-4CA5-B9C7-1CB97CB5CF1C}"/>
               </a:ext>
             </a:extLst>
           </p:cNvPr>
@@ -2988,7 +5489,7 @@
           <p:cNvPr id="11" name="Freeform: Shape 10">
             <a:extLst>
               <a:ext uri="{FF2B5EF4-FFF2-40B4-BE49-F238E27FC236}">
-                <a16:creationId xmlns:a16="http://schemas.microsoft.com/office/drawing/2014/main" id="{34ABFBEA-4EB0-4D02-A2C0-1733CD3D6F12}"/>
+                <a16:creationId xmlns:a16="http://schemas.microsoft.com/office/drawing/2014/main" xmlns="" id="{34ABFBEA-4EB0-4D02-A2C0-1733CD3D6F12}"/>
               </a:ext>
             </a:extLst>
           </p:cNvPr>
@@ -3112,7 +5613,7 @@
           <p:cNvPr id="12" name="Freeform: Shape 11">
             <a:extLst>
               <a:ext uri="{FF2B5EF4-FFF2-40B4-BE49-F238E27FC236}">
-                <a16:creationId xmlns:a16="http://schemas.microsoft.com/office/drawing/2014/main" id="{19E083F6-57F4-487B-A766-EA0462B1EED8}"/>
+                <a16:creationId xmlns:a16="http://schemas.microsoft.com/office/drawing/2014/main" xmlns="" id="{19E083F6-57F4-487B-A766-EA0462B1EED8}"/>
               </a:ext>
             </a:extLst>
           </p:cNvPr>
@@ -3315,7 +5816,7 @@
           <p:cNvPr id="2" name="Title Placeholder 1">
             <a:extLst>
               <a:ext uri="{FF2B5EF4-FFF2-40B4-BE49-F238E27FC236}">
-                <a16:creationId xmlns:a16="http://schemas.microsoft.com/office/drawing/2014/main" id="{A3A2F988-7148-4375-83D8-12EE5EBC7BE0}"/>
+                <a16:creationId xmlns:a16="http://schemas.microsoft.com/office/drawing/2014/main" xmlns="" id="{A3A2F988-7148-4375-83D8-12EE5EBC7BE0}"/>
               </a:ext>
             </a:extLst>
           </p:cNvPr>
@@ -3354,7 +5855,7 @@
           <p:cNvPr id="3" name="Text Placeholder 2">
             <a:extLst>
               <a:ext uri="{FF2B5EF4-FFF2-40B4-BE49-F238E27FC236}">
-                <a16:creationId xmlns:a16="http://schemas.microsoft.com/office/drawing/2014/main" id="{F6896238-C5B3-4F3C-97FA-890E1A51A203}"/>
+                <a16:creationId xmlns:a16="http://schemas.microsoft.com/office/drawing/2014/main" xmlns="" id="{F6896238-C5B3-4F3C-97FA-890E1A51A203}"/>
               </a:ext>
             </a:extLst>
           </p:cNvPr>
@@ -3422,7 +5923,7 @@
           <p:cNvPr id="4" name="Date Placeholder 3">
             <a:extLst>
               <a:ext uri="{FF2B5EF4-FFF2-40B4-BE49-F238E27FC236}">
-                <a16:creationId xmlns:a16="http://schemas.microsoft.com/office/drawing/2014/main" id="{1D6E4474-0442-4E4B-9E5B-CA7B3951C1DA}"/>
+                <a16:creationId xmlns:a16="http://schemas.microsoft.com/office/drawing/2014/main" xmlns="" id="{1D6E4474-0442-4E4B-9E5B-CA7B3951C1DA}"/>
               </a:ext>
             </a:extLst>
           </p:cNvPr>
@@ -3460,7 +5961,7 @@
             <a:fld id="{76969C88-B244-455D-A017-012B25B1ACDD}" type="datetimeFigureOut">
               <a:rPr lang="en-US" smtClean="0"/>
               <a:pPr/>
-              <a:t>1/17/2023</a:t>
+              <a:t>1/19/2023</a:t>
             </a:fld>
             <a:endParaRPr lang="en-US"/>
           </a:p>
@@ -3471,7 +5972,7 @@
           <p:cNvPr id="5" name="Footer Placeholder 4">
             <a:extLst>
               <a:ext uri="{FF2B5EF4-FFF2-40B4-BE49-F238E27FC236}">
-                <a16:creationId xmlns:a16="http://schemas.microsoft.com/office/drawing/2014/main" id="{E0626A98-F887-40E1-B9BA-9D93DE90E022}"/>
+                <a16:creationId xmlns:a16="http://schemas.microsoft.com/office/drawing/2014/main" xmlns="" id="{E0626A98-F887-40E1-B9BA-9D93DE90E022}"/>
               </a:ext>
             </a:extLst>
           </p:cNvPr>
@@ -3515,7 +6016,7 @@
           <p:cNvPr id="6" name="Slide Number Placeholder 5">
             <a:extLst>
               <a:ext uri="{FF2B5EF4-FFF2-40B4-BE49-F238E27FC236}">
-                <a16:creationId xmlns:a16="http://schemas.microsoft.com/office/drawing/2014/main" id="{482C8119-73F6-4713-9AD3-3628DCDFB8F2}"/>
+                <a16:creationId xmlns:a16="http://schemas.microsoft.com/office/drawing/2014/main" xmlns="" id="{482C8119-73F6-4713-9AD3-3628DCDFB8F2}"/>
               </a:ext>
             </a:extLst>
           </p:cNvPr>
@@ -3895,10 +6396,10 @@
           <p:cNvPr id="20" name="Rectangle 19">
             <a:extLst>
               <a:ext uri="{FF2B5EF4-FFF2-40B4-BE49-F238E27FC236}">
-                <a16:creationId xmlns:a16="http://schemas.microsoft.com/office/drawing/2014/main" id="{7A18C9FB-EC4C-4DAE-8F7D-C6E5AF607958}"/>
+                <a16:creationId xmlns:a16="http://schemas.microsoft.com/office/drawing/2014/main" xmlns="" id="{7A18C9FB-EC4C-4DAE-8F7D-C6E5AF607958}"/>
               </a:ext>
               <a:ext uri="{C183D7F6-B498-43B3-948B-1728B52AA6E4}">
-                <adec:decorative xmlns:adec="http://schemas.microsoft.com/office/drawing/2017/decorative" val="1"/>
+                <adec:decorative xmlns:adec="http://schemas.microsoft.com/office/drawing/2017/decorative" xmlns="" val="1"/>
               </a:ext>
             </a:extLst>
           </p:cNvPr>
@@ -3908,7 +6409,7 @@
           <p:nvPr>
             <p:extLst>
               <p:ext uri="{386F3935-93C4-4BCD-93E2-E3B085C9AB24}">
-                <p16:designElem xmlns:p16="http://schemas.microsoft.com/office/powerpoint/2015/main" val="1"/>
+                <p16:designElem xmlns:p16="http://schemas.microsoft.com/office/powerpoint/2015/main" xmlns="" val="1"/>
               </p:ext>
             </p:extLst>
           </p:nvPr>
@@ -3970,7 +6471,7 @@
           <p:cNvPr id="16" name="Picture 15">
             <a:extLst>
               <a:ext uri="{FF2B5EF4-FFF2-40B4-BE49-F238E27FC236}">
-                <a16:creationId xmlns:a16="http://schemas.microsoft.com/office/drawing/2014/main" id="{4E7B9B48-60E3-34D5-E69D-F5BB93893C40}"/>
+                <a16:creationId xmlns:a16="http://schemas.microsoft.com/office/drawing/2014/main" xmlns="" id="{4E7B9B48-60E3-34D5-E69D-F5BB93893C40}"/>
               </a:ext>
             </a:extLst>
           </p:cNvPr>
@@ -3999,10 +6500,10 @@
           <p:cNvPr id="22" name="Rectangle 21">
             <a:extLst>
               <a:ext uri="{FF2B5EF4-FFF2-40B4-BE49-F238E27FC236}">
-                <a16:creationId xmlns:a16="http://schemas.microsoft.com/office/drawing/2014/main" id="{0ED8FC7E-742C-4B53-B6FF-F19F8EDA28B3}"/>
+                <a16:creationId xmlns:a16="http://schemas.microsoft.com/office/drawing/2014/main" xmlns="" id="{0ED8FC7E-742C-4B53-B6FF-F19F8EDA28B3}"/>
               </a:ext>
               <a:ext uri="{C183D7F6-B498-43B3-948B-1728B52AA6E4}">
-                <adec:decorative xmlns:adec="http://schemas.microsoft.com/office/drawing/2017/decorative" val="1"/>
+                <adec:decorative xmlns:adec="http://schemas.microsoft.com/office/drawing/2017/decorative" xmlns="" val="1"/>
               </a:ext>
             </a:extLst>
           </p:cNvPr>
@@ -4012,7 +6513,7 @@
           <p:nvPr>
             <p:extLst>
               <p:ext uri="{386F3935-93C4-4BCD-93E2-E3B085C9AB24}">
-                <p16:designElem xmlns:p16="http://schemas.microsoft.com/office/powerpoint/2015/main" val="1"/>
+                <p16:designElem xmlns:p16="http://schemas.microsoft.com/office/powerpoint/2015/main" xmlns="" val="1"/>
               </p:ext>
             </p:extLst>
           </p:nvPr>
@@ -4193,6 +6694,9 @@
   <p:clrMapOvr>
     <a:masterClrMapping/>
   </p:clrMapOvr>
+  <p:transition spd="slow" advTm="15000">
+    <p:fade/>
+  </p:transition>
   <p:timing>
     <p:tnLst>
       <p:par>
@@ -4291,6 +6795,14 @@
 <file path=ppt/slides/slide10.xml><?xml version="1.0" encoding="utf-8"?>
 <p:sld xmlns:a="http://schemas.openxmlformats.org/drawingml/2006/main" xmlns:r="http://schemas.openxmlformats.org/officeDocument/2006/relationships" xmlns:p="http://schemas.openxmlformats.org/presentationml/2006/main">
   <p:cSld>
+    <p:bg>
+      <p:bgPr>
+        <a:solidFill>
+          <a:schemeClr val="bg2"/>
+        </a:solidFill>
+        <a:effectLst/>
+      </p:bgPr>
+    </p:bg>
     <p:spTree>
       <p:nvGrpSpPr>
         <p:cNvPr id="1" name=""/>
@@ -4305,12 +6817,88 @@
           <a:chExt cx="0" cy="0"/>
         </a:xfrm>
       </p:grpSpPr>
+      <p:sp useBgFill="1">
+        <p:nvSpPr>
+          <p:cNvPr id="8" name="Rectangle 7">
+            <a:extLst>
+              <a:ext uri="{FF2B5EF4-FFF2-40B4-BE49-F238E27FC236}">
+                <a16:creationId xmlns:a16="http://schemas.microsoft.com/office/drawing/2014/main" xmlns="" id="{987A0FBA-CC04-4256-A8EB-BB3C543E989C}"/>
+              </a:ext>
+              <a:ext uri="{C183D7F6-B498-43B3-948B-1728B52AA6E4}">
+                <adec:decorative xmlns:adec="http://schemas.microsoft.com/office/drawing/2017/decorative" xmlns="" val="1"/>
+              </a:ext>
+            </a:extLst>
+          </p:cNvPr>
+          <p:cNvSpPr>
+            <a:spLocks noGrp="1" noRot="1" noChangeAspect="1" noMove="1" noResize="1" noEditPoints="1" noAdjustHandles="1" noChangeArrowheads="1" noChangeShapeType="1" noTextEdit="1"/>
+          </p:cNvSpPr>
+          <p:nvPr>
+            <p:extLst>
+              <p:ext uri="{386F3935-93C4-4BCD-93E2-E3B085C9AB24}">
+                <p16:designElem xmlns:p16="http://schemas.microsoft.com/office/powerpoint/2015/main" xmlns="" val="1"/>
+              </p:ext>
+            </p:extLst>
+          </p:nvPr>
+        </p:nvSpPr>
+        <p:spPr>
+          <a:xfrm>
+            <a:off x="0" y="0"/>
+            <a:ext cx="12192000" cy="6858000"/>
+          </a:xfrm>
+          <a:prstGeom prst="rect">
+            <a:avLst/>
+          </a:prstGeom>
+          <a:ln w="12700" cap="flat" cmpd="sng" algn="ctr">
+            <a:noFill/>
+            <a:prstDash val="solid"/>
+            <a:miter lim="800000"/>
+          </a:ln>
+          <a:effectLst/>
+          <a:extLst>
+            <a:ext uri="{91240B29-F687-4F45-9708-019B960494DF}">
+              <a14:hiddenLine xmlns:a14="http://schemas.microsoft.com/office/drawing/2010/main" w="12700" cap="flat" cmpd="sng" algn="ctr">
+                <a:solidFill>
+                  <a:schemeClr val="accent1">
+                    <a:shade val="50000"/>
+                  </a:schemeClr>
+                </a:solidFill>
+                <a:prstDash val="solid"/>
+                <a:miter lim="800000"/>
+              </a14:hiddenLine>
+            </a:ext>
+          </a:extLst>
+        </p:spPr>
+        <p:style>
+          <a:lnRef idx="2">
+            <a:schemeClr val="accent1">
+              <a:shade val="50000"/>
+            </a:schemeClr>
+          </a:lnRef>
+          <a:fillRef idx="1">
+            <a:schemeClr val="accent1"/>
+          </a:fillRef>
+          <a:effectRef idx="0">
+            <a:schemeClr val="accent1"/>
+          </a:effectRef>
+          <a:fontRef idx="minor">
+            <a:schemeClr val="lt1"/>
+          </a:fontRef>
+        </p:style>
+        <p:txBody>
+          <a:bodyPr rtlCol="0" anchor="ctr"/>
+          <a:lstStyle/>
+          <a:p>
+            <a:pPr algn="ctr"/>
+            <a:endParaRPr lang="en-US"/>
+          </a:p>
+        </p:txBody>
+      </p:sp>
       <p:sp>
         <p:nvSpPr>
           <p:cNvPr id="2" name="Nadpis 1">
             <a:extLst>
               <a:ext uri="{FF2B5EF4-FFF2-40B4-BE49-F238E27FC236}">
-                <a16:creationId xmlns:a16="http://schemas.microsoft.com/office/drawing/2014/main" id="{30DA07BC-FD5D-679E-E80F-7A10D278C1CF}"/>
+                <a16:creationId xmlns:a16="http://schemas.microsoft.com/office/drawing/2014/main" xmlns="" id="{53E6090B-EAC3-2A81-ACE1-1E5B40539582}"/>
               </a:ext>
             </a:extLst>
           </p:cNvPr>
@@ -4321,12 +6909,500 @@
             <p:ph type="title"/>
           </p:nvPr>
         </p:nvSpPr>
-        <p:spPr/>
+        <p:spPr>
+          <a:xfrm>
+            <a:off x="762000" y="1524000"/>
+            <a:ext cx="3018325" cy="4572000"/>
+          </a:xfrm>
+        </p:spPr>
         <p:txBody>
-          <a:bodyPr/>
+          <a:bodyPr anchor="t">
+            <a:normAutofit/>
+          </a:bodyPr>
           <a:lstStyle/>
           <a:p>
-            <a:endParaRPr lang="cs-CZ"/>
+            <a:r>
+              <a:rPr lang="cs-CZ" sz="4000" dirty="0"/>
+              <a:t>Princip a použití</a:t>
+            </a:r>
+          </a:p>
+        </p:txBody>
+      </p:sp>
+      <p:sp>
+        <p:nvSpPr>
+          <p:cNvPr id="10" name="Freeform: Shape 9">
+            <a:extLst>
+              <a:ext uri="{FF2B5EF4-FFF2-40B4-BE49-F238E27FC236}">
+                <a16:creationId xmlns:a16="http://schemas.microsoft.com/office/drawing/2014/main" xmlns="" id="{87733DA8-1BFC-4737-831B-54DCFE42D60A}"/>
+              </a:ext>
+              <a:ext uri="{C183D7F6-B498-43B3-948B-1728B52AA6E4}">
+                <adec:decorative xmlns:adec="http://schemas.microsoft.com/office/drawing/2017/decorative" xmlns="" val="1"/>
+              </a:ext>
+            </a:extLst>
+          </p:cNvPr>
+          <p:cNvSpPr>
+            <a:spLocks noGrp="1" noRot="1" noChangeAspect="1" noMove="1" noResize="1" noEditPoints="1" noAdjustHandles="1" noChangeArrowheads="1" noChangeShapeType="1" noTextEdit="1"/>
+          </p:cNvSpPr>
+          <p:nvPr>
+            <p:extLst>
+              <p:ext uri="{386F3935-93C4-4BCD-93E2-E3B085C9AB24}">
+                <p16:designElem xmlns:p16="http://schemas.microsoft.com/office/powerpoint/2015/main" xmlns="" val="1"/>
+              </p:ext>
+            </p:extLst>
+          </p:nvPr>
+        </p:nvSpPr>
+        <p:spPr>
+          <a:xfrm rot="5400000">
+            <a:off x="776836" y="-776836"/>
+            <a:ext cx="762001" cy="2315675"/>
+          </a:xfrm>
+          <a:custGeom>
+            <a:avLst/>
+            <a:gdLst>
+              <a:gd name="connsiteX0" fmla="*/ 0 w 1085312"/>
+              <a:gd name="connsiteY0" fmla="*/ 2315675 h 2315675"/>
+              <a:gd name="connsiteX1" fmla="*/ 0 w 1085312"/>
+              <a:gd name="connsiteY1" fmla="*/ 0 h 2315675"/>
+              <a:gd name="connsiteX2" fmla="*/ 53089 w 1085312"/>
+              <a:gd name="connsiteY2" fmla="*/ 4542 h 2315675"/>
+              <a:gd name="connsiteX3" fmla="*/ 790077 w 1085312"/>
+              <a:gd name="connsiteY3" fmla="*/ 872756 h 2315675"/>
+              <a:gd name="connsiteX4" fmla="*/ 1085252 w 1085312"/>
+              <a:gd name="connsiteY4" fmla="*/ 1943649 h 2315675"/>
+              <a:gd name="connsiteX5" fmla="*/ 1064832 w 1085312"/>
+              <a:gd name="connsiteY5" fmla="*/ 2198094 h 2315675"/>
+              <a:gd name="connsiteX6" fmla="*/ 1043734 w 1085312"/>
+              <a:gd name="connsiteY6" fmla="*/ 2315675 h 2315675"/>
+              <a:gd name="connsiteX7" fmla="*/ 0 w 1085312"/>
+              <a:gd name="connsiteY7" fmla="*/ 2315675 h 2315675"/>
+            </a:gdLst>
+            <a:ahLst/>
+            <a:cxnLst>
+              <a:cxn ang="0">
+                <a:pos x="connsiteX0" y="connsiteY0"/>
+              </a:cxn>
+              <a:cxn ang="0">
+                <a:pos x="connsiteX1" y="connsiteY1"/>
+              </a:cxn>
+              <a:cxn ang="0">
+                <a:pos x="connsiteX2" y="connsiteY2"/>
+              </a:cxn>
+              <a:cxn ang="0">
+                <a:pos x="connsiteX3" y="connsiteY3"/>
+              </a:cxn>
+              <a:cxn ang="0">
+                <a:pos x="connsiteX4" y="connsiteY4"/>
+              </a:cxn>
+              <a:cxn ang="0">
+                <a:pos x="connsiteX5" y="connsiteY5"/>
+              </a:cxn>
+              <a:cxn ang="0">
+                <a:pos x="connsiteX6" y="connsiteY6"/>
+              </a:cxn>
+              <a:cxn ang="0">
+                <a:pos x="connsiteX7" y="connsiteY7"/>
+              </a:cxn>
+            </a:cxnLst>
+            <a:rect l="l" t="t" r="r" b="b"/>
+            <a:pathLst>
+              <a:path w="1085312" h="2315675">
+                <a:moveTo>
+                  <a:pt x="0" y="2315675"/>
+                </a:moveTo>
+                <a:lnTo>
+                  <a:pt x="0" y="0"/>
+                </a:lnTo>
+                <a:lnTo>
+                  <a:pt x="53089" y="4542"/>
+                </a:lnTo>
+                <a:cubicBezTo>
+                  <a:pt x="405263" y="73503"/>
+                  <a:pt x="612623" y="486635"/>
+                  <a:pt x="790077" y="872756"/>
+                </a:cubicBezTo>
+                <a:cubicBezTo>
+                  <a:pt x="937425" y="1193596"/>
+                  <a:pt x="1088787" y="1533232"/>
+                  <a:pt x="1085252" y="1943649"/>
+                </a:cubicBezTo>
+                <a:cubicBezTo>
+                  <a:pt x="1084528" y="2029058"/>
+                  <a:pt x="1077341" y="2113833"/>
+                  <a:pt x="1064832" y="2198094"/>
+                </a:cubicBezTo>
+                <a:lnTo>
+                  <a:pt x="1043734" y="2315675"/>
+                </a:lnTo>
+                <a:lnTo>
+                  <a:pt x="0" y="2315675"/>
+                </a:lnTo>
+                <a:close/>
+              </a:path>
+            </a:pathLst>
+          </a:custGeom>
+          <a:solidFill>
+            <a:schemeClr val="accent1"/>
+          </a:solidFill>
+          <a:ln>
+            <a:noFill/>
+          </a:ln>
+        </p:spPr>
+        <p:style>
+          <a:lnRef idx="2">
+            <a:schemeClr val="accent1">
+              <a:shade val="50000"/>
+            </a:schemeClr>
+          </a:lnRef>
+          <a:fillRef idx="1">
+            <a:schemeClr val="accent1"/>
+          </a:fillRef>
+          <a:effectRef idx="0">
+            <a:schemeClr val="accent1"/>
+          </a:effectRef>
+          <a:fontRef idx="minor">
+            <a:schemeClr val="lt1"/>
+          </a:fontRef>
+        </p:style>
+        <p:txBody>
+          <a:bodyPr rtlCol="0" anchor="ctr"/>
+          <a:lstStyle/>
+          <a:p>
+            <a:pPr algn="ctr"/>
+            <a:endParaRPr lang="en-US" sz="900">
+              <a:solidFill>
+                <a:schemeClr val="bg1"/>
+              </a:solidFill>
+              <a:latin typeface="Avenir Next LT Pro" panose="020B0504020202020204" pitchFamily="34" charset="0"/>
+            </a:endParaRPr>
+          </a:p>
+        </p:txBody>
+      </p:sp>
+      <p:sp>
+        <p:nvSpPr>
+          <p:cNvPr id="12" name="Freeform: Shape 11">
+            <a:extLst>
+              <a:ext uri="{FF2B5EF4-FFF2-40B4-BE49-F238E27FC236}">
+                <a16:creationId xmlns:a16="http://schemas.microsoft.com/office/drawing/2014/main" xmlns="" id="{01A4B593-070B-4B49-B02E-B71243FA53B5}"/>
+              </a:ext>
+              <a:ext uri="{C183D7F6-B498-43B3-948B-1728B52AA6E4}">
+                <adec:decorative xmlns:adec="http://schemas.microsoft.com/office/drawing/2017/decorative" xmlns="" val="1"/>
+              </a:ext>
+            </a:extLst>
+          </p:cNvPr>
+          <p:cNvSpPr>
+            <a:spLocks noGrp="1" noRot="1" noChangeAspect="1" noMove="1" noResize="1" noEditPoints="1" noAdjustHandles="1" noChangeArrowheads="1" noChangeShapeType="1" noTextEdit="1"/>
+          </p:cNvSpPr>
+          <p:nvPr>
+            <p:extLst>
+              <p:ext uri="{386F3935-93C4-4BCD-93E2-E3B085C9AB24}">
+                <p16:designElem xmlns:p16="http://schemas.microsoft.com/office/powerpoint/2015/main" xmlns="" val="1"/>
+              </p:ext>
+            </p:extLst>
+          </p:nvPr>
+        </p:nvSpPr>
+        <p:spPr>
+          <a:xfrm flipH="1">
+            <a:off x="7866414" y="1040564"/>
+            <a:ext cx="4337539" cy="5817436"/>
+          </a:xfrm>
+          <a:custGeom>
+            <a:avLst/>
+            <a:gdLst>
+              <a:gd name="connsiteX0" fmla="*/ 1162193 w 4337539"/>
+              <a:gd name="connsiteY0" fmla="*/ 710 h 5817436"/>
+              <a:gd name="connsiteX1" fmla="*/ 1585945 w 4337539"/>
+              <a:gd name="connsiteY1" fmla="*/ 47742 h 5817436"/>
+              <a:gd name="connsiteX2" fmla="*/ 2955874 w 4337539"/>
+              <a:gd name="connsiteY2" fmla="*/ 845238 h 5817436"/>
+              <a:gd name="connsiteX3" fmla="*/ 3985793 w 4337539"/>
+              <a:gd name="connsiteY3" fmla="*/ 2263621 h 5817436"/>
+              <a:gd name="connsiteX4" fmla="*/ 3471030 w 4337539"/>
+              <a:gd name="connsiteY4" fmla="*/ 5609583 h 5817436"/>
+              <a:gd name="connsiteX5" fmla="*/ 3330983 w 4337539"/>
+              <a:gd name="connsiteY5" fmla="*/ 5817436 h 5817436"/>
+              <a:gd name="connsiteX6" fmla="*/ 0 w 4337539"/>
+              <a:gd name="connsiteY6" fmla="*/ 5817436 h 5817436"/>
+              <a:gd name="connsiteX7" fmla="*/ 0 w 4337539"/>
+              <a:gd name="connsiteY7" fmla="*/ 181400 h 5817436"/>
+              <a:gd name="connsiteX8" fmla="*/ 365311 w 4337539"/>
+              <a:gd name="connsiteY8" fmla="*/ 94304 h 5817436"/>
+              <a:gd name="connsiteX9" fmla="*/ 1162193 w 4337539"/>
+              <a:gd name="connsiteY9" fmla="*/ 710 h 5817436"/>
+            </a:gdLst>
+            <a:ahLst/>
+            <a:cxnLst>
+              <a:cxn ang="0">
+                <a:pos x="connsiteX0" y="connsiteY0"/>
+              </a:cxn>
+              <a:cxn ang="0">
+                <a:pos x="connsiteX1" y="connsiteY1"/>
+              </a:cxn>
+              <a:cxn ang="0">
+                <a:pos x="connsiteX2" y="connsiteY2"/>
+              </a:cxn>
+              <a:cxn ang="0">
+                <a:pos x="connsiteX3" y="connsiteY3"/>
+              </a:cxn>
+              <a:cxn ang="0">
+                <a:pos x="connsiteX4" y="connsiteY4"/>
+              </a:cxn>
+              <a:cxn ang="0">
+                <a:pos x="connsiteX5" y="connsiteY5"/>
+              </a:cxn>
+              <a:cxn ang="0">
+                <a:pos x="connsiteX6" y="connsiteY6"/>
+              </a:cxn>
+              <a:cxn ang="0">
+                <a:pos x="connsiteX7" y="connsiteY7"/>
+              </a:cxn>
+              <a:cxn ang="0">
+                <a:pos x="connsiteX8" y="connsiteY8"/>
+              </a:cxn>
+              <a:cxn ang="0">
+                <a:pos x="connsiteX9" y="connsiteY9"/>
+              </a:cxn>
+            </a:cxnLst>
+            <a:rect l="l" t="t" r="r" b="b"/>
+            <a:pathLst>
+              <a:path w="4337539" h="5817436">
+                <a:moveTo>
+                  <a:pt x="1162193" y="710"/>
+                </a:moveTo>
+                <a:cubicBezTo>
+                  <a:pt x="1309881" y="4175"/>
+                  <a:pt x="1450916" y="20264"/>
+                  <a:pt x="1585945" y="47742"/>
+                </a:cubicBezTo>
+                <a:cubicBezTo>
+                  <a:pt x="2125847" y="157580"/>
+                  <a:pt x="2569194" y="449669"/>
+                  <a:pt x="2955874" y="845238"/>
+                </a:cubicBezTo>
+                <a:cubicBezTo>
+                  <a:pt x="3342552" y="1240809"/>
+                  <a:pt x="3672563" y="1739861"/>
+                  <a:pt x="3985793" y="2263621"/>
+                </a:cubicBezTo>
+                <a:cubicBezTo>
+                  <a:pt x="4713945" y="3480830"/>
+                  <a:pt x="4197469" y="4515211"/>
+                  <a:pt x="3471030" y="5609583"/>
+                </a:cubicBezTo>
+                <a:lnTo>
+                  <a:pt x="3330983" y="5817436"/>
+                </a:lnTo>
+                <a:lnTo>
+                  <a:pt x="0" y="5817436"/>
+                </a:lnTo>
+                <a:lnTo>
+                  <a:pt x="0" y="181400"/>
+                </a:lnTo>
+                <a:lnTo>
+                  <a:pt x="365311" y="94304"/>
+                </a:lnTo>
+                <a:cubicBezTo>
+                  <a:pt x="651420" y="24227"/>
+                  <a:pt x="916047" y="-5064"/>
+                  <a:pt x="1162193" y="710"/>
+                </a:cubicBezTo>
+                <a:close/>
+              </a:path>
+            </a:pathLst>
+          </a:custGeom>
+          <a:solidFill>
+            <a:schemeClr val="accent3"/>
+          </a:solidFill>
+          <a:ln>
+            <a:noFill/>
+          </a:ln>
+        </p:spPr>
+        <p:style>
+          <a:lnRef idx="2">
+            <a:schemeClr val="accent1">
+              <a:shade val="50000"/>
+            </a:schemeClr>
+          </a:lnRef>
+          <a:fillRef idx="1">
+            <a:schemeClr val="accent1"/>
+          </a:fillRef>
+          <a:effectRef idx="0">
+            <a:schemeClr val="accent1"/>
+          </a:effectRef>
+          <a:fontRef idx="minor">
+            <a:schemeClr val="lt1"/>
+          </a:fontRef>
+        </p:style>
+        <p:txBody>
+          <a:bodyPr rtlCol="0" anchor="ctr"/>
+          <a:lstStyle/>
+          <a:p>
+            <a:pPr algn="ctr"/>
+            <a:endParaRPr lang="en-US"/>
+          </a:p>
+        </p:txBody>
+      </p:sp>
+      <p:sp>
+        <p:nvSpPr>
+          <p:cNvPr id="14" name="Freeform: Shape 13">
+            <a:extLst>
+              <a:ext uri="{FF2B5EF4-FFF2-40B4-BE49-F238E27FC236}">
+                <a16:creationId xmlns:a16="http://schemas.microsoft.com/office/drawing/2014/main" xmlns="" id="{63165769-7A47-4E0F-825D-AF1179DF680B}"/>
+              </a:ext>
+              <a:ext uri="{C183D7F6-B498-43B3-948B-1728B52AA6E4}">
+                <adec:decorative xmlns:adec="http://schemas.microsoft.com/office/drawing/2017/decorative" xmlns="" val="1"/>
+              </a:ext>
+            </a:extLst>
+          </p:cNvPr>
+          <p:cNvSpPr>
+            <a:spLocks noGrp="1" noRot="1" noChangeAspect="1" noMove="1" noResize="1" noEditPoints="1" noAdjustHandles="1" noChangeArrowheads="1" noChangeShapeType="1" noTextEdit="1"/>
+          </p:cNvSpPr>
+          <p:nvPr>
+            <p:extLst>
+              <p:ext uri="{386F3935-93C4-4BCD-93E2-E3B085C9AB24}">
+                <p16:designElem xmlns:p16="http://schemas.microsoft.com/office/powerpoint/2015/main" xmlns="" val="1"/>
+              </p:ext>
+            </p:extLst>
+          </p:nvPr>
+        </p:nvSpPr>
+        <p:spPr>
+          <a:xfrm rot="20682642" flipH="1">
+            <a:off x="7133961" y="946220"/>
+            <a:ext cx="5867664" cy="5317986"/>
+          </a:xfrm>
+          <a:custGeom>
+            <a:avLst/>
+            <a:gdLst>
+              <a:gd name="connsiteX0" fmla="*/ 0 w 1085312"/>
+              <a:gd name="connsiteY0" fmla="*/ 2315675 h 2315675"/>
+              <a:gd name="connsiteX1" fmla="*/ 0 w 1085312"/>
+              <a:gd name="connsiteY1" fmla="*/ 0 h 2315675"/>
+              <a:gd name="connsiteX2" fmla="*/ 53089 w 1085312"/>
+              <a:gd name="connsiteY2" fmla="*/ 4542 h 2315675"/>
+              <a:gd name="connsiteX3" fmla="*/ 790077 w 1085312"/>
+              <a:gd name="connsiteY3" fmla="*/ 872756 h 2315675"/>
+              <a:gd name="connsiteX4" fmla="*/ 1085252 w 1085312"/>
+              <a:gd name="connsiteY4" fmla="*/ 1943649 h 2315675"/>
+              <a:gd name="connsiteX5" fmla="*/ 1064832 w 1085312"/>
+              <a:gd name="connsiteY5" fmla="*/ 2198094 h 2315675"/>
+              <a:gd name="connsiteX6" fmla="*/ 1043734 w 1085312"/>
+              <a:gd name="connsiteY6" fmla="*/ 2315675 h 2315675"/>
+              <a:gd name="connsiteX7" fmla="*/ 0 w 1085312"/>
+              <a:gd name="connsiteY7" fmla="*/ 2315675 h 2315675"/>
+              <a:gd name="connsiteX0" fmla="*/ 0 w 1085312"/>
+              <a:gd name="connsiteY0" fmla="*/ 0 h 2441440"/>
+              <a:gd name="connsiteX1" fmla="*/ 53089 w 1085312"/>
+              <a:gd name="connsiteY1" fmla="*/ 4542 h 2441440"/>
+              <a:gd name="connsiteX2" fmla="*/ 790077 w 1085312"/>
+              <a:gd name="connsiteY2" fmla="*/ 872756 h 2441440"/>
+              <a:gd name="connsiteX3" fmla="*/ 1085252 w 1085312"/>
+              <a:gd name="connsiteY3" fmla="*/ 1943649 h 2441440"/>
+              <a:gd name="connsiteX4" fmla="*/ 1064832 w 1085312"/>
+              <a:gd name="connsiteY4" fmla="*/ 2198094 h 2441440"/>
+              <a:gd name="connsiteX5" fmla="*/ 1043734 w 1085312"/>
+              <a:gd name="connsiteY5" fmla="*/ 2315675 h 2441440"/>
+              <a:gd name="connsiteX6" fmla="*/ 59456 w 1085312"/>
+              <a:gd name="connsiteY6" fmla="*/ 2441440 h 2441440"/>
+              <a:gd name="connsiteX0" fmla="*/ 0 w 1085312"/>
+              <a:gd name="connsiteY0" fmla="*/ 0 h 2315675"/>
+              <a:gd name="connsiteX1" fmla="*/ 53089 w 1085312"/>
+              <a:gd name="connsiteY1" fmla="*/ 4542 h 2315675"/>
+              <a:gd name="connsiteX2" fmla="*/ 790077 w 1085312"/>
+              <a:gd name="connsiteY2" fmla="*/ 872756 h 2315675"/>
+              <a:gd name="connsiteX3" fmla="*/ 1085252 w 1085312"/>
+              <a:gd name="connsiteY3" fmla="*/ 1943649 h 2315675"/>
+              <a:gd name="connsiteX4" fmla="*/ 1064832 w 1085312"/>
+              <a:gd name="connsiteY4" fmla="*/ 2198094 h 2315675"/>
+              <a:gd name="connsiteX5" fmla="*/ 1043734 w 1085312"/>
+              <a:gd name="connsiteY5" fmla="*/ 2315675 h 2315675"/>
+            </a:gdLst>
+            <a:ahLst/>
+            <a:cxnLst>
+              <a:cxn ang="0">
+                <a:pos x="connsiteX0" y="connsiteY0"/>
+              </a:cxn>
+              <a:cxn ang="0">
+                <a:pos x="connsiteX1" y="connsiteY1"/>
+              </a:cxn>
+              <a:cxn ang="0">
+                <a:pos x="connsiteX2" y="connsiteY2"/>
+              </a:cxn>
+              <a:cxn ang="0">
+                <a:pos x="connsiteX3" y="connsiteY3"/>
+              </a:cxn>
+              <a:cxn ang="0">
+                <a:pos x="connsiteX4" y="connsiteY4"/>
+              </a:cxn>
+              <a:cxn ang="0">
+                <a:pos x="connsiteX5" y="connsiteY5"/>
+              </a:cxn>
+            </a:cxnLst>
+            <a:rect l="l" t="t" r="r" b="b"/>
+            <a:pathLst>
+              <a:path w="1085312" h="2315675">
+                <a:moveTo>
+                  <a:pt x="0" y="0"/>
+                </a:moveTo>
+                <a:lnTo>
+                  <a:pt x="53089" y="4542"/>
+                </a:lnTo>
+                <a:cubicBezTo>
+                  <a:pt x="405263" y="73503"/>
+                  <a:pt x="612623" y="486635"/>
+                  <a:pt x="790077" y="872756"/>
+                </a:cubicBezTo>
+                <a:cubicBezTo>
+                  <a:pt x="937425" y="1193596"/>
+                  <a:pt x="1088787" y="1533232"/>
+                  <a:pt x="1085252" y="1943649"/>
+                </a:cubicBezTo>
+                <a:cubicBezTo>
+                  <a:pt x="1084528" y="2029058"/>
+                  <a:pt x="1077341" y="2113833"/>
+                  <a:pt x="1064832" y="2198094"/>
+                </a:cubicBezTo>
+                <a:lnTo>
+                  <a:pt x="1043734" y="2315675"/>
+                </a:lnTo>
+              </a:path>
+            </a:pathLst>
+          </a:custGeom>
+          <a:noFill/>
+          <a:ln w="19050">
+            <a:solidFill>
+              <a:schemeClr val="accent2">
+                <a:lumMod val="60000"/>
+                <a:lumOff val="40000"/>
+              </a:schemeClr>
+            </a:solidFill>
+          </a:ln>
+        </p:spPr>
+        <p:style>
+          <a:lnRef idx="2">
+            <a:schemeClr val="accent1">
+              <a:shade val="50000"/>
+            </a:schemeClr>
+          </a:lnRef>
+          <a:fillRef idx="1">
+            <a:schemeClr val="accent1"/>
+          </a:fillRef>
+          <a:effectRef idx="0">
+            <a:schemeClr val="accent1"/>
+          </a:effectRef>
+          <a:fontRef idx="minor">
+            <a:schemeClr val="lt1"/>
+          </a:fontRef>
+        </p:style>
+        <p:txBody>
+          <a:bodyPr rtlCol="0" anchor="ctr"/>
+          <a:lstStyle/>
+          <a:p>
+            <a:pPr algn="ctr"/>
+            <a:endParaRPr lang="en-US" dirty="0">
+              <a:solidFill>
+                <a:prstClr val="white"/>
+              </a:solidFill>
+              <a:latin typeface="Avenir Next LT Pro Light"/>
+            </a:endParaRPr>
           </a:p>
         </p:txBody>
       </p:sp>
@@ -4335,7 +7411,7 @@
           <p:cNvPr id="3" name="Zástupný obsah 2">
             <a:extLst>
               <a:ext uri="{FF2B5EF4-FFF2-40B4-BE49-F238E27FC236}">
-                <a16:creationId xmlns:a16="http://schemas.microsoft.com/office/drawing/2014/main" id="{56938B96-4436-4C91-7BE1-36C3E03548DA}"/>
+                <a16:creationId xmlns:a16="http://schemas.microsoft.com/office/drawing/2014/main" xmlns="" id="{4566848F-7C10-42BF-9FB5-7BFDD25F478F}"/>
               </a:ext>
             </a:extLst>
           </p:cNvPr>
@@ -4346,25 +7422,141 @@
             <p:ph idx="1"/>
           </p:nvPr>
         </p:nvSpPr>
-        <p:spPr/>
+        <p:spPr>
+          <a:xfrm>
+            <a:off x="3839674" y="1524000"/>
+            <a:ext cx="3018325" cy="4572001"/>
+          </a:xfrm>
+        </p:spPr>
         <p:txBody>
-          <a:bodyPr/>
+          <a:bodyPr vert="horz" lIns="91440" tIns="45720" rIns="91440" bIns="45720" rtlCol="0" anchor="t">
+            <a:normAutofit/>
+          </a:bodyPr>
           <a:lstStyle/>
           <a:p>
-            <a:endParaRPr lang="cs-CZ"/>
+            <a:pPr>
+              <a:lnSpc>
+                <a:spcPct val="115000"/>
+              </a:lnSpc>
+            </a:pPr>
+            <a:r>
+              <a:rPr lang="cs-CZ" sz="2200" dirty="0">
+                <a:solidFill>
+                  <a:schemeClr val="tx2"/>
+                </a:solidFill>
+              </a:rPr>
+              <a:t>Totální odraz : </a:t>
+            </a:r>
+          </a:p>
+          <a:p>
+            <a:pPr marL="0" indent="0">
+              <a:lnSpc>
+                <a:spcPct val="115000"/>
+              </a:lnSpc>
+              <a:buNone/>
+            </a:pPr>
+            <a:r>
+              <a:rPr lang="cs-CZ" sz="2200" dirty="0">
+                <a:solidFill>
+                  <a:schemeClr val="tx2"/>
+                </a:solidFill>
+              </a:rPr>
+              <a:t>Světlo se pohybuje v těžko proniknutelném prostředí</a:t>
+            </a:r>
+          </a:p>
+          <a:p>
+            <a:pPr marL="0" indent="0">
+              <a:lnSpc>
+                <a:spcPct val="115000"/>
+              </a:lnSpc>
+              <a:buNone/>
+            </a:pPr>
+            <a:r>
+              <a:rPr lang="cs-CZ" sz="2200" dirty="0">
+                <a:solidFill>
+                  <a:schemeClr val="tx2"/>
+                </a:solidFill>
+              </a:rPr>
+              <a:t>a dopadá na rozhraní pod šikmým úhlem = kompletní odraz</a:t>
+            </a:r>
+          </a:p>
+          <a:p>
+            <a:pPr marL="0" indent="0">
+              <a:lnSpc>
+                <a:spcPct val="115000"/>
+              </a:lnSpc>
+              <a:buNone/>
+            </a:pPr>
+            <a:endParaRPr lang="cs-CZ" sz="2200" dirty="0">
+              <a:solidFill>
+                <a:schemeClr val="tx2"/>
+              </a:solidFill>
+            </a:endParaRPr>
+          </a:p>
+          <a:p>
+            <a:pPr marL="0" indent="0">
+              <a:lnSpc>
+                <a:spcPct val="115000"/>
+              </a:lnSpc>
+              <a:buNone/>
+            </a:pPr>
+            <a:r>
+              <a:rPr lang="cs-CZ" sz="2200" dirty="0">
+                <a:solidFill>
+                  <a:schemeClr val="tx2"/>
+                </a:solidFill>
+              </a:rPr>
+              <a:t>Využití k udržení světla v jádru</a:t>
+            </a:r>
+          </a:p>
+          <a:p>
+            <a:pPr marL="0" indent="0">
+              <a:lnSpc>
+                <a:spcPct val="115000"/>
+              </a:lnSpc>
+              <a:buNone/>
+            </a:pPr>
+            <a:endParaRPr lang="cs-CZ" sz="2200"/>
+          </a:p>
+          <a:p>
+            <a:pPr marL="0" indent="0">
+              <a:lnSpc>
+                <a:spcPct val="115000"/>
+              </a:lnSpc>
+              <a:buNone/>
+            </a:pPr>
+            <a:endParaRPr lang="cs-CZ" sz="2200"/>
+          </a:p>
+          <a:p>
+            <a:pPr marL="457200" indent="-457200">
+              <a:lnSpc>
+                <a:spcPct val="115000"/>
+              </a:lnSpc>
+            </a:pPr>
+            <a:endParaRPr lang="cs-CZ" sz="2200"/>
           </a:p>
         </p:txBody>
       </p:sp>
     </p:spTree>
     <p:extLst>
       <p:ext uri="{BB962C8B-B14F-4D97-AF65-F5344CB8AC3E}">
-        <p14:creationId xmlns:p14="http://schemas.microsoft.com/office/powerpoint/2010/main" val="1765930305"/>
+        <p14:creationId xmlns:p14="http://schemas.microsoft.com/office/powerpoint/2010/main" val="3334630723"/>
       </p:ext>
     </p:extLst>
   </p:cSld>
   <p:clrMapOvr>
     <a:masterClrMapping/>
   </p:clrMapOvr>
+  <p:transition spd="slow" advTm="50000">
+    <p:strips dir="ld"/>
+  </p:transition>
+  <p:timing>
+    <p:tnLst>
+      <p:par>
+        <p:cTn id="1" dur="indefinite" restart="never" nodeType="tmRoot"/>
+      </p:par>
+    </p:tnLst>
+  </p:timing>
 </p:sld>
 </file>
 
@@ -4390,7 +7582,7 @@
           <p:cNvPr id="2" name="Nadpis 1">
             <a:extLst>
               <a:ext uri="{FF2B5EF4-FFF2-40B4-BE49-F238E27FC236}">
-                <a16:creationId xmlns:a16="http://schemas.microsoft.com/office/drawing/2014/main" id="{A5465E9F-7186-FE12-0FBE-61A34AF860DE}"/>
+                <a16:creationId xmlns:a16="http://schemas.microsoft.com/office/drawing/2014/main" xmlns="" id="{D50207AE-3383-3342-7F92-857602B8C706}"/>
               </a:ext>
             </a:extLst>
           </p:cNvPr>
@@ -4406,7 +7598,14 @@
           <a:bodyPr/>
           <a:lstStyle/>
           <a:p>
-            <a:endParaRPr lang="cs-CZ"/>
+            <a:r>
+              <a:rPr lang="cs-CZ" dirty="0">
+                <a:solidFill>
+                  <a:schemeClr val="bg1"/>
+                </a:solidFill>
+              </a:rPr>
+              <a:t>Princip a použití</a:t>
+            </a:r>
           </a:p>
         </p:txBody>
       </p:sp>
@@ -4415,7 +7614,7 @@
           <p:cNvPr id="3" name="Zástupný obsah 2">
             <a:extLst>
               <a:ext uri="{FF2B5EF4-FFF2-40B4-BE49-F238E27FC236}">
-                <a16:creationId xmlns:a16="http://schemas.microsoft.com/office/drawing/2014/main" id="{11FE227A-2ED6-5A50-0DA7-A611225A2301}"/>
+                <a16:creationId xmlns:a16="http://schemas.microsoft.com/office/drawing/2014/main" xmlns="" id="{AE3AE686-D2D9-14CA-03EC-9509FF64BD49}"/>
               </a:ext>
             </a:extLst>
           </p:cNvPr>
@@ -4428,29 +7627,82 @@
         </p:nvSpPr>
         <p:spPr/>
         <p:txBody>
-          <a:bodyPr/>
+          <a:bodyPr vert="horz" lIns="91440" tIns="45720" rIns="91440" bIns="45720" rtlCol="0" anchor="t">
+            <a:normAutofit/>
+          </a:bodyPr>
           <a:lstStyle/>
           <a:p>
-            <a:endParaRPr lang="cs-CZ"/>
+            <a:r>
+              <a:rPr lang="cs-CZ" dirty="0">
+                <a:solidFill>
+                  <a:schemeClr val="bg1"/>
+                </a:solidFill>
+              </a:rPr>
+              <a:t>Index lomu</a:t>
+            </a:r>
+          </a:p>
+          <a:p>
+            <a:pPr marL="0" indent="0">
+              <a:buNone/>
+            </a:pPr>
+            <a:r>
+              <a:rPr lang="cs-CZ" dirty="0">
+                <a:solidFill>
+                  <a:schemeClr val="bg1"/>
+                </a:solidFill>
+              </a:rPr>
+              <a:t>Vyjadřuje změnu rychlosti světla </a:t>
+            </a:r>
+          </a:p>
+          <a:p>
+            <a:pPr marL="0" indent="0">
+              <a:buNone/>
+            </a:pPr>
+            <a:r>
+              <a:rPr lang="cs-CZ" dirty="0">
+                <a:solidFill>
+                  <a:schemeClr val="bg1"/>
+                </a:solidFill>
+              </a:rPr>
+              <a:t>Čím větší index lomu = menší rychlost světla</a:t>
+            </a:r>
           </a:p>
         </p:txBody>
       </p:sp>
     </p:spTree>
     <p:extLst>
       <p:ext uri="{BB962C8B-B14F-4D97-AF65-F5344CB8AC3E}">
-        <p14:creationId xmlns:p14="http://schemas.microsoft.com/office/powerpoint/2010/main" val="2607116544"/>
+        <p14:creationId xmlns:p14="http://schemas.microsoft.com/office/powerpoint/2010/main" val="1019631475"/>
       </p:ext>
     </p:extLst>
   </p:cSld>
   <p:clrMapOvr>
     <a:masterClrMapping/>
   </p:clrMapOvr>
+  <p:transition spd="slow" advTm="30000">
+    <p:wipe dir="r"/>
+  </p:transition>
+  <p:timing>
+    <p:tnLst>
+      <p:par>
+        <p:cTn id="1" dur="indefinite" restart="never" nodeType="tmRoot"/>
+      </p:par>
+    </p:tnLst>
+  </p:timing>
 </p:sld>
 </file>
 
 <file path=ppt/slides/slide12.xml><?xml version="1.0" encoding="utf-8"?>
 <p:sld xmlns:a="http://schemas.openxmlformats.org/drawingml/2006/main" xmlns:r="http://schemas.openxmlformats.org/officeDocument/2006/relationships" xmlns:p="http://schemas.openxmlformats.org/presentationml/2006/main">
   <p:cSld>
+    <p:bg>
+      <p:bgPr>
+        <a:solidFill>
+          <a:schemeClr val="bg2"/>
+        </a:solidFill>
+        <a:effectLst/>
+      </p:bgPr>
+    </p:bg>
     <p:spTree>
       <p:nvGrpSpPr>
         <p:cNvPr id="1" name=""/>
@@ -4465,12 +7717,409 @@
           <a:chExt cx="0" cy="0"/>
         </a:xfrm>
       </p:grpSpPr>
+      <p:sp useBgFill="1">
+        <p:nvSpPr>
+          <p:cNvPr id="10" name="Rectangle 9">
+            <a:extLst>
+              <a:ext uri="{FF2B5EF4-FFF2-40B4-BE49-F238E27FC236}">
+                <a16:creationId xmlns:a16="http://schemas.microsoft.com/office/drawing/2014/main" xmlns="" id="{987A0FBA-CC04-4256-A8EB-BB3C543E989C}"/>
+              </a:ext>
+              <a:ext uri="{C183D7F6-B498-43B3-948B-1728B52AA6E4}">
+                <adec:decorative xmlns:adec="http://schemas.microsoft.com/office/drawing/2017/decorative" xmlns="" val="1"/>
+              </a:ext>
+            </a:extLst>
+          </p:cNvPr>
+          <p:cNvSpPr>
+            <a:spLocks noGrp="1" noRot="1" noChangeAspect="1" noMove="1" noResize="1" noEditPoints="1" noAdjustHandles="1" noChangeArrowheads="1" noChangeShapeType="1" noTextEdit="1"/>
+          </p:cNvSpPr>
+          <p:nvPr>
+            <p:extLst>
+              <p:ext uri="{386F3935-93C4-4BCD-93E2-E3B085C9AB24}">
+                <p16:designElem xmlns:p16="http://schemas.microsoft.com/office/powerpoint/2015/main" xmlns="" val="1"/>
+              </p:ext>
+            </p:extLst>
+          </p:nvPr>
+        </p:nvSpPr>
+        <p:spPr>
+          <a:xfrm>
+            <a:off x="0" y="0"/>
+            <a:ext cx="12192000" cy="6858000"/>
+          </a:xfrm>
+          <a:prstGeom prst="rect">
+            <a:avLst/>
+          </a:prstGeom>
+          <a:ln w="12700" cap="flat" cmpd="sng" algn="ctr">
+            <a:noFill/>
+            <a:prstDash val="solid"/>
+            <a:miter lim="800000"/>
+          </a:ln>
+          <a:effectLst/>
+          <a:extLst>
+            <a:ext uri="{91240B29-F687-4F45-9708-019B960494DF}">
+              <a14:hiddenLine xmlns:a14="http://schemas.microsoft.com/office/drawing/2010/main" w="12700" cap="flat" cmpd="sng" algn="ctr">
+                <a:solidFill>
+                  <a:schemeClr val="accent1">
+                    <a:shade val="50000"/>
+                  </a:schemeClr>
+                </a:solidFill>
+                <a:prstDash val="solid"/>
+                <a:miter lim="800000"/>
+              </a14:hiddenLine>
+            </a:ext>
+          </a:extLst>
+        </p:spPr>
+        <p:style>
+          <a:lnRef idx="2">
+            <a:schemeClr val="accent1">
+              <a:shade val="50000"/>
+            </a:schemeClr>
+          </a:lnRef>
+          <a:fillRef idx="1">
+            <a:schemeClr val="accent1"/>
+          </a:fillRef>
+          <a:effectRef idx="0">
+            <a:schemeClr val="accent1"/>
+          </a:effectRef>
+          <a:fontRef idx="minor">
+            <a:schemeClr val="lt1"/>
+          </a:fontRef>
+        </p:style>
+        <p:txBody>
+          <a:bodyPr rtlCol="0" anchor="ctr"/>
+          <a:lstStyle/>
+          <a:p>
+            <a:pPr algn="ctr"/>
+            <a:endParaRPr lang="en-US"/>
+          </a:p>
+        </p:txBody>
+      </p:sp>
+      <p:pic>
+        <p:nvPicPr>
+          <p:cNvPr id="5" name="Obrázek 5" descr="Obsah obrázku psací potřeby, papírnictví, tužka&#10;&#10;Popis se vygeneroval automaticky.">
+            <a:extLst>
+              <a:ext uri="{FF2B5EF4-FFF2-40B4-BE49-F238E27FC236}">
+                <a16:creationId xmlns:a16="http://schemas.microsoft.com/office/drawing/2014/main" xmlns="" id="{D26335C8-AB67-CEC1-DEAC-176C0463DC56}"/>
+              </a:ext>
+            </a:extLst>
+          </p:cNvPr>
+          <p:cNvPicPr>
+            <a:picLocks noChangeAspect="1"/>
+          </p:cNvPicPr>
+          <p:nvPr/>
+        </p:nvPicPr>
+        <p:blipFill rotWithShape="1">
+          <a:blip r:embed="rId2"/>
+          <a:srcRect l="27704" r="10523" b="1"/>
+          <a:stretch/>
+        </p:blipFill>
+        <p:spPr>
+          <a:xfrm>
+            <a:off x="2" y="10"/>
+            <a:ext cx="5578823" cy="6028246"/>
+          </a:xfrm>
+          <a:custGeom>
+            <a:avLst/>
+            <a:gdLst/>
+            <a:ahLst/>
+            <a:cxnLst/>
+            <a:rect l="l" t="t" r="r" b="b"/>
+            <a:pathLst>
+              <a:path w="5578823" h="6028256">
+                <a:moveTo>
+                  <a:pt x="0" y="0"/>
+                </a:moveTo>
+                <a:lnTo>
+                  <a:pt x="3897606" y="0"/>
+                </a:lnTo>
+                <a:lnTo>
+                  <a:pt x="4274232" y="360545"/>
+                </a:lnTo>
+                <a:cubicBezTo>
+                  <a:pt x="4408856" y="488910"/>
+                  <a:pt x="4542134" y="615181"/>
+                  <a:pt x="4673934" y="738354"/>
+                </a:cubicBezTo>
+                <a:cubicBezTo>
+                  <a:pt x="5042663" y="1082881"/>
+                  <a:pt x="5282330" y="1428108"/>
+                  <a:pt x="5421862" y="1773839"/>
+                </a:cubicBezTo>
+                <a:cubicBezTo>
+                  <a:pt x="5631101" y="2292214"/>
+                  <a:pt x="5614731" y="2811325"/>
+                  <a:pt x="5469198" y="3329255"/>
+                </a:cubicBezTo>
+                <a:cubicBezTo>
+                  <a:pt x="5323662" y="3847185"/>
+                  <a:pt x="5048962" y="4363935"/>
+                  <a:pt x="4741546" y="4877588"/>
+                </a:cubicBezTo>
+                <a:cubicBezTo>
+                  <a:pt x="4027238" y="6071494"/>
+                  <a:pt x="2764972" y="6102970"/>
+                  <a:pt x="1325600" y="5980388"/>
+                </a:cubicBezTo>
+                <a:cubicBezTo>
+                  <a:pt x="903947" y="5944442"/>
+                  <a:pt x="499735" y="5907589"/>
+                  <a:pt x="137593" y="5804042"/>
+                </a:cubicBezTo>
+                <a:lnTo>
+                  <a:pt x="0" y="5760161"/>
+                </a:lnTo>
+                <a:close/>
+              </a:path>
+            </a:pathLst>
+          </a:custGeom>
+        </p:spPr>
+      </p:pic>
+      <p:sp>
+        <p:nvSpPr>
+          <p:cNvPr id="12" name="Freeform: Shape 11">
+            <a:extLst>
+              <a:ext uri="{FF2B5EF4-FFF2-40B4-BE49-F238E27FC236}">
+                <a16:creationId xmlns:a16="http://schemas.microsoft.com/office/drawing/2014/main" xmlns="" id="{E633B38B-B87A-4288-A20F-0223A6C27A5A}"/>
+              </a:ext>
+              <a:ext uri="{C183D7F6-B498-43B3-948B-1728B52AA6E4}">
+                <adec:decorative xmlns:adec="http://schemas.microsoft.com/office/drawing/2017/decorative" xmlns="" val="1"/>
+              </a:ext>
+            </a:extLst>
+          </p:cNvPr>
+          <p:cNvSpPr>
+            <a:spLocks noGrp="1" noRot="1" noChangeAspect="1" noMove="1" noResize="1" noEditPoints="1" noAdjustHandles="1" noChangeArrowheads="1" noChangeShapeType="1" noTextEdit="1"/>
+          </p:cNvSpPr>
+          <p:nvPr>
+            <p:extLst>
+              <p:ext uri="{386F3935-93C4-4BCD-93E2-E3B085C9AB24}">
+                <p16:designElem xmlns:p16="http://schemas.microsoft.com/office/powerpoint/2015/main" xmlns="" val="1"/>
+              </p:ext>
+            </p:extLst>
+          </p:nvPr>
+        </p:nvSpPr>
+        <p:spPr>
+          <a:xfrm>
+            <a:off x="-1" y="0"/>
+            <a:ext cx="5704117" cy="6096000"/>
+          </a:xfrm>
+          <a:custGeom>
+            <a:avLst/>
+            <a:gdLst>
+              <a:gd name="connsiteX0" fmla="*/ 0 w 5704117"/>
+              <a:gd name="connsiteY0" fmla="*/ 0 h 6096000"/>
+              <a:gd name="connsiteX1" fmla="*/ 4562795 w 5704117"/>
+              <a:gd name="connsiteY1" fmla="*/ 0 h 6096000"/>
+              <a:gd name="connsiteX2" fmla="*/ 4721192 w 5704117"/>
+              <a:gd name="connsiteY2" fmla="*/ 133595 h 6096000"/>
+              <a:gd name="connsiteX3" fmla="*/ 5467522 w 5704117"/>
+              <a:gd name="connsiteY3" fmla="*/ 1054328 h 6096000"/>
+              <a:gd name="connsiteX4" fmla="*/ 5538873 w 5704117"/>
+              <a:gd name="connsiteY4" fmla="*/ 2897564 h 6096000"/>
+              <a:gd name="connsiteX5" fmla="*/ 4442050 w 5704117"/>
+              <a:gd name="connsiteY5" fmla="*/ 4732407 h 6096000"/>
+              <a:gd name="connsiteX6" fmla="*/ 93046 w 5704117"/>
+              <a:gd name="connsiteY6" fmla="*/ 6082857 h 6096000"/>
+              <a:gd name="connsiteX7" fmla="*/ 0 w 5704117"/>
+              <a:gd name="connsiteY7" fmla="*/ 6078450 h 6096000"/>
+              <a:gd name="connsiteX0" fmla="*/ 4562795 w 5704117"/>
+              <a:gd name="connsiteY0" fmla="*/ 0 h 6096000"/>
+              <a:gd name="connsiteX1" fmla="*/ 4721192 w 5704117"/>
+              <a:gd name="connsiteY1" fmla="*/ 133595 h 6096000"/>
+              <a:gd name="connsiteX2" fmla="*/ 5467522 w 5704117"/>
+              <a:gd name="connsiteY2" fmla="*/ 1054328 h 6096000"/>
+              <a:gd name="connsiteX3" fmla="*/ 5538873 w 5704117"/>
+              <a:gd name="connsiteY3" fmla="*/ 2897564 h 6096000"/>
+              <a:gd name="connsiteX4" fmla="*/ 4442050 w 5704117"/>
+              <a:gd name="connsiteY4" fmla="*/ 4732407 h 6096000"/>
+              <a:gd name="connsiteX5" fmla="*/ 93046 w 5704117"/>
+              <a:gd name="connsiteY5" fmla="*/ 6082857 h 6096000"/>
+              <a:gd name="connsiteX6" fmla="*/ 0 w 5704117"/>
+              <a:gd name="connsiteY6" fmla="*/ 6078450 h 6096000"/>
+              <a:gd name="connsiteX7" fmla="*/ 91440 w 5704117"/>
+              <a:gd name="connsiteY7" fmla="*/ 91440 h 6096000"/>
+              <a:gd name="connsiteX0" fmla="*/ 4562795 w 5704117"/>
+              <a:gd name="connsiteY0" fmla="*/ 0 h 6096000"/>
+              <a:gd name="connsiteX1" fmla="*/ 4721192 w 5704117"/>
+              <a:gd name="connsiteY1" fmla="*/ 133595 h 6096000"/>
+              <a:gd name="connsiteX2" fmla="*/ 5467522 w 5704117"/>
+              <a:gd name="connsiteY2" fmla="*/ 1054328 h 6096000"/>
+              <a:gd name="connsiteX3" fmla="*/ 5538873 w 5704117"/>
+              <a:gd name="connsiteY3" fmla="*/ 2897564 h 6096000"/>
+              <a:gd name="connsiteX4" fmla="*/ 4442050 w 5704117"/>
+              <a:gd name="connsiteY4" fmla="*/ 4732407 h 6096000"/>
+              <a:gd name="connsiteX5" fmla="*/ 93046 w 5704117"/>
+              <a:gd name="connsiteY5" fmla="*/ 6082857 h 6096000"/>
+              <a:gd name="connsiteX6" fmla="*/ 0 w 5704117"/>
+              <a:gd name="connsiteY6" fmla="*/ 6078450 h 6096000"/>
+            </a:gdLst>
+            <a:ahLst/>
+            <a:cxnLst>
+              <a:cxn ang="0">
+                <a:pos x="connsiteX0" y="connsiteY0"/>
+              </a:cxn>
+              <a:cxn ang="0">
+                <a:pos x="connsiteX1" y="connsiteY1"/>
+              </a:cxn>
+              <a:cxn ang="0">
+                <a:pos x="connsiteX2" y="connsiteY2"/>
+              </a:cxn>
+              <a:cxn ang="0">
+                <a:pos x="connsiteX3" y="connsiteY3"/>
+              </a:cxn>
+              <a:cxn ang="0">
+                <a:pos x="connsiteX4" y="connsiteY4"/>
+              </a:cxn>
+              <a:cxn ang="0">
+                <a:pos x="connsiteX5" y="connsiteY5"/>
+              </a:cxn>
+              <a:cxn ang="0">
+                <a:pos x="connsiteX6" y="connsiteY6"/>
+              </a:cxn>
+            </a:cxnLst>
+            <a:rect l="l" t="t" r="r" b="b"/>
+            <a:pathLst>
+              <a:path w="5704117" h="6096000">
+                <a:moveTo>
+                  <a:pt x="4562795" y="0"/>
+                </a:moveTo>
+                <a:lnTo>
+                  <a:pt x="4721192" y="133595"/>
+                </a:lnTo>
+                <a:cubicBezTo>
+                  <a:pt x="5067135" y="440105"/>
+                  <a:pt x="5309779" y="747048"/>
+                  <a:pt x="5467522" y="1054328"/>
+                </a:cubicBezTo>
+                <a:cubicBezTo>
+                  <a:pt x="5782917" y="1668625"/>
+                  <a:pt x="5758242" y="2283795"/>
+                  <a:pt x="5538873" y="2897564"/>
+                </a:cubicBezTo>
+                <a:cubicBezTo>
+                  <a:pt x="5319500" y="3511334"/>
+                  <a:pt x="4905433" y="4123706"/>
+                  <a:pt x="4442050" y="4732407"/>
+                </a:cubicBezTo>
+                <a:cubicBezTo>
+                  <a:pt x="3499930" y="5970384"/>
+                  <a:pt x="1925433" y="6153690"/>
+                  <a:pt x="93046" y="6082857"/>
+                </a:cubicBezTo>
+                <a:lnTo>
+                  <a:pt x="0" y="6078450"/>
+                </a:lnTo>
+              </a:path>
+            </a:pathLst>
+          </a:custGeom>
+          <a:noFill/>
+          <a:ln w="19050">
+            <a:solidFill>
+              <a:schemeClr val="accent2">
+                <a:lumMod val="60000"/>
+                <a:lumOff val="40000"/>
+              </a:schemeClr>
+            </a:solidFill>
+          </a:ln>
+        </p:spPr>
+        <p:style>
+          <a:lnRef idx="2">
+            <a:schemeClr val="accent1">
+              <a:shade val="50000"/>
+            </a:schemeClr>
+          </a:lnRef>
+          <a:fillRef idx="1">
+            <a:schemeClr val="accent1"/>
+          </a:fillRef>
+          <a:effectRef idx="0">
+            <a:schemeClr val="accent1"/>
+          </a:effectRef>
+          <a:fontRef idx="minor">
+            <a:schemeClr val="lt1"/>
+          </a:fontRef>
+        </p:style>
+        <p:txBody>
+          <a:bodyPr wrap="square" rtlCol="0" anchor="ctr">
+            <a:noAutofit/>
+          </a:bodyPr>
+          <a:lstStyle/>
+          <a:p>
+            <a:pPr algn="ctr"/>
+            <a:endParaRPr lang="en-US">
+              <a:solidFill>
+                <a:prstClr val="white"/>
+              </a:solidFill>
+              <a:latin typeface="Avenir Next LT Pro Light"/>
+            </a:endParaRPr>
+          </a:p>
+        </p:txBody>
+      </p:sp>
+      <p:sp>
+        <p:nvSpPr>
+          <p:cNvPr id="3" name="Zástupný obsah 2">
+            <a:extLst>
+              <a:ext uri="{FF2B5EF4-FFF2-40B4-BE49-F238E27FC236}">
+                <a16:creationId xmlns:a16="http://schemas.microsoft.com/office/drawing/2014/main" xmlns="" id="{AE3AE686-D2D9-14CA-03EC-9509FF64BD49}"/>
+              </a:ext>
+            </a:extLst>
+          </p:cNvPr>
+          <p:cNvSpPr>
+            <a:spLocks noGrp="1"/>
+          </p:cNvSpPr>
+          <p:nvPr>
+            <p:ph idx="1"/>
+          </p:nvPr>
+        </p:nvSpPr>
+        <p:spPr>
+          <a:xfrm>
+            <a:off x="6096000" y="2286000"/>
+            <a:ext cx="5334000" cy="3810001"/>
+          </a:xfrm>
+        </p:spPr>
+        <p:txBody>
+          <a:bodyPr vert="horz" lIns="91440" tIns="45720" rIns="91440" bIns="45720" rtlCol="0">
+            <a:normAutofit/>
+          </a:bodyPr>
+          <a:lstStyle/>
+          <a:p>
+            <a:r>
+              <a:rPr lang="cs-CZ" sz="2400"/>
+              <a:t>Použití:</a:t>
+            </a:r>
+          </a:p>
+          <a:p>
+            <a:pPr marL="0" indent="0">
+              <a:buNone/>
+            </a:pPr>
+            <a:r>
+              <a:rPr lang="cs-CZ" sz="2400"/>
+              <a:t>Stavba telekomunikačních sítí</a:t>
+            </a:r>
+          </a:p>
+          <a:p>
+            <a:pPr marL="0" indent="0">
+              <a:buNone/>
+            </a:pPr>
+            <a:r>
+              <a:rPr lang="cs-CZ" sz="2400"/>
+              <a:t>Mohou být svázána do svazků</a:t>
+            </a:r>
+          </a:p>
+          <a:p>
+            <a:pPr marL="0" indent="0">
+              <a:buNone/>
+            </a:pPr>
+            <a:r>
+              <a:rPr lang="cs-CZ" sz="2400"/>
+              <a:t>Na dlouhé vzdálenosti</a:t>
+            </a:r>
+          </a:p>
+        </p:txBody>
+      </p:sp>
       <p:sp>
         <p:nvSpPr>
           <p:cNvPr id="2" name="Nadpis 1">
             <a:extLst>
               <a:ext uri="{FF2B5EF4-FFF2-40B4-BE49-F238E27FC236}">
-                <a16:creationId xmlns:a16="http://schemas.microsoft.com/office/drawing/2014/main" id="{AF6E73DE-3E12-0B12-767F-1ADB3E86F4CE}"/>
+                <a16:creationId xmlns:a16="http://schemas.microsoft.com/office/drawing/2014/main" xmlns="" id="{D50207AE-3383-3342-7F92-857602B8C706}"/>
               </a:ext>
             </a:extLst>
           </p:cNvPr>
@@ -4481,50 +8130,83 @@
             <p:ph type="title"/>
           </p:nvPr>
         </p:nvSpPr>
-        <p:spPr/>
+        <p:spPr>
+          <a:xfrm>
+            <a:off x="6096000" y="762000"/>
+            <a:ext cx="5334000" cy="1524000"/>
+          </a:xfrm>
+        </p:spPr>
         <p:txBody>
-          <a:bodyPr/>
+          <a:bodyPr>
+            <a:normAutofit/>
+          </a:bodyPr>
           <a:lstStyle/>
           <a:p>
-            <a:endParaRPr lang="cs-CZ"/>
+            <a:r>
+              <a:rPr lang="cs-CZ" sz="3200"/>
+              <a:t>Princip a použití</a:t>
+            </a:r>
           </a:p>
         </p:txBody>
       </p:sp>
       <p:sp>
         <p:nvSpPr>
-          <p:cNvPr id="3" name="Zástupný obsah 2">
-            <a:extLst>
-              <a:ext uri="{FF2B5EF4-FFF2-40B4-BE49-F238E27FC236}">
-                <a16:creationId xmlns:a16="http://schemas.microsoft.com/office/drawing/2014/main" id="{0E9F7AEB-7DEE-6873-3656-CCFF5B145D8C}"/>
-              </a:ext>
-            </a:extLst>
-          </p:cNvPr>
-          <p:cNvSpPr>
-            <a:spLocks noGrp="1"/>
-          </p:cNvSpPr>
-          <p:nvPr>
-            <p:ph idx="1"/>
-          </p:nvPr>
+          <p:cNvPr id="6" name="TextovéPole 5">
+            <a:extLst>
+              <a:ext uri="{FF2B5EF4-FFF2-40B4-BE49-F238E27FC236}">
+                <a16:creationId xmlns:a16="http://schemas.microsoft.com/office/drawing/2014/main" xmlns="" id="{B4512CD0-DECB-6610-1E1C-1DB2B8415FBC}"/>
+              </a:ext>
+            </a:extLst>
+          </p:cNvPr>
+          <p:cNvSpPr txBox="1"/>
+          <p:nvPr/>
         </p:nvSpPr>
-        <p:spPr/>
+        <p:spPr>
+          <a:xfrm>
+            <a:off x="334176" y="6386656"/>
+            <a:ext cx="1807661" cy="368370"/>
+          </a:xfrm>
+          <a:prstGeom prst="rect">
+            <a:avLst/>
+          </a:prstGeom>
+          <a:noFill/>
+        </p:spPr>
         <p:txBody>
-          <a:bodyPr/>
+          <a:bodyPr rot="0" spcFirstLastPara="0" vertOverflow="overflow" horzOverflow="overflow" vert="horz" wrap="square" lIns="91440" tIns="45720" rIns="91440" bIns="45720" numCol="1" spcCol="0" rtlCol="0" fromWordArt="0" anchor="t" anchorCtr="0" forceAA="0" compatLnSpc="1">
+            <a:prstTxWarp prst="textNoShape">
+              <a:avLst/>
+            </a:prstTxWarp>
+            <a:spAutoFit/>
+          </a:bodyPr>
           <a:lstStyle/>
           <a:p>
-            <a:endParaRPr lang="cs-CZ"/>
+            <a:r>
+              <a:rPr lang="cs-CZ" dirty="0"/>
+              <a:t>Obr. 4</a:t>
+            </a:r>
           </a:p>
         </p:txBody>
       </p:sp>
     </p:spTree>
     <p:extLst>
       <p:ext uri="{BB962C8B-B14F-4D97-AF65-F5344CB8AC3E}">
-        <p14:creationId xmlns:p14="http://schemas.microsoft.com/office/powerpoint/2010/main" val="3196623665"/>
+        <p14:creationId xmlns:p14="http://schemas.microsoft.com/office/powerpoint/2010/main" val="567057588"/>
       </p:ext>
     </p:extLst>
   </p:cSld>
   <p:clrMapOvr>
     <a:masterClrMapping/>
   </p:clrMapOvr>
+  <p:transition spd="slow" advTm="45000">
+    <p:wipe dir="d"/>
+  </p:transition>
+  <p:timing>
+    <p:tnLst>
+      <p:par>
+        <p:cTn id="1" dur="indefinite" restart="never" nodeType="tmRoot"/>
+      </p:par>
+    </p:tnLst>
+  </p:timing>
 </p:sld>
 </file>
 
@@ -4550,7 +8232,7 @@
           <p:cNvPr id="2" name="Nadpis 1">
             <a:extLst>
               <a:ext uri="{FF2B5EF4-FFF2-40B4-BE49-F238E27FC236}">
-                <a16:creationId xmlns:a16="http://schemas.microsoft.com/office/drawing/2014/main" id="{CB68A722-E6EE-B400-9820-8EF4CD3DC72B}"/>
+                <a16:creationId xmlns:a16="http://schemas.microsoft.com/office/drawing/2014/main" xmlns="" id="{D50207AE-3383-3342-7F92-857602B8C706}"/>
               </a:ext>
             </a:extLst>
           </p:cNvPr>
@@ -4566,7 +8248,22 @@
           <a:bodyPr/>
           <a:lstStyle/>
           <a:p>
-            <a:endParaRPr lang="cs-CZ"/>
+            <a:r>
+              <a:rPr lang="cs-CZ" dirty="0">
+                <a:solidFill>
+                  <a:schemeClr val="bg1"/>
+                </a:solidFill>
+              </a:rPr>
+              <a:t>Svařování a </a:t>
+            </a:r>
+            <a:r>
+              <a:rPr lang="cs-CZ" dirty="0" err="1">
+                <a:solidFill>
+                  <a:schemeClr val="bg1"/>
+                </a:solidFill>
+              </a:rPr>
+              <a:t>konektorování</a:t>
+            </a:r>
           </a:p>
         </p:txBody>
       </p:sp>
@@ -4575,7 +8272,7 @@
           <p:cNvPr id="3" name="Zástupný obsah 2">
             <a:extLst>
               <a:ext uri="{FF2B5EF4-FFF2-40B4-BE49-F238E27FC236}">
-                <a16:creationId xmlns:a16="http://schemas.microsoft.com/office/drawing/2014/main" id="{D305335C-A7FE-D08E-E009-D99DD8695787}"/>
+                <a16:creationId xmlns:a16="http://schemas.microsoft.com/office/drawing/2014/main" xmlns="" id="{AE3AE686-D2D9-14CA-03EC-9509FF64BD49}"/>
               </a:ext>
             </a:extLst>
           </p:cNvPr>
@@ -4586,25 +8283,114 @@
             <p:ph idx="1"/>
           </p:nvPr>
         </p:nvSpPr>
-        <p:spPr/>
+        <p:spPr>
+          <a:xfrm>
+            <a:off x="762000" y="2286000"/>
+            <a:ext cx="10668000" cy="4091252"/>
+          </a:xfrm>
+        </p:spPr>
         <p:txBody>
-          <a:bodyPr/>
+          <a:bodyPr vert="horz" lIns="91440" tIns="45720" rIns="91440" bIns="45720" rtlCol="0" anchor="t">
+            <a:normAutofit/>
+          </a:bodyPr>
           <a:lstStyle/>
           <a:p>
-            <a:endParaRPr lang="cs-CZ"/>
+            <a:r>
+              <a:rPr lang="cs-CZ" dirty="0">
+                <a:solidFill>
+                  <a:schemeClr val="bg1"/>
+                </a:solidFill>
+              </a:rPr>
+              <a:t>Pevné spoje : </a:t>
+            </a:r>
+          </a:p>
+          <a:p>
+            <a:pPr marL="0" indent="0">
+              <a:buNone/>
+            </a:pPr>
+            <a:r>
+              <a:rPr lang="cs-CZ" dirty="0">
+                <a:solidFill>
+                  <a:schemeClr val="bg1"/>
+                </a:solidFill>
+              </a:rPr>
+              <a:t>Tavné svařování</a:t>
+            </a:r>
+          </a:p>
+          <a:p>
+            <a:pPr marL="0" indent="0">
+              <a:buNone/>
+            </a:pPr>
+            <a:r>
+              <a:rPr lang="cs-CZ" dirty="0">
+                <a:solidFill>
+                  <a:schemeClr val="bg1"/>
+                </a:solidFill>
+              </a:rPr>
+              <a:t>Mechanické spojování</a:t>
+            </a:r>
+          </a:p>
+          <a:p>
+            <a:pPr marL="0" indent="0">
+              <a:buNone/>
+            </a:pPr>
+            <a:endParaRPr lang="cs-CZ" dirty="0">
+              <a:solidFill>
+                <a:schemeClr val="bg1"/>
+              </a:solidFill>
+            </a:endParaRPr>
+          </a:p>
+          <a:p>
+            <a:r>
+              <a:rPr lang="cs-CZ" dirty="0">
+                <a:solidFill>
+                  <a:schemeClr val="bg1"/>
+                </a:solidFill>
+              </a:rPr>
+              <a:t>Rozebíratelné spoje:</a:t>
+            </a:r>
+          </a:p>
+          <a:p>
+            <a:r>
+              <a:rPr lang="cs-CZ" dirty="0">
+                <a:solidFill>
+                  <a:schemeClr val="bg1"/>
+                </a:solidFill>
+              </a:rPr>
+              <a:t>Mechanické spojování</a:t>
+            </a:r>
           </a:p>
         </p:txBody>
       </p:sp>
     </p:spTree>
     <p:extLst>
       <p:ext uri="{BB962C8B-B14F-4D97-AF65-F5344CB8AC3E}">
-        <p14:creationId xmlns:p14="http://schemas.microsoft.com/office/powerpoint/2010/main" val="584310559"/>
+        <p14:creationId xmlns:p14="http://schemas.microsoft.com/office/powerpoint/2010/main" val="1414835074"/>
       </p:ext>
     </p:extLst>
   </p:cSld>
   <p:clrMapOvr>
     <a:masterClrMapping/>
   </p:clrMapOvr>
+  <mc:AlternateContent xmlns:mc="http://schemas.openxmlformats.org/markup-compatibility/2006">
+    <mc:Choice xmlns:p14="http://schemas.microsoft.com/office/powerpoint/2010/main" Requires="p14">
+      <p:transition spd="slow" p14:dur="1500" advTm="30000">
+        <p:split orient="vert"/>
+      </p:transition>
+    </mc:Choice>
+    <mc:Fallback>
+      <p:transition spd="slow" advTm="30000">
+        <p:split orient="vert"/>
+      </p:transition>
+    </mc:Fallback>
+  </mc:AlternateContent>
+  <p:timing>
+    <p:tnLst>
+      <p:par>
+        <p:cTn id="1" dur="indefinite" restart="never" nodeType="tmRoot"/>
+      </p:par>
+    </p:tnLst>
+  </p:timing>
 </p:sld>
 </file>
 
@@ -4630,7 +8416,7 @@
           <p:cNvPr id="2" name="Nadpis 1">
             <a:extLst>
               <a:ext uri="{FF2B5EF4-FFF2-40B4-BE49-F238E27FC236}">
-                <a16:creationId xmlns:a16="http://schemas.microsoft.com/office/drawing/2014/main" id="{9917B482-2013-CCAB-558D-4494C0D0DD78}"/>
+                <a16:creationId xmlns:a16="http://schemas.microsoft.com/office/drawing/2014/main" xmlns="" id="{D50207AE-3383-3342-7F92-857602B8C706}"/>
               </a:ext>
             </a:extLst>
           </p:cNvPr>
@@ -4646,7 +8432,22 @@
           <a:bodyPr/>
           <a:lstStyle/>
           <a:p>
-            <a:endParaRPr lang="cs-CZ"/>
+            <a:r>
+              <a:rPr lang="cs-CZ" dirty="0">
+                <a:solidFill>
+                  <a:schemeClr val="bg1"/>
+                </a:solidFill>
+              </a:rPr>
+              <a:t>Svařování a </a:t>
+            </a:r>
+            <a:r>
+              <a:rPr lang="cs-CZ" dirty="0" err="1">
+                <a:solidFill>
+                  <a:schemeClr val="bg1"/>
+                </a:solidFill>
+              </a:rPr>
+              <a:t>konektorování</a:t>
+            </a:r>
           </a:p>
         </p:txBody>
       </p:sp>
@@ -4655,7 +8456,7 @@
           <p:cNvPr id="3" name="Zástupný obsah 2">
             <a:extLst>
               <a:ext uri="{FF2B5EF4-FFF2-40B4-BE49-F238E27FC236}">
-                <a16:creationId xmlns:a16="http://schemas.microsoft.com/office/drawing/2014/main" id="{CD89A9ED-E850-CC68-7977-0F50D462810F}"/>
+                <a16:creationId xmlns:a16="http://schemas.microsoft.com/office/drawing/2014/main" xmlns="" id="{AE3AE686-D2D9-14CA-03EC-9509FF64BD49}"/>
               </a:ext>
             </a:extLst>
           </p:cNvPr>
@@ -4668,23 +8469,210 @@
         </p:nvSpPr>
         <p:spPr/>
         <p:txBody>
-          <a:bodyPr/>
+          <a:bodyPr vert="horz" lIns="91440" tIns="45720" rIns="91440" bIns="45720" rtlCol="0" anchor="t">
+            <a:normAutofit/>
+          </a:bodyPr>
           <a:lstStyle/>
           <a:p>
-            <a:endParaRPr lang="cs-CZ"/>
+            <a:pPr marL="457200" indent="-457200"/>
+            <a:r>
+              <a:rPr lang="cs-CZ" dirty="0">
+                <a:solidFill>
+                  <a:schemeClr val="bg1"/>
+                </a:solidFill>
+              </a:rPr>
+              <a:t>Tavné svařování</a:t>
+            </a:r>
+          </a:p>
+          <a:p>
+            <a:pPr marL="0" indent="0">
+              <a:buNone/>
+            </a:pPr>
+            <a:r>
+              <a:rPr lang="cs-CZ" dirty="0">
+                <a:solidFill>
+                  <a:schemeClr val="bg1"/>
+                </a:solidFill>
+              </a:rPr>
+              <a:t>Nejkvalitnější spoj </a:t>
+            </a:r>
+          </a:p>
+          <a:p>
+            <a:pPr marL="0" indent="0">
+              <a:buNone/>
+            </a:pPr>
+            <a:r>
+              <a:rPr lang="cs-CZ" dirty="0">
+                <a:solidFill>
+                  <a:schemeClr val="bg1"/>
+                </a:solidFill>
+              </a:rPr>
+              <a:t>Nejjednodušší</a:t>
+            </a:r>
+          </a:p>
+          <a:p>
+            <a:pPr marL="0" indent="0">
+              <a:buNone/>
+            </a:pPr>
+            <a:r>
+              <a:rPr lang="cs-CZ" dirty="0">
+                <a:solidFill>
+                  <a:schemeClr val="bg1"/>
+                </a:solidFill>
+              </a:rPr>
+              <a:t>Svařování elektrickým obloukem</a:t>
+            </a:r>
+          </a:p>
+          <a:p>
+            <a:endParaRPr lang="cs-CZ" dirty="0">
+              <a:solidFill>
+                <a:schemeClr val="bg1"/>
+              </a:solidFill>
+            </a:endParaRPr>
+          </a:p>
+        </p:txBody>
+      </p:sp>
+      <p:sp>
+        <p:nvSpPr>
+          <p:cNvPr id="5" name="TextovéPole 4">
+            <a:extLst>
+              <a:ext uri="{FF2B5EF4-FFF2-40B4-BE49-F238E27FC236}">
+                <a16:creationId xmlns:a16="http://schemas.microsoft.com/office/drawing/2014/main" xmlns="" id="{48564D02-3C7C-7350-BA27-9E7CB507FC15}"/>
+              </a:ext>
+            </a:extLst>
+          </p:cNvPr>
+          <p:cNvSpPr txBox="1"/>
+          <p:nvPr/>
+        </p:nvSpPr>
+        <p:spPr>
+          <a:xfrm>
+            <a:off x="9464841" y="5026526"/>
+            <a:ext cx="1577473" cy="369332"/>
+          </a:xfrm>
+          <a:prstGeom prst="rect">
+            <a:avLst/>
+          </a:prstGeom>
+          <a:noFill/>
+        </p:spPr>
+        <p:txBody>
+          <a:bodyPr rot="0" spcFirstLastPara="0" vertOverflow="overflow" horzOverflow="overflow" vert="horz" wrap="square" lIns="91440" tIns="45720" rIns="91440" bIns="45720" numCol="1" spcCol="0" rtlCol="0" fromWordArt="0" anchor="t" anchorCtr="0" forceAA="0" compatLnSpc="1">
+            <a:prstTxWarp prst="textNoShape">
+              <a:avLst/>
+            </a:prstTxWarp>
+            <a:spAutoFit/>
+          </a:bodyPr>
+          <a:lstStyle/>
+          <a:p>
+            <a:r>
+              <a:rPr lang="cs-CZ" dirty="0">
+                <a:solidFill>
+                  <a:schemeClr val="tx1">
+                    <a:lumMod val="65000"/>
+                  </a:schemeClr>
+                </a:solidFill>
+              </a:rPr>
+              <a:t>Obr. </a:t>
+            </a:r>
+          </a:p>
+        </p:txBody>
+      </p:sp>
+      <p:pic>
+        <p:nvPicPr>
+          <p:cNvPr id="6" name="Obrázek 6">
+            <a:extLst>
+              <a:ext uri="{FF2B5EF4-FFF2-40B4-BE49-F238E27FC236}">
+                <a16:creationId xmlns:a16="http://schemas.microsoft.com/office/drawing/2014/main" xmlns="" id="{334CF193-693A-F5C2-0B5D-72387D8D1228}"/>
+              </a:ext>
+            </a:extLst>
+          </p:cNvPr>
+          <p:cNvPicPr>
+            <a:picLocks noChangeAspect="1"/>
+          </p:cNvPicPr>
+          <p:nvPr/>
+        </p:nvPicPr>
+        <p:blipFill>
+          <a:blip r:embed="rId2"/>
+          <a:stretch>
+            <a:fillRect/>
+          </a:stretch>
+        </p:blipFill>
+        <p:spPr>
+          <a:xfrm>
+            <a:off x="7197306" y="2150777"/>
+            <a:ext cx="5000445" cy="2973389"/>
+          </a:xfrm>
+          <a:prstGeom prst="rect">
+            <a:avLst/>
+          </a:prstGeom>
+        </p:spPr>
+      </p:pic>
+      <p:sp>
+        <p:nvSpPr>
+          <p:cNvPr id="21" name="TextovéPole 20">
+            <a:extLst>
+              <a:ext uri="{FF2B5EF4-FFF2-40B4-BE49-F238E27FC236}">
+                <a16:creationId xmlns:a16="http://schemas.microsoft.com/office/drawing/2014/main" xmlns="" id="{416F9E01-EEFA-24DF-333F-BB11B026E8D7}"/>
+              </a:ext>
+            </a:extLst>
+          </p:cNvPr>
+          <p:cNvSpPr txBox="1"/>
+          <p:nvPr/>
+        </p:nvSpPr>
+        <p:spPr>
+          <a:xfrm>
+            <a:off x="10458168" y="5207324"/>
+            <a:ext cx="1791729" cy="369332"/>
+          </a:xfrm>
+          <a:prstGeom prst="rect">
+            <a:avLst/>
+          </a:prstGeom>
+          <a:noFill/>
+        </p:spPr>
+        <p:txBody>
+          <a:bodyPr rot="0" spcFirstLastPara="0" vertOverflow="overflow" horzOverflow="overflow" vert="horz" wrap="square" lIns="91440" tIns="45720" rIns="91440" bIns="45720" numCol="1" spcCol="0" rtlCol="0" fromWordArt="0" anchor="t" anchorCtr="0" forceAA="0" compatLnSpc="1">
+            <a:prstTxWarp prst="textNoShape">
+              <a:avLst/>
+            </a:prstTxWarp>
+            <a:spAutoFit/>
+          </a:bodyPr>
+          <a:lstStyle/>
+          <a:p>
+            <a:r>
+              <a:rPr lang="cs-CZ" dirty="0"/>
+              <a:t>Obr. 5</a:t>
+            </a:r>
           </a:p>
         </p:txBody>
       </p:sp>
     </p:spTree>
     <p:extLst>
       <p:ext uri="{BB962C8B-B14F-4D97-AF65-F5344CB8AC3E}">
-        <p14:creationId xmlns:p14="http://schemas.microsoft.com/office/powerpoint/2010/main" val="1626403449"/>
+        <p14:creationId xmlns:p14="http://schemas.microsoft.com/office/powerpoint/2010/main" val="2303779470"/>
       </p:ext>
     </p:extLst>
   </p:cSld>
   <p:clrMapOvr>
     <a:masterClrMapping/>
   </p:clrMapOvr>
+  <mc:AlternateContent xmlns:mc="http://schemas.openxmlformats.org/markup-compatibility/2006">
+    <mc:Choice xmlns:p14="http://schemas.microsoft.com/office/powerpoint/2010/main" Requires="p14">
+      <p:transition spd="med" p14:dur="700" advTm="60000">
+        <p:fade/>
+      </p:transition>
+    </mc:Choice>
+    <mc:Fallback>
+      <p:transition spd="med" advTm="60000">
+        <p:fade/>
+      </p:transition>
+    </mc:Fallback>
+  </mc:AlternateContent>
+  <p:timing>
+    <p:tnLst>
+      <p:par>
+        <p:cTn id="1" dur="indefinite" restart="never" nodeType="tmRoot"/>
+      </p:par>
+    </p:tnLst>
+  </p:timing>
 </p:sld>
 </file>
 
@@ -4710,7 +8698,7 @@
           <p:cNvPr id="2" name="Nadpis 1">
             <a:extLst>
               <a:ext uri="{FF2B5EF4-FFF2-40B4-BE49-F238E27FC236}">
-                <a16:creationId xmlns:a16="http://schemas.microsoft.com/office/drawing/2014/main" id="{EDD0ED9C-D09D-A8A5-3AA1-5AF5FFFFC7EF}"/>
+                <a16:creationId xmlns:a16="http://schemas.microsoft.com/office/drawing/2014/main" xmlns="" id="{DAE267DC-2B40-B685-FE0C-FB94CF535008}"/>
               </a:ext>
             </a:extLst>
           </p:cNvPr>
@@ -4726,7 +8714,22 @@
           <a:bodyPr/>
           <a:lstStyle/>
           <a:p>
-            <a:endParaRPr lang="cs-CZ"/>
+            <a:r>
+              <a:rPr lang="cs-CZ" dirty="0">
+                <a:solidFill>
+                  <a:schemeClr val="bg1"/>
+                </a:solidFill>
+              </a:rPr>
+              <a:t>Svařování a </a:t>
+            </a:r>
+            <a:r>
+              <a:rPr lang="cs-CZ" dirty="0" err="1">
+                <a:solidFill>
+                  <a:schemeClr val="bg1"/>
+                </a:solidFill>
+              </a:rPr>
+              <a:t>konektorování</a:t>
+            </a:r>
           </a:p>
         </p:txBody>
       </p:sp>
@@ -4735,7 +8738,7 @@
           <p:cNvPr id="3" name="Zástupný obsah 2">
             <a:extLst>
               <a:ext uri="{FF2B5EF4-FFF2-40B4-BE49-F238E27FC236}">
-                <a16:creationId xmlns:a16="http://schemas.microsoft.com/office/drawing/2014/main" id="{5DD38090-F386-A343-6EAA-222A8CA9E2D5}"/>
+                <a16:creationId xmlns:a16="http://schemas.microsoft.com/office/drawing/2014/main" xmlns="" id="{35AE633B-AC37-6946-8E1C-7122ABBE74D1}"/>
               </a:ext>
             </a:extLst>
           </p:cNvPr>
@@ -4748,23 +8751,164 @@
         </p:nvSpPr>
         <p:spPr/>
         <p:txBody>
-          <a:bodyPr/>
+          <a:bodyPr vert="horz" lIns="91440" tIns="45720" rIns="91440" bIns="45720" rtlCol="0" anchor="t">
+            <a:normAutofit/>
+          </a:bodyPr>
           <a:lstStyle/>
           <a:p>
-            <a:endParaRPr lang="cs-CZ"/>
+            <a:r>
+              <a:rPr lang="cs-CZ" dirty="0">
+                <a:solidFill>
+                  <a:schemeClr val="bg1"/>
+                </a:solidFill>
+              </a:rPr>
+              <a:t>Mechanické</a:t>
+            </a:r>
+            <a:r>
+              <a:rPr lang="cs-CZ" dirty="0">
+                <a:solidFill>
+                  <a:srgbClr val="FFFFFF">
+                    <a:alpha val="70000"/>
+                  </a:srgbClr>
+                </a:solidFill>
+              </a:rPr>
+              <a:t> </a:t>
+            </a:r>
+            <a:r>
+              <a:rPr lang="cs-CZ" dirty="0">
+                <a:solidFill>
+                  <a:schemeClr val="bg1"/>
+                </a:solidFill>
+              </a:rPr>
+              <a:t>spoje (</a:t>
+            </a:r>
+            <a:r>
+              <a:rPr lang="cs-CZ" dirty="0" err="1">
+                <a:solidFill>
+                  <a:schemeClr val="bg1"/>
+                </a:solidFill>
+              </a:rPr>
+              <a:t>konektorování</a:t>
+            </a:r>
+            <a:r>
+              <a:rPr lang="cs-CZ" dirty="0">
+                <a:solidFill>
+                  <a:schemeClr val="bg1"/>
+                </a:solidFill>
+              </a:rPr>
+              <a:t>)</a:t>
+            </a:r>
+          </a:p>
+          <a:p>
+            <a:r>
+              <a:rPr lang="cs-CZ" dirty="0">
+                <a:solidFill>
+                  <a:schemeClr val="bg1"/>
+                </a:solidFill>
+              </a:rPr>
+              <a:t>Předpokládá se opakované rozpojování a spojování</a:t>
+            </a:r>
+          </a:p>
+          <a:p>
+            <a:r>
+              <a:rPr lang="cs-CZ" dirty="0">
+                <a:solidFill>
+                  <a:schemeClr val="bg1"/>
+                </a:solidFill>
+              </a:rPr>
+              <a:t>Př: Čočkový systém</a:t>
+            </a:r>
+          </a:p>
+        </p:txBody>
+      </p:sp>
+      <p:pic>
+        <p:nvPicPr>
+          <p:cNvPr id="5" name="Obrázek 5">
+            <a:extLst>
+              <a:ext uri="{FF2B5EF4-FFF2-40B4-BE49-F238E27FC236}">
+                <a16:creationId xmlns:a16="http://schemas.microsoft.com/office/drawing/2014/main" xmlns="" id="{D9036774-773A-D511-6AE6-FA27B546E6C3}"/>
+              </a:ext>
+            </a:extLst>
+          </p:cNvPr>
+          <p:cNvPicPr>
+            <a:picLocks noChangeAspect="1"/>
+          </p:cNvPicPr>
+          <p:nvPr/>
+        </p:nvPicPr>
+        <p:blipFill>
+          <a:blip r:embed="rId2"/>
+          <a:stretch>
+            <a:fillRect/>
+          </a:stretch>
+        </p:blipFill>
+        <p:spPr>
+          <a:xfrm>
+            <a:off x="1604514" y="4311468"/>
+            <a:ext cx="9831236" cy="2231971"/>
+          </a:xfrm>
+          <a:prstGeom prst="rect">
+            <a:avLst/>
+          </a:prstGeom>
+        </p:spPr>
+      </p:pic>
+      <p:sp>
+        <p:nvSpPr>
+          <p:cNvPr id="6" name="TextovéPole 5">
+            <a:extLst>
+              <a:ext uri="{FF2B5EF4-FFF2-40B4-BE49-F238E27FC236}">
+                <a16:creationId xmlns:a16="http://schemas.microsoft.com/office/drawing/2014/main" xmlns="" id="{B6D8962C-D8CF-E253-6006-561D7E159814}"/>
+              </a:ext>
+            </a:extLst>
+          </p:cNvPr>
+          <p:cNvSpPr txBox="1"/>
+          <p:nvPr/>
+        </p:nvSpPr>
+        <p:spPr>
+          <a:xfrm>
+            <a:off x="10235513" y="3727622"/>
+            <a:ext cx="1400432" cy="369332"/>
+          </a:xfrm>
+          <a:prstGeom prst="rect">
+            <a:avLst/>
+          </a:prstGeom>
+          <a:noFill/>
+        </p:spPr>
+        <p:txBody>
+          <a:bodyPr rot="0" spcFirstLastPara="0" vertOverflow="overflow" horzOverflow="overflow" vert="horz" wrap="square" lIns="91440" tIns="45720" rIns="91440" bIns="45720" numCol="1" spcCol="0" rtlCol="0" fromWordArt="0" anchor="t" anchorCtr="0" forceAA="0" compatLnSpc="1">
+            <a:prstTxWarp prst="textNoShape">
+              <a:avLst/>
+            </a:prstTxWarp>
+            <a:spAutoFit/>
+          </a:bodyPr>
+          <a:lstStyle/>
+          <a:p>
+            <a:r>
+              <a:rPr lang="cs-CZ" dirty="0"/>
+              <a:t>Obr. 6</a:t>
+            </a:r>
           </a:p>
         </p:txBody>
       </p:sp>
     </p:spTree>
     <p:extLst>
       <p:ext uri="{BB962C8B-B14F-4D97-AF65-F5344CB8AC3E}">
-        <p14:creationId xmlns:p14="http://schemas.microsoft.com/office/powerpoint/2010/main" val="2045588723"/>
+        <p14:creationId xmlns:p14="http://schemas.microsoft.com/office/powerpoint/2010/main" val="1892695559"/>
       </p:ext>
     </p:extLst>
   </p:cSld>
   <p:clrMapOvr>
     <a:masterClrMapping/>
   </p:clrMapOvr>
+  <p:transition spd="slow" advTm="45000">
+    <p:wipe/>
+  </p:transition>
+  <p:timing>
+    <p:tnLst>
+      <p:par>
+        <p:cTn id="1" dur="indefinite" restart="never" nodeType="tmRoot"/>
+      </p:par>
+    </p:tnLst>
+  </p:timing>
 </p:sld>
 </file>
 
@@ -4790,247 +8934,7 @@
           <p:cNvPr id="2" name="Nadpis 1">
             <a:extLst>
               <a:ext uri="{FF2B5EF4-FFF2-40B4-BE49-F238E27FC236}">
-                <a16:creationId xmlns:a16="http://schemas.microsoft.com/office/drawing/2014/main" id="{850BAB14-6666-7B62-0DA8-F3BCF90DA6C8}"/>
-              </a:ext>
-            </a:extLst>
-          </p:cNvPr>
-          <p:cNvSpPr>
-            <a:spLocks noGrp="1"/>
-          </p:cNvSpPr>
-          <p:nvPr>
-            <p:ph type="title"/>
-          </p:nvPr>
-        </p:nvSpPr>
-        <p:spPr/>
-        <p:txBody>
-          <a:bodyPr/>
-          <a:lstStyle/>
-          <a:p>
-            <a:endParaRPr lang="cs-CZ"/>
-          </a:p>
-        </p:txBody>
-      </p:sp>
-      <p:sp>
-        <p:nvSpPr>
-          <p:cNvPr id="3" name="Zástupný obsah 2">
-            <a:extLst>
-              <a:ext uri="{FF2B5EF4-FFF2-40B4-BE49-F238E27FC236}">
-                <a16:creationId xmlns:a16="http://schemas.microsoft.com/office/drawing/2014/main" id="{E5558533-7791-8A05-730B-9E001F06AEB3}"/>
-              </a:ext>
-            </a:extLst>
-          </p:cNvPr>
-          <p:cNvSpPr>
-            <a:spLocks noGrp="1"/>
-          </p:cNvSpPr>
-          <p:nvPr>
-            <p:ph idx="1"/>
-          </p:nvPr>
-        </p:nvSpPr>
-        <p:spPr/>
-        <p:txBody>
-          <a:bodyPr/>
-          <a:lstStyle/>
-          <a:p>
-            <a:endParaRPr lang="cs-CZ"/>
-          </a:p>
-        </p:txBody>
-      </p:sp>
-    </p:spTree>
-    <p:extLst>
-      <p:ext uri="{BB962C8B-B14F-4D97-AF65-F5344CB8AC3E}">
-        <p14:creationId xmlns:p14="http://schemas.microsoft.com/office/powerpoint/2010/main" val="191705595"/>
-      </p:ext>
-    </p:extLst>
-  </p:cSld>
-  <p:clrMapOvr>
-    <a:masterClrMapping/>
-  </p:clrMapOvr>
-</p:sld>
-</file>
-
-<file path=ppt/slides/slide17.xml><?xml version="1.0" encoding="utf-8"?>
-<p:sld xmlns:a="http://schemas.openxmlformats.org/drawingml/2006/main" xmlns:r="http://schemas.openxmlformats.org/officeDocument/2006/relationships" xmlns:p="http://schemas.openxmlformats.org/presentationml/2006/main">
-  <p:cSld>
-    <p:spTree>
-      <p:nvGrpSpPr>
-        <p:cNvPr id="1" name=""/>
-        <p:cNvGrpSpPr/>
-        <p:nvPr/>
-      </p:nvGrpSpPr>
-      <p:grpSpPr>
-        <a:xfrm>
-          <a:off x="0" y="0"/>
-          <a:ext cx="0" cy="0"/>
-          <a:chOff x="0" y="0"/>
-          <a:chExt cx="0" cy="0"/>
-        </a:xfrm>
-      </p:grpSpPr>
-      <p:sp>
-        <p:nvSpPr>
-          <p:cNvPr id="2" name="Nadpis 1">
-            <a:extLst>
-              <a:ext uri="{FF2B5EF4-FFF2-40B4-BE49-F238E27FC236}">
-                <a16:creationId xmlns:a16="http://schemas.microsoft.com/office/drawing/2014/main" id="{DDA2CD09-7D23-C4BF-CC48-1B972C9D9268}"/>
-              </a:ext>
-            </a:extLst>
-          </p:cNvPr>
-          <p:cNvSpPr>
-            <a:spLocks noGrp="1"/>
-          </p:cNvSpPr>
-          <p:nvPr>
-            <p:ph type="title"/>
-          </p:nvPr>
-        </p:nvSpPr>
-        <p:spPr/>
-        <p:txBody>
-          <a:bodyPr/>
-          <a:lstStyle/>
-          <a:p>
-            <a:endParaRPr lang="cs-CZ"/>
-          </a:p>
-        </p:txBody>
-      </p:sp>
-      <p:sp>
-        <p:nvSpPr>
-          <p:cNvPr id="3" name="Zástupný obsah 2">
-            <a:extLst>
-              <a:ext uri="{FF2B5EF4-FFF2-40B4-BE49-F238E27FC236}">
-                <a16:creationId xmlns:a16="http://schemas.microsoft.com/office/drawing/2014/main" id="{21D5BF1E-DA74-9B21-BD8C-4CCB52E1641A}"/>
-              </a:ext>
-            </a:extLst>
-          </p:cNvPr>
-          <p:cNvSpPr>
-            <a:spLocks noGrp="1"/>
-          </p:cNvSpPr>
-          <p:nvPr>
-            <p:ph idx="1"/>
-          </p:nvPr>
-        </p:nvSpPr>
-        <p:spPr/>
-        <p:txBody>
-          <a:bodyPr/>
-          <a:lstStyle/>
-          <a:p>
-            <a:endParaRPr lang="cs-CZ"/>
-          </a:p>
-        </p:txBody>
-      </p:sp>
-    </p:spTree>
-    <p:extLst>
-      <p:ext uri="{BB962C8B-B14F-4D97-AF65-F5344CB8AC3E}">
-        <p14:creationId xmlns:p14="http://schemas.microsoft.com/office/powerpoint/2010/main" val="1320665137"/>
-      </p:ext>
-    </p:extLst>
-  </p:cSld>
-  <p:clrMapOvr>
-    <a:masterClrMapping/>
-  </p:clrMapOvr>
-</p:sld>
-</file>
-
-<file path=ppt/slides/slide18.xml><?xml version="1.0" encoding="utf-8"?>
-<p:sld xmlns:a="http://schemas.openxmlformats.org/drawingml/2006/main" xmlns:r="http://schemas.openxmlformats.org/officeDocument/2006/relationships" xmlns:p="http://schemas.openxmlformats.org/presentationml/2006/main">
-  <p:cSld>
-    <p:spTree>
-      <p:nvGrpSpPr>
-        <p:cNvPr id="1" name=""/>
-        <p:cNvGrpSpPr/>
-        <p:nvPr/>
-      </p:nvGrpSpPr>
-      <p:grpSpPr>
-        <a:xfrm>
-          <a:off x="0" y="0"/>
-          <a:ext cx="0" cy="0"/>
-          <a:chOff x="0" y="0"/>
-          <a:chExt cx="0" cy="0"/>
-        </a:xfrm>
-      </p:grpSpPr>
-      <p:sp>
-        <p:nvSpPr>
-          <p:cNvPr id="2" name="Nadpis 1">
-            <a:extLst>
-              <a:ext uri="{FF2B5EF4-FFF2-40B4-BE49-F238E27FC236}">
-                <a16:creationId xmlns:a16="http://schemas.microsoft.com/office/drawing/2014/main" id="{7FFCFB25-9CCF-3C14-90D5-BA8B56C072AE}"/>
-              </a:ext>
-            </a:extLst>
-          </p:cNvPr>
-          <p:cNvSpPr>
-            <a:spLocks noGrp="1"/>
-          </p:cNvSpPr>
-          <p:nvPr>
-            <p:ph type="title"/>
-          </p:nvPr>
-        </p:nvSpPr>
-        <p:spPr/>
-        <p:txBody>
-          <a:bodyPr/>
-          <a:lstStyle/>
-          <a:p>
-            <a:endParaRPr lang="cs-CZ"/>
-          </a:p>
-        </p:txBody>
-      </p:sp>
-      <p:sp>
-        <p:nvSpPr>
-          <p:cNvPr id="3" name="Zástupný obsah 2">
-            <a:extLst>
-              <a:ext uri="{FF2B5EF4-FFF2-40B4-BE49-F238E27FC236}">
-                <a16:creationId xmlns:a16="http://schemas.microsoft.com/office/drawing/2014/main" id="{2A2A03BD-F312-6E01-D55C-2A2E61B61079}"/>
-              </a:ext>
-            </a:extLst>
-          </p:cNvPr>
-          <p:cNvSpPr>
-            <a:spLocks noGrp="1"/>
-          </p:cNvSpPr>
-          <p:nvPr>
-            <p:ph idx="1"/>
-          </p:nvPr>
-        </p:nvSpPr>
-        <p:spPr/>
-        <p:txBody>
-          <a:bodyPr/>
-          <a:lstStyle/>
-          <a:p>
-            <a:endParaRPr lang="cs-CZ"/>
-          </a:p>
-        </p:txBody>
-      </p:sp>
-    </p:spTree>
-    <p:extLst>
-      <p:ext uri="{BB962C8B-B14F-4D97-AF65-F5344CB8AC3E}">
-        <p14:creationId xmlns:p14="http://schemas.microsoft.com/office/powerpoint/2010/main" val="1101778802"/>
-      </p:ext>
-    </p:extLst>
-  </p:cSld>
-  <p:clrMapOvr>
-    <a:masterClrMapping/>
-  </p:clrMapOvr>
-</p:sld>
-</file>
-
-<file path=ppt/slides/slide19.xml><?xml version="1.0" encoding="utf-8"?>
-<p:sld xmlns:a="http://schemas.openxmlformats.org/drawingml/2006/main" xmlns:r="http://schemas.openxmlformats.org/officeDocument/2006/relationships" xmlns:p="http://schemas.openxmlformats.org/presentationml/2006/main">
-  <p:cSld>
-    <p:spTree>
-      <p:nvGrpSpPr>
-        <p:cNvPr id="1" name=""/>
-        <p:cNvGrpSpPr/>
-        <p:nvPr/>
-      </p:nvGrpSpPr>
-      <p:grpSpPr>
-        <a:xfrm>
-          <a:off x="0" y="0"/>
-          <a:ext cx="0" cy="0"/>
-          <a:chOff x="0" y="0"/>
-          <a:chExt cx="0" cy="0"/>
-        </a:xfrm>
-      </p:grpSpPr>
-      <p:sp>
-        <p:nvSpPr>
-          <p:cNvPr id="2" name="Nadpis 1">
-            <a:extLst>
-              <a:ext uri="{FF2B5EF4-FFF2-40B4-BE49-F238E27FC236}">
-                <a16:creationId xmlns:a16="http://schemas.microsoft.com/office/drawing/2014/main" id="{B07702D7-CE3B-96A1-A860-E3344CD3E52A}"/>
+                <a16:creationId xmlns:a16="http://schemas.microsoft.com/office/drawing/2014/main" xmlns="" id="{B07702D7-CE3B-96A1-A860-E3344CD3E52A}"/>
               </a:ext>
             </a:extLst>
           </p:cNvPr>
@@ -5052,7 +8956,7 @@
           <a:lstStyle/>
           <a:p>
             <a:r>
-              <a:rPr lang="cs-CZ" sz="5400" dirty="0">
+              <a:rPr lang="cs-CZ" sz="5400" dirty="0" smtClean="0">
                 <a:solidFill>
                   <a:schemeClr val="bg1">
                     <a:lumMod val="95000"/>
@@ -5060,7 +8964,7 @@
                   </a:schemeClr>
                 </a:solidFill>
               </a:rPr>
-              <a:t>Zdroje a Citace</a:t>
+              <a:t>Zdroje</a:t>
             </a:r>
             <a:endParaRPr lang="cs-CZ" dirty="0"/>
           </a:p>
@@ -5071,7 +8975,7 @@
           <p:cNvPr id="3" name="Zástupný obsah 2">
             <a:extLst>
               <a:ext uri="{FF2B5EF4-FFF2-40B4-BE49-F238E27FC236}">
-                <a16:creationId xmlns:a16="http://schemas.microsoft.com/office/drawing/2014/main" id="{3491DDC6-24AE-2047-AB6C-742D4E83D95A}"/>
+                <a16:creationId xmlns:a16="http://schemas.microsoft.com/office/drawing/2014/main" xmlns="" id="{3491DDC6-24AE-2047-AB6C-742D4E83D95A}"/>
               </a:ext>
             </a:extLst>
           </p:cNvPr>
@@ -5082,12 +8986,183 @@
             <p:ph idx="1"/>
           </p:nvPr>
         </p:nvSpPr>
-        <p:spPr/>
+        <p:spPr>
+          <a:xfrm>
+            <a:off x="762000" y="2286000"/>
+            <a:ext cx="10668000" cy="4355432"/>
+          </a:xfrm>
+        </p:spPr>
         <p:txBody>
-          <a:bodyPr/>
+          <a:bodyPr vert="horz" lIns="91440" tIns="45720" rIns="91440" bIns="45720" rtlCol="0" anchor="t">
+            <a:normAutofit/>
+          </a:bodyPr>
           <a:lstStyle/>
           <a:p>
-            <a:endParaRPr lang="cs-CZ"/>
+            <a:r>
+              <a:rPr lang="cs-CZ" sz="2000" dirty="0" smtClean="0">
+                <a:solidFill>
+                  <a:schemeClr val="bg1"/>
+                </a:solidFill>
+                <a:hlinkClick r:id="rId2"/>
+              </a:rPr>
+              <a:t>Obr.1</a:t>
+            </a:r>
+            <a:endParaRPr lang="cs-CZ" sz="2000" dirty="0" smtClean="0">
+              <a:solidFill>
+                <a:schemeClr val="bg1"/>
+              </a:solidFill>
+            </a:endParaRPr>
+          </a:p>
+          <a:p>
+            <a:r>
+              <a:rPr lang="cs-CZ" sz="2000" dirty="0" smtClean="0">
+                <a:solidFill>
+                  <a:schemeClr val="bg1"/>
+                </a:solidFill>
+                <a:hlinkClick r:id="rId3"/>
+              </a:rPr>
+              <a:t>Obr.2</a:t>
+            </a:r>
+            <a:endParaRPr lang="cs-CZ" sz="2000" dirty="0" smtClean="0">
+              <a:solidFill>
+                <a:schemeClr val="bg1"/>
+              </a:solidFill>
+            </a:endParaRPr>
+          </a:p>
+          <a:p>
+            <a:r>
+              <a:rPr lang="cs-CZ" sz="2000" dirty="0" smtClean="0">
+                <a:solidFill>
+                  <a:schemeClr val="bg1"/>
+                </a:solidFill>
+                <a:hlinkClick r:id="rId4"/>
+              </a:rPr>
+              <a:t>Obr.3</a:t>
+            </a:r>
+            <a:endParaRPr lang="cs-CZ" sz="2000" dirty="0" smtClean="0">
+              <a:solidFill>
+                <a:schemeClr val="bg1"/>
+              </a:solidFill>
+            </a:endParaRPr>
+          </a:p>
+          <a:p>
+            <a:r>
+              <a:rPr lang="cs-CZ" sz="2000" dirty="0" smtClean="0">
+                <a:solidFill>
+                  <a:schemeClr val="bg1"/>
+                </a:solidFill>
+                <a:hlinkClick r:id="rId5"/>
+              </a:rPr>
+              <a:t>Obr.4</a:t>
+            </a:r>
+            <a:endParaRPr lang="cs-CZ" sz="2000" dirty="0" smtClean="0">
+              <a:solidFill>
+                <a:schemeClr val="bg1"/>
+              </a:solidFill>
+            </a:endParaRPr>
+          </a:p>
+          <a:p>
+            <a:r>
+              <a:rPr lang="cs-CZ" sz="2000" dirty="0" smtClean="0">
+                <a:solidFill>
+                  <a:schemeClr val="bg1"/>
+                </a:solidFill>
+                <a:hlinkClick r:id="rId6"/>
+              </a:rPr>
+              <a:t>Obr.5</a:t>
+            </a:r>
+            <a:endParaRPr lang="cs-CZ" sz="2000" dirty="0" smtClean="0">
+              <a:solidFill>
+                <a:schemeClr val="bg1"/>
+              </a:solidFill>
+            </a:endParaRPr>
+          </a:p>
+          <a:p>
+            <a:r>
+              <a:rPr lang="cs-CZ" sz="2000" dirty="0" smtClean="0">
+                <a:solidFill>
+                  <a:schemeClr val="bg1"/>
+                </a:solidFill>
+                <a:hlinkClick r:id="rId7"/>
+              </a:rPr>
+              <a:t>Obr.6</a:t>
+            </a:r>
+            <a:endParaRPr lang="cs-CZ" sz="2000" dirty="0" smtClean="0">
+              <a:solidFill>
+                <a:schemeClr val="bg1"/>
+              </a:solidFill>
+            </a:endParaRPr>
+          </a:p>
+          <a:p>
+            <a:r>
+              <a:rPr lang="cs-CZ" sz="2000" dirty="0">
+                <a:solidFill>
+                  <a:schemeClr val="bg1"/>
+                </a:solidFill>
+                <a:hlinkClick r:id="rId8"/>
+              </a:rPr>
+              <a:t>https://</a:t>
+            </a:r>
+            <a:r>
+              <a:rPr lang="cs-CZ" sz="2000" dirty="0" smtClean="0">
+                <a:solidFill>
+                  <a:schemeClr val="bg1"/>
+                </a:solidFill>
+                <a:hlinkClick r:id="rId8"/>
+              </a:rPr>
+              <a:t>cs.wikipedia.org/wiki/Optick%C3%A9_vl%C3%A1kno</a:t>
+            </a:r>
+            <a:endParaRPr lang="cs-CZ" sz="2000" dirty="0" smtClean="0">
+              <a:solidFill>
+                <a:schemeClr val="bg1"/>
+              </a:solidFill>
+            </a:endParaRPr>
+          </a:p>
+          <a:p>
+            <a:r>
+              <a:rPr lang="cs-CZ" sz="2000" dirty="0">
+                <a:solidFill>
+                  <a:schemeClr val="bg1"/>
+                </a:solidFill>
+                <a:hlinkClick r:id="rId9"/>
+              </a:rPr>
+              <a:t>https://</a:t>
+            </a:r>
+            <a:r>
+              <a:rPr lang="cs-CZ" sz="2000" dirty="0" smtClean="0">
+                <a:solidFill>
+                  <a:schemeClr val="bg1"/>
+                </a:solidFill>
+                <a:hlinkClick r:id="rId9"/>
+              </a:rPr>
+              <a:t>publi.cz/books/185/09.html</a:t>
+            </a:r>
+            <a:endParaRPr lang="cs-CZ" sz="2000" dirty="0" smtClean="0">
+              <a:solidFill>
+                <a:schemeClr val="bg1"/>
+              </a:solidFill>
+            </a:endParaRPr>
+          </a:p>
+          <a:p>
+            <a:endParaRPr lang="cs-CZ" sz="2000" dirty="0" smtClean="0">
+              <a:solidFill>
+                <a:schemeClr val="bg1"/>
+              </a:solidFill>
+            </a:endParaRPr>
+          </a:p>
+          <a:p>
+            <a:endParaRPr lang="cs-CZ" sz="2000" dirty="0" smtClean="0">
+              <a:solidFill>
+                <a:schemeClr val="bg1"/>
+              </a:solidFill>
+            </a:endParaRPr>
+          </a:p>
+          <a:p>
+            <a:endParaRPr lang="cs-CZ" dirty="0">
+              <a:solidFill>
+                <a:schemeClr val="bg1"/>
+              </a:solidFill>
+            </a:endParaRPr>
           </a:p>
         </p:txBody>
       </p:sp>
@@ -5101,12 +9176,39 @@
   <p:clrMapOvr>
     <a:masterClrMapping/>
   </p:clrMapOvr>
+  <mc:AlternateContent xmlns:mc="http://schemas.openxmlformats.org/markup-compatibility/2006">
+    <mc:Choice xmlns:p14="http://schemas.microsoft.com/office/powerpoint/2010/main" Requires="p14">
+      <p:transition spd="med" p14:dur="700">
+        <p:fade/>
+      </p:transition>
+    </mc:Choice>
+    <mc:Fallback>
+      <p:transition spd="med">
+        <p:fade/>
+      </p:transition>
+    </mc:Fallback>
+  </mc:AlternateContent>
+  <p:timing>
+    <p:tnLst>
+      <p:par>
+        <p:cTn id="1" dur="indefinite" restart="never" nodeType="tmRoot"/>
+      </p:par>
+    </p:tnLst>
+  </p:timing>
 </p:sld>
 </file>
 
-<file path=ppt/slides/slide2.xml><?xml version="1.0" encoding="utf-8"?>
+<file path=ppt/slides/slide17.xml><?xml version="1.0" encoding="utf-8"?>
 <p:sld xmlns:a="http://schemas.openxmlformats.org/drawingml/2006/main" xmlns:r="http://schemas.openxmlformats.org/officeDocument/2006/relationships" xmlns:p="http://schemas.openxmlformats.org/presentationml/2006/main">
   <p:cSld>
+    <p:bg>
+      <p:bgPr>
+        <a:solidFill>
+          <a:schemeClr val="bg2"/>
+        </a:solidFill>
+        <a:effectLst/>
+      </p:bgPr>
+    </p:bg>
     <p:spTree>
       <p:nvGrpSpPr>
         <p:cNvPr id="1" name=""/>
@@ -5121,12 +9223,663 @@
           <a:chExt cx="0" cy="0"/>
         </a:xfrm>
       </p:grpSpPr>
+      <p:sp useBgFill="1">
+        <p:nvSpPr>
+          <p:cNvPr id="8" name="Rectangle 7">
+            <a:extLst>
+              <a:ext uri="{FF2B5EF4-FFF2-40B4-BE49-F238E27FC236}">
+                <a16:creationId xmlns:a16="http://schemas.microsoft.com/office/drawing/2014/main" xmlns="" id="{987A0FBA-CC04-4256-A8EB-BB3C543E989C}"/>
+              </a:ext>
+              <a:ext uri="{C183D7F6-B498-43B3-948B-1728B52AA6E4}">
+                <adec:decorative xmlns:adec="http://schemas.microsoft.com/office/drawing/2017/decorative" xmlns="" val="1"/>
+              </a:ext>
+            </a:extLst>
+          </p:cNvPr>
+          <p:cNvSpPr>
+            <a:spLocks noGrp="1" noRot="1" noChangeAspect="1" noMove="1" noResize="1" noEditPoints="1" noAdjustHandles="1" noChangeArrowheads="1" noChangeShapeType="1" noTextEdit="1"/>
+          </p:cNvSpPr>
+          <p:nvPr>
+            <p:extLst>
+              <p:ext uri="{386F3935-93C4-4BCD-93E2-E3B085C9AB24}">
+                <p16:designElem xmlns:p16="http://schemas.microsoft.com/office/powerpoint/2015/main" xmlns="" val="1"/>
+              </p:ext>
+            </p:extLst>
+          </p:nvPr>
+        </p:nvSpPr>
+        <p:spPr>
+          <a:xfrm>
+            <a:off x="0" y="0"/>
+            <a:ext cx="12192000" cy="6858000"/>
+          </a:xfrm>
+          <a:prstGeom prst="rect">
+            <a:avLst/>
+          </a:prstGeom>
+          <a:ln w="12700" cap="flat" cmpd="sng" algn="ctr">
+            <a:noFill/>
+            <a:prstDash val="solid"/>
+            <a:miter lim="800000"/>
+          </a:ln>
+          <a:effectLst/>
+          <a:extLst>
+            <a:ext uri="{91240B29-F687-4F45-9708-019B960494DF}">
+              <a14:hiddenLine xmlns:a14="http://schemas.microsoft.com/office/drawing/2010/main" w="12700" cap="flat" cmpd="sng" algn="ctr">
+                <a:solidFill>
+                  <a:schemeClr val="accent1">
+                    <a:shade val="50000"/>
+                  </a:schemeClr>
+                </a:solidFill>
+                <a:prstDash val="solid"/>
+                <a:miter lim="800000"/>
+              </a14:hiddenLine>
+            </a:ext>
+          </a:extLst>
+        </p:spPr>
+        <p:style>
+          <a:lnRef idx="2">
+            <a:schemeClr val="accent1">
+              <a:shade val="50000"/>
+            </a:schemeClr>
+          </a:lnRef>
+          <a:fillRef idx="1">
+            <a:schemeClr val="accent1"/>
+          </a:fillRef>
+          <a:effectRef idx="0">
+            <a:schemeClr val="accent1"/>
+          </a:effectRef>
+          <a:fontRef idx="minor">
+            <a:schemeClr val="lt1"/>
+          </a:fontRef>
+        </p:style>
+        <p:txBody>
+          <a:bodyPr rtlCol="0" anchor="ctr"/>
+          <a:lstStyle/>
+          <a:p>
+            <a:pPr algn="ctr"/>
+            <a:endParaRPr lang="en-US"/>
+          </a:p>
+        </p:txBody>
+      </p:sp>
+      <p:sp>
+        <p:nvSpPr>
+          <p:cNvPr id="10" name="Freeform: Shape 9">
+            <a:extLst>
+              <a:ext uri="{FF2B5EF4-FFF2-40B4-BE49-F238E27FC236}">
+                <a16:creationId xmlns:a16="http://schemas.microsoft.com/office/drawing/2014/main" xmlns="" id="{605804E6-08AA-49E9-AD30-149FDD3DD4F5}"/>
+              </a:ext>
+              <a:ext uri="{C183D7F6-B498-43B3-948B-1728B52AA6E4}">
+                <adec:decorative xmlns:adec="http://schemas.microsoft.com/office/drawing/2017/decorative" xmlns="" val="1"/>
+              </a:ext>
+            </a:extLst>
+          </p:cNvPr>
+          <p:cNvSpPr>
+            <a:spLocks noGrp="1" noRot="1" noChangeAspect="1" noMove="1" noResize="1" noEditPoints="1" noAdjustHandles="1" noChangeArrowheads="1" noChangeShapeType="1" noTextEdit="1"/>
+          </p:cNvSpPr>
+          <p:nvPr>
+            <p:extLst>
+              <p:ext uri="{386F3935-93C4-4BCD-93E2-E3B085C9AB24}">
+                <p16:designElem xmlns:p16="http://schemas.microsoft.com/office/powerpoint/2015/main" xmlns="" val="1"/>
+              </p:ext>
+            </p:extLst>
+          </p:nvPr>
+        </p:nvSpPr>
+        <p:spPr>
+          <a:xfrm>
+            <a:off x="743802" y="832508"/>
+            <a:ext cx="4448352" cy="6025492"/>
+          </a:xfrm>
+          <a:custGeom>
+            <a:avLst/>
+            <a:gdLst>
+              <a:gd name="connsiteX0" fmla="*/ 3173139 w 4448352"/>
+              <a:gd name="connsiteY0" fmla="*/ 74 h 6025492"/>
+              <a:gd name="connsiteX1" fmla="*/ 3840337 w 4448352"/>
+              <a:gd name="connsiteY1" fmla="*/ 136997 h 6025492"/>
+              <a:gd name="connsiteX2" fmla="*/ 4400480 w 4448352"/>
+              <a:gd name="connsiteY2" fmla="*/ 1061406 h 6025492"/>
+              <a:gd name="connsiteX3" fmla="*/ 3812207 w 4448352"/>
+              <a:gd name="connsiteY3" fmla="*/ 2268177 h 6025492"/>
+              <a:gd name="connsiteX4" fmla="*/ 2566852 w 4448352"/>
+              <a:gd name="connsiteY4" fmla="*/ 4362395 h 6025492"/>
+              <a:gd name="connsiteX5" fmla="*/ 1381603 w 4448352"/>
+              <a:gd name="connsiteY5" fmla="*/ 6002073 h 6025492"/>
+              <a:gd name="connsiteX6" fmla="*/ 1358105 w 4448352"/>
+              <a:gd name="connsiteY6" fmla="*/ 6025492 h 6025492"/>
+              <a:gd name="connsiteX7" fmla="*/ 147593 w 4448352"/>
+              <a:gd name="connsiteY7" fmla="*/ 6025492 h 6025492"/>
+              <a:gd name="connsiteX8" fmla="*/ 135095 w 4448352"/>
+              <a:gd name="connsiteY8" fmla="*/ 5970139 h 6025492"/>
+              <a:gd name="connsiteX9" fmla="*/ 989 w 4448352"/>
+              <a:gd name="connsiteY9" fmla="*/ 3558990 h 6025492"/>
+              <a:gd name="connsiteX10" fmla="*/ 134613 w 4448352"/>
+              <a:gd name="connsiteY10" fmla="*/ 2769335 h 6025492"/>
+              <a:gd name="connsiteX11" fmla="*/ 812398 w 4448352"/>
+              <a:gd name="connsiteY11" fmla="*/ 1669996 h 6025492"/>
+              <a:gd name="connsiteX12" fmla="*/ 1830565 w 4448352"/>
+              <a:gd name="connsiteY12" fmla="*/ 638164 h 6025492"/>
+              <a:gd name="connsiteX13" fmla="*/ 3173139 w 4448352"/>
+              <a:gd name="connsiteY13" fmla="*/ 74 h 6025492"/>
+            </a:gdLst>
+            <a:ahLst/>
+            <a:cxnLst>
+              <a:cxn ang="0">
+                <a:pos x="connsiteX0" y="connsiteY0"/>
+              </a:cxn>
+              <a:cxn ang="0">
+                <a:pos x="connsiteX1" y="connsiteY1"/>
+              </a:cxn>
+              <a:cxn ang="0">
+                <a:pos x="connsiteX2" y="connsiteY2"/>
+              </a:cxn>
+              <a:cxn ang="0">
+                <a:pos x="connsiteX3" y="connsiteY3"/>
+              </a:cxn>
+              <a:cxn ang="0">
+                <a:pos x="connsiteX4" y="connsiteY4"/>
+              </a:cxn>
+              <a:cxn ang="0">
+                <a:pos x="connsiteX5" y="connsiteY5"/>
+              </a:cxn>
+              <a:cxn ang="0">
+                <a:pos x="connsiteX6" y="connsiteY6"/>
+              </a:cxn>
+              <a:cxn ang="0">
+                <a:pos x="connsiteX7" y="connsiteY7"/>
+              </a:cxn>
+              <a:cxn ang="0">
+                <a:pos x="connsiteX8" y="connsiteY8"/>
+              </a:cxn>
+              <a:cxn ang="0">
+                <a:pos x="connsiteX9" y="connsiteY9"/>
+              </a:cxn>
+              <a:cxn ang="0">
+                <a:pos x="connsiteX10" y="connsiteY10"/>
+              </a:cxn>
+              <a:cxn ang="0">
+                <a:pos x="connsiteX11" y="connsiteY11"/>
+              </a:cxn>
+              <a:cxn ang="0">
+                <a:pos x="connsiteX12" y="connsiteY12"/>
+              </a:cxn>
+              <a:cxn ang="0">
+                <a:pos x="connsiteX13" y="connsiteY13"/>
+              </a:cxn>
+            </a:cxnLst>
+            <a:rect l="l" t="t" r="r" b="b"/>
+            <a:pathLst>
+              <a:path w="4448352" h="6025492">
+                <a:moveTo>
+                  <a:pt x="3173139" y="74"/>
+                </a:moveTo>
+                <a:cubicBezTo>
+                  <a:pt x="3404376" y="2427"/>
+                  <a:pt x="3621702" y="61078"/>
+                  <a:pt x="3840337" y="136997"/>
+                </a:cubicBezTo>
+                <a:cubicBezTo>
+                  <a:pt x="4230681" y="272614"/>
+                  <a:pt x="4578505" y="404218"/>
+                  <a:pt x="4400480" y="1061406"/>
+                </a:cubicBezTo>
+                <a:cubicBezTo>
+                  <a:pt x="4294008" y="1454598"/>
+                  <a:pt x="4050152" y="1868133"/>
+                  <a:pt x="3812207" y="2268177"/>
+                </a:cubicBezTo>
+                <a:cubicBezTo>
+                  <a:pt x="3397090" y="2966250"/>
+                  <a:pt x="2981970" y="3664324"/>
+                  <a:pt x="2566852" y="4362395"/>
+                </a:cubicBezTo>
+                <a:cubicBezTo>
+                  <a:pt x="2261941" y="4875091"/>
+                  <a:pt x="1813643" y="5542665"/>
+                  <a:pt x="1381603" y="6002073"/>
+                </a:cubicBezTo>
+                <a:lnTo>
+                  <a:pt x="1358105" y="6025492"/>
+                </a:lnTo>
+                <a:lnTo>
+                  <a:pt x="147593" y="6025492"/>
+                </a:lnTo>
+                <a:lnTo>
+                  <a:pt x="135095" y="5970139"/>
+                </a:lnTo>
+                <a:cubicBezTo>
+                  <a:pt x="3334" y="5264474"/>
+                  <a:pt x="25734" y="4338079"/>
+                  <a:pt x="989" y="3558990"/>
+                </a:cubicBezTo>
+                <a:cubicBezTo>
+                  <a:pt x="-7696" y="3286585"/>
+                  <a:pt x="41149" y="3024098"/>
+                  <a:pt x="134613" y="2769335"/>
+                </a:cubicBezTo>
+                <a:cubicBezTo>
+                  <a:pt x="274734" y="2387350"/>
+                  <a:pt x="515201" y="2023048"/>
+                  <a:pt x="812398" y="1669996"/>
+                </a:cubicBezTo>
+                <a:cubicBezTo>
+                  <a:pt x="1109596" y="1316945"/>
+                  <a:pt x="1463524" y="975145"/>
+                  <a:pt x="1830565" y="638164"/>
+                </a:cubicBezTo>
+                <a:cubicBezTo>
+                  <a:pt x="2363706" y="148617"/>
+                  <a:pt x="2787743" y="-3847"/>
+                  <a:pt x="3173139" y="74"/>
+                </a:cubicBezTo>
+                <a:close/>
+              </a:path>
+            </a:pathLst>
+          </a:custGeom>
+          <a:solidFill>
+            <a:schemeClr val="accent3"/>
+          </a:solidFill>
+          <a:ln>
+            <a:noFill/>
+          </a:ln>
+        </p:spPr>
+        <p:style>
+          <a:lnRef idx="2">
+            <a:schemeClr val="accent1">
+              <a:shade val="50000"/>
+            </a:schemeClr>
+          </a:lnRef>
+          <a:fillRef idx="1">
+            <a:schemeClr val="accent1"/>
+          </a:fillRef>
+          <a:effectRef idx="0">
+            <a:schemeClr val="accent1"/>
+          </a:effectRef>
+          <a:fontRef idx="minor">
+            <a:schemeClr val="lt1"/>
+          </a:fontRef>
+        </p:style>
+        <p:txBody>
+          <a:bodyPr rtlCol="0" anchor="ctr"/>
+          <a:lstStyle/>
+          <a:p>
+            <a:pPr algn="ctr"/>
+            <a:endParaRPr lang="en-US"/>
+          </a:p>
+        </p:txBody>
+      </p:sp>
+      <p:sp>
+        <p:nvSpPr>
+          <p:cNvPr id="12" name="Freeform: Shape 11">
+            <a:extLst>
+              <a:ext uri="{FF2B5EF4-FFF2-40B4-BE49-F238E27FC236}">
+                <a16:creationId xmlns:a16="http://schemas.microsoft.com/office/drawing/2014/main" xmlns="" id="{424ECFA8-BE37-446C-B1BD-88D2981B6F47}"/>
+              </a:ext>
+              <a:ext uri="{C183D7F6-B498-43B3-948B-1728B52AA6E4}">
+                <adec:decorative xmlns:adec="http://schemas.microsoft.com/office/drawing/2017/decorative" xmlns="" val="1"/>
+              </a:ext>
+            </a:extLst>
+          </p:cNvPr>
+          <p:cNvSpPr>
+            <a:spLocks noGrp="1" noRot="1" noChangeAspect="1" noMove="1" noResize="1" noEditPoints="1" noAdjustHandles="1" noChangeArrowheads="1" noChangeShapeType="1" noTextEdit="1"/>
+          </p:cNvSpPr>
+          <p:nvPr>
+            <p:extLst>
+              <p:ext uri="{386F3935-93C4-4BCD-93E2-E3B085C9AB24}">
+                <p16:designElem xmlns:p16="http://schemas.microsoft.com/office/powerpoint/2015/main" xmlns="" val="1"/>
+              </p:ext>
+            </p:extLst>
+          </p:nvPr>
+        </p:nvSpPr>
+        <p:spPr>
+          <a:xfrm>
+            <a:off x="-18197" y="533400"/>
+            <a:ext cx="5085498" cy="6329048"/>
+          </a:xfrm>
+          <a:custGeom>
+            <a:avLst/>
+            <a:gdLst>
+              <a:gd name="connsiteX0" fmla="*/ 3173139 w 4448352"/>
+              <a:gd name="connsiteY0" fmla="*/ 74 h 6025492"/>
+              <a:gd name="connsiteX1" fmla="*/ 3840337 w 4448352"/>
+              <a:gd name="connsiteY1" fmla="*/ 136997 h 6025492"/>
+              <a:gd name="connsiteX2" fmla="*/ 4400480 w 4448352"/>
+              <a:gd name="connsiteY2" fmla="*/ 1061406 h 6025492"/>
+              <a:gd name="connsiteX3" fmla="*/ 3812207 w 4448352"/>
+              <a:gd name="connsiteY3" fmla="*/ 2268177 h 6025492"/>
+              <a:gd name="connsiteX4" fmla="*/ 2566852 w 4448352"/>
+              <a:gd name="connsiteY4" fmla="*/ 4362395 h 6025492"/>
+              <a:gd name="connsiteX5" fmla="*/ 1381603 w 4448352"/>
+              <a:gd name="connsiteY5" fmla="*/ 6002073 h 6025492"/>
+              <a:gd name="connsiteX6" fmla="*/ 1358105 w 4448352"/>
+              <a:gd name="connsiteY6" fmla="*/ 6025492 h 6025492"/>
+              <a:gd name="connsiteX7" fmla="*/ 147593 w 4448352"/>
+              <a:gd name="connsiteY7" fmla="*/ 6025492 h 6025492"/>
+              <a:gd name="connsiteX8" fmla="*/ 135095 w 4448352"/>
+              <a:gd name="connsiteY8" fmla="*/ 5970139 h 6025492"/>
+              <a:gd name="connsiteX9" fmla="*/ 989 w 4448352"/>
+              <a:gd name="connsiteY9" fmla="*/ 3558990 h 6025492"/>
+              <a:gd name="connsiteX10" fmla="*/ 134613 w 4448352"/>
+              <a:gd name="connsiteY10" fmla="*/ 2769335 h 6025492"/>
+              <a:gd name="connsiteX11" fmla="*/ 812398 w 4448352"/>
+              <a:gd name="connsiteY11" fmla="*/ 1669996 h 6025492"/>
+              <a:gd name="connsiteX12" fmla="*/ 1830565 w 4448352"/>
+              <a:gd name="connsiteY12" fmla="*/ 638164 h 6025492"/>
+              <a:gd name="connsiteX13" fmla="*/ 3173139 w 4448352"/>
+              <a:gd name="connsiteY13" fmla="*/ 74 h 6025492"/>
+              <a:gd name="connsiteX0" fmla="*/ 147593 w 4448352"/>
+              <a:gd name="connsiteY0" fmla="*/ 6025492 h 6112608"/>
+              <a:gd name="connsiteX1" fmla="*/ 135095 w 4448352"/>
+              <a:gd name="connsiteY1" fmla="*/ 5970139 h 6112608"/>
+              <a:gd name="connsiteX2" fmla="*/ 989 w 4448352"/>
+              <a:gd name="connsiteY2" fmla="*/ 3558990 h 6112608"/>
+              <a:gd name="connsiteX3" fmla="*/ 134613 w 4448352"/>
+              <a:gd name="connsiteY3" fmla="*/ 2769335 h 6112608"/>
+              <a:gd name="connsiteX4" fmla="*/ 812398 w 4448352"/>
+              <a:gd name="connsiteY4" fmla="*/ 1669996 h 6112608"/>
+              <a:gd name="connsiteX5" fmla="*/ 1830565 w 4448352"/>
+              <a:gd name="connsiteY5" fmla="*/ 638164 h 6112608"/>
+              <a:gd name="connsiteX6" fmla="*/ 3173139 w 4448352"/>
+              <a:gd name="connsiteY6" fmla="*/ 74 h 6112608"/>
+              <a:gd name="connsiteX7" fmla="*/ 3840337 w 4448352"/>
+              <a:gd name="connsiteY7" fmla="*/ 136997 h 6112608"/>
+              <a:gd name="connsiteX8" fmla="*/ 4400480 w 4448352"/>
+              <a:gd name="connsiteY8" fmla="*/ 1061406 h 6112608"/>
+              <a:gd name="connsiteX9" fmla="*/ 3812207 w 4448352"/>
+              <a:gd name="connsiteY9" fmla="*/ 2268177 h 6112608"/>
+              <a:gd name="connsiteX10" fmla="*/ 2566852 w 4448352"/>
+              <a:gd name="connsiteY10" fmla="*/ 4362395 h 6112608"/>
+              <a:gd name="connsiteX11" fmla="*/ 1381603 w 4448352"/>
+              <a:gd name="connsiteY11" fmla="*/ 6002073 h 6112608"/>
+              <a:gd name="connsiteX12" fmla="*/ 1457187 w 4448352"/>
+              <a:gd name="connsiteY12" fmla="*/ 6112608 h 6112608"/>
+              <a:gd name="connsiteX0" fmla="*/ 147593 w 4448352"/>
+              <a:gd name="connsiteY0" fmla="*/ 6025492 h 6025492"/>
+              <a:gd name="connsiteX1" fmla="*/ 135095 w 4448352"/>
+              <a:gd name="connsiteY1" fmla="*/ 5970139 h 6025492"/>
+              <a:gd name="connsiteX2" fmla="*/ 989 w 4448352"/>
+              <a:gd name="connsiteY2" fmla="*/ 3558990 h 6025492"/>
+              <a:gd name="connsiteX3" fmla="*/ 134613 w 4448352"/>
+              <a:gd name="connsiteY3" fmla="*/ 2769335 h 6025492"/>
+              <a:gd name="connsiteX4" fmla="*/ 812398 w 4448352"/>
+              <a:gd name="connsiteY4" fmla="*/ 1669996 h 6025492"/>
+              <a:gd name="connsiteX5" fmla="*/ 1830565 w 4448352"/>
+              <a:gd name="connsiteY5" fmla="*/ 638164 h 6025492"/>
+              <a:gd name="connsiteX6" fmla="*/ 3173139 w 4448352"/>
+              <a:gd name="connsiteY6" fmla="*/ 74 h 6025492"/>
+              <a:gd name="connsiteX7" fmla="*/ 3840337 w 4448352"/>
+              <a:gd name="connsiteY7" fmla="*/ 136997 h 6025492"/>
+              <a:gd name="connsiteX8" fmla="*/ 4400480 w 4448352"/>
+              <a:gd name="connsiteY8" fmla="*/ 1061406 h 6025492"/>
+              <a:gd name="connsiteX9" fmla="*/ 3812207 w 4448352"/>
+              <a:gd name="connsiteY9" fmla="*/ 2268177 h 6025492"/>
+              <a:gd name="connsiteX10" fmla="*/ 2566852 w 4448352"/>
+              <a:gd name="connsiteY10" fmla="*/ 4362395 h 6025492"/>
+              <a:gd name="connsiteX11" fmla="*/ 1381603 w 4448352"/>
+              <a:gd name="connsiteY11" fmla="*/ 6002073 h 6025492"/>
+              <a:gd name="connsiteX0" fmla="*/ 147593 w 4448352"/>
+              <a:gd name="connsiteY0" fmla="*/ 6025492 h 6029730"/>
+              <a:gd name="connsiteX1" fmla="*/ 135095 w 4448352"/>
+              <a:gd name="connsiteY1" fmla="*/ 5970139 h 6029730"/>
+              <a:gd name="connsiteX2" fmla="*/ 989 w 4448352"/>
+              <a:gd name="connsiteY2" fmla="*/ 3558990 h 6029730"/>
+              <a:gd name="connsiteX3" fmla="*/ 134613 w 4448352"/>
+              <a:gd name="connsiteY3" fmla="*/ 2769335 h 6029730"/>
+              <a:gd name="connsiteX4" fmla="*/ 812398 w 4448352"/>
+              <a:gd name="connsiteY4" fmla="*/ 1669996 h 6029730"/>
+              <a:gd name="connsiteX5" fmla="*/ 1830565 w 4448352"/>
+              <a:gd name="connsiteY5" fmla="*/ 638164 h 6029730"/>
+              <a:gd name="connsiteX6" fmla="*/ 3173139 w 4448352"/>
+              <a:gd name="connsiteY6" fmla="*/ 74 h 6029730"/>
+              <a:gd name="connsiteX7" fmla="*/ 3840337 w 4448352"/>
+              <a:gd name="connsiteY7" fmla="*/ 136997 h 6029730"/>
+              <a:gd name="connsiteX8" fmla="*/ 4400480 w 4448352"/>
+              <a:gd name="connsiteY8" fmla="*/ 1061406 h 6029730"/>
+              <a:gd name="connsiteX9" fmla="*/ 3812207 w 4448352"/>
+              <a:gd name="connsiteY9" fmla="*/ 2268177 h 6029730"/>
+              <a:gd name="connsiteX10" fmla="*/ 2566852 w 4448352"/>
+              <a:gd name="connsiteY10" fmla="*/ 4362395 h 6029730"/>
+              <a:gd name="connsiteX11" fmla="*/ 1397330 w 4448352"/>
+              <a:gd name="connsiteY11" fmla="*/ 6029730 h 6029730"/>
+            </a:gdLst>
+            <a:ahLst/>
+            <a:cxnLst>
+              <a:cxn ang="0">
+                <a:pos x="connsiteX0" y="connsiteY0"/>
+              </a:cxn>
+              <a:cxn ang="0">
+                <a:pos x="connsiteX1" y="connsiteY1"/>
+              </a:cxn>
+              <a:cxn ang="0">
+                <a:pos x="connsiteX2" y="connsiteY2"/>
+              </a:cxn>
+              <a:cxn ang="0">
+                <a:pos x="connsiteX3" y="connsiteY3"/>
+              </a:cxn>
+              <a:cxn ang="0">
+                <a:pos x="connsiteX4" y="connsiteY4"/>
+              </a:cxn>
+              <a:cxn ang="0">
+                <a:pos x="connsiteX5" y="connsiteY5"/>
+              </a:cxn>
+              <a:cxn ang="0">
+                <a:pos x="connsiteX6" y="connsiteY6"/>
+              </a:cxn>
+              <a:cxn ang="0">
+                <a:pos x="connsiteX7" y="connsiteY7"/>
+              </a:cxn>
+              <a:cxn ang="0">
+                <a:pos x="connsiteX8" y="connsiteY8"/>
+              </a:cxn>
+              <a:cxn ang="0">
+                <a:pos x="connsiteX9" y="connsiteY9"/>
+              </a:cxn>
+              <a:cxn ang="0">
+                <a:pos x="connsiteX10" y="connsiteY10"/>
+              </a:cxn>
+              <a:cxn ang="0">
+                <a:pos x="connsiteX11" y="connsiteY11"/>
+              </a:cxn>
+            </a:cxnLst>
+            <a:rect l="l" t="t" r="r" b="b"/>
+            <a:pathLst>
+              <a:path w="4448352" h="6029730">
+                <a:moveTo>
+                  <a:pt x="147593" y="6025492"/>
+                </a:moveTo>
+                <a:lnTo>
+                  <a:pt x="135095" y="5970139"/>
+                </a:lnTo>
+                <a:cubicBezTo>
+                  <a:pt x="3334" y="5264474"/>
+                  <a:pt x="25734" y="4338079"/>
+                  <a:pt x="989" y="3558990"/>
+                </a:cubicBezTo>
+                <a:cubicBezTo>
+                  <a:pt x="-7696" y="3286585"/>
+                  <a:pt x="41149" y="3024098"/>
+                  <a:pt x="134613" y="2769335"/>
+                </a:cubicBezTo>
+                <a:cubicBezTo>
+                  <a:pt x="274734" y="2387350"/>
+                  <a:pt x="515201" y="2023048"/>
+                  <a:pt x="812398" y="1669996"/>
+                </a:cubicBezTo>
+                <a:cubicBezTo>
+                  <a:pt x="1109596" y="1316945"/>
+                  <a:pt x="1463524" y="975145"/>
+                  <a:pt x="1830565" y="638164"/>
+                </a:cubicBezTo>
+                <a:cubicBezTo>
+                  <a:pt x="2363706" y="148617"/>
+                  <a:pt x="2787743" y="-3847"/>
+                  <a:pt x="3173139" y="74"/>
+                </a:cubicBezTo>
+                <a:cubicBezTo>
+                  <a:pt x="3404376" y="2427"/>
+                  <a:pt x="3621702" y="61078"/>
+                  <a:pt x="3840337" y="136997"/>
+                </a:cubicBezTo>
+                <a:cubicBezTo>
+                  <a:pt x="4230681" y="272614"/>
+                  <a:pt x="4578505" y="404218"/>
+                  <a:pt x="4400480" y="1061406"/>
+                </a:cubicBezTo>
+                <a:cubicBezTo>
+                  <a:pt x="4294008" y="1454598"/>
+                  <a:pt x="4050152" y="1868133"/>
+                  <a:pt x="3812207" y="2268177"/>
+                </a:cubicBezTo>
+                <a:cubicBezTo>
+                  <a:pt x="3397089" y="2966250"/>
+                  <a:pt x="2969331" y="3735470"/>
+                  <a:pt x="2566852" y="4362395"/>
+                </a:cubicBezTo>
+                <a:cubicBezTo>
+                  <a:pt x="2164373" y="4989320"/>
+                  <a:pt x="1829370" y="5570322"/>
+                  <a:pt x="1397330" y="6029730"/>
+                </a:cubicBezTo>
+              </a:path>
+            </a:pathLst>
+          </a:custGeom>
+          <a:noFill/>
+          <a:ln w="19050">
+            <a:solidFill>
+              <a:schemeClr val="accent2">
+                <a:lumMod val="60000"/>
+                <a:lumOff val="40000"/>
+              </a:schemeClr>
+            </a:solidFill>
+          </a:ln>
+        </p:spPr>
+        <p:style>
+          <a:lnRef idx="2">
+            <a:schemeClr val="accent1">
+              <a:shade val="50000"/>
+            </a:schemeClr>
+          </a:lnRef>
+          <a:fillRef idx="1">
+            <a:schemeClr val="accent1"/>
+          </a:fillRef>
+          <a:effectRef idx="0">
+            <a:schemeClr val="accent1"/>
+          </a:effectRef>
+          <a:fontRef idx="minor">
+            <a:schemeClr val="lt1"/>
+          </a:fontRef>
+        </p:style>
+        <p:txBody>
+          <a:bodyPr wrap="square" rtlCol="0" anchor="ctr">
+            <a:noAutofit/>
+          </a:bodyPr>
+          <a:lstStyle/>
+          <a:p>
+            <a:pPr algn="ctr"/>
+            <a:endParaRPr lang="en-US">
+              <a:solidFill>
+                <a:prstClr val="white"/>
+              </a:solidFill>
+              <a:latin typeface="Avenir Next LT Pro Light"/>
+            </a:endParaRPr>
+          </a:p>
+        </p:txBody>
+      </p:sp>
+      <p:sp>
+        <p:nvSpPr>
+          <p:cNvPr id="3" name="Zástupný obsah 2">
+            <a:extLst>
+              <a:ext uri="{FF2B5EF4-FFF2-40B4-BE49-F238E27FC236}">
+                <a16:creationId xmlns:a16="http://schemas.microsoft.com/office/drawing/2014/main" xmlns="" id="{4C85783E-11CF-4105-DB6F-75269F3FA205}"/>
+              </a:ext>
+            </a:extLst>
+          </p:cNvPr>
+          <p:cNvSpPr>
+            <a:spLocks noGrp="1"/>
+          </p:cNvSpPr>
+          <p:nvPr>
+            <p:ph idx="1"/>
+          </p:nvPr>
+        </p:nvSpPr>
+        <p:spPr>
+          <a:xfrm>
+            <a:off x="6029325" y="3048000"/>
+            <a:ext cx="5400676" cy="3048001"/>
+          </a:xfrm>
+        </p:spPr>
+        <p:txBody>
+          <a:bodyPr vert="horz" lIns="91440" tIns="45720" rIns="91440" bIns="45720" rtlCol="0" anchor="t">
+            <a:normAutofit/>
+          </a:bodyPr>
+          <a:lstStyle/>
+          <a:p>
+            <a:pPr marL="0" indent="0">
+              <a:buNone/>
+            </a:pPr>
+            <a:r>
+              <a:rPr lang="cs-CZ" sz="2400" dirty="0">
+                <a:solidFill>
+                  <a:schemeClr val="tx2"/>
+                </a:solidFill>
+              </a:rPr>
+              <a:t>Odkaz na </a:t>
+            </a:r>
+            <a:r>
+              <a:rPr lang="cs-CZ" sz="2400" dirty="0" err="1">
+                <a:solidFill>
+                  <a:schemeClr val="tx2"/>
+                </a:solidFill>
+              </a:rPr>
+              <a:t>Github</a:t>
+            </a:r>
+            <a:r>
+              <a:rPr lang="cs-CZ" sz="2400" dirty="0">
+                <a:solidFill>
+                  <a:schemeClr val="tx2"/>
+                </a:solidFill>
+              </a:rPr>
+              <a:t> :</a:t>
+            </a:r>
+          </a:p>
+          <a:p>
+            <a:pPr marL="0" indent="0">
+              <a:buNone/>
+            </a:pPr>
+            <a:r>
+              <a:rPr lang="cs-CZ" sz="2400" dirty="0">
+                <a:solidFill>
+                  <a:schemeClr val="tx2"/>
+                </a:solidFill>
+                <a:ea typeface="+mn-lt"/>
+                <a:cs typeface="+mn-lt"/>
+                <a:hlinkClick r:id="rId2">
+                  <a:extLst>
+                    <a:ext uri="{A12FA001-AC4F-418D-AE19-62706E023703}">
+                      <ahyp:hlinkClr xmlns:ahyp="http://schemas.microsoft.com/office/drawing/2018/hyperlinkcolor" xmlns="" val="tx"/>
+                    </a:ext>
+                  </a:extLst>
+                </a:hlinkClick>
+              </a:rPr>
+              <a:t>Stepikkk93/Prezentace-Helbich (github.com)</a:t>
+            </a:r>
+            <a:endParaRPr lang="cs-CZ" sz="2400" dirty="0">
+              <a:solidFill>
+                <a:schemeClr val="tx2"/>
+              </a:solidFill>
+              <a:hlinkClick r:id="">
+                <a:extLst>
+                  <a:ext uri="{A12FA001-AC4F-418D-AE19-62706E023703}">
+                    <ahyp:hlinkClr xmlns:ahyp="http://schemas.microsoft.com/office/drawing/2018/hyperlinkcolor" xmlns="" val="tx"/>
+                  </a:ext>
+                </a:extLst>
+              </a:hlinkClick>
+            </a:endParaRPr>
+          </a:p>
+        </p:txBody>
+      </p:sp>
       <p:sp>
         <p:nvSpPr>
           <p:cNvPr id="2" name="Nadpis 1">
             <a:extLst>
               <a:ext uri="{FF2B5EF4-FFF2-40B4-BE49-F238E27FC236}">
-                <a16:creationId xmlns:a16="http://schemas.microsoft.com/office/drawing/2014/main" id="{EBA30212-562A-2FDF-60D1-4A31F35CA344}"/>
+                <a16:creationId xmlns:a16="http://schemas.microsoft.com/office/drawing/2014/main" xmlns="" id="{EA508DB5-C484-1465-A5AF-3D40C14DBC14}"/>
               </a:ext>
             </a:extLst>
           </p:cNvPr>
@@ -5139,119 +9892,19 @@
         </p:nvSpPr>
         <p:spPr>
           <a:xfrm>
-            <a:off x="762000" y="190500"/>
-            <a:ext cx="10668000" cy="1524000"/>
+            <a:off x="6029324" y="1523990"/>
+            <a:ext cx="5400676" cy="1524010"/>
           </a:xfrm>
         </p:spPr>
         <p:txBody>
-          <a:bodyPr>
+          <a:bodyPr anchor="t">
             <a:normAutofit/>
           </a:bodyPr>
           <a:lstStyle/>
           <a:p>
             <a:r>
-              <a:rPr lang="cs-CZ" sz="5400" dirty="0">
-                <a:solidFill>
-                  <a:srgbClr val="0C0C0C"/>
-                </a:solidFill>
-              </a:rPr>
-              <a:t>Obsah</a:t>
-            </a:r>
-          </a:p>
-        </p:txBody>
-      </p:sp>
-      <p:sp>
-        <p:nvSpPr>
-          <p:cNvPr id="3" name="Zástupný obsah 2">
-            <a:extLst>
-              <a:ext uri="{FF2B5EF4-FFF2-40B4-BE49-F238E27FC236}">
-                <a16:creationId xmlns:a16="http://schemas.microsoft.com/office/drawing/2014/main" id="{BBF21A0F-DAEE-357F-BBFA-1D8A186429D7}"/>
-              </a:ext>
-            </a:extLst>
-          </p:cNvPr>
-          <p:cNvSpPr>
-            <a:spLocks noGrp="1"/>
-          </p:cNvSpPr>
-          <p:nvPr>
-            <p:ph idx="1"/>
-          </p:nvPr>
-        </p:nvSpPr>
-        <p:spPr>
-          <a:xfrm>
-            <a:off x="762000" y="1714500"/>
-            <a:ext cx="10668000" cy="4729761"/>
-          </a:xfrm>
-        </p:spPr>
-        <p:txBody>
-          <a:bodyPr vert="horz" lIns="91440" tIns="45720" rIns="91440" bIns="45720" rtlCol="0" anchor="t">
-            <a:normAutofit/>
-          </a:bodyPr>
-          <a:lstStyle/>
-          <a:p>
-            <a:pPr marL="514350" indent="-514350">
-              <a:buAutoNum type="arabicPeriod"/>
-            </a:pPr>
-            <a:r>
-              <a:rPr lang="cs-CZ" dirty="0">
-                <a:solidFill>
-                  <a:schemeClr val="bg1"/>
-                </a:solidFill>
-              </a:rPr>
-              <a:t>Základní informace k optickým vláknům</a:t>
-            </a:r>
-          </a:p>
-          <a:p>
-            <a:pPr marL="514350" indent="-514350">
-              <a:buAutoNum type="arabicPeriod"/>
-            </a:pPr>
-            <a:endParaRPr lang="cs-CZ" dirty="0">
-              <a:solidFill>
-                <a:schemeClr val="bg1"/>
-              </a:solidFill>
-            </a:endParaRPr>
-          </a:p>
-          <a:p>
-            <a:pPr marL="514350" indent="-514350">
-              <a:buAutoNum type="arabicPeriod"/>
-            </a:pPr>
-            <a:r>
-              <a:rPr lang="cs-CZ" dirty="0">
-                <a:solidFill>
-                  <a:schemeClr val="bg1"/>
-                </a:solidFill>
-              </a:rPr>
-              <a:t>Jejich princip a použití</a:t>
-            </a:r>
-          </a:p>
-          <a:p>
-            <a:pPr marL="514350" indent="-514350">
-              <a:buAutoNum type="arabicPeriod"/>
-            </a:pPr>
-            <a:endParaRPr lang="cs-CZ" dirty="0">
-              <a:solidFill>
-                <a:schemeClr val="bg1"/>
-              </a:solidFill>
-            </a:endParaRPr>
-          </a:p>
-          <a:p>
-            <a:pPr marL="514350" indent="-514350">
-              <a:buAutoNum type="arabicPeriod"/>
-            </a:pPr>
-            <a:r>
-              <a:rPr lang="cs-CZ" dirty="0">
-                <a:solidFill>
-                  <a:schemeClr val="bg1"/>
-                </a:solidFill>
-              </a:rPr>
-              <a:t>Svařování a </a:t>
-            </a:r>
-            <a:r>
-              <a:rPr lang="cs-CZ" dirty="0" err="1">
-                <a:solidFill>
-                  <a:schemeClr val="bg1"/>
-                </a:solidFill>
-              </a:rPr>
-              <a:t>konektorování</a:t>
+              <a:rPr lang="cs-CZ" b="1" dirty="0"/>
+              <a:t>Konec</a:t>
             </a:r>
           </a:p>
         </p:txBody>
@@ -5259,19 +9912,46 @@
     </p:spTree>
     <p:extLst>
       <p:ext uri="{BB962C8B-B14F-4D97-AF65-F5344CB8AC3E}">
-        <p14:creationId xmlns:p14="http://schemas.microsoft.com/office/powerpoint/2010/main" val="1505488313"/>
+        <p14:creationId xmlns:p14="http://schemas.microsoft.com/office/powerpoint/2010/main" val="597076082"/>
       </p:ext>
     </p:extLst>
   </p:cSld>
   <p:clrMapOvr>
     <a:masterClrMapping/>
   </p:clrMapOvr>
+  <mc:AlternateContent xmlns:mc="http://schemas.openxmlformats.org/markup-compatibility/2006">
+    <mc:Choice xmlns:p14="http://schemas.microsoft.com/office/powerpoint/2010/main" Requires="p14">
+      <p:transition p14:dur="100">
+        <p:cut/>
+      </p:transition>
+    </mc:Choice>
+    <mc:Fallback>
+      <p:transition>
+        <p:cut/>
+      </p:transition>
+    </mc:Fallback>
+  </mc:AlternateContent>
+  <p:timing>
+    <p:tnLst>
+      <p:par>
+        <p:cTn id="1" dur="indefinite" restart="never" nodeType="tmRoot"/>
+      </p:par>
+    </p:tnLst>
+  </p:timing>
 </p:sld>
 </file>
 
-<file path=ppt/slides/slide20.xml><?xml version="1.0" encoding="utf-8"?>
+<file path=ppt/slides/slide2.xml><?xml version="1.0" encoding="utf-8"?>
 <p:sld xmlns:a="http://schemas.openxmlformats.org/drawingml/2006/main" xmlns:r="http://schemas.openxmlformats.org/officeDocument/2006/relationships" xmlns:p="http://schemas.openxmlformats.org/presentationml/2006/main">
   <p:cSld>
+    <p:bg>
+      <p:bgPr>
+        <a:solidFill>
+          <a:schemeClr val="bg2"/>
+        </a:solidFill>
+        <a:effectLst/>
+      </p:bgPr>
+    </p:bg>
     <p:spTree>
       <p:nvGrpSpPr>
         <p:cNvPr id="1" name=""/>
@@ -5286,12 +9966,480 @@
           <a:chExt cx="0" cy="0"/>
         </a:xfrm>
       </p:grpSpPr>
+      <p:sp useBgFill="1">
+        <p:nvSpPr>
+          <p:cNvPr id="9" name="Rectangle 8">
+            <a:extLst>
+              <a:ext uri="{FF2B5EF4-FFF2-40B4-BE49-F238E27FC236}">
+                <a16:creationId xmlns:a16="http://schemas.microsoft.com/office/drawing/2014/main" xmlns="" id="{987A0FBA-CC04-4256-A8EB-BB3C543E989C}"/>
+              </a:ext>
+              <a:ext uri="{C183D7F6-B498-43B3-948B-1728B52AA6E4}">
+                <adec:decorative xmlns:adec="http://schemas.microsoft.com/office/drawing/2017/decorative" xmlns="" val="1"/>
+              </a:ext>
+            </a:extLst>
+          </p:cNvPr>
+          <p:cNvSpPr>
+            <a:spLocks noGrp="1" noRot="1" noChangeAspect="1" noMove="1" noResize="1" noEditPoints="1" noAdjustHandles="1" noChangeArrowheads="1" noChangeShapeType="1" noTextEdit="1"/>
+          </p:cNvSpPr>
+          <p:nvPr>
+            <p:extLst>
+              <p:ext uri="{386F3935-93C4-4BCD-93E2-E3B085C9AB24}">
+                <p16:designElem xmlns:p16="http://schemas.microsoft.com/office/powerpoint/2015/main" xmlns="" val="1"/>
+              </p:ext>
+            </p:extLst>
+          </p:nvPr>
+        </p:nvSpPr>
+        <p:spPr>
+          <a:xfrm>
+            <a:off x="0" y="0"/>
+            <a:ext cx="12192000" cy="6858000"/>
+          </a:xfrm>
+          <a:prstGeom prst="rect">
+            <a:avLst/>
+          </a:prstGeom>
+          <a:ln w="12700" cap="flat" cmpd="sng" algn="ctr">
+            <a:noFill/>
+            <a:prstDash val="solid"/>
+            <a:miter lim="800000"/>
+          </a:ln>
+          <a:effectLst/>
+          <a:extLst>
+            <a:ext uri="{91240B29-F687-4F45-9708-019B960494DF}">
+              <a14:hiddenLine xmlns:a14="http://schemas.microsoft.com/office/drawing/2010/main" w="12700" cap="flat" cmpd="sng" algn="ctr">
+                <a:solidFill>
+                  <a:schemeClr val="accent1">
+                    <a:shade val="50000"/>
+                  </a:schemeClr>
+                </a:solidFill>
+                <a:prstDash val="solid"/>
+                <a:miter lim="800000"/>
+              </a14:hiddenLine>
+            </a:ext>
+          </a:extLst>
+        </p:spPr>
+        <p:style>
+          <a:lnRef idx="2">
+            <a:schemeClr val="accent1">
+              <a:shade val="50000"/>
+            </a:schemeClr>
+          </a:lnRef>
+          <a:fillRef idx="1">
+            <a:schemeClr val="accent1"/>
+          </a:fillRef>
+          <a:effectRef idx="0">
+            <a:schemeClr val="accent1"/>
+          </a:effectRef>
+          <a:fontRef idx="minor">
+            <a:schemeClr val="lt1"/>
+          </a:fontRef>
+        </p:style>
+        <p:txBody>
+          <a:bodyPr rtlCol="0" anchor="ctr"/>
+          <a:lstStyle/>
+          <a:p>
+            <a:pPr algn="ctr"/>
+            <a:endParaRPr lang="en-US"/>
+          </a:p>
+        </p:txBody>
+      </p:sp>
+      <p:sp>
+        <p:nvSpPr>
+          <p:cNvPr id="11" name="Freeform: Shape 10">
+            <a:extLst>
+              <a:ext uri="{FF2B5EF4-FFF2-40B4-BE49-F238E27FC236}">
+                <a16:creationId xmlns:a16="http://schemas.microsoft.com/office/drawing/2014/main" xmlns="" id="{3F3A0F6C-EB8F-4A4C-8258-23F6D815E0E0}"/>
+              </a:ext>
+              <a:ext uri="{C183D7F6-B498-43B3-948B-1728B52AA6E4}">
+                <adec:decorative xmlns:adec="http://schemas.microsoft.com/office/drawing/2017/decorative" xmlns="" val="1"/>
+              </a:ext>
+            </a:extLst>
+          </p:cNvPr>
+          <p:cNvSpPr>
+            <a:spLocks noGrp="1" noRot="1" noChangeAspect="1" noMove="1" noResize="1" noEditPoints="1" noAdjustHandles="1" noChangeArrowheads="1" noChangeShapeType="1" noTextEdit="1"/>
+          </p:cNvSpPr>
+          <p:nvPr>
+            <p:extLst>
+              <p:ext uri="{386F3935-93C4-4BCD-93E2-E3B085C9AB24}">
+                <p16:designElem xmlns:p16="http://schemas.microsoft.com/office/powerpoint/2015/main" xmlns="" val="1"/>
+              </p:ext>
+            </p:extLst>
+          </p:nvPr>
+        </p:nvSpPr>
+        <p:spPr>
+          <a:xfrm>
+            <a:off x="0" y="0"/>
+            <a:ext cx="12198352" cy="6438900"/>
+          </a:xfrm>
+          <a:custGeom>
+            <a:avLst/>
+            <a:gdLst>
+              <a:gd name="connsiteX0" fmla="*/ 0 w 12198352"/>
+              <a:gd name="connsiteY0" fmla="*/ 0 h 6438900"/>
+              <a:gd name="connsiteX1" fmla="*/ 12198352 w 12198352"/>
+              <a:gd name="connsiteY1" fmla="*/ 0 h 6438900"/>
+              <a:gd name="connsiteX2" fmla="*/ 12198352 w 12198352"/>
+              <a:gd name="connsiteY2" fmla="*/ 5644414 h 6438900"/>
+              <a:gd name="connsiteX3" fmla="*/ 12042486 w 12198352"/>
+              <a:gd name="connsiteY3" fmla="*/ 5750064 h 6438900"/>
+              <a:gd name="connsiteX4" fmla="*/ 9483672 w 12198352"/>
+              <a:gd name="connsiteY4" fmla="*/ 6432438 h 6438900"/>
+              <a:gd name="connsiteX5" fmla="*/ 8500895 w 12198352"/>
+              <a:gd name="connsiteY5" fmla="*/ 6437925 h 6438900"/>
+              <a:gd name="connsiteX6" fmla="*/ 1629409 w 12198352"/>
+              <a:gd name="connsiteY6" fmla="*/ 5170893 h 6438900"/>
+              <a:gd name="connsiteX7" fmla="*/ 433424 w 12198352"/>
+              <a:gd name="connsiteY7" fmla="*/ 4633819 h 6438900"/>
+              <a:gd name="connsiteX8" fmla="*/ 0 w 12198352"/>
+              <a:gd name="connsiteY8" fmla="*/ 4450771 h 6438900"/>
+            </a:gdLst>
+            <a:ahLst/>
+            <a:cxnLst>
+              <a:cxn ang="0">
+                <a:pos x="connsiteX0" y="connsiteY0"/>
+              </a:cxn>
+              <a:cxn ang="0">
+                <a:pos x="connsiteX1" y="connsiteY1"/>
+              </a:cxn>
+              <a:cxn ang="0">
+                <a:pos x="connsiteX2" y="connsiteY2"/>
+              </a:cxn>
+              <a:cxn ang="0">
+                <a:pos x="connsiteX3" y="connsiteY3"/>
+              </a:cxn>
+              <a:cxn ang="0">
+                <a:pos x="connsiteX4" y="connsiteY4"/>
+              </a:cxn>
+              <a:cxn ang="0">
+                <a:pos x="connsiteX5" y="connsiteY5"/>
+              </a:cxn>
+              <a:cxn ang="0">
+                <a:pos x="connsiteX6" y="connsiteY6"/>
+              </a:cxn>
+              <a:cxn ang="0">
+                <a:pos x="connsiteX7" y="connsiteY7"/>
+              </a:cxn>
+              <a:cxn ang="0">
+                <a:pos x="connsiteX8" y="connsiteY8"/>
+              </a:cxn>
+            </a:cxnLst>
+            <a:rect l="l" t="t" r="r" b="b"/>
+            <a:pathLst>
+              <a:path w="12198352" h="6438900">
+                <a:moveTo>
+                  <a:pt x="0" y="0"/>
+                </a:moveTo>
+                <a:lnTo>
+                  <a:pt x="12198352" y="0"/>
+                </a:lnTo>
+                <a:lnTo>
+                  <a:pt x="12198352" y="5644414"/>
+                </a:lnTo>
+                <a:lnTo>
+                  <a:pt x="12042486" y="5750064"/>
+                </a:lnTo>
+                <a:cubicBezTo>
+                  <a:pt x="11268689" y="6237466"/>
+                  <a:pt x="10357585" y="6417714"/>
+                  <a:pt x="9483672" y="6432438"/>
+                </a:cubicBezTo>
+                <a:cubicBezTo>
+                  <a:pt x="9158751" y="6438062"/>
+                  <a:pt x="8830819" y="6440385"/>
+                  <a:pt x="8500895" y="6437925"/>
+                </a:cubicBezTo>
+                <a:cubicBezTo>
+                  <a:pt x="6191416" y="6420695"/>
+                  <a:pt x="3784289" y="6168856"/>
+                  <a:pt x="1629409" y="5170893"/>
+                </a:cubicBezTo>
+                <a:cubicBezTo>
+                  <a:pt x="1229906" y="4985892"/>
+                  <a:pt x="831404" y="4807078"/>
+                  <a:pt x="433424" y="4633819"/>
+                </a:cubicBezTo>
+                <a:lnTo>
+                  <a:pt x="0" y="4450771"/>
+                </a:lnTo>
+                <a:close/>
+              </a:path>
+            </a:pathLst>
+          </a:custGeom>
+          <a:solidFill>
+            <a:schemeClr val="accent6"/>
+          </a:solidFill>
+          <a:ln>
+            <a:noFill/>
+          </a:ln>
+        </p:spPr>
+        <p:style>
+          <a:lnRef idx="2">
+            <a:schemeClr val="accent1">
+              <a:shade val="50000"/>
+            </a:schemeClr>
+          </a:lnRef>
+          <a:fillRef idx="1">
+            <a:schemeClr val="accent1"/>
+          </a:fillRef>
+          <a:effectRef idx="0">
+            <a:schemeClr val="accent1"/>
+          </a:effectRef>
+          <a:fontRef idx="minor">
+            <a:schemeClr val="lt1"/>
+          </a:fontRef>
+        </p:style>
+        <p:txBody>
+          <a:bodyPr wrap="square" rtlCol="0" anchor="ctr">
+            <a:noAutofit/>
+          </a:bodyPr>
+          <a:lstStyle/>
+          <a:p>
+            <a:pPr algn="ctr"/>
+            <a:endParaRPr lang="en-US" sz="1500">
+              <a:solidFill>
+                <a:prstClr val="white"/>
+              </a:solidFill>
+              <a:latin typeface="Avenir Next LT Pro" panose="020B0504020202020204" pitchFamily="34" charset="0"/>
+            </a:endParaRPr>
+          </a:p>
+        </p:txBody>
+      </p:sp>
+      <p:sp>
+        <p:nvSpPr>
+          <p:cNvPr id="13" name="Freeform: Shape 12">
+            <a:extLst>
+              <a:ext uri="{FF2B5EF4-FFF2-40B4-BE49-F238E27FC236}">
+                <a16:creationId xmlns:a16="http://schemas.microsoft.com/office/drawing/2014/main" xmlns="" id="{6A9C92F4-A4A4-42E0-9391-C666AAED1E6A}"/>
+              </a:ext>
+              <a:ext uri="{C183D7F6-B498-43B3-948B-1728B52AA6E4}">
+                <adec:decorative xmlns:adec="http://schemas.microsoft.com/office/drawing/2017/decorative" xmlns="" val="1"/>
+              </a:ext>
+            </a:extLst>
+          </p:cNvPr>
+          <p:cNvSpPr>
+            <a:spLocks noGrp="1" noRot="1" noChangeAspect="1" noMove="1" noResize="1" noEditPoints="1" noAdjustHandles="1" noChangeArrowheads="1" noChangeShapeType="1" noTextEdit="1"/>
+          </p:cNvSpPr>
+          <p:nvPr>
+            <p:extLst>
+              <p:ext uri="{386F3935-93C4-4BCD-93E2-E3B085C9AB24}">
+                <p16:designElem xmlns:p16="http://schemas.microsoft.com/office/powerpoint/2015/main" xmlns="" val="1"/>
+              </p:ext>
+            </p:extLst>
+          </p:nvPr>
+        </p:nvSpPr>
+        <p:spPr>
+          <a:xfrm rot="13817925">
+            <a:off x="2322363" y="-118377"/>
+            <a:ext cx="7900749" cy="9821966"/>
+          </a:xfrm>
+          <a:custGeom>
+            <a:avLst/>
+            <a:gdLst>
+              <a:gd name="connsiteX0" fmla="*/ 589029 w 7858893"/>
+              <a:gd name="connsiteY0" fmla="*/ 9827096 h 9827096"/>
+              <a:gd name="connsiteX1" fmla="*/ 0 w 7858893"/>
+              <a:gd name="connsiteY1" fmla="*/ 9338053 h 9827096"/>
+              <a:gd name="connsiteX2" fmla="*/ 50440 w 7858893"/>
+              <a:gd name="connsiteY2" fmla="*/ 9011561 h 9827096"/>
+              <a:gd name="connsiteX3" fmla="*/ 398242 w 7858893"/>
+              <a:gd name="connsiteY3" fmla="*/ 7620242 h 9827096"/>
+              <a:gd name="connsiteX4" fmla="*/ 6756719 w 7858893"/>
+              <a:gd name="connsiteY4" fmla="*/ 593416 h 9827096"/>
+              <a:gd name="connsiteX5" fmla="*/ 7642630 w 7858893"/>
+              <a:gd name="connsiteY5" fmla="*/ 111525 h 9827096"/>
+              <a:gd name="connsiteX6" fmla="*/ 7858893 w 7858893"/>
+              <a:gd name="connsiteY6" fmla="*/ 0 h 9827096"/>
+              <a:gd name="connsiteX0" fmla="*/ 589029 w 8190490"/>
+              <a:gd name="connsiteY0" fmla="*/ 9787128 h 9787128"/>
+              <a:gd name="connsiteX1" fmla="*/ 0 w 8190490"/>
+              <a:gd name="connsiteY1" fmla="*/ 9298085 h 9787128"/>
+              <a:gd name="connsiteX2" fmla="*/ 50440 w 8190490"/>
+              <a:gd name="connsiteY2" fmla="*/ 8971593 h 9787128"/>
+              <a:gd name="connsiteX3" fmla="*/ 398242 w 8190490"/>
+              <a:gd name="connsiteY3" fmla="*/ 7580274 h 9787128"/>
+              <a:gd name="connsiteX4" fmla="*/ 6756719 w 8190490"/>
+              <a:gd name="connsiteY4" fmla="*/ 553448 h 9787128"/>
+              <a:gd name="connsiteX5" fmla="*/ 7642630 w 8190490"/>
+              <a:gd name="connsiteY5" fmla="*/ 71557 h 9787128"/>
+              <a:gd name="connsiteX6" fmla="*/ 8190490 w 8190490"/>
+              <a:gd name="connsiteY6" fmla="*/ 0 h 9787128"/>
+              <a:gd name="connsiteX7" fmla="*/ 589029 w 8190490"/>
+              <a:gd name="connsiteY7" fmla="*/ 9787128 h 9787128"/>
+              <a:gd name="connsiteX0" fmla="*/ 589029 w 8281930"/>
+              <a:gd name="connsiteY0" fmla="*/ 9722690 h 9722690"/>
+              <a:gd name="connsiteX1" fmla="*/ 0 w 8281930"/>
+              <a:gd name="connsiteY1" fmla="*/ 9233647 h 9722690"/>
+              <a:gd name="connsiteX2" fmla="*/ 50440 w 8281930"/>
+              <a:gd name="connsiteY2" fmla="*/ 8907155 h 9722690"/>
+              <a:gd name="connsiteX3" fmla="*/ 398242 w 8281930"/>
+              <a:gd name="connsiteY3" fmla="*/ 7515836 h 9722690"/>
+              <a:gd name="connsiteX4" fmla="*/ 6756719 w 8281930"/>
+              <a:gd name="connsiteY4" fmla="*/ 489010 h 9722690"/>
+              <a:gd name="connsiteX5" fmla="*/ 7642630 w 8281930"/>
+              <a:gd name="connsiteY5" fmla="*/ 7119 h 9722690"/>
+              <a:gd name="connsiteX6" fmla="*/ 8281930 w 8281930"/>
+              <a:gd name="connsiteY6" fmla="*/ 27002 h 9722690"/>
+              <a:gd name="connsiteX0" fmla="*/ 589029 w 7911958"/>
+              <a:gd name="connsiteY0" fmla="*/ 9802819 h 9802819"/>
+              <a:gd name="connsiteX1" fmla="*/ 0 w 7911958"/>
+              <a:gd name="connsiteY1" fmla="*/ 9313776 h 9802819"/>
+              <a:gd name="connsiteX2" fmla="*/ 50440 w 7911958"/>
+              <a:gd name="connsiteY2" fmla="*/ 8987284 h 9802819"/>
+              <a:gd name="connsiteX3" fmla="*/ 398242 w 7911958"/>
+              <a:gd name="connsiteY3" fmla="*/ 7595965 h 9802819"/>
+              <a:gd name="connsiteX4" fmla="*/ 6756719 w 7911958"/>
+              <a:gd name="connsiteY4" fmla="*/ 569139 h 9802819"/>
+              <a:gd name="connsiteX5" fmla="*/ 7642630 w 7911958"/>
+              <a:gd name="connsiteY5" fmla="*/ 87248 h 9802819"/>
+              <a:gd name="connsiteX6" fmla="*/ 7911958 w 7911958"/>
+              <a:gd name="connsiteY6" fmla="*/ 0 h 9802819"/>
+              <a:gd name="connsiteX0" fmla="*/ 589029 w 7642630"/>
+              <a:gd name="connsiteY0" fmla="*/ 9715571 h 9715571"/>
+              <a:gd name="connsiteX1" fmla="*/ 0 w 7642630"/>
+              <a:gd name="connsiteY1" fmla="*/ 9226528 h 9715571"/>
+              <a:gd name="connsiteX2" fmla="*/ 50440 w 7642630"/>
+              <a:gd name="connsiteY2" fmla="*/ 8900036 h 9715571"/>
+              <a:gd name="connsiteX3" fmla="*/ 398242 w 7642630"/>
+              <a:gd name="connsiteY3" fmla="*/ 7508717 h 9715571"/>
+              <a:gd name="connsiteX4" fmla="*/ 6756719 w 7642630"/>
+              <a:gd name="connsiteY4" fmla="*/ 481891 h 9715571"/>
+              <a:gd name="connsiteX5" fmla="*/ 7642630 w 7642630"/>
+              <a:gd name="connsiteY5" fmla="*/ 0 h 9715571"/>
+              <a:gd name="connsiteX0" fmla="*/ 589029 w 7900749"/>
+              <a:gd name="connsiteY0" fmla="*/ 9821966 h 9821966"/>
+              <a:gd name="connsiteX1" fmla="*/ 0 w 7900749"/>
+              <a:gd name="connsiteY1" fmla="*/ 9332923 h 9821966"/>
+              <a:gd name="connsiteX2" fmla="*/ 50440 w 7900749"/>
+              <a:gd name="connsiteY2" fmla="*/ 9006431 h 9821966"/>
+              <a:gd name="connsiteX3" fmla="*/ 398242 w 7900749"/>
+              <a:gd name="connsiteY3" fmla="*/ 7615112 h 9821966"/>
+              <a:gd name="connsiteX4" fmla="*/ 6756719 w 7900749"/>
+              <a:gd name="connsiteY4" fmla="*/ 588286 h 9821966"/>
+              <a:gd name="connsiteX5" fmla="*/ 7900749 w 7900749"/>
+              <a:gd name="connsiteY5" fmla="*/ 0 h 9821966"/>
+            </a:gdLst>
+            <a:ahLst/>
+            <a:cxnLst>
+              <a:cxn ang="0">
+                <a:pos x="connsiteX0" y="connsiteY0"/>
+              </a:cxn>
+              <a:cxn ang="0">
+                <a:pos x="connsiteX1" y="connsiteY1"/>
+              </a:cxn>
+              <a:cxn ang="0">
+                <a:pos x="connsiteX2" y="connsiteY2"/>
+              </a:cxn>
+              <a:cxn ang="0">
+                <a:pos x="connsiteX3" y="connsiteY3"/>
+              </a:cxn>
+              <a:cxn ang="0">
+                <a:pos x="connsiteX4" y="connsiteY4"/>
+              </a:cxn>
+              <a:cxn ang="0">
+                <a:pos x="connsiteX5" y="connsiteY5"/>
+              </a:cxn>
+            </a:cxnLst>
+            <a:rect l="l" t="t" r="r" b="b"/>
+            <a:pathLst>
+              <a:path w="7900749" h="9821966">
+                <a:moveTo>
+                  <a:pt x="589029" y="9821966"/>
+                </a:moveTo>
+                <a:lnTo>
+                  <a:pt x="0" y="9332923"/>
+                </a:lnTo>
+                <a:lnTo>
+                  <a:pt x="50440" y="9006431"/>
+                </a:lnTo>
+                <a:cubicBezTo>
+                  <a:pt x="119970" y="8604142"/>
+                  <a:pt x="221982" y="8158814"/>
+                  <a:pt x="398242" y="7615112"/>
+                </a:cubicBezTo>
+                <a:cubicBezTo>
+                  <a:pt x="1372817" y="4608865"/>
+                  <a:pt x="3887952" y="2237199"/>
+                  <a:pt x="6756719" y="588286"/>
+                </a:cubicBezTo>
+                <a:cubicBezTo>
+                  <a:pt x="6992735" y="452730"/>
+                  <a:pt x="7549593" y="182994"/>
+                  <a:pt x="7900749" y="0"/>
+                </a:cubicBezTo>
+              </a:path>
+            </a:pathLst>
+          </a:custGeom>
+          <a:noFill/>
+          <a:ln w="19050">
+            <a:solidFill>
+              <a:schemeClr val="accent2">
+                <a:lumMod val="60000"/>
+                <a:lumOff val="40000"/>
+              </a:schemeClr>
+            </a:solidFill>
+          </a:ln>
+        </p:spPr>
+        <p:style>
+          <a:lnRef idx="2">
+            <a:schemeClr val="accent1">
+              <a:shade val="50000"/>
+            </a:schemeClr>
+          </a:lnRef>
+          <a:fillRef idx="1">
+            <a:schemeClr val="accent1"/>
+          </a:fillRef>
+          <a:effectRef idx="0">
+            <a:schemeClr val="accent1"/>
+          </a:effectRef>
+          <a:fontRef idx="minor">
+            <a:schemeClr val="lt1"/>
+          </a:fontRef>
+        </p:style>
+        <p:txBody>
+          <a:bodyPr wrap="square" rtlCol="0" anchor="ctr">
+            <a:noAutofit/>
+          </a:bodyPr>
+          <a:lstStyle/>
+          <a:p>
+            <a:pPr marL="0" marR="0" lvl="0" indent="0" algn="ctr" defTabSz="914400" rtl="0" eaLnBrk="1" fontAlgn="auto" latinLnBrk="0" hangingPunct="1">
+              <a:lnSpc>
+                <a:spcPct val="100000"/>
+              </a:lnSpc>
+              <a:spcBef>
+                <a:spcPts val="0"/>
+              </a:spcBef>
+              <a:spcAft>
+                <a:spcPts val="0"/>
+              </a:spcAft>
+              <a:buClrTx/>
+              <a:buSzTx/>
+              <a:buFontTx/>
+              <a:buNone/>
+              <a:tabLst/>
+              <a:defRPr/>
+            </a:pPr>
+            <a:endParaRPr kumimoji="0" lang="en-US" sz="1800" b="0" i="0" u="none" strike="noStrike" kern="1200" cap="none" spc="0" normalizeH="0" baseline="0" noProof="0" dirty="0">
+              <a:ln>
+                <a:noFill/>
+              </a:ln>
+              <a:solidFill>
+                <a:prstClr val="white"/>
+              </a:solidFill>
+              <a:effectLst/>
+              <a:uLnTx/>
+              <a:uFillTx/>
+              <a:latin typeface="Avenir Next LT Pro Light"/>
+              <a:ea typeface="+mn-ea"/>
+              <a:cs typeface="+mn-cs"/>
+            </a:endParaRPr>
+          </a:p>
+        </p:txBody>
+      </p:sp>
       <p:sp>
         <p:nvSpPr>
           <p:cNvPr id="2" name="Nadpis 1">
             <a:extLst>
               <a:ext uri="{FF2B5EF4-FFF2-40B4-BE49-F238E27FC236}">
-                <a16:creationId xmlns:a16="http://schemas.microsoft.com/office/drawing/2014/main" id="{EA508DB5-C484-1465-A5AF-3D40C14DBC14}"/>
+                <a16:creationId xmlns:a16="http://schemas.microsoft.com/office/drawing/2014/main" xmlns="" id="{EBA30212-562A-2FDF-60D1-4A31F35CA344}"/>
               </a:ext>
             </a:extLst>
           </p:cNvPr>
@@ -5302,139 +10450,89 @@
             <p:ph type="title"/>
           </p:nvPr>
         </p:nvSpPr>
-        <p:spPr/>
+        <p:spPr>
+          <a:xfrm>
+            <a:off x="718751" y="762000"/>
+            <a:ext cx="3598808" cy="2286000"/>
+          </a:xfrm>
+        </p:spPr>
         <p:txBody>
-          <a:bodyPr>
+          <a:bodyPr anchor="t">
             <a:normAutofit/>
           </a:bodyPr>
           <a:lstStyle/>
           <a:p>
             <a:r>
-              <a:rPr lang="cs-CZ" sz="7200" b="1" dirty="0">
+              <a:rPr lang="cs-CZ" sz="5400" dirty="0">
                 <a:solidFill>
-                  <a:schemeClr val="bg1">
-                    <a:lumMod val="95000"/>
-                    <a:lumOff val="5000"/>
-                  </a:schemeClr>
+                  <a:srgbClr val="FFFFFF"/>
                 </a:solidFill>
               </a:rPr>
-              <a:t>Konec</a:t>
+              <a:t>Obsah</a:t>
             </a:r>
           </a:p>
         </p:txBody>
       </p:sp>
-      <p:sp>
-        <p:nvSpPr>
-          <p:cNvPr id="3" name="Zástupný obsah 2">
-            <a:extLst>
-              <a:ext uri="{FF2B5EF4-FFF2-40B4-BE49-F238E27FC236}">
-                <a16:creationId xmlns:a16="http://schemas.microsoft.com/office/drawing/2014/main" id="{4C85783E-11CF-4105-DB6F-75269F3FA205}"/>
-              </a:ext>
-            </a:extLst>
-          </p:cNvPr>
-          <p:cNvSpPr>
-            <a:spLocks noGrp="1"/>
-          </p:cNvSpPr>
+      <p:graphicFrame>
+        <p:nvGraphicFramePr>
+          <p:cNvPr id="5" name="Zástupný obsah 2">
+            <a:extLst>
+              <a:ext uri="{FF2B5EF4-FFF2-40B4-BE49-F238E27FC236}">
+                <a16:creationId xmlns:a16="http://schemas.microsoft.com/office/drawing/2014/main" xmlns="" id="{B42D8590-4BCE-0FD3-813C-5173BC0A859A}"/>
+              </a:ext>
+            </a:extLst>
+          </p:cNvPr>
+          <p:cNvGraphicFramePr>
+            <a:graphicFrameLocks noGrp="1"/>
+          </p:cNvGraphicFramePr>
           <p:nvPr>
             <p:ph idx="1"/>
+            <p:extLst>
+              <p:ext uri="{D42A27DB-BD31-4B8C-83A1-F6EECF244321}">
+                <p14:modId xmlns:p14="http://schemas.microsoft.com/office/powerpoint/2010/main" val="3488010181"/>
+              </p:ext>
+            </p:extLst>
           </p:nvPr>
-        </p:nvSpPr>
-        <p:spPr/>
-        <p:txBody>
-          <a:bodyPr vert="horz" lIns="91440" tIns="45720" rIns="91440" bIns="45720" rtlCol="0" anchor="t">
-            <a:normAutofit/>
-          </a:bodyPr>
-          <a:lstStyle/>
-          <a:p>
-            <a:pPr marL="0" indent="0">
-              <a:buNone/>
-            </a:pPr>
-            <a:r>
-              <a:rPr lang="cs-CZ" sz="3000" dirty="0">
-                <a:solidFill>
-                  <a:schemeClr val="bg1">
-                    <a:lumMod val="95000"/>
-                    <a:lumOff val="5000"/>
-                  </a:schemeClr>
-                </a:solidFill>
-              </a:rPr>
-              <a:t>Odkaz na </a:t>
-            </a:r>
-            <a:r>
-              <a:rPr lang="cs-CZ" sz="3000" dirty="0" err="1">
-                <a:solidFill>
-                  <a:schemeClr val="bg1">
-                    <a:lumMod val="95000"/>
-                    <a:lumOff val="5000"/>
-                  </a:schemeClr>
-                </a:solidFill>
-              </a:rPr>
-              <a:t>Github</a:t>
-            </a:r>
-            <a:r>
-              <a:rPr lang="cs-CZ" sz="3000" dirty="0">
-                <a:solidFill>
-                  <a:schemeClr val="bg1">
-                    <a:lumMod val="95000"/>
-                    <a:lumOff val="5000"/>
-                  </a:schemeClr>
-                </a:solidFill>
-              </a:rPr>
-              <a:t> :</a:t>
-            </a:r>
-          </a:p>
-          <a:p>
-            <a:pPr marL="0" indent="0">
-              <a:buNone/>
-            </a:pPr>
-            <a:r>
-              <a:rPr lang="cs-CZ" sz="3000" dirty="0">
-                <a:solidFill>
-                  <a:schemeClr val="bg1">
-                    <a:lumMod val="95000"/>
-                    <a:lumOff val="5000"/>
-                  </a:schemeClr>
-                </a:solidFill>
-                <a:ea typeface="+mn-lt"/>
-                <a:cs typeface="+mn-lt"/>
-                <a:hlinkClick r:id="rId2">
-                  <a:extLst>
-                    <a:ext uri="{A12FA001-AC4F-418D-AE19-62706E023703}">
-                      <ahyp:hlinkClr xmlns:ahyp="http://schemas.microsoft.com/office/drawing/2018/hyperlinkcolor" val="tx"/>
-                    </a:ext>
-                  </a:extLst>
-                </a:hlinkClick>
-              </a:rPr>
-              <a:t>Stepikkk93/Prezentace-Helbich (github.com)</a:t>
-            </a:r>
-            <a:endParaRPr lang="cs-CZ">
-              <a:solidFill>
-                <a:schemeClr val="bg1">
-                  <a:lumMod val="95000"/>
-                  <a:lumOff val="5000"/>
-                </a:schemeClr>
-              </a:solidFill>
-              <a:hlinkClick r:id="rId2">
-                <a:extLst>
-                  <a:ext uri="{A12FA001-AC4F-418D-AE19-62706E023703}">
-                    <ahyp:hlinkClr xmlns:ahyp="http://schemas.microsoft.com/office/drawing/2018/hyperlinkcolor" val="tx"/>
-                  </a:ext>
-                </a:extLst>
-              </a:hlinkClick>
-            </a:endParaRPr>
-          </a:p>
-        </p:txBody>
-      </p:sp>
+        </p:nvGraphicFramePr>
+        <p:xfrm>
+          <a:off x="4572000" y="771726"/>
+          <a:ext cx="6858000" cy="4562274"/>
+        </p:xfrm>
+        <a:graphic>
+          <a:graphicData uri="http://schemas.openxmlformats.org/drawingml/2006/diagram">
+            <dgm:relIds xmlns:dgm="http://schemas.openxmlformats.org/drawingml/2006/diagram" xmlns:r="http://schemas.openxmlformats.org/officeDocument/2006/relationships" r:dm="rId2" r:lo="rId3" r:qs="rId4" r:cs="rId5"/>
+          </a:graphicData>
+        </a:graphic>
+      </p:graphicFrame>
     </p:spTree>
     <p:extLst>
       <p:ext uri="{BB962C8B-B14F-4D97-AF65-F5344CB8AC3E}">
-        <p14:creationId xmlns:p14="http://schemas.microsoft.com/office/powerpoint/2010/main" val="597076082"/>
+        <p14:creationId xmlns:p14="http://schemas.microsoft.com/office/powerpoint/2010/main" val="1505488313"/>
       </p:ext>
     </p:extLst>
   </p:cSld>
   <p:clrMapOvr>
     <a:masterClrMapping/>
   </p:clrMapOvr>
+  <mc:AlternateContent xmlns:mc="http://schemas.openxmlformats.org/markup-compatibility/2006">
+    <mc:Choice xmlns:p14="http://schemas.microsoft.com/office/powerpoint/2010/main" Requires="p14">
+      <p:transition spd="med" p14:dur="700" advTm="30000">
+        <p:fade/>
+      </p:transition>
+    </mc:Choice>
+    <mc:Fallback>
+      <p:transition spd="med" advTm="30000">
+        <p:fade/>
+      </p:transition>
+    </mc:Fallback>
+  </mc:AlternateContent>
+  <p:timing>
+    <p:tnLst>
+      <p:par>
+        <p:cTn id="1" dur="indefinite" restart="never" nodeType="tmRoot"/>
+      </p:par>
+    </p:tnLst>
+  </p:timing>
 </p:sld>
 </file>
 
@@ -5460,7 +10558,7 @@
           <p:cNvPr id="2" name="Nadpis 1">
             <a:extLst>
               <a:ext uri="{FF2B5EF4-FFF2-40B4-BE49-F238E27FC236}">
-                <a16:creationId xmlns:a16="http://schemas.microsoft.com/office/drawing/2014/main" id="{2D0EFF37-965B-751B-A677-774052087FF0}"/>
+                <a16:creationId xmlns:a16="http://schemas.microsoft.com/office/drawing/2014/main" xmlns="" id="{2D0EFF37-965B-751B-A677-774052087FF0}"/>
               </a:ext>
             </a:extLst>
           </p:cNvPr>
@@ -5476,7 +10574,25 @@
           <a:bodyPr/>
           <a:lstStyle/>
           <a:p>
-            <a:endParaRPr lang="cs-CZ"/>
+            <a:r>
+              <a:rPr lang="cs-CZ" sz="6000" dirty="0">
+                <a:solidFill>
+                  <a:schemeClr val="bg1">
+                    <a:lumMod val="95000"/>
+                    <a:lumOff val="5000"/>
+                  </a:schemeClr>
+                </a:solidFill>
+              </a:rPr>
+              <a:t>Optické vlákno</a:t>
+            </a:r>
+            <a:endParaRPr lang="cs-CZ" dirty="0">
+              <a:solidFill>
+                <a:schemeClr val="bg1">
+                  <a:lumMod val="95000"/>
+                  <a:lumOff val="5000"/>
+                </a:schemeClr>
+              </a:solidFill>
+            </a:endParaRPr>
           </a:p>
         </p:txBody>
       </p:sp>
@@ -5485,7 +10601,7 @@
           <p:cNvPr id="3" name="Zástupný obsah 2">
             <a:extLst>
               <a:ext uri="{FF2B5EF4-FFF2-40B4-BE49-F238E27FC236}">
-                <a16:creationId xmlns:a16="http://schemas.microsoft.com/office/drawing/2014/main" id="{92A1265D-F8E1-2CF8-AF8F-F7EEDE33DAE5}"/>
+                <a16:creationId xmlns:a16="http://schemas.microsoft.com/office/drawing/2014/main" xmlns="" id="{92A1265D-F8E1-2CF8-AF8F-F7EEDE33DAE5}"/>
               </a:ext>
             </a:extLst>
           </p:cNvPr>
@@ -5498,10 +10614,172 @@
         </p:nvSpPr>
         <p:spPr/>
         <p:txBody>
-          <a:bodyPr/>
+          <a:bodyPr vert="horz" lIns="91440" tIns="45720" rIns="91440" bIns="45720" rtlCol="0" anchor="t">
+            <a:normAutofit/>
+          </a:bodyPr>
           <a:lstStyle/>
           <a:p>
+            <a:r>
+              <a:rPr lang="cs-CZ" dirty="0">
+                <a:solidFill>
+                  <a:schemeClr val="bg1">
+                    <a:lumMod val="95000"/>
+                    <a:lumOff val="5000"/>
+                  </a:schemeClr>
+                </a:solidFill>
+              </a:rPr>
+              <a:t>Plastové nebo skleněné</a:t>
+            </a:r>
+          </a:p>
+          <a:p>
+            <a:endParaRPr lang="cs-CZ" dirty="0">
+              <a:solidFill>
+                <a:schemeClr val="bg1">
+                  <a:lumMod val="95000"/>
+                  <a:lumOff val="5000"/>
+                </a:schemeClr>
+              </a:solidFill>
+            </a:endParaRPr>
+          </a:p>
+          <a:p>
+            <a:r>
+              <a:rPr lang="cs-CZ" dirty="0">
+                <a:solidFill>
+                  <a:schemeClr val="bg1">
+                    <a:lumMod val="95000"/>
+                    <a:lumOff val="5000"/>
+                  </a:schemeClr>
+                </a:solidFill>
+              </a:rPr>
+              <a:t>Přenos signálu pomocí světla</a:t>
+            </a:r>
+          </a:p>
+          <a:p>
+            <a:endParaRPr lang="cs-CZ" dirty="0">
+              <a:solidFill>
+                <a:schemeClr val="bg1">
+                  <a:lumMod val="95000"/>
+                  <a:lumOff val="5000"/>
+                </a:schemeClr>
+              </a:solidFill>
+            </a:endParaRPr>
+          </a:p>
+          <a:p>
+            <a:r>
+              <a:rPr lang="cs-CZ" dirty="0">
+                <a:solidFill>
+                  <a:schemeClr val="bg1">
+                    <a:lumMod val="95000"/>
+                    <a:lumOff val="5000"/>
+                  </a:schemeClr>
+                </a:solidFill>
+              </a:rPr>
+              <a:t>Využití v telekomunikacích</a:t>
+            </a:r>
+          </a:p>
+        </p:txBody>
+      </p:sp>
+      <p:pic>
+        <p:nvPicPr>
+          <p:cNvPr id="4" name="Obrázek 4">
+            <a:extLst>
+              <a:ext uri="{FF2B5EF4-FFF2-40B4-BE49-F238E27FC236}">
+                <a16:creationId xmlns:a16="http://schemas.microsoft.com/office/drawing/2014/main" xmlns="" id="{BDCD7CAA-2EFC-2EA3-53E0-5F861F5DCD38}"/>
+              </a:ext>
+            </a:extLst>
+          </p:cNvPr>
+          <p:cNvPicPr>
+            <a:picLocks noChangeAspect="1"/>
+          </p:cNvPicPr>
+          <p:nvPr/>
+        </p:nvPicPr>
+        <p:blipFill>
+          <a:blip r:embed="rId2"/>
+          <a:stretch>
+            <a:fillRect/>
+          </a:stretch>
+        </p:blipFill>
+        <p:spPr>
+          <a:xfrm>
+            <a:off x="8894194" y="1251818"/>
+            <a:ext cx="3116035" cy="4723039"/>
+          </a:xfrm>
+          <a:prstGeom prst="rect">
+            <a:avLst/>
+          </a:prstGeom>
+        </p:spPr>
+      </p:pic>
+      <p:sp>
+        <p:nvSpPr>
+          <p:cNvPr id="5" name="TextovéPole 4">
+            <a:extLst>
+              <a:ext uri="{FF2B5EF4-FFF2-40B4-BE49-F238E27FC236}">
+                <a16:creationId xmlns:a16="http://schemas.microsoft.com/office/drawing/2014/main" xmlns="" id="{D5FF5A31-0563-2A57-2630-94B263FDE3DA}"/>
+              </a:ext>
+            </a:extLst>
+          </p:cNvPr>
+          <p:cNvSpPr txBox="1"/>
+          <p:nvPr/>
+        </p:nvSpPr>
+        <p:spPr>
+          <a:xfrm>
+            <a:off x="9131906" y="5653291"/>
+            <a:ext cx="3131388" cy="644105"/>
+          </a:xfrm>
+          <a:prstGeom prst="rect">
+            <a:avLst/>
+          </a:prstGeom>
+          <a:noFill/>
+        </p:spPr>
+        <p:txBody>
+          <a:bodyPr rot="0" spcFirstLastPara="0" vertOverflow="overflow" horzOverflow="overflow" vert="horz" wrap="square" lIns="91440" tIns="45720" rIns="91440" bIns="45720" numCol="1" spcCol="0" rtlCol="0" fromWordArt="0" anchor="t" anchorCtr="0" forceAA="0" compatLnSpc="1">
+            <a:prstTxWarp prst="textNoShape">
+              <a:avLst/>
+            </a:prstTxWarp>
+            <a:spAutoFit/>
+          </a:bodyPr>
+          <a:lstStyle/>
+          <a:p>
+            <a:pPr algn="l"/>
             <a:endParaRPr lang="cs-CZ"/>
+          </a:p>
+        </p:txBody>
+      </p:sp>
+      <p:sp>
+        <p:nvSpPr>
+          <p:cNvPr id="6" name="TextovéPole 5">
+            <a:extLst>
+              <a:ext uri="{FF2B5EF4-FFF2-40B4-BE49-F238E27FC236}">
+                <a16:creationId xmlns:a16="http://schemas.microsoft.com/office/drawing/2014/main" xmlns="" id="{E77BB47A-58F1-5A93-D598-3D01B6547130}"/>
+              </a:ext>
+            </a:extLst>
+          </p:cNvPr>
+          <p:cNvSpPr txBox="1"/>
+          <p:nvPr/>
+        </p:nvSpPr>
+        <p:spPr>
+          <a:xfrm>
+            <a:off x="10838328" y="5982446"/>
+            <a:ext cx="1010023" cy="369047"/>
+          </a:xfrm>
+          <a:prstGeom prst="rect">
+            <a:avLst/>
+          </a:prstGeom>
+          <a:noFill/>
+        </p:spPr>
+        <p:txBody>
+          <a:bodyPr rot="0" spcFirstLastPara="0" vertOverflow="overflow" horzOverflow="overflow" vert="horz" wrap="square" lIns="91440" tIns="45720" rIns="91440" bIns="45720" numCol="1" spcCol="0" rtlCol="0" fromWordArt="0" anchor="t" anchorCtr="0" forceAA="0" compatLnSpc="1">
+            <a:prstTxWarp prst="textNoShape">
+              <a:avLst/>
+            </a:prstTxWarp>
+            <a:spAutoFit/>
+          </a:bodyPr>
+          <a:lstStyle/>
+          <a:p>
+            <a:r>
+              <a:rPr lang="cs-CZ" dirty="0"/>
+              <a:t>Obr . 1</a:t>
+            </a:r>
           </a:p>
         </p:txBody>
       </p:sp>
@@ -5515,12 +10793,30 @@
   <p:clrMapOvr>
     <a:masterClrMapping/>
   </p:clrMapOvr>
+  <p:transition spd="slow" advTm="60000">
+    <p:wipe/>
+  </p:transition>
+  <p:timing>
+    <p:tnLst>
+      <p:par>
+        <p:cTn id="1" dur="indefinite" restart="never" nodeType="tmRoot"/>
+      </p:par>
+    </p:tnLst>
+  </p:timing>
 </p:sld>
 </file>
 
 <file path=ppt/slides/slide4.xml><?xml version="1.0" encoding="utf-8"?>
 <p:sld xmlns:a="http://schemas.openxmlformats.org/drawingml/2006/main" xmlns:r="http://schemas.openxmlformats.org/officeDocument/2006/relationships" xmlns:p="http://schemas.openxmlformats.org/presentationml/2006/main">
   <p:cSld>
+    <p:bg>
+      <p:bgPr>
+        <a:solidFill>
+          <a:schemeClr val="bg2"/>
+        </a:solidFill>
+        <a:effectLst/>
+      </p:bgPr>
+    </p:bg>
     <p:spTree>
       <p:nvGrpSpPr>
         <p:cNvPr id="1" name=""/>
@@ -5535,12 +10831,368 @@
           <a:chExt cx="0" cy="0"/>
         </a:xfrm>
       </p:grpSpPr>
+      <p:sp useBgFill="1">
+        <p:nvSpPr>
+          <p:cNvPr id="9" name="Rectangle 8">
+            <a:extLst>
+              <a:ext uri="{FF2B5EF4-FFF2-40B4-BE49-F238E27FC236}">
+                <a16:creationId xmlns:a16="http://schemas.microsoft.com/office/drawing/2014/main" xmlns="" id="{987A0FBA-CC04-4256-A8EB-BB3C543E989C}"/>
+              </a:ext>
+              <a:ext uri="{C183D7F6-B498-43B3-948B-1728B52AA6E4}">
+                <adec:decorative xmlns:adec="http://schemas.microsoft.com/office/drawing/2017/decorative" xmlns="" val="1"/>
+              </a:ext>
+            </a:extLst>
+          </p:cNvPr>
+          <p:cNvSpPr>
+            <a:spLocks noGrp="1" noRot="1" noChangeAspect="1" noMove="1" noResize="1" noEditPoints="1" noAdjustHandles="1" noChangeArrowheads="1" noChangeShapeType="1" noTextEdit="1"/>
+          </p:cNvSpPr>
+          <p:nvPr>
+            <p:extLst>
+              <p:ext uri="{386F3935-93C4-4BCD-93E2-E3B085C9AB24}">
+                <p16:designElem xmlns:p16="http://schemas.microsoft.com/office/powerpoint/2015/main" xmlns="" val="1"/>
+              </p:ext>
+            </p:extLst>
+          </p:nvPr>
+        </p:nvSpPr>
+        <p:spPr>
+          <a:xfrm>
+            <a:off x="0" y="0"/>
+            <a:ext cx="12192000" cy="6858000"/>
+          </a:xfrm>
+          <a:prstGeom prst="rect">
+            <a:avLst/>
+          </a:prstGeom>
+          <a:ln w="12700" cap="flat" cmpd="sng" algn="ctr">
+            <a:noFill/>
+            <a:prstDash val="solid"/>
+            <a:miter lim="800000"/>
+          </a:ln>
+          <a:effectLst/>
+          <a:extLst>
+            <a:ext uri="{91240B29-F687-4F45-9708-019B960494DF}">
+              <a14:hiddenLine xmlns:a14="http://schemas.microsoft.com/office/drawing/2010/main" w="12700" cap="flat" cmpd="sng" algn="ctr">
+                <a:solidFill>
+                  <a:schemeClr val="accent1">
+                    <a:shade val="50000"/>
+                  </a:schemeClr>
+                </a:solidFill>
+                <a:prstDash val="solid"/>
+                <a:miter lim="800000"/>
+              </a14:hiddenLine>
+            </a:ext>
+          </a:extLst>
+        </p:spPr>
+        <p:style>
+          <a:lnRef idx="2">
+            <a:schemeClr val="accent1">
+              <a:shade val="50000"/>
+            </a:schemeClr>
+          </a:lnRef>
+          <a:fillRef idx="1">
+            <a:schemeClr val="accent1"/>
+          </a:fillRef>
+          <a:effectRef idx="0">
+            <a:schemeClr val="accent1"/>
+          </a:effectRef>
+          <a:fontRef idx="minor">
+            <a:schemeClr val="lt1"/>
+          </a:fontRef>
+        </p:style>
+        <p:txBody>
+          <a:bodyPr rtlCol="0" anchor="ctr"/>
+          <a:lstStyle/>
+          <a:p>
+            <a:pPr algn="ctr"/>
+            <a:endParaRPr lang="en-US"/>
+          </a:p>
+        </p:txBody>
+      </p:sp>
+      <p:pic>
+        <p:nvPicPr>
+          <p:cNvPr id="5" name="Picture 4" descr="Koule tvořená sítí a uzly">
+            <a:extLst>
+              <a:ext uri="{FF2B5EF4-FFF2-40B4-BE49-F238E27FC236}">
+                <a16:creationId xmlns:a16="http://schemas.microsoft.com/office/drawing/2014/main" xmlns="" id="{C35A3C79-F87A-0070-8A82-1A8A53054554}"/>
+              </a:ext>
+            </a:extLst>
+          </p:cNvPr>
+          <p:cNvPicPr>
+            <a:picLocks noChangeAspect="1"/>
+          </p:cNvPicPr>
+          <p:nvPr/>
+        </p:nvPicPr>
+        <p:blipFill rotWithShape="1">
+          <a:blip r:embed="rId2"/>
+          <a:srcRect l="36067" r="6347" b="4"/>
+          <a:stretch/>
+        </p:blipFill>
+        <p:spPr>
+          <a:xfrm>
+            <a:off x="1" y="10"/>
+            <a:ext cx="5265919" cy="6857990"/>
+          </a:xfrm>
+          <a:custGeom>
+            <a:avLst/>
+            <a:gdLst/>
+            <a:ahLst/>
+            <a:cxnLst/>
+            <a:rect l="l" t="t" r="r" b="b"/>
+            <a:pathLst>
+              <a:path w="5265919" h="6858000">
+                <a:moveTo>
+                  <a:pt x="0" y="0"/>
+                </a:moveTo>
+                <a:lnTo>
+                  <a:pt x="1928158" y="0"/>
+                </a:lnTo>
+                <a:lnTo>
+                  <a:pt x="2086666" y="218181"/>
+                </a:lnTo>
+                <a:cubicBezTo>
+                  <a:pt x="2695854" y="1023180"/>
+                  <a:pt x="3451052" y="1818277"/>
+                  <a:pt x="4009668" y="2631787"/>
+                </a:cubicBezTo>
+                <a:cubicBezTo>
+                  <a:pt x="4741122" y="3696928"/>
+                  <a:pt x="5292623" y="4799581"/>
+                  <a:pt x="5264920" y="5672947"/>
+                </a:cubicBezTo>
+                <a:cubicBezTo>
+                  <a:pt x="5253483" y="6040467"/>
+                  <a:pt x="5142899" y="6348559"/>
+                  <a:pt x="4962841" y="6612444"/>
+                </a:cubicBezTo>
+                <a:cubicBezTo>
+                  <a:pt x="4925329" y="6667420"/>
+                  <a:pt x="4884801" y="6720477"/>
+                  <a:pt x="4841526" y="6771753"/>
+                </a:cubicBezTo>
+                <a:lnTo>
+                  <a:pt x="4761562" y="6858000"/>
+                </a:lnTo>
+                <a:lnTo>
+                  <a:pt x="0" y="6858000"/>
+                </a:lnTo>
+                <a:close/>
+              </a:path>
+            </a:pathLst>
+          </a:custGeom>
+        </p:spPr>
+      </p:pic>
+      <p:sp>
+        <p:nvSpPr>
+          <p:cNvPr id="11" name="Freeform: Shape 10">
+            <a:extLst>
+              <a:ext uri="{FF2B5EF4-FFF2-40B4-BE49-F238E27FC236}">
+                <a16:creationId xmlns:a16="http://schemas.microsoft.com/office/drawing/2014/main" xmlns="" id="{E3588014-99E8-44C1-BB9D-26C13B241D05}"/>
+              </a:ext>
+              <a:ext uri="{C183D7F6-B498-43B3-948B-1728B52AA6E4}">
+                <adec:decorative xmlns:adec="http://schemas.microsoft.com/office/drawing/2017/decorative" xmlns="" val="1"/>
+              </a:ext>
+            </a:extLst>
+          </p:cNvPr>
+          <p:cNvSpPr>
+            <a:spLocks noGrp="1" noRot="1" noChangeAspect="1" noMove="1" noResize="1" noEditPoints="1" noAdjustHandles="1" noChangeArrowheads="1" noChangeShapeType="1" noTextEdit="1"/>
+          </p:cNvSpPr>
+          <p:nvPr>
+            <p:extLst>
+              <p:ext uri="{386F3935-93C4-4BCD-93E2-E3B085C9AB24}">
+                <p16:designElem xmlns:p16="http://schemas.microsoft.com/office/powerpoint/2015/main" xmlns="" val="1"/>
+              </p:ext>
+            </p:extLst>
+          </p:nvPr>
+        </p:nvSpPr>
+        <p:spPr>
+          <a:xfrm rot="7789134">
+            <a:off x="1570515" y="454890"/>
+            <a:ext cx="3969651" cy="5948221"/>
+          </a:xfrm>
+          <a:custGeom>
+            <a:avLst/>
+            <a:gdLst>
+              <a:gd name="connsiteX0" fmla="*/ 4594048 w 9861488"/>
+              <a:gd name="connsiteY0" fmla="*/ 11458472 h 11458472"/>
+              <a:gd name="connsiteX1" fmla="*/ 0 w 9861488"/>
+              <a:gd name="connsiteY1" fmla="*/ 5948221 h 11458472"/>
+              <a:gd name="connsiteX2" fmla="*/ 1863 w 9861488"/>
+              <a:gd name="connsiteY2" fmla="*/ 5698862 h 11458472"/>
+              <a:gd name="connsiteX3" fmla="*/ 320025 w 9861488"/>
+              <a:gd name="connsiteY3" fmla="*/ 3799836 h 11458472"/>
+              <a:gd name="connsiteX4" fmla="*/ 3430486 w 9861488"/>
+              <a:gd name="connsiteY4" fmla="*/ 295907 h 11458472"/>
+              <a:gd name="connsiteX5" fmla="*/ 3863859 w 9861488"/>
+              <a:gd name="connsiteY5" fmla="*/ 55612 h 11458472"/>
+              <a:gd name="connsiteX6" fmla="*/ 3969651 w 9861488"/>
+              <a:gd name="connsiteY6" fmla="*/ 0 h 11458472"/>
+              <a:gd name="connsiteX7" fmla="*/ 9861488 w 9861488"/>
+              <a:gd name="connsiteY7" fmla="*/ 7066862 h 11458472"/>
+              <a:gd name="connsiteX8" fmla="*/ 4594048 w 9861488"/>
+              <a:gd name="connsiteY8" fmla="*/ 11458472 h 11458472"/>
+              <a:gd name="connsiteX0" fmla="*/ 0 w 9861488"/>
+              <a:gd name="connsiteY0" fmla="*/ 5948221 h 11549912"/>
+              <a:gd name="connsiteX1" fmla="*/ 1863 w 9861488"/>
+              <a:gd name="connsiteY1" fmla="*/ 5698862 h 11549912"/>
+              <a:gd name="connsiteX2" fmla="*/ 320025 w 9861488"/>
+              <a:gd name="connsiteY2" fmla="*/ 3799836 h 11549912"/>
+              <a:gd name="connsiteX3" fmla="*/ 3430486 w 9861488"/>
+              <a:gd name="connsiteY3" fmla="*/ 295907 h 11549912"/>
+              <a:gd name="connsiteX4" fmla="*/ 3863859 w 9861488"/>
+              <a:gd name="connsiteY4" fmla="*/ 55612 h 11549912"/>
+              <a:gd name="connsiteX5" fmla="*/ 3969651 w 9861488"/>
+              <a:gd name="connsiteY5" fmla="*/ 0 h 11549912"/>
+              <a:gd name="connsiteX6" fmla="*/ 9861488 w 9861488"/>
+              <a:gd name="connsiteY6" fmla="*/ 7066862 h 11549912"/>
+              <a:gd name="connsiteX7" fmla="*/ 4685488 w 9861488"/>
+              <a:gd name="connsiteY7" fmla="*/ 11549912 h 11549912"/>
+              <a:gd name="connsiteX0" fmla="*/ 0 w 9861488"/>
+              <a:gd name="connsiteY0" fmla="*/ 5948221 h 7066862"/>
+              <a:gd name="connsiteX1" fmla="*/ 1863 w 9861488"/>
+              <a:gd name="connsiteY1" fmla="*/ 5698862 h 7066862"/>
+              <a:gd name="connsiteX2" fmla="*/ 320025 w 9861488"/>
+              <a:gd name="connsiteY2" fmla="*/ 3799836 h 7066862"/>
+              <a:gd name="connsiteX3" fmla="*/ 3430486 w 9861488"/>
+              <a:gd name="connsiteY3" fmla="*/ 295907 h 7066862"/>
+              <a:gd name="connsiteX4" fmla="*/ 3863859 w 9861488"/>
+              <a:gd name="connsiteY4" fmla="*/ 55612 h 7066862"/>
+              <a:gd name="connsiteX5" fmla="*/ 3969651 w 9861488"/>
+              <a:gd name="connsiteY5" fmla="*/ 0 h 7066862"/>
+              <a:gd name="connsiteX6" fmla="*/ 9861488 w 9861488"/>
+              <a:gd name="connsiteY6" fmla="*/ 7066862 h 7066862"/>
+              <a:gd name="connsiteX0" fmla="*/ 0 w 3969651"/>
+              <a:gd name="connsiteY0" fmla="*/ 5948221 h 5948221"/>
+              <a:gd name="connsiteX1" fmla="*/ 1863 w 3969651"/>
+              <a:gd name="connsiteY1" fmla="*/ 5698862 h 5948221"/>
+              <a:gd name="connsiteX2" fmla="*/ 320025 w 3969651"/>
+              <a:gd name="connsiteY2" fmla="*/ 3799836 h 5948221"/>
+              <a:gd name="connsiteX3" fmla="*/ 3430486 w 3969651"/>
+              <a:gd name="connsiteY3" fmla="*/ 295907 h 5948221"/>
+              <a:gd name="connsiteX4" fmla="*/ 3863859 w 3969651"/>
+              <a:gd name="connsiteY4" fmla="*/ 55612 h 5948221"/>
+              <a:gd name="connsiteX5" fmla="*/ 3969651 w 3969651"/>
+              <a:gd name="connsiteY5" fmla="*/ 0 h 5948221"/>
+            </a:gdLst>
+            <a:ahLst/>
+            <a:cxnLst>
+              <a:cxn ang="0">
+                <a:pos x="connsiteX0" y="connsiteY0"/>
+              </a:cxn>
+              <a:cxn ang="0">
+                <a:pos x="connsiteX1" y="connsiteY1"/>
+              </a:cxn>
+              <a:cxn ang="0">
+                <a:pos x="connsiteX2" y="connsiteY2"/>
+              </a:cxn>
+              <a:cxn ang="0">
+                <a:pos x="connsiteX3" y="connsiteY3"/>
+              </a:cxn>
+              <a:cxn ang="0">
+                <a:pos x="connsiteX4" y="connsiteY4"/>
+              </a:cxn>
+              <a:cxn ang="0">
+                <a:pos x="connsiteX5" y="connsiteY5"/>
+              </a:cxn>
+            </a:cxnLst>
+            <a:rect l="l" t="t" r="r" b="b"/>
+            <a:pathLst>
+              <a:path w="3969651" h="5948221">
+                <a:moveTo>
+                  <a:pt x="0" y="5948221"/>
+                </a:moveTo>
+                <a:lnTo>
+                  <a:pt x="1863" y="5698862"/>
+                </a:lnTo>
+                <a:cubicBezTo>
+                  <a:pt x="27184" y="5017139"/>
+                  <a:pt x="133214" y="4368297"/>
+                  <a:pt x="320025" y="3799836"/>
+                </a:cubicBezTo>
+                <a:cubicBezTo>
+                  <a:pt x="810579" y="2305232"/>
+                  <a:pt x="2027133" y="1118138"/>
+                  <a:pt x="3430486" y="295907"/>
+                </a:cubicBezTo>
+                <a:cubicBezTo>
+                  <a:pt x="3545941" y="228312"/>
+                  <a:pt x="3692079" y="146862"/>
+                  <a:pt x="3863859" y="55612"/>
+                </a:cubicBezTo>
+                <a:lnTo>
+                  <a:pt x="3969651" y="0"/>
+                </a:lnTo>
+              </a:path>
+            </a:pathLst>
+          </a:custGeom>
+          <a:noFill/>
+          <a:ln w="19050">
+            <a:solidFill>
+              <a:schemeClr val="accent2">
+                <a:lumMod val="60000"/>
+                <a:lumOff val="40000"/>
+              </a:schemeClr>
+            </a:solidFill>
+          </a:ln>
+        </p:spPr>
+        <p:style>
+          <a:lnRef idx="2">
+            <a:schemeClr val="accent1">
+              <a:shade val="50000"/>
+            </a:schemeClr>
+          </a:lnRef>
+          <a:fillRef idx="1">
+            <a:schemeClr val="accent1"/>
+          </a:fillRef>
+          <a:effectRef idx="0">
+            <a:schemeClr val="accent1"/>
+          </a:effectRef>
+          <a:fontRef idx="minor">
+            <a:schemeClr val="lt1"/>
+          </a:fontRef>
+        </p:style>
+        <p:txBody>
+          <a:bodyPr rtlCol="0" anchor="ctr"/>
+          <a:lstStyle/>
+          <a:p>
+            <a:pPr marL="0" marR="0" lvl="0" indent="0" algn="ctr" defTabSz="914400" rtl="0" eaLnBrk="1" fontAlgn="auto" latinLnBrk="0" hangingPunct="1">
+              <a:lnSpc>
+                <a:spcPct val="100000"/>
+              </a:lnSpc>
+              <a:spcBef>
+                <a:spcPts val="0"/>
+              </a:spcBef>
+              <a:spcAft>
+                <a:spcPts val="0"/>
+              </a:spcAft>
+              <a:buClrTx/>
+              <a:buSzTx/>
+              <a:buFontTx/>
+              <a:buNone/>
+              <a:tabLst/>
+              <a:defRPr/>
+            </a:pPr>
+            <a:endParaRPr kumimoji="0" lang="en-US" sz="1800" b="0" i="0" u="none" strike="noStrike" kern="1200" cap="none" spc="0" normalizeH="0" baseline="0" noProof="0">
+              <a:ln>
+                <a:noFill/>
+              </a:ln>
+              <a:solidFill>
+                <a:prstClr val="white"/>
+              </a:solidFill>
+              <a:effectLst/>
+              <a:uLnTx/>
+              <a:uFillTx/>
+              <a:latin typeface="Avenir Next LT Pro Light"/>
+              <a:ea typeface="+mn-ea"/>
+              <a:cs typeface="+mn-cs"/>
+            </a:endParaRPr>
+          </a:p>
+        </p:txBody>
+      </p:sp>
       <p:sp>
         <p:nvSpPr>
           <p:cNvPr id="2" name="Nadpis 1">
             <a:extLst>
               <a:ext uri="{FF2B5EF4-FFF2-40B4-BE49-F238E27FC236}">
-                <a16:creationId xmlns:a16="http://schemas.microsoft.com/office/drawing/2014/main" id="{C5EB89E2-002E-CD13-AA7D-A55568168FD2}"/>
+                <a16:creationId xmlns:a16="http://schemas.microsoft.com/office/drawing/2014/main" xmlns="" id="{2D0EFF37-965B-751B-A677-774052087FF0}"/>
               </a:ext>
             </a:extLst>
           </p:cNvPr>
@@ -5551,12 +11203,22 @@
             <p:ph type="title"/>
           </p:nvPr>
         </p:nvSpPr>
-        <p:spPr/>
+        <p:spPr>
+          <a:xfrm>
+            <a:off x="5334001" y="1524000"/>
+            <a:ext cx="3018325" cy="4572000"/>
+          </a:xfrm>
+        </p:spPr>
         <p:txBody>
-          <a:bodyPr/>
+          <a:bodyPr anchor="t">
+            <a:normAutofit/>
+          </a:bodyPr>
           <a:lstStyle/>
           <a:p>
-            <a:endParaRPr lang="cs-CZ"/>
+            <a:r>
+              <a:rPr lang="cs-CZ" sz="3200"/>
+              <a:t>Optické vlákno</a:t>
+            </a:r>
           </a:p>
         </p:txBody>
       </p:sp>
@@ -5565,7 +11227,7 @@
           <p:cNvPr id="3" name="Zástupný obsah 2">
             <a:extLst>
               <a:ext uri="{FF2B5EF4-FFF2-40B4-BE49-F238E27FC236}">
-                <a16:creationId xmlns:a16="http://schemas.microsoft.com/office/drawing/2014/main" id="{98FBE6F3-3636-8571-D436-8A2E8AC23670}"/>
+                <a16:creationId xmlns:a16="http://schemas.microsoft.com/office/drawing/2014/main" xmlns="" id="{92A1265D-F8E1-2CF8-AF8F-F7EEDE33DAE5}"/>
               </a:ext>
             </a:extLst>
           </p:cNvPr>
@@ -5576,25 +11238,97 @@
             <p:ph idx="1"/>
           </p:nvPr>
         </p:nvSpPr>
-        <p:spPr/>
+        <p:spPr>
+          <a:xfrm>
+            <a:off x="8411675" y="1524000"/>
+            <a:ext cx="3018325" cy="4572001"/>
+          </a:xfrm>
+        </p:spPr>
         <p:txBody>
-          <a:bodyPr/>
+          <a:bodyPr vert="horz" lIns="91440" tIns="45720" rIns="91440" bIns="45720" rtlCol="0">
+            <a:normAutofit/>
+          </a:bodyPr>
           <a:lstStyle/>
           <a:p>
-            <a:endParaRPr lang="cs-CZ"/>
+            <a:pPr>
+              <a:lnSpc>
+                <a:spcPct val="115000"/>
+              </a:lnSpc>
+            </a:pPr>
+            <a:r>
+              <a:rPr lang="cs-CZ" sz="2200"/>
+              <a:t>Používají se místo kovových vodičů</a:t>
+            </a:r>
+          </a:p>
+          <a:p>
+            <a:pPr>
+              <a:lnSpc>
+                <a:spcPct val="115000"/>
+              </a:lnSpc>
+            </a:pPr>
+            <a:endParaRPr lang="cs-CZ" sz="2200"/>
+          </a:p>
+          <a:p>
+            <a:pPr>
+              <a:lnSpc>
+                <a:spcPct val="115000"/>
+              </a:lnSpc>
+            </a:pPr>
+            <a:r>
+              <a:rPr lang="cs-CZ" sz="2200"/>
+              <a:t>Přenášejí signály s menší ztrátou</a:t>
+            </a:r>
+          </a:p>
+          <a:p>
+            <a:pPr>
+              <a:lnSpc>
+                <a:spcPct val="115000"/>
+              </a:lnSpc>
+            </a:pPr>
+            <a:endParaRPr lang="cs-CZ" sz="2200"/>
+          </a:p>
+          <a:p>
+            <a:pPr>
+              <a:lnSpc>
+                <a:spcPct val="115000"/>
+              </a:lnSpc>
+            </a:pPr>
+            <a:r>
+              <a:rPr lang="cs-CZ" sz="2200"/>
+              <a:t>Vlákna jsou imunní vůči elektromagnetickému rušení</a:t>
+            </a:r>
           </a:p>
         </p:txBody>
       </p:sp>
     </p:spTree>
     <p:extLst>
       <p:ext uri="{BB962C8B-B14F-4D97-AF65-F5344CB8AC3E}">
-        <p14:creationId xmlns:p14="http://schemas.microsoft.com/office/powerpoint/2010/main" val="803265094"/>
+        <p14:creationId xmlns:p14="http://schemas.microsoft.com/office/powerpoint/2010/main" val="2920597675"/>
       </p:ext>
     </p:extLst>
   </p:cSld>
   <p:clrMapOvr>
     <a:masterClrMapping/>
   </p:clrMapOvr>
+  <mc:AlternateContent xmlns:mc="http://schemas.openxmlformats.org/markup-compatibility/2006">
+    <mc:Choice xmlns:p14="http://schemas.microsoft.com/office/powerpoint/2010/main" Requires="p14">
+      <p:transition spd="med" p14:dur="700" advTm="40000">
+        <p:fade/>
+      </p:transition>
+    </mc:Choice>
+    <mc:Fallback>
+      <p:transition spd="med" advTm="40000">
+        <p:fade/>
+      </p:transition>
+    </mc:Fallback>
+  </mc:AlternateContent>
+  <p:timing>
+    <p:tnLst>
+      <p:par>
+        <p:cTn id="1" dur="indefinite" restart="never" nodeType="tmRoot"/>
+      </p:par>
+    </p:tnLst>
+  </p:timing>
 </p:sld>
 </file>
 
@@ -5620,7 +11354,7 @@
           <p:cNvPr id="2" name="Nadpis 1">
             <a:extLst>
               <a:ext uri="{FF2B5EF4-FFF2-40B4-BE49-F238E27FC236}">
-                <a16:creationId xmlns:a16="http://schemas.microsoft.com/office/drawing/2014/main" id="{0DA50C77-5D82-B616-2B65-09E720A258DE}"/>
+                <a16:creationId xmlns:a16="http://schemas.microsoft.com/office/drawing/2014/main" xmlns="" id="{2D0EFF37-965B-751B-A677-774052087FF0}"/>
               </a:ext>
             </a:extLst>
           </p:cNvPr>
@@ -5636,7 +11370,25 @@
           <a:bodyPr/>
           <a:lstStyle/>
           <a:p>
-            <a:endParaRPr lang="cs-CZ"/>
+            <a:r>
+              <a:rPr lang="cs-CZ" sz="6000" dirty="0">
+                <a:solidFill>
+                  <a:schemeClr val="bg1">
+                    <a:lumMod val="95000"/>
+                    <a:lumOff val="5000"/>
+                  </a:schemeClr>
+                </a:solidFill>
+              </a:rPr>
+              <a:t>Optické vlákno</a:t>
+            </a:r>
+            <a:endParaRPr lang="cs-CZ" dirty="0">
+              <a:solidFill>
+                <a:schemeClr val="bg1">
+                  <a:lumMod val="95000"/>
+                  <a:lumOff val="5000"/>
+                </a:schemeClr>
+              </a:solidFill>
+            </a:endParaRPr>
           </a:p>
         </p:txBody>
       </p:sp>
@@ -5645,7 +11397,7 @@
           <p:cNvPr id="3" name="Zástupný obsah 2">
             <a:extLst>
               <a:ext uri="{FF2B5EF4-FFF2-40B4-BE49-F238E27FC236}">
-                <a16:creationId xmlns:a16="http://schemas.microsoft.com/office/drawing/2014/main" id="{D836E666-8A2E-7F26-66F8-250CA67685AC}"/>
+                <a16:creationId xmlns:a16="http://schemas.microsoft.com/office/drawing/2014/main" xmlns="" id="{92A1265D-F8E1-2CF8-AF8F-F7EEDE33DAE5}"/>
               </a:ext>
             </a:extLst>
           </p:cNvPr>
@@ -5658,29 +11410,114 @@
         </p:nvSpPr>
         <p:spPr/>
         <p:txBody>
-          <a:bodyPr/>
+          <a:bodyPr vert="horz" lIns="91440" tIns="45720" rIns="91440" bIns="45720" rtlCol="0" anchor="t">
+            <a:normAutofit/>
+          </a:bodyPr>
           <a:lstStyle/>
           <a:p>
-            <a:endParaRPr lang="cs-CZ"/>
+            <a:r>
+              <a:rPr lang="cs-CZ" dirty="0">
+                <a:solidFill>
+                  <a:schemeClr val="bg1">
+                    <a:lumMod val="95000"/>
+                    <a:lumOff val="5000"/>
+                  </a:schemeClr>
+                </a:solidFill>
+              </a:rPr>
+              <a:t>Používají se také pro osvětlení</a:t>
+            </a:r>
+          </a:p>
+          <a:p>
+            <a:endParaRPr lang="cs-CZ" dirty="0">
+              <a:solidFill>
+                <a:schemeClr val="bg1">
+                  <a:lumMod val="95000"/>
+                  <a:lumOff val="5000"/>
+                </a:schemeClr>
+              </a:solidFill>
+            </a:endParaRPr>
+          </a:p>
+          <a:p>
+            <a:r>
+              <a:rPr lang="cs-CZ" dirty="0">
+                <a:solidFill>
+                  <a:schemeClr val="bg1">
+                    <a:lumMod val="95000"/>
+                    <a:lumOff val="5000"/>
+                  </a:schemeClr>
+                </a:solidFill>
+              </a:rPr>
+              <a:t>Také k přenosu obrazů</a:t>
+            </a:r>
+          </a:p>
+          <a:p>
+            <a:endParaRPr lang="cs-CZ" dirty="0">
+              <a:solidFill>
+                <a:schemeClr val="bg1">
+                  <a:lumMod val="95000"/>
+                  <a:lumOff val="5000"/>
+                </a:schemeClr>
+              </a:solidFill>
+            </a:endParaRPr>
+          </a:p>
+          <a:p>
+            <a:r>
+              <a:rPr lang="cs-CZ" dirty="0">
+                <a:solidFill>
+                  <a:schemeClr val="bg1">
+                    <a:lumMod val="95000"/>
+                    <a:lumOff val="5000"/>
+                  </a:schemeClr>
+                </a:solidFill>
+              </a:rPr>
+              <a:t>Speciálně konstruovaná vlákna se používají pro řadu dalších aplikací</a:t>
+            </a:r>
           </a:p>
         </p:txBody>
       </p:sp>
     </p:spTree>
     <p:extLst>
       <p:ext uri="{BB962C8B-B14F-4D97-AF65-F5344CB8AC3E}">
-        <p14:creationId xmlns:p14="http://schemas.microsoft.com/office/powerpoint/2010/main" val="1619582199"/>
+        <p14:creationId xmlns:p14="http://schemas.microsoft.com/office/powerpoint/2010/main" val="3625089473"/>
       </p:ext>
     </p:extLst>
   </p:cSld>
   <p:clrMapOvr>
     <a:masterClrMapping/>
   </p:clrMapOvr>
+  <mc:AlternateContent xmlns:mc="http://schemas.openxmlformats.org/markup-compatibility/2006">
+    <mc:Choice xmlns:p14="http://schemas.microsoft.com/office/powerpoint/2010/main" Requires="p14">
+      <p:transition spd="med" p14:dur="700" advTm="30000">
+        <p:fade/>
+      </p:transition>
+    </mc:Choice>
+    <mc:Fallback>
+      <p:transition spd="med" advTm="30000">
+        <p:fade/>
+      </p:transition>
+    </mc:Fallback>
+  </mc:AlternateContent>
+  <p:timing>
+    <p:tnLst>
+      <p:par>
+        <p:cTn id="1" dur="indefinite" restart="never" nodeType="tmRoot"/>
+      </p:par>
+    </p:tnLst>
+  </p:timing>
 </p:sld>
 </file>
 
 <file path=ppt/slides/slide6.xml><?xml version="1.0" encoding="utf-8"?>
 <p:sld xmlns:a="http://schemas.openxmlformats.org/drawingml/2006/main" xmlns:r="http://schemas.openxmlformats.org/officeDocument/2006/relationships" xmlns:p="http://schemas.openxmlformats.org/presentationml/2006/main">
   <p:cSld>
+    <p:bg>
+      <p:bgPr>
+        <a:solidFill>
+          <a:schemeClr val="bg2"/>
+        </a:solidFill>
+        <a:effectLst/>
+      </p:bgPr>
+    </p:bg>
     <p:spTree>
       <p:nvGrpSpPr>
         <p:cNvPr id="1" name=""/>
@@ -5695,12 +11532,423 @@
           <a:chExt cx="0" cy="0"/>
         </a:xfrm>
       </p:grpSpPr>
+      <p:sp useBgFill="1">
+        <p:nvSpPr>
+          <p:cNvPr id="23" name="Rectangle 8">
+            <a:extLst>
+              <a:ext uri="{FF2B5EF4-FFF2-40B4-BE49-F238E27FC236}">
+                <a16:creationId xmlns:a16="http://schemas.microsoft.com/office/drawing/2014/main" xmlns="" id="{987A0FBA-CC04-4256-A8EB-BB3C543E989C}"/>
+              </a:ext>
+              <a:ext uri="{C183D7F6-B498-43B3-948B-1728B52AA6E4}">
+                <adec:decorative xmlns:adec="http://schemas.microsoft.com/office/drawing/2017/decorative" xmlns="" val="1"/>
+              </a:ext>
+            </a:extLst>
+          </p:cNvPr>
+          <p:cNvSpPr>
+            <a:spLocks noGrp="1" noRot="1" noChangeAspect="1" noMove="1" noResize="1" noEditPoints="1" noAdjustHandles="1" noChangeArrowheads="1" noChangeShapeType="1" noTextEdit="1"/>
+          </p:cNvSpPr>
+          <p:nvPr>
+            <p:extLst>
+              <p:ext uri="{386F3935-93C4-4BCD-93E2-E3B085C9AB24}">
+                <p16:designElem xmlns:p16="http://schemas.microsoft.com/office/powerpoint/2015/main" xmlns="" val="1"/>
+              </p:ext>
+            </p:extLst>
+          </p:nvPr>
+        </p:nvSpPr>
+        <p:spPr>
+          <a:xfrm>
+            <a:off x="0" y="0"/>
+            <a:ext cx="12192000" cy="6858000"/>
+          </a:xfrm>
+          <a:prstGeom prst="rect">
+            <a:avLst/>
+          </a:prstGeom>
+          <a:ln w="12700" cap="flat" cmpd="sng" algn="ctr">
+            <a:noFill/>
+            <a:prstDash val="solid"/>
+            <a:miter lim="800000"/>
+          </a:ln>
+          <a:effectLst/>
+          <a:extLst>
+            <a:ext uri="{91240B29-F687-4F45-9708-019B960494DF}">
+              <a14:hiddenLine xmlns:a14="http://schemas.microsoft.com/office/drawing/2010/main" w="12700" cap="flat" cmpd="sng" algn="ctr">
+                <a:solidFill>
+                  <a:schemeClr val="accent1">
+                    <a:shade val="50000"/>
+                  </a:schemeClr>
+                </a:solidFill>
+                <a:prstDash val="solid"/>
+                <a:miter lim="800000"/>
+              </a14:hiddenLine>
+            </a:ext>
+          </a:extLst>
+        </p:spPr>
+        <p:style>
+          <a:lnRef idx="2">
+            <a:schemeClr val="accent1">
+              <a:shade val="50000"/>
+            </a:schemeClr>
+          </a:lnRef>
+          <a:fillRef idx="1">
+            <a:schemeClr val="accent1"/>
+          </a:fillRef>
+          <a:effectRef idx="0">
+            <a:schemeClr val="accent1"/>
+          </a:effectRef>
+          <a:fontRef idx="minor">
+            <a:schemeClr val="lt1"/>
+          </a:fontRef>
+        </p:style>
+        <p:txBody>
+          <a:bodyPr rtlCol="0" anchor="ctr"/>
+          <a:lstStyle/>
+          <a:p>
+            <a:pPr algn="ctr"/>
+            <a:endParaRPr lang="en-US"/>
+          </a:p>
+        </p:txBody>
+      </p:sp>
+      <p:pic>
+        <p:nvPicPr>
+          <p:cNvPr id="4" name="Obrázek 4" descr="Obsah obrázku interiér, jehla, zavřít, rozmazaný&#10;&#10;Popis se vygeneroval automaticky.">
+            <a:extLst>
+              <a:ext uri="{FF2B5EF4-FFF2-40B4-BE49-F238E27FC236}">
+                <a16:creationId xmlns:a16="http://schemas.microsoft.com/office/drawing/2014/main" xmlns="" id="{9AF9F463-7CB8-A2CF-E00C-4E496188B7CE}"/>
+              </a:ext>
+            </a:extLst>
+          </p:cNvPr>
+          <p:cNvPicPr>
+            <a:picLocks noChangeAspect="1"/>
+          </p:cNvPicPr>
+          <p:nvPr/>
+        </p:nvPicPr>
+        <p:blipFill rotWithShape="1">
+          <a:blip r:embed="rId2"/>
+          <a:srcRect l="4029" r="26562" b="-1"/>
+          <a:stretch/>
+        </p:blipFill>
+        <p:spPr>
+          <a:xfrm>
+            <a:off x="6613174" y="10"/>
+            <a:ext cx="5578824" cy="6028246"/>
+          </a:xfrm>
+          <a:custGeom>
+            <a:avLst/>
+            <a:gdLst/>
+            <a:ahLst/>
+            <a:cxnLst/>
+            <a:rect l="l" t="t" r="r" b="b"/>
+            <a:pathLst>
+              <a:path w="5578824" h="6028256">
+                <a:moveTo>
+                  <a:pt x="1681218" y="0"/>
+                </a:moveTo>
+                <a:lnTo>
+                  <a:pt x="5578824" y="0"/>
+                </a:lnTo>
+                <a:lnTo>
+                  <a:pt x="5578824" y="5760161"/>
+                </a:lnTo>
+                <a:lnTo>
+                  <a:pt x="5441231" y="5804042"/>
+                </a:lnTo>
+                <a:cubicBezTo>
+                  <a:pt x="5079089" y="5907589"/>
+                  <a:pt x="4674877" y="5944442"/>
+                  <a:pt x="4253224" y="5980388"/>
+                </a:cubicBezTo>
+                <a:cubicBezTo>
+                  <a:pt x="2813852" y="6102970"/>
+                  <a:pt x="1551586" y="6071494"/>
+                  <a:pt x="837278" y="4877588"/>
+                </a:cubicBezTo>
+                <a:cubicBezTo>
+                  <a:pt x="529862" y="4363935"/>
+                  <a:pt x="255162" y="3847185"/>
+                  <a:pt x="109626" y="3329255"/>
+                </a:cubicBezTo>
+                <a:cubicBezTo>
+                  <a:pt x="-35907" y="2811325"/>
+                  <a:pt x="-52277" y="2292214"/>
+                  <a:pt x="156962" y="1773839"/>
+                </a:cubicBezTo>
+                <a:cubicBezTo>
+                  <a:pt x="296494" y="1428108"/>
+                  <a:pt x="536161" y="1082881"/>
+                  <a:pt x="904890" y="738354"/>
+                </a:cubicBezTo>
+                <a:cubicBezTo>
+                  <a:pt x="1036690" y="615181"/>
+                  <a:pt x="1169968" y="488910"/>
+                  <a:pt x="1304592" y="360545"/>
+                </a:cubicBezTo>
+                <a:close/>
+              </a:path>
+            </a:pathLst>
+          </a:custGeom>
+        </p:spPr>
+      </p:pic>
+      <p:sp>
+        <p:nvSpPr>
+          <p:cNvPr id="24" name="Freeform: Shape 10">
+            <a:extLst>
+              <a:ext uri="{FF2B5EF4-FFF2-40B4-BE49-F238E27FC236}">
+                <a16:creationId xmlns:a16="http://schemas.microsoft.com/office/drawing/2014/main" xmlns="" id="{3362A0EA-3E81-4464-94B8-70BE5870EDC0}"/>
+              </a:ext>
+              <a:ext uri="{C183D7F6-B498-43B3-948B-1728B52AA6E4}">
+                <adec:decorative xmlns:adec="http://schemas.microsoft.com/office/drawing/2017/decorative" xmlns="" val="1"/>
+              </a:ext>
+            </a:extLst>
+          </p:cNvPr>
+          <p:cNvSpPr>
+            <a:spLocks noGrp="1" noRot="1" noChangeAspect="1" noMove="1" noResize="1" noEditPoints="1" noAdjustHandles="1" noChangeArrowheads="1" noChangeShapeType="1" noTextEdit="1"/>
+          </p:cNvSpPr>
+          <p:nvPr>
+            <p:extLst>
+              <p:ext uri="{386F3935-93C4-4BCD-93E2-E3B085C9AB24}">
+                <p16:designElem xmlns:p16="http://schemas.microsoft.com/office/powerpoint/2015/main" xmlns="" val="1"/>
+              </p:ext>
+            </p:extLst>
+          </p:nvPr>
+        </p:nvSpPr>
+        <p:spPr>
+          <a:xfrm flipH="1">
+            <a:off x="6487883" y="0"/>
+            <a:ext cx="5704117" cy="6096000"/>
+          </a:xfrm>
+          <a:custGeom>
+            <a:avLst/>
+            <a:gdLst>
+              <a:gd name="connsiteX0" fmla="*/ 0 w 5704117"/>
+              <a:gd name="connsiteY0" fmla="*/ 0 h 6096000"/>
+              <a:gd name="connsiteX1" fmla="*/ 4562795 w 5704117"/>
+              <a:gd name="connsiteY1" fmla="*/ 0 h 6096000"/>
+              <a:gd name="connsiteX2" fmla="*/ 4721192 w 5704117"/>
+              <a:gd name="connsiteY2" fmla="*/ 133595 h 6096000"/>
+              <a:gd name="connsiteX3" fmla="*/ 5467522 w 5704117"/>
+              <a:gd name="connsiteY3" fmla="*/ 1054328 h 6096000"/>
+              <a:gd name="connsiteX4" fmla="*/ 5538873 w 5704117"/>
+              <a:gd name="connsiteY4" fmla="*/ 2897564 h 6096000"/>
+              <a:gd name="connsiteX5" fmla="*/ 4442050 w 5704117"/>
+              <a:gd name="connsiteY5" fmla="*/ 4732407 h 6096000"/>
+              <a:gd name="connsiteX6" fmla="*/ 93046 w 5704117"/>
+              <a:gd name="connsiteY6" fmla="*/ 6082857 h 6096000"/>
+              <a:gd name="connsiteX7" fmla="*/ 0 w 5704117"/>
+              <a:gd name="connsiteY7" fmla="*/ 6078450 h 6096000"/>
+              <a:gd name="connsiteX0" fmla="*/ 4562795 w 5704117"/>
+              <a:gd name="connsiteY0" fmla="*/ 0 h 6096000"/>
+              <a:gd name="connsiteX1" fmla="*/ 4721192 w 5704117"/>
+              <a:gd name="connsiteY1" fmla="*/ 133595 h 6096000"/>
+              <a:gd name="connsiteX2" fmla="*/ 5467522 w 5704117"/>
+              <a:gd name="connsiteY2" fmla="*/ 1054328 h 6096000"/>
+              <a:gd name="connsiteX3" fmla="*/ 5538873 w 5704117"/>
+              <a:gd name="connsiteY3" fmla="*/ 2897564 h 6096000"/>
+              <a:gd name="connsiteX4" fmla="*/ 4442050 w 5704117"/>
+              <a:gd name="connsiteY4" fmla="*/ 4732407 h 6096000"/>
+              <a:gd name="connsiteX5" fmla="*/ 93046 w 5704117"/>
+              <a:gd name="connsiteY5" fmla="*/ 6082857 h 6096000"/>
+              <a:gd name="connsiteX6" fmla="*/ 0 w 5704117"/>
+              <a:gd name="connsiteY6" fmla="*/ 6078450 h 6096000"/>
+              <a:gd name="connsiteX7" fmla="*/ 91440 w 5704117"/>
+              <a:gd name="connsiteY7" fmla="*/ 91440 h 6096000"/>
+              <a:gd name="connsiteX0" fmla="*/ 4562795 w 5704117"/>
+              <a:gd name="connsiteY0" fmla="*/ 0 h 6096000"/>
+              <a:gd name="connsiteX1" fmla="*/ 4721192 w 5704117"/>
+              <a:gd name="connsiteY1" fmla="*/ 133595 h 6096000"/>
+              <a:gd name="connsiteX2" fmla="*/ 5467522 w 5704117"/>
+              <a:gd name="connsiteY2" fmla="*/ 1054328 h 6096000"/>
+              <a:gd name="connsiteX3" fmla="*/ 5538873 w 5704117"/>
+              <a:gd name="connsiteY3" fmla="*/ 2897564 h 6096000"/>
+              <a:gd name="connsiteX4" fmla="*/ 4442050 w 5704117"/>
+              <a:gd name="connsiteY4" fmla="*/ 4732407 h 6096000"/>
+              <a:gd name="connsiteX5" fmla="*/ 93046 w 5704117"/>
+              <a:gd name="connsiteY5" fmla="*/ 6082857 h 6096000"/>
+              <a:gd name="connsiteX6" fmla="*/ 0 w 5704117"/>
+              <a:gd name="connsiteY6" fmla="*/ 6078450 h 6096000"/>
+            </a:gdLst>
+            <a:ahLst/>
+            <a:cxnLst>
+              <a:cxn ang="0">
+                <a:pos x="connsiteX0" y="connsiteY0"/>
+              </a:cxn>
+              <a:cxn ang="0">
+                <a:pos x="connsiteX1" y="connsiteY1"/>
+              </a:cxn>
+              <a:cxn ang="0">
+                <a:pos x="connsiteX2" y="connsiteY2"/>
+              </a:cxn>
+              <a:cxn ang="0">
+                <a:pos x="connsiteX3" y="connsiteY3"/>
+              </a:cxn>
+              <a:cxn ang="0">
+                <a:pos x="connsiteX4" y="connsiteY4"/>
+              </a:cxn>
+              <a:cxn ang="0">
+                <a:pos x="connsiteX5" y="connsiteY5"/>
+              </a:cxn>
+              <a:cxn ang="0">
+                <a:pos x="connsiteX6" y="connsiteY6"/>
+              </a:cxn>
+            </a:cxnLst>
+            <a:rect l="l" t="t" r="r" b="b"/>
+            <a:pathLst>
+              <a:path w="5704117" h="6096000">
+                <a:moveTo>
+                  <a:pt x="4562795" y="0"/>
+                </a:moveTo>
+                <a:lnTo>
+                  <a:pt x="4721192" y="133595"/>
+                </a:lnTo>
+                <a:cubicBezTo>
+                  <a:pt x="5067135" y="440105"/>
+                  <a:pt x="5309779" y="747048"/>
+                  <a:pt x="5467522" y="1054328"/>
+                </a:cubicBezTo>
+                <a:cubicBezTo>
+                  <a:pt x="5782917" y="1668625"/>
+                  <a:pt x="5758242" y="2283795"/>
+                  <a:pt x="5538873" y="2897564"/>
+                </a:cubicBezTo>
+                <a:cubicBezTo>
+                  <a:pt x="5319500" y="3511334"/>
+                  <a:pt x="4905433" y="4123706"/>
+                  <a:pt x="4442050" y="4732407"/>
+                </a:cubicBezTo>
+                <a:cubicBezTo>
+                  <a:pt x="3499930" y="5970384"/>
+                  <a:pt x="1925433" y="6153690"/>
+                  <a:pt x="93046" y="6082857"/>
+                </a:cubicBezTo>
+                <a:lnTo>
+                  <a:pt x="0" y="6078450"/>
+                </a:lnTo>
+              </a:path>
+            </a:pathLst>
+          </a:custGeom>
+          <a:noFill/>
+          <a:ln w="19050">
+            <a:solidFill>
+              <a:schemeClr val="accent2">
+                <a:lumMod val="60000"/>
+                <a:lumOff val="40000"/>
+              </a:schemeClr>
+            </a:solidFill>
+          </a:ln>
+        </p:spPr>
+        <p:style>
+          <a:lnRef idx="2">
+            <a:schemeClr val="accent1">
+              <a:shade val="50000"/>
+            </a:schemeClr>
+          </a:lnRef>
+          <a:fillRef idx="1">
+            <a:schemeClr val="accent1"/>
+          </a:fillRef>
+          <a:effectRef idx="0">
+            <a:schemeClr val="accent1"/>
+          </a:effectRef>
+          <a:fontRef idx="minor">
+            <a:schemeClr val="lt1"/>
+          </a:fontRef>
+        </p:style>
+        <p:txBody>
+          <a:bodyPr wrap="square" rtlCol="0" anchor="ctr">
+            <a:noAutofit/>
+          </a:bodyPr>
+          <a:lstStyle/>
+          <a:p>
+            <a:pPr algn="ctr"/>
+            <a:endParaRPr lang="en-US">
+              <a:solidFill>
+                <a:prstClr val="white"/>
+              </a:solidFill>
+              <a:latin typeface="Avenir Next LT Pro Light"/>
+            </a:endParaRPr>
+          </a:p>
+        </p:txBody>
+      </p:sp>
+      <p:sp>
+        <p:nvSpPr>
+          <p:cNvPr id="25" name="Zástupný obsah 2">
+            <a:extLst>
+              <a:ext uri="{FF2B5EF4-FFF2-40B4-BE49-F238E27FC236}">
+                <a16:creationId xmlns:a16="http://schemas.microsoft.com/office/drawing/2014/main" xmlns="" id="{98FBE6F3-3636-8571-D436-8A2E8AC23670}"/>
+              </a:ext>
+            </a:extLst>
+          </p:cNvPr>
+          <p:cNvSpPr>
+            <a:spLocks noGrp="1"/>
+          </p:cNvSpPr>
+          <p:nvPr>
+            <p:ph idx="1"/>
+          </p:nvPr>
+        </p:nvSpPr>
+        <p:spPr>
+          <a:xfrm>
+            <a:off x="762000" y="2286000"/>
+            <a:ext cx="5334000" cy="3810001"/>
+          </a:xfrm>
+        </p:spPr>
+        <p:txBody>
+          <a:bodyPr vert="horz" lIns="91440" tIns="45720" rIns="91440" bIns="45720" rtlCol="0" anchor="t">
+            <a:normAutofit/>
+          </a:bodyPr>
+          <a:lstStyle/>
+          <a:p>
+            <a:pPr marL="514350" indent="-514350">
+              <a:buAutoNum type="arabicPeriod"/>
+            </a:pPr>
+            <a:r>
+              <a:rPr lang="cs-CZ" sz="2400" dirty="0" err="1">
+                <a:solidFill>
+                  <a:schemeClr val="tx2"/>
+                </a:solidFill>
+              </a:rPr>
+              <a:t>Mnohavidové</a:t>
+            </a:r>
+            <a:r>
+              <a:rPr lang="cs-CZ" sz="2400" dirty="0">
+                <a:solidFill>
+                  <a:schemeClr val="tx2"/>
+                </a:solidFill>
+              </a:rPr>
+              <a:t> vlákno</a:t>
+            </a:r>
+          </a:p>
+          <a:p>
+            <a:r>
+              <a:rPr lang="cs-CZ" sz="2400" dirty="0">
+                <a:solidFill>
+                  <a:schemeClr val="tx2"/>
+                </a:solidFill>
+              </a:rPr>
+              <a:t>Požívá se na krátkou vzdálenost</a:t>
+            </a:r>
+          </a:p>
+          <a:p>
+            <a:r>
+              <a:rPr lang="cs-CZ" sz="2400" dirty="0">
+                <a:solidFill>
+                  <a:schemeClr val="tx2"/>
+                </a:solidFill>
+              </a:rPr>
+              <a:t>Rychlost 10MBit/s - 10GBit/s na 600m</a:t>
+            </a:r>
+          </a:p>
+          <a:p>
+            <a:pPr marL="0" indent="0">
+              <a:buNone/>
+            </a:pPr>
+            <a:endParaRPr lang="cs-CZ" sz="2400"/>
+          </a:p>
+        </p:txBody>
+      </p:sp>
       <p:sp>
         <p:nvSpPr>
           <p:cNvPr id="2" name="Nadpis 1">
             <a:extLst>
               <a:ext uri="{FF2B5EF4-FFF2-40B4-BE49-F238E27FC236}">
-                <a16:creationId xmlns:a16="http://schemas.microsoft.com/office/drawing/2014/main" id="{53E6090B-EAC3-2A81-ACE1-1E5B40539582}"/>
+                <a16:creationId xmlns:a16="http://schemas.microsoft.com/office/drawing/2014/main" xmlns="" id="{C5EB89E2-002E-CD13-AA7D-A55568168FD2}"/>
               </a:ext>
             </a:extLst>
           </p:cNvPr>
@@ -5711,50 +11959,86 @@
             <p:ph type="title"/>
           </p:nvPr>
         </p:nvSpPr>
-        <p:spPr/>
+        <p:spPr>
+          <a:xfrm>
+            <a:off x="762000" y="762000"/>
+            <a:ext cx="5334000" cy="1524000"/>
+          </a:xfrm>
+        </p:spPr>
         <p:txBody>
-          <a:bodyPr/>
+          <a:bodyPr>
+            <a:normAutofit/>
+          </a:bodyPr>
           <a:lstStyle/>
           <a:p>
-            <a:endParaRPr lang="cs-CZ"/>
+            <a:r>
+              <a:rPr lang="cs-CZ" dirty="0"/>
+              <a:t>Typy optických vláken</a:t>
+            </a:r>
           </a:p>
         </p:txBody>
       </p:sp>
       <p:sp>
         <p:nvSpPr>
-          <p:cNvPr id="3" name="Zástupný obsah 2">
-            <a:extLst>
-              <a:ext uri="{FF2B5EF4-FFF2-40B4-BE49-F238E27FC236}">
-                <a16:creationId xmlns:a16="http://schemas.microsoft.com/office/drawing/2014/main" id="{4566848F-7C10-42BF-9FB5-7BFDD25F478F}"/>
-              </a:ext>
-            </a:extLst>
-          </p:cNvPr>
-          <p:cNvSpPr>
-            <a:spLocks noGrp="1"/>
-          </p:cNvSpPr>
-          <p:nvPr>
-            <p:ph idx="1"/>
-          </p:nvPr>
+          <p:cNvPr id="18" name="TextovéPole 17">
+            <a:extLst>
+              <a:ext uri="{FF2B5EF4-FFF2-40B4-BE49-F238E27FC236}">
+                <a16:creationId xmlns:a16="http://schemas.microsoft.com/office/drawing/2014/main" xmlns="" id="{A9DFDDB4-41CC-CC7E-D88C-54106CE81F04}"/>
+              </a:ext>
+            </a:extLst>
+          </p:cNvPr>
+          <p:cNvSpPr txBox="1"/>
+          <p:nvPr/>
         </p:nvSpPr>
-        <p:spPr/>
+        <p:spPr>
+          <a:xfrm>
+            <a:off x="9947189" y="6384323"/>
+            <a:ext cx="1729945" cy="646331"/>
+          </a:xfrm>
+          <a:prstGeom prst="rect">
+            <a:avLst/>
+          </a:prstGeom>
+          <a:noFill/>
+        </p:spPr>
         <p:txBody>
-          <a:bodyPr/>
+          <a:bodyPr rot="0" spcFirstLastPara="0" vertOverflow="overflow" horzOverflow="overflow" vert="horz" wrap="square" lIns="91440" tIns="45720" rIns="91440" bIns="45720" numCol="1" spcCol="0" rtlCol="0" fromWordArt="0" anchor="t" anchorCtr="0" forceAA="0" compatLnSpc="1">
+            <a:prstTxWarp prst="textNoShape">
+              <a:avLst/>
+            </a:prstTxWarp>
+            <a:spAutoFit/>
+          </a:bodyPr>
           <a:lstStyle/>
           <a:p>
-            <a:endParaRPr lang="cs-CZ"/>
+            <a:r>
+              <a:rPr lang="cs-CZ" dirty="0"/>
+              <a:t>Obr . 2</a:t>
+            </a:r>
+          </a:p>
+          <a:p>
+            <a:endParaRPr lang="cs-CZ" dirty="0"/>
           </a:p>
         </p:txBody>
       </p:sp>
     </p:spTree>
     <p:extLst>
       <p:ext uri="{BB962C8B-B14F-4D97-AF65-F5344CB8AC3E}">
-        <p14:creationId xmlns:p14="http://schemas.microsoft.com/office/powerpoint/2010/main" val="3334630723"/>
+        <p14:creationId xmlns:p14="http://schemas.microsoft.com/office/powerpoint/2010/main" val="803265094"/>
       </p:ext>
     </p:extLst>
   </p:cSld>
   <p:clrMapOvr>
     <a:masterClrMapping/>
   </p:clrMapOvr>
+  <p:transition spd="slow" advTm="40000">
+    <p:wipe/>
+  </p:transition>
+  <p:timing>
+    <p:tnLst>
+      <p:par>
+        <p:cTn id="1" dur="indefinite" restart="never" nodeType="tmRoot"/>
+      </p:par>
+    </p:tnLst>
+  </p:timing>
 </p:sld>
 </file>
 
@@ -5780,7 +12064,7 @@
           <p:cNvPr id="2" name="Nadpis 1">
             <a:extLst>
               <a:ext uri="{FF2B5EF4-FFF2-40B4-BE49-F238E27FC236}">
-                <a16:creationId xmlns:a16="http://schemas.microsoft.com/office/drawing/2014/main" id="{771B278D-B7C5-E217-23C4-4109412FC985}"/>
+                <a16:creationId xmlns:a16="http://schemas.microsoft.com/office/drawing/2014/main" xmlns="" id="{C5EB89E2-002E-CD13-AA7D-A55568168FD2}"/>
               </a:ext>
             </a:extLst>
           </p:cNvPr>
@@ -5796,7 +12080,17 @@
           <a:bodyPr/>
           <a:lstStyle/>
           <a:p>
-            <a:endParaRPr lang="cs-CZ"/>
+            <a:r>
+              <a:rPr lang="cs-CZ" dirty="0">
+                <a:solidFill>
+                  <a:schemeClr val="bg1">
+                    <a:lumMod val="95000"/>
+                    <a:lumOff val="5000"/>
+                  </a:schemeClr>
+                </a:solidFill>
+              </a:rPr>
+              <a:t>Typy optických vláken</a:t>
+            </a:r>
           </a:p>
         </p:txBody>
       </p:sp>
@@ -5805,7 +12099,7 @@
           <p:cNvPr id="3" name="Zástupný obsah 2">
             <a:extLst>
               <a:ext uri="{FF2B5EF4-FFF2-40B4-BE49-F238E27FC236}">
-                <a16:creationId xmlns:a16="http://schemas.microsoft.com/office/drawing/2014/main" id="{AABD4D4B-3026-4BAE-0882-308C82C53C73}"/>
+                <a16:creationId xmlns:a16="http://schemas.microsoft.com/office/drawing/2014/main" xmlns="" id="{98FBE6F3-3636-8571-D436-8A2E8AC23670}"/>
               </a:ext>
             </a:extLst>
           </p:cNvPr>
@@ -5818,29 +12112,98 @@
         </p:nvSpPr>
         <p:spPr/>
         <p:txBody>
-          <a:bodyPr/>
+          <a:bodyPr vert="horz" lIns="91440" tIns="45720" rIns="91440" bIns="45720" rtlCol="0" anchor="t">
+            <a:normAutofit/>
+          </a:bodyPr>
           <a:lstStyle/>
           <a:p>
-            <a:endParaRPr lang="cs-CZ"/>
+            <a:pPr marL="0" indent="0">
+              <a:buNone/>
+            </a:pPr>
+            <a:r>
+              <a:rPr lang="cs-CZ" dirty="0">
+                <a:solidFill>
+                  <a:schemeClr val="bg1">
+                    <a:lumMod val="95000"/>
+                    <a:lumOff val="5000"/>
+                  </a:schemeClr>
+                </a:solidFill>
+              </a:rPr>
+              <a:t>2.Jednovidové vlákno</a:t>
+            </a:r>
+          </a:p>
+          <a:p>
+            <a:r>
+              <a:rPr lang="cs-CZ" dirty="0">
+                <a:solidFill>
+                  <a:schemeClr val="bg1">
+                    <a:lumMod val="95000"/>
+                    <a:lumOff val="5000"/>
+                  </a:schemeClr>
+                </a:solidFill>
+              </a:rPr>
+              <a:t>Pro přenos na větší vzdálenost</a:t>
+            </a:r>
+          </a:p>
+          <a:p>
+            <a:r>
+              <a:rPr lang="cs-CZ" dirty="0">
+                <a:solidFill>
+                  <a:schemeClr val="bg1">
+                    <a:lumMod val="95000"/>
+                    <a:lumOff val="5000"/>
+                  </a:schemeClr>
+                </a:solidFill>
+              </a:rPr>
+              <a:t>A pro vysoko rychlostní přenos</a:t>
+            </a:r>
+          </a:p>
+          <a:p>
+            <a:endParaRPr lang="cs-CZ" dirty="0">
+              <a:solidFill>
+                <a:schemeClr val="bg1">
+                  <a:lumMod val="95000"/>
+                  <a:lumOff val="5000"/>
+                </a:schemeClr>
+              </a:solidFill>
+            </a:endParaRPr>
           </a:p>
         </p:txBody>
       </p:sp>
     </p:spTree>
     <p:extLst>
       <p:ext uri="{BB962C8B-B14F-4D97-AF65-F5344CB8AC3E}">
-        <p14:creationId xmlns:p14="http://schemas.microsoft.com/office/powerpoint/2010/main" val="2499434710"/>
+        <p14:creationId xmlns:p14="http://schemas.microsoft.com/office/powerpoint/2010/main" val="3303480803"/>
       </p:ext>
     </p:extLst>
   </p:cSld>
   <p:clrMapOvr>
     <a:masterClrMapping/>
   </p:clrMapOvr>
+  <p:transition spd="slow" advTm="45000">
+    <p:wipe dir="r"/>
+  </p:transition>
+  <p:timing>
+    <p:tnLst>
+      <p:par>
+        <p:cTn id="1" dur="indefinite" restart="never" nodeType="tmRoot"/>
+      </p:par>
+    </p:tnLst>
+  </p:timing>
 </p:sld>
 </file>
 
 <file path=ppt/slides/slide8.xml><?xml version="1.0" encoding="utf-8"?>
 <p:sld xmlns:a="http://schemas.openxmlformats.org/drawingml/2006/main" xmlns:r="http://schemas.openxmlformats.org/officeDocument/2006/relationships" xmlns:p="http://schemas.openxmlformats.org/presentationml/2006/main">
   <p:cSld>
+    <p:bg>
+      <p:bgPr>
+        <a:solidFill>
+          <a:schemeClr val="bg2"/>
+        </a:solidFill>
+        <a:effectLst/>
+      </p:bgPr>
+    </p:bg>
     <p:spTree>
       <p:nvGrpSpPr>
         <p:cNvPr id="1" name=""/>
@@ -5855,12 +12218,494 @@
           <a:chExt cx="0" cy="0"/>
         </a:xfrm>
       </p:grpSpPr>
+      <p:sp useBgFill="1">
+        <p:nvSpPr>
+          <p:cNvPr id="8" name="Rectangle 7">
+            <a:extLst>
+              <a:ext uri="{FF2B5EF4-FFF2-40B4-BE49-F238E27FC236}">
+                <a16:creationId xmlns:a16="http://schemas.microsoft.com/office/drawing/2014/main" xmlns="" id="{987A0FBA-CC04-4256-A8EB-BB3C543E989C}"/>
+              </a:ext>
+              <a:ext uri="{C183D7F6-B498-43B3-948B-1728B52AA6E4}">
+                <adec:decorative xmlns:adec="http://schemas.microsoft.com/office/drawing/2017/decorative" xmlns="" val="1"/>
+              </a:ext>
+            </a:extLst>
+          </p:cNvPr>
+          <p:cNvSpPr>
+            <a:spLocks noGrp="1" noRot="1" noChangeAspect="1" noMove="1" noResize="1" noEditPoints="1" noAdjustHandles="1" noChangeArrowheads="1" noChangeShapeType="1" noTextEdit="1"/>
+          </p:cNvSpPr>
+          <p:nvPr>
+            <p:extLst>
+              <p:ext uri="{386F3935-93C4-4BCD-93E2-E3B085C9AB24}">
+                <p16:designElem xmlns:p16="http://schemas.microsoft.com/office/powerpoint/2015/main" xmlns="" val="1"/>
+              </p:ext>
+            </p:extLst>
+          </p:nvPr>
+        </p:nvSpPr>
+        <p:spPr>
+          <a:xfrm>
+            <a:off x="0" y="0"/>
+            <a:ext cx="12192000" cy="6858000"/>
+          </a:xfrm>
+          <a:prstGeom prst="rect">
+            <a:avLst/>
+          </a:prstGeom>
+          <a:ln w="12700" cap="flat" cmpd="sng" algn="ctr">
+            <a:noFill/>
+            <a:prstDash val="solid"/>
+            <a:miter lim="800000"/>
+          </a:ln>
+          <a:effectLst/>
+          <a:extLst>
+            <a:ext uri="{91240B29-F687-4F45-9708-019B960494DF}">
+              <a14:hiddenLine xmlns:a14="http://schemas.microsoft.com/office/drawing/2010/main" w="12700" cap="flat" cmpd="sng" algn="ctr">
+                <a:solidFill>
+                  <a:schemeClr val="accent1">
+                    <a:shade val="50000"/>
+                  </a:schemeClr>
+                </a:solidFill>
+                <a:prstDash val="solid"/>
+                <a:miter lim="800000"/>
+              </a14:hiddenLine>
+            </a:ext>
+          </a:extLst>
+        </p:spPr>
+        <p:style>
+          <a:lnRef idx="2">
+            <a:schemeClr val="accent1">
+              <a:shade val="50000"/>
+            </a:schemeClr>
+          </a:lnRef>
+          <a:fillRef idx="1">
+            <a:schemeClr val="accent1"/>
+          </a:fillRef>
+          <a:effectRef idx="0">
+            <a:schemeClr val="accent1"/>
+          </a:effectRef>
+          <a:fontRef idx="minor">
+            <a:schemeClr val="lt1"/>
+          </a:fontRef>
+        </p:style>
+        <p:txBody>
+          <a:bodyPr rtlCol="0" anchor="ctr"/>
+          <a:lstStyle/>
+          <a:p>
+            <a:pPr algn="ctr"/>
+            <a:endParaRPr lang="en-US"/>
+          </a:p>
+        </p:txBody>
+      </p:sp>
+      <p:sp>
+        <p:nvSpPr>
+          <p:cNvPr id="10" name="Freeform: Shape 9">
+            <a:extLst>
+              <a:ext uri="{FF2B5EF4-FFF2-40B4-BE49-F238E27FC236}">
+                <a16:creationId xmlns:a16="http://schemas.microsoft.com/office/drawing/2014/main" xmlns="" id="{1F2E94ED-9EAC-4540-B972-B11CAA852653}"/>
+              </a:ext>
+              <a:ext uri="{C183D7F6-B498-43B3-948B-1728B52AA6E4}">
+                <adec:decorative xmlns:adec="http://schemas.microsoft.com/office/drawing/2017/decorative" xmlns="" val="1"/>
+              </a:ext>
+            </a:extLst>
+          </p:cNvPr>
+          <p:cNvSpPr>
+            <a:spLocks noGrp="1" noRot="1" noChangeAspect="1" noMove="1" noResize="1" noEditPoints="1" noAdjustHandles="1" noChangeArrowheads="1" noChangeShapeType="1" noTextEdit="1"/>
+          </p:cNvSpPr>
+          <p:nvPr>
+            <p:extLst>
+              <p:ext uri="{386F3935-93C4-4BCD-93E2-E3B085C9AB24}">
+                <p16:designElem xmlns:p16="http://schemas.microsoft.com/office/powerpoint/2015/main" xmlns="" val="1"/>
+              </p:ext>
+            </p:extLst>
+          </p:nvPr>
+        </p:nvSpPr>
+        <p:spPr>
+          <a:xfrm rot="5400000" flipH="1">
+            <a:off x="-73597" y="835592"/>
+            <a:ext cx="6095980" cy="5948805"/>
+          </a:xfrm>
+          <a:custGeom>
+            <a:avLst/>
+            <a:gdLst>
+              <a:gd name="connsiteX0" fmla="*/ 0 w 4212773"/>
+              <a:gd name="connsiteY0" fmla="*/ 0 h 6498740"/>
+              <a:gd name="connsiteX1" fmla="*/ 159023 w 4212773"/>
+              <a:gd name="connsiteY1" fmla="*/ 12872 h 6498740"/>
+              <a:gd name="connsiteX2" fmla="*/ 1697597 w 4212773"/>
+              <a:gd name="connsiteY2" fmla="*/ 306418 h 6498740"/>
+              <a:gd name="connsiteX3" fmla="*/ 4047822 w 4212773"/>
+              <a:gd name="connsiteY3" fmla="*/ 3511272 h 6498740"/>
+              <a:gd name="connsiteX4" fmla="*/ 3551503 w 4212773"/>
+              <a:gd name="connsiteY4" fmla="*/ 6184235 h 6498740"/>
+              <a:gd name="connsiteX5" fmla="*/ 3163159 w 4212773"/>
+              <a:gd name="connsiteY5" fmla="*/ 6459073 h 6498740"/>
+              <a:gd name="connsiteX6" fmla="*/ 3092077 w 4212773"/>
+              <a:gd name="connsiteY6" fmla="*/ 6498740 h 6498740"/>
+              <a:gd name="connsiteX7" fmla="*/ 0 w 4212773"/>
+              <a:gd name="connsiteY7" fmla="*/ 6498740 h 6498740"/>
+              <a:gd name="connsiteX8" fmla="*/ 0 w 4212773"/>
+              <a:gd name="connsiteY8" fmla="*/ 0 h 6498740"/>
+            </a:gdLst>
+            <a:ahLst/>
+            <a:cxnLst>
+              <a:cxn ang="0">
+                <a:pos x="connsiteX0" y="connsiteY0"/>
+              </a:cxn>
+              <a:cxn ang="0">
+                <a:pos x="connsiteX1" y="connsiteY1"/>
+              </a:cxn>
+              <a:cxn ang="0">
+                <a:pos x="connsiteX2" y="connsiteY2"/>
+              </a:cxn>
+              <a:cxn ang="0">
+                <a:pos x="connsiteX3" y="connsiteY3"/>
+              </a:cxn>
+              <a:cxn ang="0">
+                <a:pos x="connsiteX4" y="connsiteY4"/>
+              </a:cxn>
+              <a:cxn ang="0">
+                <a:pos x="connsiteX5" y="connsiteY5"/>
+              </a:cxn>
+              <a:cxn ang="0">
+                <a:pos x="connsiteX6" y="connsiteY6"/>
+              </a:cxn>
+              <a:cxn ang="0">
+                <a:pos x="connsiteX7" y="connsiteY7"/>
+              </a:cxn>
+              <a:cxn ang="0">
+                <a:pos x="connsiteX8" y="connsiteY8"/>
+              </a:cxn>
+            </a:cxnLst>
+            <a:rect l="l" t="t" r="r" b="b"/>
+            <a:pathLst>
+              <a:path w="4212773" h="6498740">
+                <a:moveTo>
+                  <a:pt x="0" y="0"/>
+                </a:moveTo>
+                <a:lnTo>
+                  <a:pt x="159023" y="12872"/>
+                </a:lnTo>
+                <a:cubicBezTo>
+                  <a:pt x="659101" y="63644"/>
+                  <a:pt x="1176498" y="175345"/>
+                  <a:pt x="1697597" y="306418"/>
+                </a:cubicBezTo>
+                <a:cubicBezTo>
+                  <a:pt x="3312474" y="712392"/>
+                  <a:pt x="3742395" y="1999786"/>
+                  <a:pt x="4047822" y="3511272"/>
+                </a:cubicBezTo>
+                <a:cubicBezTo>
+                  <a:pt x="4252232" y="4523358"/>
+                  <a:pt x="4422733" y="5443193"/>
+                  <a:pt x="3551503" y="6184235"/>
+                </a:cubicBezTo>
+                <a:cubicBezTo>
+                  <a:pt x="3429343" y="6288166"/>
+                  <a:pt x="3299185" y="6378784"/>
+                  <a:pt x="3163159" y="6459073"/>
+                </a:cubicBezTo>
+                <a:lnTo>
+                  <a:pt x="3092077" y="6498740"/>
+                </a:lnTo>
+                <a:lnTo>
+                  <a:pt x="0" y="6498740"/>
+                </a:lnTo>
+                <a:lnTo>
+                  <a:pt x="0" y="0"/>
+                </a:lnTo>
+                <a:close/>
+              </a:path>
+            </a:pathLst>
+          </a:custGeom>
+          <a:solidFill>
+            <a:schemeClr val="accent6"/>
+          </a:solidFill>
+          <a:ln>
+            <a:noFill/>
+          </a:ln>
+        </p:spPr>
+        <p:style>
+          <a:lnRef idx="2">
+            <a:schemeClr val="accent1">
+              <a:shade val="50000"/>
+            </a:schemeClr>
+          </a:lnRef>
+          <a:fillRef idx="1">
+            <a:schemeClr val="accent1"/>
+          </a:fillRef>
+          <a:effectRef idx="0">
+            <a:schemeClr val="accent1"/>
+          </a:effectRef>
+          <a:fontRef idx="minor">
+            <a:schemeClr val="lt1"/>
+          </a:fontRef>
+        </p:style>
+        <p:txBody>
+          <a:bodyPr rtlCol="0" anchor="ctr"/>
+          <a:lstStyle/>
+          <a:p>
+            <a:pPr algn="ctr"/>
+            <a:endParaRPr lang="en-US"/>
+          </a:p>
+        </p:txBody>
+      </p:sp>
+      <p:sp>
+        <p:nvSpPr>
+          <p:cNvPr id="12" name="Freeform: Shape 11">
+            <a:extLst>
+              <a:ext uri="{FF2B5EF4-FFF2-40B4-BE49-F238E27FC236}">
+                <a16:creationId xmlns:a16="http://schemas.microsoft.com/office/drawing/2014/main" xmlns="" id="{A3BFB3E6-2D9E-4A5C-826F-44A91F59778D}"/>
+              </a:ext>
+              <a:ext uri="{C183D7F6-B498-43B3-948B-1728B52AA6E4}">
+                <adec:decorative xmlns:adec="http://schemas.microsoft.com/office/drawing/2017/decorative" xmlns="" val="1"/>
+              </a:ext>
+            </a:extLst>
+          </p:cNvPr>
+          <p:cNvSpPr>
+            <a:spLocks noGrp="1" noRot="1" noChangeAspect="1" noMove="1" noResize="1" noEditPoints="1" noAdjustHandles="1" noChangeArrowheads="1" noChangeShapeType="1" noTextEdit="1"/>
+          </p:cNvSpPr>
+          <p:nvPr>
+            <p:extLst>
+              <p:ext uri="{386F3935-93C4-4BCD-93E2-E3B085C9AB24}">
+                <p16:designElem xmlns:p16="http://schemas.microsoft.com/office/powerpoint/2015/main" xmlns="" val="1"/>
+              </p:ext>
+            </p:extLst>
+          </p:nvPr>
+        </p:nvSpPr>
+        <p:spPr>
+          <a:xfrm rot="5400000" flipH="1">
+            <a:off x="223838" y="538152"/>
+            <a:ext cx="6095989" cy="6543686"/>
+          </a:xfrm>
+          <a:custGeom>
+            <a:avLst/>
+            <a:gdLst>
+              <a:gd name="connsiteX0" fmla="*/ 0 w 4033589"/>
+              <a:gd name="connsiteY0" fmla="*/ 0 h 6858000"/>
+              <a:gd name="connsiteX1" fmla="*/ 1878934 w 4033589"/>
+              <a:gd name="connsiteY1" fmla="*/ 0 h 6858000"/>
+              <a:gd name="connsiteX2" fmla="*/ 1882313 w 4033589"/>
+              <a:gd name="connsiteY2" fmla="*/ 2021 h 6858000"/>
+              <a:gd name="connsiteX3" fmla="*/ 3475371 w 4033589"/>
+              <a:gd name="connsiteY3" fmla="*/ 1517967 h 6858000"/>
+              <a:gd name="connsiteX4" fmla="*/ 3975977 w 4033589"/>
+              <a:gd name="connsiteY4" fmla="*/ 4379386 h 6858000"/>
+              <a:gd name="connsiteX5" fmla="*/ 3312864 w 4033589"/>
+              <a:gd name="connsiteY5" fmla="*/ 6852362 h 6858000"/>
+              <a:gd name="connsiteX6" fmla="*/ 3310593 w 4033589"/>
+              <a:gd name="connsiteY6" fmla="*/ 6858000 h 6858000"/>
+              <a:gd name="connsiteX7" fmla="*/ 0 w 4033589"/>
+              <a:gd name="connsiteY7" fmla="*/ 6858000 h 6858000"/>
+              <a:gd name="connsiteX8" fmla="*/ 0 w 4033589"/>
+              <a:gd name="connsiteY8" fmla="*/ 0 h 6858000"/>
+              <a:gd name="connsiteX0" fmla="*/ 0 w 4033589"/>
+              <a:gd name="connsiteY0" fmla="*/ 6858000 h 6858000"/>
+              <a:gd name="connsiteX1" fmla="*/ 1878934 w 4033589"/>
+              <a:gd name="connsiteY1" fmla="*/ 0 h 6858000"/>
+              <a:gd name="connsiteX2" fmla="*/ 1882313 w 4033589"/>
+              <a:gd name="connsiteY2" fmla="*/ 2021 h 6858000"/>
+              <a:gd name="connsiteX3" fmla="*/ 3475371 w 4033589"/>
+              <a:gd name="connsiteY3" fmla="*/ 1517967 h 6858000"/>
+              <a:gd name="connsiteX4" fmla="*/ 3975977 w 4033589"/>
+              <a:gd name="connsiteY4" fmla="*/ 4379386 h 6858000"/>
+              <a:gd name="connsiteX5" fmla="*/ 3312864 w 4033589"/>
+              <a:gd name="connsiteY5" fmla="*/ 6852362 h 6858000"/>
+              <a:gd name="connsiteX6" fmla="*/ 3310593 w 4033589"/>
+              <a:gd name="connsiteY6" fmla="*/ 6858000 h 6858000"/>
+              <a:gd name="connsiteX7" fmla="*/ 0 w 4033589"/>
+              <a:gd name="connsiteY7" fmla="*/ 6858000 h 6858000"/>
+              <a:gd name="connsiteX0" fmla="*/ 1787494 w 3942149"/>
+              <a:gd name="connsiteY0" fmla="*/ 0 h 6949440"/>
+              <a:gd name="connsiteX1" fmla="*/ 1790873 w 3942149"/>
+              <a:gd name="connsiteY1" fmla="*/ 2021 h 6949440"/>
+              <a:gd name="connsiteX2" fmla="*/ 3383931 w 3942149"/>
+              <a:gd name="connsiteY2" fmla="*/ 1517967 h 6949440"/>
+              <a:gd name="connsiteX3" fmla="*/ 3884537 w 3942149"/>
+              <a:gd name="connsiteY3" fmla="*/ 4379386 h 6949440"/>
+              <a:gd name="connsiteX4" fmla="*/ 3221424 w 3942149"/>
+              <a:gd name="connsiteY4" fmla="*/ 6852362 h 6949440"/>
+              <a:gd name="connsiteX5" fmla="*/ 3219153 w 3942149"/>
+              <a:gd name="connsiteY5" fmla="*/ 6858000 h 6949440"/>
+              <a:gd name="connsiteX6" fmla="*/ 0 w 3942149"/>
+              <a:gd name="connsiteY6" fmla="*/ 6949440 h 6949440"/>
+              <a:gd name="connsiteX0" fmla="*/ 1787494 w 3942149"/>
+              <a:gd name="connsiteY0" fmla="*/ 0 h 6949440"/>
+              <a:gd name="connsiteX1" fmla="*/ 1790873 w 3942149"/>
+              <a:gd name="connsiteY1" fmla="*/ 2021 h 6949440"/>
+              <a:gd name="connsiteX2" fmla="*/ 3383931 w 3942149"/>
+              <a:gd name="connsiteY2" fmla="*/ 1517967 h 6949440"/>
+              <a:gd name="connsiteX3" fmla="*/ 3884537 w 3942149"/>
+              <a:gd name="connsiteY3" fmla="*/ 4379386 h 6949440"/>
+              <a:gd name="connsiteX4" fmla="*/ 3221424 w 3942149"/>
+              <a:gd name="connsiteY4" fmla="*/ 6852362 h 6949440"/>
+              <a:gd name="connsiteX5" fmla="*/ 3219153 w 3942149"/>
+              <a:gd name="connsiteY5" fmla="*/ 6858000 h 6949440"/>
+              <a:gd name="connsiteX6" fmla="*/ 0 w 3942149"/>
+              <a:gd name="connsiteY6" fmla="*/ 6949440 h 6949440"/>
+              <a:gd name="connsiteX0" fmla="*/ 0 w 2154655"/>
+              <a:gd name="connsiteY0" fmla="*/ 0 h 6858000"/>
+              <a:gd name="connsiteX1" fmla="*/ 3379 w 2154655"/>
+              <a:gd name="connsiteY1" fmla="*/ 2021 h 6858000"/>
+              <a:gd name="connsiteX2" fmla="*/ 1596437 w 2154655"/>
+              <a:gd name="connsiteY2" fmla="*/ 1517967 h 6858000"/>
+              <a:gd name="connsiteX3" fmla="*/ 2097043 w 2154655"/>
+              <a:gd name="connsiteY3" fmla="*/ 4379386 h 6858000"/>
+              <a:gd name="connsiteX4" fmla="*/ 1433930 w 2154655"/>
+              <a:gd name="connsiteY4" fmla="*/ 6852362 h 6858000"/>
+              <a:gd name="connsiteX5" fmla="*/ 1431659 w 2154655"/>
+              <a:gd name="connsiteY5" fmla="*/ 6858000 h 6858000"/>
+            </a:gdLst>
+            <a:ahLst/>
+            <a:cxnLst>
+              <a:cxn ang="0">
+                <a:pos x="connsiteX0" y="connsiteY0"/>
+              </a:cxn>
+              <a:cxn ang="0">
+                <a:pos x="connsiteX1" y="connsiteY1"/>
+              </a:cxn>
+              <a:cxn ang="0">
+                <a:pos x="connsiteX2" y="connsiteY2"/>
+              </a:cxn>
+              <a:cxn ang="0">
+                <a:pos x="connsiteX3" y="connsiteY3"/>
+              </a:cxn>
+              <a:cxn ang="0">
+                <a:pos x="connsiteX4" y="connsiteY4"/>
+              </a:cxn>
+              <a:cxn ang="0">
+                <a:pos x="connsiteX5" y="connsiteY5"/>
+              </a:cxn>
+            </a:cxnLst>
+            <a:rect l="l" t="t" r="r" b="b"/>
+            <a:pathLst>
+              <a:path w="2154655" h="6858000">
+                <a:moveTo>
+                  <a:pt x="0" y="0"/>
+                </a:moveTo>
+                <a:lnTo>
+                  <a:pt x="3379" y="2021"/>
+                </a:lnTo>
+                <a:cubicBezTo>
+                  <a:pt x="667061" y="423753"/>
+                  <a:pt x="1239365" y="963389"/>
+                  <a:pt x="1596437" y="1517967"/>
+                </a:cubicBezTo>
+                <a:cubicBezTo>
+                  <a:pt x="2133142" y="2350886"/>
+                  <a:pt x="2239839" y="3395752"/>
+                  <a:pt x="2097043" y="4379386"/>
+                </a:cubicBezTo>
+                <a:cubicBezTo>
+                  <a:pt x="2032295" y="4824358"/>
+                  <a:pt x="1812506" y="5869368"/>
+                  <a:pt x="1433930" y="6852362"/>
+                </a:cubicBezTo>
+                <a:lnTo>
+                  <a:pt x="1431659" y="6858000"/>
+                </a:lnTo>
+              </a:path>
+            </a:pathLst>
+          </a:custGeom>
+          <a:noFill/>
+          <a:ln w="19050">
+            <a:solidFill>
+              <a:schemeClr val="accent2">
+                <a:lumMod val="60000"/>
+                <a:lumOff val="40000"/>
+              </a:schemeClr>
+            </a:solidFill>
+          </a:ln>
+        </p:spPr>
+        <p:style>
+          <a:lnRef idx="2">
+            <a:schemeClr val="accent1">
+              <a:shade val="50000"/>
+            </a:schemeClr>
+          </a:lnRef>
+          <a:fillRef idx="1">
+            <a:schemeClr val="accent1"/>
+          </a:fillRef>
+          <a:effectRef idx="0">
+            <a:schemeClr val="accent1"/>
+          </a:effectRef>
+          <a:fontRef idx="minor">
+            <a:schemeClr val="lt1"/>
+          </a:fontRef>
+        </p:style>
+        <p:txBody>
+          <a:bodyPr rtlCol="0" anchor="ctr"/>
+          <a:lstStyle/>
+          <a:p>
+            <a:pPr algn="ctr"/>
+            <a:endParaRPr lang="en-US">
+              <a:solidFill>
+                <a:prstClr val="white"/>
+              </a:solidFill>
+              <a:latin typeface="Avenir Next LT Pro Light"/>
+            </a:endParaRPr>
+          </a:p>
+        </p:txBody>
+      </p:sp>
+      <p:sp>
+        <p:nvSpPr>
+          <p:cNvPr id="3" name="Zástupný obsah 2">
+            <a:extLst>
+              <a:ext uri="{FF2B5EF4-FFF2-40B4-BE49-F238E27FC236}">
+                <a16:creationId xmlns:a16="http://schemas.microsoft.com/office/drawing/2014/main" xmlns="" id="{98FBE6F3-3636-8571-D436-8A2E8AC23670}"/>
+              </a:ext>
+            </a:extLst>
+          </p:cNvPr>
+          <p:cNvSpPr>
+            <a:spLocks noGrp="1"/>
+          </p:cNvSpPr>
+          <p:nvPr>
+            <p:ph idx="1"/>
+          </p:nvPr>
+        </p:nvSpPr>
+        <p:spPr>
+          <a:xfrm>
+            <a:off x="6858001" y="3048000"/>
+            <a:ext cx="4572000" cy="3048001"/>
+          </a:xfrm>
+        </p:spPr>
+        <p:txBody>
+          <a:bodyPr vert="horz" lIns="91440" tIns="45720" rIns="91440" bIns="45720" rtlCol="0" anchor="t">
+            <a:normAutofit/>
+          </a:bodyPr>
+          <a:lstStyle/>
+          <a:p>
+            <a:r>
+              <a:rPr lang="cs-CZ" sz="2400" dirty="0">
+                <a:solidFill>
+                  <a:schemeClr val="tx2"/>
+                </a:solidFill>
+              </a:rPr>
+              <a:t>3. Vlákna pro speciální </a:t>
+            </a:r>
+            <a:r>
+              <a:rPr lang="cs-CZ" sz="2400" dirty="0" err="1">
+                <a:solidFill>
+                  <a:schemeClr val="tx2"/>
+                </a:solidFill>
+              </a:rPr>
+              <a:t>ůčely</a:t>
+            </a:r>
+            <a:endParaRPr lang="cs-CZ" sz="2400">
+              <a:solidFill>
+                <a:schemeClr val="tx2"/>
+              </a:solidFill>
+            </a:endParaRPr>
+          </a:p>
+          <a:p>
+            <a:endParaRPr lang="cs-CZ" sz="2400"/>
+          </a:p>
+        </p:txBody>
+      </p:sp>
       <p:sp>
         <p:nvSpPr>
           <p:cNvPr id="2" name="Nadpis 1">
             <a:extLst>
               <a:ext uri="{FF2B5EF4-FFF2-40B4-BE49-F238E27FC236}">
-                <a16:creationId xmlns:a16="http://schemas.microsoft.com/office/drawing/2014/main" id="{D50207AE-3383-3342-7F92-857602B8C706}"/>
+                <a16:creationId xmlns:a16="http://schemas.microsoft.com/office/drawing/2014/main" xmlns="" id="{C5EB89E2-002E-CD13-AA7D-A55568168FD2}"/>
               </a:ext>
             </a:extLst>
           </p:cNvPr>
@@ -5871,50 +12716,54 @@
             <p:ph type="title"/>
           </p:nvPr>
         </p:nvSpPr>
-        <p:spPr/>
+        <p:spPr>
+          <a:xfrm>
+            <a:off x="6858000" y="1523990"/>
+            <a:ext cx="4572000" cy="1524010"/>
+          </a:xfrm>
+        </p:spPr>
         <p:txBody>
-          <a:bodyPr/>
+          <a:bodyPr anchor="t">
+            <a:noAutofit/>
+          </a:bodyPr>
           <a:lstStyle/>
           <a:p>
-            <a:endParaRPr lang="cs-CZ"/>
-          </a:p>
-        </p:txBody>
-      </p:sp>
-      <p:sp>
-        <p:nvSpPr>
-          <p:cNvPr id="3" name="Zástupný obsah 2">
-            <a:extLst>
-              <a:ext uri="{FF2B5EF4-FFF2-40B4-BE49-F238E27FC236}">
-                <a16:creationId xmlns:a16="http://schemas.microsoft.com/office/drawing/2014/main" id="{AE3AE686-D2D9-14CA-03EC-9509FF64BD49}"/>
-              </a:ext>
-            </a:extLst>
-          </p:cNvPr>
-          <p:cNvSpPr>
-            <a:spLocks noGrp="1"/>
-          </p:cNvSpPr>
-          <p:nvPr>
-            <p:ph idx="1"/>
-          </p:nvPr>
-        </p:nvSpPr>
-        <p:spPr/>
-        <p:txBody>
-          <a:bodyPr/>
-          <a:lstStyle/>
-          <a:p>
-            <a:endParaRPr lang="cs-CZ"/>
+            <a:r>
+              <a:rPr lang="cs-CZ" sz="4800" dirty="0"/>
+              <a:t>Typy optických vláken</a:t>
+            </a:r>
           </a:p>
         </p:txBody>
       </p:sp>
     </p:spTree>
     <p:extLst>
       <p:ext uri="{BB962C8B-B14F-4D97-AF65-F5344CB8AC3E}">
-        <p14:creationId xmlns:p14="http://schemas.microsoft.com/office/powerpoint/2010/main" val="1019631475"/>
+        <p14:creationId xmlns:p14="http://schemas.microsoft.com/office/powerpoint/2010/main" val="2621492718"/>
       </p:ext>
     </p:extLst>
   </p:cSld>
   <p:clrMapOvr>
     <a:masterClrMapping/>
   </p:clrMapOvr>
+  <mc:AlternateContent xmlns:mc="http://schemas.openxmlformats.org/markup-compatibility/2006">
+    <mc:Choice xmlns:p14="http://schemas.microsoft.com/office/powerpoint/2010/main" Requires="p14">
+      <p:transition spd="med" p14:dur="700" advTm="20000">
+        <p:fade/>
+      </p:transition>
+    </mc:Choice>
+    <mc:Fallback>
+      <p:transition spd="med" advTm="20000">
+        <p:fade/>
+      </p:transition>
+    </mc:Fallback>
+  </mc:AlternateContent>
+  <p:timing>
+    <p:tnLst>
+      <p:par>
+        <p:cTn id="1" dur="indefinite" restart="never" nodeType="tmRoot"/>
+      </p:par>
+    </p:tnLst>
+  </p:timing>
 </p:sld>
 </file>
 
@@ -5940,7 +12789,7 @@
           <p:cNvPr id="2" name="Nadpis 1">
             <a:extLst>
               <a:ext uri="{FF2B5EF4-FFF2-40B4-BE49-F238E27FC236}">
-                <a16:creationId xmlns:a16="http://schemas.microsoft.com/office/drawing/2014/main" id="{D71676B6-453B-99CF-08AB-22180644BBFB}"/>
+                <a16:creationId xmlns:a16="http://schemas.microsoft.com/office/drawing/2014/main" xmlns="" id="{0DA50C77-5D82-B616-2B65-09E720A258DE}"/>
               </a:ext>
             </a:extLst>
           </p:cNvPr>
@@ -5956,7 +12805,18 @@
           <a:bodyPr/>
           <a:lstStyle/>
           <a:p>
-            <a:endParaRPr lang="cs-CZ"/>
+            <a:r>
+              <a:rPr lang="cs-CZ" dirty="0">
+                <a:solidFill>
+                  <a:schemeClr val="bg1">
+                    <a:lumMod val="95000"/>
+                    <a:lumOff val="5000"/>
+                  </a:schemeClr>
+                </a:solidFill>
+              </a:rPr>
+              <a:t>Princip a použití</a:t>
+            </a:r>
+            <a:endParaRPr lang="cs-CZ" dirty="0"/>
           </a:p>
         </p:txBody>
       </p:sp>
@@ -5965,7 +12825,7 @@
           <p:cNvPr id="3" name="Zástupný obsah 2">
             <a:extLst>
               <a:ext uri="{FF2B5EF4-FFF2-40B4-BE49-F238E27FC236}">
-                <a16:creationId xmlns:a16="http://schemas.microsoft.com/office/drawing/2014/main" id="{3115FF2C-908F-2FED-A023-9078D30E5843}"/>
+                <a16:creationId xmlns:a16="http://schemas.microsoft.com/office/drawing/2014/main" xmlns="" id="{D836E666-8A2E-7F26-66F8-250CA67685AC}"/>
               </a:ext>
             </a:extLst>
           </p:cNvPr>
@@ -5978,23 +12838,186 @@
         </p:nvSpPr>
         <p:spPr/>
         <p:txBody>
-          <a:bodyPr/>
+          <a:bodyPr vert="horz" lIns="91440" tIns="45720" rIns="91440" bIns="45720" rtlCol="0" anchor="t">
+            <a:normAutofit lnSpcReduction="10000"/>
+          </a:bodyPr>
           <a:lstStyle/>
           <a:p>
-            <a:endParaRPr lang="cs-CZ"/>
+            <a:r>
+              <a:rPr lang="cs-CZ" dirty="0">
+                <a:solidFill>
+                  <a:schemeClr val="bg1"/>
+                </a:solidFill>
+              </a:rPr>
+              <a:t>Optické vlákno je válečkový dielektrický vlnovod</a:t>
+            </a:r>
+          </a:p>
+          <a:p>
+            <a:r>
+              <a:rPr lang="cs-CZ" dirty="0">
+                <a:solidFill>
+                  <a:schemeClr val="bg1"/>
+                </a:solidFill>
+              </a:rPr>
+              <a:t>S využitím totálního odrazu a indexem lomu</a:t>
+            </a:r>
+          </a:p>
+          <a:p>
+            <a:r>
+              <a:rPr lang="cs-CZ" dirty="0">
+                <a:solidFill>
+                  <a:schemeClr val="bg1"/>
+                </a:solidFill>
+              </a:rPr>
+              <a:t>Stavba:</a:t>
+            </a:r>
+          </a:p>
+          <a:p>
+            <a:pPr marL="0" indent="0">
+              <a:buNone/>
+            </a:pPr>
+            <a:r>
+              <a:rPr lang="cs-CZ" dirty="0">
+                <a:solidFill>
+                  <a:schemeClr val="bg1"/>
+                </a:solidFill>
+              </a:rPr>
+              <a:t>Jádro</a:t>
+            </a:r>
+          </a:p>
+          <a:p>
+            <a:pPr marL="0" indent="0">
+              <a:buNone/>
+            </a:pPr>
+            <a:r>
+              <a:rPr lang="cs-CZ" dirty="0">
+                <a:solidFill>
+                  <a:schemeClr val="bg1"/>
+                </a:solidFill>
+              </a:rPr>
+              <a:t>Plášť</a:t>
+            </a:r>
+          </a:p>
+          <a:p>
+            <a:pPr marL="0" indent="0">
+              <a:buNone/>
+            </a:pPr>
+            <a:r>
+              <a:rPr lang="cs-CZ" dirty="0">
+                <a:solidFill>
+                  <a:schemeClr val="bg1"/>
+                </a:solidFill>
+              </a:rPr>
+              <a:t>Ochrana</a:t>
+            </a:r>
+          </a:p>
+          <a:p>
+            <a:pPr marL="0" indent="0">
+              <a:buNone/>
+            </a:pPr>
+            <a:endParaRPr lang="cs-CZ" dirty="0">
+              <a:solidFill>
+                <a:schemeClr val="bg1"/>
+              </a:solidFill>
+            </a:endParaRPr>
+          </a:p>
+          <a:p>
+            <a:endParaRPr lang="cs-CZ" dirty="0">
+              <a:solidFill>
+                <a:schemeClr val="bg1"/>
+              </a:solidFill>
+            </a:endParaRPr>
+          </a:p>
+        </p:txBody>
+      </p:sp>
+      <p:pic>
+        <p:nvPicPr>
+          <p:cNvPr id="5" name="Obrázek 5">
+            <a:extLst>
+              <a:ext uri="{FF2B5EF4-FFF2-40B4-BE49-F238E27FC236}">
+                <a16:creationId xmlns:a16="http://schemas.microsoft.com/office/drawing/2014/main" xmlns="" id="{84CF301E-3CAD-5BE3-9014-D7AA43A0F2C7}"/>
+              </a:ext>
+            </a:extLst>
+          </p:cNvPr>
+          <p:cNvPicPr>
+            <a:picLocks noChangeAspect="1"/>
+          </p:cNvPicPr>
+          <p:nvPr/>
+        </p:nvPicPr>
+        <p:blipFill>
+          <a:blip r:embed="rId2"/>
+          <a:stretch>
+            <a:fillRect/>
+          </a:stretch>
+        </p:blipFill>
+        <p:spPr>
+          <a:xfrm>
+            <a:off x="7858664" y="3794760"/>
+            <a:ext cx="4339086" cy="3064103"/>
+          </a:xfrm>
+          <a:prstGeom prst="rect">
+            <a:avLst/>
+          </a:prstGeom>
+        </p:spPr>
+      </p:pic>
+      <p:sp>
+        <p:nvSpPr>
+          <p:cNvPr id="6" name="TextovéPole 5">
+            <a:extLst>
+              <a:ext uri="{FF2B5EF4-FFF2-40B4-BE49-F238E27FC236}">
+                <a16:creationId xmlns:a16="http://schemas.microsoft.com/office/drawing/2014/main" xmlns="" id="{23392450-1D4B-F239-17E4-29CF12AB7FCB}"/>
+              </a:ext>
+            </a:extLst>
+          </p:cNvPr>
+          <p:cNvSpPr txBox="1"/>
+          <p:nvPr/>
+        </p:nvSpPr>
+        <p:spPr>
+          <a:xfrm>
+            <a:off x="10729784" y="3336324"/>
+            <a:ext cx="1276864" cy="369332"/>
+          </a:xfrm>
+          <a:prstGeom prst="rect">
+            <a:avLst/>
+          </a:prstGeom>
+          <a:noFill/>
+        </p:spPr>
+        <p:txBody>
+          <a:bodyPr rot="0" spcFirstLastPara="0" vertOverflow="overflow" horzOverflow="overflow" vert="horz" wrap="square" lIns="91440" tIns="45720" rIns="91440" bIns="45720" numCol="1" spcCol="0" rtlCol="0" fromWordArt="0" anchor="t" anchorCtr="0" forceAA="0" compatLnSpc="1">
+            <a:prstTxWarp prst="textNoShape">
+              <a:avLst/>
+            </a:prstTxWarp>
+            <a:spAutoFit/>
+          </a:bodyPr>
+          <a:lstStyle/>
+          <a:p>
+            <a:r>
+              <a:rPr lang="cs-CZ" dirty="0"/>
+              <a:t>Obr. 3</a:t>
+            </a:r>
           </a:p>
         </p:txBody>
       </p:sp>
     </p:spTree>
     <p:extLst>
       <p:ext uri="{BB962C8B-B14F-4D97-AF65-F5344CB8AC3E}">
-        <p14:creationId xmlns:p14="http://schemas.microsoft.com/office/powerpoint/2010/main" val="295553536"/>
+        <p14:creationId xmlns:p14="http://schemas.microsoft.com/office/powerpoint/2010/main" val="1619582199"/>
       </p:ext>
     </p:extLst>
   </p:cSld>
   <p:clrMapOvr>
     <a:masterClrMapping/>
   </p:clrMapOvr>
+  <p:transition spd="slow" advTm="60000">
+    <p:wipe/>
+  </p:transition>
+  <p:timing>
+    <p:tnLst>
+      <p:par>
+        <p:cTn id="1" dur="indefinite" restart="never" nodeType="tmRoot"/>
+      </p:par>
+    </p:tnLst>
+  </p:timing>
 </p:sld>
 </file>
 
@@ -6193,7 +13216,7 @@
   <a:extraClrSchemeLst/>
   <a:extLst>
     <a:ext uri="{05A4C25C-085E-4340-85A3-A5531E510DB2}">
-      <thm15:themeFamily xmlns:thm15="http://schemas.microsoft.com/office/thememl/2012/main" name="PebbleVTI" id="{8B4DB91D-6BB4-4BA3-973A-733D3AF2680E}" vid="{9A19CF0D-2077-4BF4-BAA5-86934C336D59}"/>
+      <thm15:themeFamily xmlns:thm15="http://schemas.microsoft.com/office/thememl/2012/main" xmlns="" name="PebbleVTI" id="{8B4DB91D-6BB4-4BA3-973A-733D3AF2680E}" vid="{9A19CF0D-2077-4BF4-BAA5-86934C336D59}"/>
     </a:ext>
   </a:extLst>
 </a:theme>
